--- a/Postgresql.pptx
+++ b/Postgresql.pptx
@@ -24,6 +24,8 @@
     <p:sldId id="269" r:id="rId21"/>
     <p:sldId id="270" r:id="rId22"/>
     <p:sldId id="271" r:id="rId23"/>
+    <p:sldId id="272" r:id="rId24"/>
+    <p:sldId id="273" r:id="rId25"/>
   </p:sldIdLst>
   <p:sldSz cx="13004800" cy="9753600"/>
   <p:notesSz cx="6858000" cy="9144000"/>
@@ -725,6 +727,164 @@
             <a:pPr/>
             <a:r>
               <a:t>Tous les types n’occupent pas le même espace</a:t>
+            </a:r>
+          </a:p>
+        </p:txBody>
+      </p:sp>
+    </p:spTree>
+  </p:cSld>
+  <p:clrMapOvr>
+    <a:masterClrMapping/>
+  </p:clrMapOvr>
+</p:notes>
+</file>
+
+<file path=ppt/notesSlides/notesSlide4.xml><?xml version="1.0" encoding="utf-8"?>
+<p:notes xmlns:a="http://schemas.openxmlformats.org/drawingml/2006/main" xmlns:r="http://schemas.openxmlformats.org/officeDocument/2006/relationships" xmlns:p="http://schemas.openxmlformats.org/presentationml/2006/main" xmlns:m="http://schemas.openxmlformats.org/officeDocument/2006/math" xmlns:a14="http://schemas.microsoft.com/office/drawing/2010/main" showMasterSp="1" showMasterPhAnim="1">
+  <p:cSld>
+    <p:spTree>
+      <p:nvGrpSpPr>
+        <p:cNvPr id="1" name=""/>
+        <p:cNvGrpSpPr/>
+        <p:nvPr/>
+      </p:nvGrpSpPr>
+      <p:grpSpPr>
+        <a:xfrm>
+          <a:off x="0" y="0"/>
+          <a:ext cx="0" cy="0"/>
+          <a:chOff x="0" y="0"/>
+          <a:chExt cx="0" cy="0"/>
+        </a:xfrm>
+      </p:grpSpPr>
+      <p:sp>
+        <p:nvSpPr>
+          <p:cNvPr id="229" name="Shape 229"/>
+          <p:cNvSpPr/>
+          <p:nvPr>
+            <p:ph type="sldImg"/>
+          </p:nvPr>
+        </p:nvSpPr>
+        <p:spPr>
+          <a:prstGeom prst="rect">
+            <a:avLst/>
+          </a:prstGeom>
+        </p:spPr>
+        <p:txBody>
+          <a:bodyPr/>
+          <a:lstStyle/>
+          <a:p>
+            <a:pPr/>
+          </a:p>
+        </p:txBody>
+      </p:sp>
+      <p:sp>
+        <p:nvSpPr>
+          <p:cNvPr id="230" name="Shape 230"/>
+          <p:cNvSpPr/>
+          <p:nvPr>
+            <p:ph type="body" sz="quarter" idx="1"/>
+          </p:nvPr>
+        </p:nvSpPr>
+        <p:spPr>
+          <a:prstGeom prst="rect">
+            <a:avLst/>
+          </a:prstGeom>
+        </p:spPr>
+        <p:txBody>
+          <a:bodyPr/>
+          <a:lstStyle/>
+          <a:p>
+            <a:pPr marL="271669" indent="-271669">
+              <a:buClr>
+                <a:srgbClr val="535353"/>
+              </a:buClr>
+              <a:buSzPct val="82000"/>
+              <a:buChar char="-"/>
+            </a:pPr>
+            <a:r>
+              <a:t>Option 1 : obligé de se souvenir de l’ordre des colonnes et de renseigner toutes les colonnes</a:t>
+            </a:r>
+          </a:p>
+          <a:p>
+            <a:pPr marL="271669" indent="-271669">
+              <a:buClr>
+                <a:srgbClr val="535353"/>
+              </a:buClr>
+              <a:buSzPct val="82000"/>
+              <a:buChar char="-"/>
+            </a:pPr>
+            <a:r>
+              <a:t>Option 2 : on choisi ce que l’on renseigne et dans quel ordre. C’est aussi plus stable en cas d’évolution des tables</a:t>
+            </a:r>
+          </a:p>
+        </p:txBody>
+      </p:sp>
+    </p:spTree>
+  </p:cSld>
+  <p:clrMapOvr>
+    <a:masterClrMapping/>
+  </p:clrMapOvr>
+</p:notes>
+</file>
+
+<file path=ppt/notesSlides/notesSlide5.xml><?xml version="1.0" encoding="utf-8"?>
+<p:notes xmlns:a="http://schemas.openxmlformats.org/drawingml/2006/main" xmlns:r="http://schemas.openxmlformats.org/officeDocument/2006/relationships" xmlns:p="http://schemas.openxmlformats.org/presentationml/2006/main" xmlns:m="http://schemas.openxmlformats.org/officeDocument/2006/math" xmlns:a14="http://schemas.microsoft.com/office/drawing/2010/main" showMasterSp="1" showMasterPhAnim="1">
+  <p:cSld>
+    <p:spTree>
+      <p:nvGrpSpPr>
+        <p:cNvPr id="1" name=""/>
+        <p:cNvGrpSpPr/>
+        <p:nvPr/>
+      </p:nvGrpSpPr>
+      <p:grpSpPr>
+        <a:xfrm>
+          <a:off x="0" y="0"/>
+          <a:ext cx="0" cy="0"/>
+          <a:chOff x="0" y="0"/>
+          <a:chExt cx="0" cy="0"/>
+        </a:xfrm>
+      </p:grpSpPr>
+      <p:sp>
+        <p:nvSpPr>
+          <p:cNvPr id="236" name="Shape 236"/>
+          <p:cNvSpPr/>
+          <p:nvPr>
+            <p:ph type="sldImg"/>
+          </p:nvPr>
+        </p:nvSpPr>
+        <p:spPr>
+          <a:prstGeom prst="rect">
+            <a:avLst/>
+          </a:prstGeom>
+        </p:spPr>
+        <p:txBody>
+          <a:bodyPr/>
+          <a:lstStyle/>
+          <a:p>
+            <a:pPr/>
+          </a:p>
+        </p:txBody>
+      </p:sp>
+      <p:sp>
+        <p:nvSpPr>
+          <p:cNvPr id="237" name="Shape 237"/>
+          <p:cNvSpPr/>
+          <p:nvPr>
+            <p:ph type="body" sz="quarter" idx="1"/>
+          </p:nvPr>
+        </p:nvSpPr>
+        <p:spPr>
+          <a:prstGeom prst="rect">
+            <a:avLst/>
+          </a:prstGeom>
+        </p:spPr>
+        <p:txBody>
+          <a:bodyPr/>
+          <a:lstStyle/>
+          <a:p>
+            <a:pPr/>
+            <a:r>
+              <a:t>current_date =&gt; date aujourd’hui au bon format</a:t>
             </a:r>
           </a:p>
         </p:txBody>
@@ -4883,12 +5043,12 @@
       </p:par>
     </p:tnLst>
     <p:bldLst>
-      <p:bldP build="whole" bldLvl="1" animBg="1" rev="0" advAuto="0" spid="184" grpId="5"/>
       <p:bldP build="whole" bldLvl="1" animBg="1" rev="0" advAuto="0" spid="188" grpId="6"/>
+      <p:bldP build="whole" bldLvl="1" animBg="1" rev="0" advAuto="0" spid="186" grpId="2"/>
       <p:bldP build="whole" bldLvl="1" animBg="1" rev="0" advAuto="0" spid="182" grpId="3"/>
       <p:bldP build="whole" bldLvl="1" animBg="1" rev="0" advAuto="0" spid="180" grpId="1"/>
-      <p:bldP build="whole" bldLvl="1" animBg="1" rev="0" advAuto="0" spid="186" grpId="2"/>
       <p:bldP build="whole" bldLvl="1" animBg="1" rev="0" advAuto="0" spid="187" grpId="4"/>
+      <p:bldP build="whole" bldLvl="1" animBg="1" rev="0" advAuto="0" spid="184" grpId="5"/>
     </p:bldLst>
   </p:timing>
 </p:sld>
@@ -5562,12 +5722,12 @@
       </p:par>
     </p:tnLst>
     <p:bldLst>
+      <p:bldP build="whole" bldLvl="1" animBg="1" rev="0" advAuto="0" spid="194" grpId="4"/>
+      <p:bldP build="whole" bldLvl="1" animBg="1" rev="0" advAuto="0" spid="194" grpId="5"/>
+      <p:bldP build="whole" bldLvl="1" animBg="1" rev="0" advAuto="0" spid="195" grpId="2"/>
       <p:bldP build="whole" bldLvl="1" animBg="1" rev="0" advAuto="0" spid="196" grpId="6"/>
       <p:bldP build="whole" bldLvl="1" animBg="1" rev="0" advAuto="0" spid="193" grpId="3"/>
-      <p:bldP build="whole" bldLvl="1" animBg="1" rev="0" advAuto="0" spid="194" grpId="4"/>
-      <p:bldP build="whole" bldLvl="1" animBg="1" rev="0" advAuto="0" spid="194" grpId="5"/>
       <p:bldP build="whole" bldLvl="1" animBg="1" rev="0" advAuto="0" spid="192" grpId="1"/>
-      <p:bldP build="whole" bldLvl="1" animBg="1" rev="0" advAuto="0" spid="195" grpId="2"/>
     </p:bldLst>
   </p:timing>
 </p:sld>
@@ -7162,11 +7322,11 @@
       </p:par>
     </p:tnLst>
     <p:bldLst>
+      <p:bldP build="whole" bldLvl="1" animBg="1" rev="0" advAuto="0" spid="207" grpId="5"/>
       <p:bldP build="whole" bldLvl="1" animBg="1" rev="0" advAuto="0" spid="204" grpId="1"/>
       <p:bldP build="whole" bldLvl="1" animBg="1" rev="0" advAuto="0" spid="204" grpId="2"/>
+      <p:bldP build="whole" bldLvl="1" animBg="1" rev="0" advAuto="0" spid="205" grpId="3"/>
       <p:bldP build="whole" bldLvl="1" animBg="1" rev="0" advAuto="0" spid="206" grpId="4"/>
-      <p:bldP build="whole" bldLvl="1" animBg="1" rev="0" advAuto="0" spid="207" grpId="5"/>
-      <p:bldP build="whole" bldLvl="1" animBg="1" rev="0" advAuto="0" spid="205" grpId="3"/>
     </p:bldLst>
   </p:timing>
 </p:sld>
@@ -8113,9 +8273,9 @@
       </p:par>
     </p:tnLst>
     <p:bldLst>
+      <p:bldP build="whole" bldLvl="1" animBg="1" rev="0" advAuto="0" spid="213" grpId="1"/>
       <p:bldP build="whole" bldLvl="1" animBg="1" rev="0" advAuto="0" spid="214" grpId="2"/>
       <p:bldP build="whole" bldLvl="1" animBg="1" rev="0" advAuto="0" spid="215" grpId="3"/>
-      <p:bldP build="whole" bldLvl="1" animBg="1" rev="0" advAuto="0" spid="213" grpId="1"/>
     </p:bldLst>
   </p:timing>
 </p:sld>
@@ -8289,7 +8449,7 @@
             </a:r>
             <a:br/>
             <a:r>
-              <a:t>- nom prénom (ne peut pas être null),</a:t>
+              <a:t>- son prénom (ne peut pas être null),</a:t>
             </a:r>
             <a:br/>
             <a:r>
@@ -8302,6 +8462,2458 @@
           </a:p>
         </p:txBody>
       </p:sp>
+    </p:spTree>
+  </p:cSld>
+  <p:clrMapOvr>
+    <a:masterClrMapping/>
+  </p:clrMapOvr>
+  <p:transition xmlns:p14="http://schemas.microsoft.com/office/powerpoint/2010/main" spd="med" advClick="1"/>
+</p:sld>
+</file>
+
+<file path=ppt/slides/slide17.xml><?xml version="1.0" encoding="utf-8"?>
+<p:sld xmlns:a="http://schemas.openxmlformats.org/drawingml/2006/main" xmlns:r="http://schemas.openxmlformats.org/officeDocument/2006/relationships" xmlns:p="http://schemas.openxmlformats.org/presentationml/2006/main" xmlns:m="http://schemas.openxmlformats.org/officeDocument/2006/math" xmlns:a14="http://schemas.microsoft.com/office/drawing/2010/main" showMasterSp="1" showMasterPhAnim="1">
+  <p:cSld>
+    <p:spTree>
+      <p:nvGrpSpPr>
+        <p:cNvPr id="1" name=""/>
+        <p:cNvGrpSpPr/>
+        <p:nvPr/>
+      </p:nvGrpSpPr>
+      <p:grpSpPr>
+        <a:xfrm>
+          <a:off x="0" y="0"/>
+          <a:ext cx="0" cy="0"/>
+          <a:chOff x="0" y="0"/>
+          <a:chExt cx="0" cy="0"/>
+        </a:xfrm>
+      </p:grpSpPr>
+      <p:sp>
+        <p:nvSpPr>
+          <p:cNvPr id="221" name="Requêtage SQL"/>
+          <p:cNvSpPr txBox="1"/>
+          <p:nvPr/>
+        </p:nvSpPr>
+        <p:spPr>
+          <a:xfrm>
+            <a:off x="1270000" y="-12700"/>
+            <a:ext cx="10464800" cy="1282700"/>
+          </a:xfrm>
+          <a:prstGeom prst="rect">
+            <a:avLst/>
+          </a:prstGeom>
+          <a:ln w="12700">
+            <a:miter lim="400000"/>
+          </a:ln>
+          <a:extLst>
+            <a:ext uri="{C572A759-6A51-4108-AA02-DFA0A04FC94B}">
+              <ma14:wrappingTextBoxFlag xmlns:ma14="http://schemas.microsoft.com/office/mac/drawingml/2011/main" val="1"/>
+            </a:ext>
+          </a:extLst>
+        </p:spPr>
+        <p:txBody>
+          <a:bodyPr lIns="50800" tIns="50800" rIns="50800" bIns="50800" anchor="ctr">
+            <a:normAutofit fontScale="100000" lnSpcReduction="0"/>
+          </a:bodyPr>
+          <a:lstStyle>
+            <a:lvl1pPr>
+              <a:defRPr sz="2600"/>
+            </a:lvl1pPr>
+          </a:lstStyle>
+          <a:p>
+            <a:pPr/>
+            <a:r>
+              <a:t>Requêtage SQL</a:t>
+            </a:r>
+          </a:p>
+        </p:txBody>
+      </p:sp>
+      <p:sp>
+        <p:nvSpPr>
+          <p:cNvPr id="222" name="Option 1 - en respectant l’ordre des colonnes"/>
+          <p:cNvSpPr txBox="1"/>
+          <p:nvPr/>
+        </p:nvSpPr>
+        <p:spPr>
+          <a:xfrm>
+            <a:off x="917980" y="2549201"/>
+            <a:ext cx="8380959" cy="622301"/>
+          </a:xfrm>
+          <a:prstGeom prst="rect">
+            <a:avLst/>
+          </a:prstGeom>
+          <a:ln w="12700">
+            <a:miter lim="400000"/>
+          </a:ln>
+          <a:extLst>
+            <a:ext uri="{C572A759-6A51-4108-AA02-DFA0A04FC94B}">
+              <ma14:wrappingTextBoxFlag xmlns:ma14="http://schemas.microsoft.com/office/mac/drawingml/2011/main" val="1"/>
+            </a:ext>
+          </a:extLst>
+        </p:spPr>
+        <p:txBody>
+          <a:bodyPr wrap="none" lIns="50800" tIns="50800" rIns="50800" bIns="50800" anchor="ctr">
+            <a:spAutoFit/>
+          </a:bodyPr>
+          <a:lstStyle>
+            <a:lvl1pPr algn="l"/>
+          </a:lstStyle>
+          <a:p>
+            <a:pPr/>
+            <a:r>
+              <a:t>Option 1 - en respectant l’ordre des colonnes</a:t>
+            </a:r>
+          </a:p>
+        </p:txBody>
+      </p:sp>
+      <p:sp>
+        <p:nvSpPr>
+          <p:cNvPr id="223" name="INSERT INTO [table]…"/>
+          <p:cNvSpPr txBox="1"/>
+          <p:nvPr/>
+        </p:nvSpPr>
+        <p:spPr>
+          <a:xfrm>
+            <a:off x="935869" y="3193600"/>
+            <a:ext cx="10997432" cy="1011710"/>
+          </a:xfrm>
+          <a:prstGeom prst="rect">
+            <a:avLst/>
+          </a:prstGeom>
+          <a:ln w="12700">
+            <a:miter lim="400000"/>
+          </a:ln>
+          <a:extLst>
+            <a:ext uri="{C572A759-6A51-4108-AA02-DFA0A04FC94B}">
+              <ma14:wrappingTextBoxFlag xmlns:ma14="http://schemas.microsoft.com/office/mac/drawingml/2011/main" val="1"/>
+            </a:ext>
+          </a:extLst>
+        </p:spPr>
+        <p:txBody>
+          <a:bodyPr wrap="none" lIns="50800" tIns="50800" rIns="50800" bIns="50800">
+            <a:spAutoFit/>
+          </a:bodyPr>
+          <a:lstStyle/>
+          <a:p>
+            <a:pPr algn="l">
+              <a:defRPr sz="2800">
+                <a:solidFill>
+                  <a:srgbClr val="5A5F5E"/>
+                </a:solidFill>
+                <a:latin typeface="Monaco"/>
+                <a:ea typeface="Monaco"/>
+                <a:cs typeface="Monaco"/>
+                <a:sym typeface="Monaco"/>
+              </a:defRPr>
+            </a:pPr>
+            <a:r>
+              <a:t>INSERT INTO [table]</a:t>
+            </a:r>
+          </a:p>
+          <a:p>
+            <a:pPr algn="l">
+              <a:defRPr sz="2800">
+                <a:solidFill>
+                  <a:srgbClr val="5A5F5E"/>
+                </a:solidFill>
+                <a:latin typeface="Monaco"/>
+                <a:ea typeface="Monaco"/>
+                <a:cs typeface="Monaco"/>
+                <a:sym typeface="Monaco"/>
+              </a:defRPr>
+            </a:pPr>
+            <a:r>
+              <a:t>VALUES ( [valeur_colonne1], [valeur_colonne2], … );</a:t>
+            </a:r>
+          </a:p>
+        </p:txBody>
+      </p:sp>
+      <p:sp>
+        <p:nvSpPr>
+          <p:cNvPr id="224" name="Option 2 - en précisant l’ordre des colonnes"/>
+          <p:cNvSpPr txBox="1"/>
+          <p:nvPr/>
+        </p:nvSpPr>
+        <p:spPr>
+          <a:xfrm>
+            <a:off x="941482" y="4962201"/>
+            <a:ext cx="8109943" cy="622301"/>
+          </a:xfrm>
+          <a:prstGeom prst="rect">
+            <a:avLst/>
+          </a:prstGeom>
+          <a:ln w="12700">
+            <a:miter lim="400000"/>
+          </a:ln>
+          <a:extLst>
+            <a:ext uri="{C572A759-6A51-4108-AA02-DFA0A04FC94B}">
+              <ma14:wrappingTextBoxFlag xmlns:ma14="http://schemas.microsoft.com/office/mac/drawingml/2011/main" val="1"/>
+            </a:ext>
+          </a:extLst>
+        </p:spPr>
+        <p:txBody>
+          <a:bodyPr wrap="none" lIns="50800" tIns="50800" rIns="50800" bIns="50800" anchor="ctr">
+            <a:spAutoFit/>
+          </a:bodyPr>
+          <a:lstStyle>
+            <a:lvl1pPr algn="l"/>
+          </a:lstStyle>
+          <a:p>
+            <a:pPr/>
+            <a:r>
+              <a:t>Option 2 - en précisant l’ordre des colonnes</a:t>
+            </a:r>
+          </a:p>
+        </p:txBody>
+      </p:sp>
+      <p:sp>
+        <p:nvSpPr>
+          <p:cNvPr id="225" name="INSERT INTO [table] ( [nom_colonne2], [nom_colonne1] )…"/>
+          <p:cNvSpPr txBox="1"/>
+          <p:nvPr/>
+        </p:nvSpPr>
+        <p:spPr>
+          <a:xfrm>
+            <a:off x="935869" y="5606600"/>
+            <a:ext cx="11851011" cy="1011710"/>
+          </a:xfrm>
+          <a:prstGeom prst="rect">
+            <a:avLst/>
+          </a:prstGeom>
+          <a:ln w="12700">
+            <a:miter lim="400000"/>
+          </a:ln>
+          <a:extLst>
+            <a:ext uri="{C572A759-6A51-4108-AA02-DFA0A04FC94B}">
+              <ma14:wrappingTextBoxFlag xmlns:ma14="http://schemas.microsoft.com/office/mac/drawingml/2011/main" val="1"/>
+            </a:ext>
+          </a:extLst>
+        </p:spPr>
+        <p:txBody>
+          <a:bodyPr wrap="none" lIns="50800" tIns="50800" rIns="50800" bIns="50800">
+            <a:spAutoFit/>
+          </a:bodyPr>
+          <a:lstStyle/>
+          <a:p>
+            <a:pPr algn="l">
+              <a:defRPr sz="2800">
+                <a:solidFill>
+                  <a:srgbClr val="5A5F5E"/>
+                </a:solidFill>
+                <a:latin typeface="Monaco"/>
+                <a:ea typeface="Monaco"/>
+                <a:cs typeface="Monaco"/>
+                <a:sym typeface="Monaco"/>
+              </a:defRPr>
+            </a:pPr>
+            <a:r>
+              <a:t>INSERT INTO [table] ( [nom_colonne2], [nom_colonne1] )</a:t>
+            </a:r>
+          </a:p>
+          <a:p>
+            <a:pPr algn="l">
+              <a:defRPr sz="2800">
+                <a:solidFill>
+                  <a:srgbClr val="5A5F5E"/>
+                </a:solidFill>
+                <a:latin typeface="Monaco"/>
+                <a:ea typeface="Monaco"/>
+                <a:cs typeface="Monaco"/>
+                <a:sym typeface="Monaco"/>
+              </a:defRPr>
+            </a:pPr>
+            <a:r>
+              <a:t>VALUES ( [valeur_colonne2], [valeur_colonne1] );</a:t>
+            </a:r>
+          </a:p>
+        </p:txBody>
+      </p:sp>
+      <p:sp>
+        <p:nvSpPr>
+          <p:cNvPr id="226" name="Insérer des données"/>
+          <p:cNvSpPr txBox="1"/>
+          <p:nvPr/>
+        </p:nvSpPr>
+        <p:spPr>
+          <a:xfrm>
+            <a:off x="4353769" y="1539650"/>
+            <a:ext cx="3734842" cy="622301"/>
+          </a:xfrm>
+          <a:prstGeom prst="rect">
+            <a:avLst/>
+          </a:prstGeom>
+          <a:ln w="12700">
+            <a:miter lim="400000"/>
+          </a:ln>
+          <a:extLst>
+            <a:ext uri="{C572A759-6A51-4108-AA02-DFA0A04FC94B}">
+              <ma14:wrappingTextBoxFlag xmlns:ma14="http://schemas.microsoft.com/office/mac/drawingml/2011/main" val="1"/>
+            </a:ext>
+          </a:extLst>
+        </p:spPr>
+        <p:txBody>
+          <a:bodyPr wrap="none" lIns="50800" tIns="50800" rIns="50800" bIns="50800" anchor="ctr">
+            <a:spAutoFit/>
+          </a:bodyPr>
+          <a:lstStyle>
+            <a:lvl1pPr algn="l"/>
+          </a:lstStyle>
+          <a:p>
+            <a:pPr/>
+            <a:r>
+              <a:t>Insérer des données</a:t>
+            </a:r>
+          </a:p>
+        </p:txBody>
+      </p:sp>
+      <p:sp>
+        <p:nvSpPr>
+          <p:cNvPr id="227" name="⚠️ Les guillemets doubles ne fonctionnent pas en ligne de commande, il faut utiliser des guillemets simples"/>
+          <p:cNvSpPr txBox="1"/>
+          <p:nvPr/>
+        </p:nvSpPr>
+        <p:spPr>
+          <a:xfrm>
+            <a:off x="843833" y="7375201"/>
+            <a:ext cx="9921087" cy="977901"/>
+          </a:xfrm>
+          <a:prstGeom prst="rect">
+            <a:avLst/>
+          </a:prstGeom>
+          <a:ln w="12700">
+            <a:miter lim="400000"/>
+          </a:ln>
+          <a:extLst>
+            <a:ext uri="{C572A759-6A51-4108-AA02-DFA0A04FC94B}">
+              <ma14:wrappingTextBoxFlag xmlns:ma14="http://schemas.microsoft.com/office/mac/drawingml/2011/main" val="1"/>
+            </a:ext>
+          </a:extLst>
+        </p:spPr>
+        <p:txBody>
+          <a:bodyPr lIns="50800" tIns="50800" rIns="50800" bIns="50800" anchor="ctr">
+            <a:spAutoFit/>
+          </a:bodyPr>
+          <a:lstStyle>
+            <a:lvl1pPr algn="l">
+              <a:spcBef>
+                <a:spcPts val="3800"/>
+              </a:spcBef>
+              <a:defRPr sz="2800"/>
+            </a:lvl1pPr>
+          </a:lstStyle>
+          <a:p>
+            <a:pPr/>
+            <a:r>
+              <a:t>⚠️ Les guillemets doubles ne fonctionnent pas en ligne de commande, il faut utiliser des guillemets simples</a:t>
+            </a:r>
+          </a:p>
+        </p:txBody>
+      </p:sp>
+      <p:sp>
+        <p:nvSpPr>
+          <p:cNvPr id="228" name="Mieux vaut utiliser l’option 2 : - on choisi ce que l’on renseigne, - on choisi l’ordre dans lesquelles on les renseigne, - ça évite d’insérer les données dans la mauvaise colonne, - c’est plus stable en cas d’évolution des tables."/>
+          <p:cNvSpPr txBox="1"/>
+          <p:nvPr/>
+        </p:nvSpPr>
+        <p:spPr>
+          <a:xfrm>
+            <a:off x="910060" y="4893925"/>
+            <a:ext cx="10998250" cy="2832101"/>
+          </a:xfrm>
+          <a:prstGeom prst="rect">
+            <a:avLst/>
+          </a:prstGeom>
+          <a:ln w="12700">
+            <a:miter lim="400000"/>
+          </a:ln>
+          <a:extLst>
+            <a:ext uri="{C572A759-6A51-4108-AA02-DFA0A04FC94B}">
+              <ma14:wrappingTextBoxFlag xmlns:ma14="http://schemas.microsoft.com/office/mac/drawingml/2011/main" val="1"/>
+            </a:ext>
+          </a:extLst>
+        </p:spPr>
+        <p:txBody>
+          <a:bodyPr wrap="none" lIns="50800" tIns="50800" rIns="50800" bIns="50800" anchor="ctr">
+            <a:spAutoFit/>
+          </a:bodyPr>
+          <a:lstStyle/>
+          <a:p>
+            <a:pPr algn="l">
+              <a:spcBef>
+                <a:spcPts val="3800"/>
+              </a:spcBef>
+              <a:defRPr sz="3800"/>
+            </a:pPr>
+            <a:r>
+              <a:t>Mieux vaut utiliser l’option 2 :</a:t>
+            </a:r>
+            <a:br/>
+            <a:r>
+              <a:t>- on choisi ce que l’on renseigne,</a:t>
+            </a:r>
+            <a:br/>
+            <a:r>
+              <a:t>- on choisi l’ordre dans lesquelles on les renseigne,</a:t>
+            </a:r>
+            <a:br/>
+            <a:r>
+              <a:t>- ça évite d’insérer les données dans la mauvaise colonne,</a:t>
+            </a:r>
+            <a:br/>
+            <a:r>
+              <a:t>- c’est plus stable en cas d’évolution des tables.</a:t>
+            </a:r>
+          </a:p>
+        </p:txBody>
+      </p:sp>
+    </p:spTree>
+  </p:cSld>
+  <p:clrMapOvr>
+    <a:masterClrMapping/>
+  </p:clrMapOvr>
+  <p:transition xmlns:p14="http://schemas.microsoft.com/office/powerpoint/2010/main" spd="med" advClick="1"/>
+  <p:timing>
+    <p:tnLst>
+      <p:par>
+        <p:cTn id="1" nodeType="tmRoot" restart="never" dur="indefinite" fill="hold">
+          <p:childTnLst>
+            <p:seq concurrent="1" prevAc="none" nextAc="seek">
+              <p:cTn id="2" nodeType="mainSeq" dur="indefinite" fill="hold">
+                <p:childTnLst>
+                  <p:par>
+                    <p:cTn id="3" fill="hold">
+                      <p:stCondLst>
+                        <p:cond delay="indefinite"/>
+                      </p:stCondLst>
+                      <p:childTnLst>
+                        <p:par>
+                          <p:cTn id="4" fill="hold">
+                            <p:stCondLst>
+                              <p:cond delay="0"/>
+                            </p:stCondLst>
+                            <p:childTnLst>
+                              <p:par>
+                                <p:cTn id="5" presetClass="entr" nodeType="clickEffect" presetID="9" grpId="1" fill="hold">
+                                  <p:stCondLst>
+                                    <p:cond delay="0"/>
+                                  </p:stCondLst>
+                                  <p:iterate type="el" backwards="0">
+                                    <p:tmAbs val="0"/>
+                                  </p:iterate>
+                                  <p:childTnLst>
+                                    <p:set>
+                                      <p:cBhvr>
+                                        <p:cTn id="6" fill="hold"/>
+                                        <p:tgtEl>
+                                          <p:spTgt spid="224"/>
+                                        </p:tgtEl>
+                                        <p:attrNameLst>
+                                          <p:attrName>style.visibility</p:attrName>
+                                        </p:attrNameLst>
+                                      </p:cBhvr>
+                                      <p:to>
+                                        <p:strVal val="visible"/>
+                                      </p:to>
+                                    </p:set>
+                                    <p:animEffect filter="dissolve" transition="in">
+                                      <p:cBhvr>
+                                        <p:cTn id="7" dur="300"/>
+                                        <p:tgtEl>
+                                          <p:spTgt spid="224"/>
+                                        </p:tgtEl>
+                                      </p:cBhvr>
+                                    </p:animEffect>
+                                  </p:childTnLst>
+                                </p:cTn>
+                              </p:par>
+                            </p:childTnLst>
+                          </p:cTn>
+                        </p:par>
+                        <p:par>
+                          <p:cTn id="8" fill="hold">
+                            <p:stCondLst>
+                              <p:cond delay="300"/>
+                            </p:stCondLst>
+                            <p:childTnLst>
+                              <p:par>
+                                <p:cTn id="9" presetClass="entr" nodeType="afterEffect" presetID="9" grpId="2" fill="hold">
+                                  <p:stCondLst>
+                                    <p:cond delay="0"/>
+                                  </p:stCondLst>
+                                  <p:iterate type="el" backwards="0">
+                                    <p:tmAbs val="0"/>
+                                  </p:iterate>
+                                  <p:childTnLst>
+                                    <p:set>
+                                      <p:cBhvr>
+                                        <p:cTn id="10" fill="hold"/>
+                                        <p:tgtEl>
+                                          <p:spTgt spid="225"/>
+                                        </p:tgtEl>
+                                        <p:attrNameLst>
+                                          <p:attrName>style.visibility</p:attrName>
+                                        </p:attrNameLst>
+                                      </p:cBhvr>
+                                      <p:to>
+                                        <p:strVal val="visible"/>
+                                      </p:to>
+                                    </p:set>
+                                    <p:animEffect filter="dissolve" transition="in">
+                                      <p:cBhvr>
+                                        <p:cTn id="11" dur="300"/>
+                                        <p:tgtEl>
+                                          <p:spTgt spid="225"/>
+                                        </p:tgtEl>
+                                      </p:cBhvr>
+                                    </p:animEffect>
+                                  </p:childTnLst>
+                                </p:cTn>
+                              </p:par>
+                            </p:childTnLst>
+                          </p:cTn>
+                        </p:par>
+                      </p:childTnLst>
+                    </p:cTn>
+                  </p:par>
+                  <p:par>
+                    <p:cTn id="12" fill="hold">
+                      <p:stCondLst>
+                        <p:cond delay="indefinite"/>
+                      </p:stCondLst>
+                      <p:childTnLst>
+                        <p:par>
+                          <p:cTn id="13" fill="hold">
+                            <p:stCondLst>
+                              <p:cond delay="0"/>
+                            </p:stCondLst>
+                            <p:childTnLst>
+                              <p:par>
+                                <p:cTn id="14" presetClass="entr" nodeType="clickEffect" presetID="9" grpId="3" fill="hold">
+                                  <p:stCondLst>
+                                    <p:cond delay="0"/>
+                                  </p:stCondLst>
+                                  <p:iterate type="el" backwards="0">
+                                    <p:tmAbs val="0"/>
+                                  </p:iterate>
+                                  <p:childTnLst>
+                                    <p:set>
+                                      <p:cBhvr>
+                                        <p:cTn id="15" fill="hold"/>
+                                        <p:tgtEl>
+                                          <p:spTgt spid="227"/>
+                                        </p:tgtEl>
+                                        <p:attrNameLst>
+                                          <p:attrName>style.visibility</p:attrName>
+                                        </p:attrNameLst>
+                                      </p:cBhvr>
+                                      <p:to>
+                                        <p:strVal val="visible"/>
+                                      </p:to>
+                                    </p:set>
+                                    <p:animEffect filter="dissolve" transition="in">
+                                      <p:cBhvr>
+                                        <p:cTn id="16" dur="300"/>
+                                        <p:tgtEl>
+                                          <p:spTgt spid="227"/>
+                                        </p:tgtEl>
+                                      </p:cBhvr>
+                                    </p:animEffect>
+                                  </p:childTnLst>
+                                </p:cTn>
+                              </p:par>
+                            </p:childTnLst>
+                          </p:cTn>
+                        </p:par>
+                      </p:childTnLst>
+                    </p:cTn>
+                  </p:par>
+                  <p:par>
+                    <p:cTn id="17" fill="hold">
+                      <p:stCondLst>
+                        <p:cond delay="indefinite"/>
+                      </p:stCondLst>
+                      <p:childTnLst>
+                        <p:par>
+                          <p:cTn id="18" fill="hold">
+                            <p:stCondLst>
+                              <p:cond delay="0"/>
+                            </p:stCondLst>
+                            <p:childTnLst>
+                              <p:par>
+                                <p:cTn id="19" presetClass="emph" nodeType="clickEffect" presetID="9" grpId="4" fill="hold">
+                                  <p:stCondLst>
+                                    <p:cond delay="0"/>
+                                  </p:stCondLst>
+                                  <p:childTnLst>
+                                    <p:set>
+                                      <p:cBhvr>
+                                        <p:cTn id="20" dur="indefinite" fill="hold"/>
+                                        <p:tgtEl>
+                                          <p:spTgt spid="222"/>
+                                        </p:tgtEl>
+                                        <p:attrNameLst>
+                                          <p:attrName>style.opacity</p:attrName>
+                                        </p:attrNameLst>
+                                      </p:cBhvr>
+                                      <p:to>
+                                        <p:strVal val="0.00"/>
+                                      </p:to>
+                                    </p:set>
+                                    <p:animEffect filter="image" prLst="opacity: 0.00; ">
+                                      <p:cBhvr>
+                                        <p:cTn id="21" dur="indefinite" fill="hold"/>
+                                        <p:tgtEl>
+                                          <p:spTgt spid="222"/>
+                                        </p:tgtEl>
+                                      </p:cBhvr>
+                                    </p:animEffect>
+                                  </p:childTnLst>
+                                </p:cTn>
+                              </p:par>
+                            </p:childTnLst>
+                          </p:cTn>
+                        </p:par>
+                        <p:par>
+                          <p:cTn id="22" fill="hold">
+                            <p:stCondLst>
+                              <p:cond delay="0"/>
+                            </p:stCondLst>
+                            <p:childTnLst>
+                              <p:par>
+                                <p:cTn id="23" presetClass="emph" nodeType="withEffect" presetID="9" grpId="5" fill="hold">
+                                  <p:stCondLst>
+                                    <p:cond delay="0"/>
+                                  </p:stCondLst>
+                                  <p:childTnLst>
+                                    <p:set>
+                                      <p:cBhvr>
+                                        <p:cTn id="24" dur="indefinite" fill="hold"/>
+                                        <p:tgtEl>
+                                          <p:spTgt spid="223"/>
+                                        </p:tgtEl>
+                                        <p:attrNameLst>
+                                          <p:attrName>style.opacity</p:attrName>
+                                        </p:attrNameLst>
+                                      </p:cBhvr>
+                                      <p:to>
+                                        <p:strVal val="0.00"/>
+                                      </p:to>
+                                    </p:set>
+                                    <p:animEffect filter="image" prLst="opacity: 0.00; ">
+                                      <p:cBhvr>
+                                        <p:cTn id="25" dur="indefinite" fill="hold"/>
+                                        <p:tgtEl>
+                                          <p:spTgt spid="223"/>
+                                        </p:tgtEl>
+                                      </p:cBhvr>
+                                    </p:animEffect>
+                                  </p:childTnLst>
+                                </p:cTn>
+                              </p:par>
+                            </p:childTnLst>
+                          </p:cTn>
+                        </p:par>
+                        <p:par>
+                          <p:cTn id="26" fill="hold">
+                            <p:stCondLst>
+                              <p:cond delay="0"/>
+                            </p:stCondLst>
+                            <p:childTnLst>
+                              <p:par>
+                                <p:cTn id="27" presetClass="path" nodeType="withEffect" presetSubtype="0" presetID="-1" grpId="6" accel="50000" decel="50000" fill="hold">
+                                  <p:stCondLst>
+                                    <p:cond delay="0"/>
+                                  </p:stCondLst>
+                                  <p:childTnLst>
+                                    <p:animMotion path="M 0.000000 0.000000 L -0.001526 -0.247357" origin="layout" pathEditMode="relative">
+                                      <p:cBhvr>
+                                        <p:cTn id="28" dur="300" fill="hold"/>
+                                        <p:tgtEl>
+                                          <p:spTgt spid="224"/>
+                                        </p:tgtEl>
+                                        <p:attrNameLst>
+                                          <p:attrName>ppt_x</p:attrName>
+                                          <p:attrName>ppt_y</p:attrName>
+                                        </p:attrNameLst>
+                                      </p:cBhvr>
+                                    </p:animMotion>
+                                  </p:childTnLst>
+                                </p:cTn>
+                              </p:par>
+                            </p:childTnLst>
+                          </p:cTn>
+                        </p:par>
+                        <p:par>
+                          <p:cTn id="29" fill="hold">
+                            <p:stCondLst>
+                              <p:cond delay="0"/>
+                            </p:stCondLst>
+                            <p:childTnLst>
+                              <p:par>
+                                <p:cTn id="30" presetClass="path" nodeType="withEffect" presetSubtype="0" presetID="-1" grpId="7" accel="50000" decel="50000" fill="hold">
+                                  <p:stCondLst>
+                                    <p:cond delay="0"/>
+                                  </p:stCondLst>
+                                  <p:childTnLst>
+                                    <p:animMotion path="M 0.000000 0.000000 L 0.000018 -0.246447" origin="layout" pathEditMode="relative">
+                                      <p:cBhvr>
+                                        <p:cTn id="31" dur="300" fill="hold"/>
+                                        <p:tgtEl>
+                                          <p:spTgt spid="225"/>
+                                        </p:tgtEl>
+                                        <p:attrNameLst>
+                                          <p:attrName>ppt_x</p:attrName>
+                                          <p:attrName>ppt_y</p:attrName>
+                                        </p:attrNameLst>
+                                      </p:cBhvr>
+                                    </p:animMotion>
+                                  </p:childTnLst>
+                                </p:cTn>
+                              </p:par>
+                            </p:childTnLst>
+                          </p:cTn>
+                        </p:par>
+                        <p:par>
+                          <p:cTn id="32" fill="hold">
+                            <p:stCondLst>
+                              <p:cond delay="0"/>
+                            </p:stCondLst>
+                            <p:childTnLst>
+                              <p:par>
+                                <p:cTn id="33" presetClass="path" nodeType="withEffect" presetSubtype="0" presetID="-1" grpId="8" accel="50000" decel="50000" fill="hold">
+                                  <p:stCondLst>
+                                    <p:cond delay="0"/>
+                                  </p:stCondLst>
+                                  <p:childTnLst>
+                                    <p:animMotion path="M 0.000000 0.000000 L -0.000328 0.064921" origin="layout" pathEditMode="relative">
+                                      <p:cBhvr>
+                                        <p:cTn id="34" dur="300" fill="hold"/>
+                                        <p:tgtEl>
+                                          <p:spTgt spid="227"/>
+                                        </p:tgtEl>
+                                        <p:attrNameLst>
+                                          <p:attrName>ppt_x</p:attrName>
+                                          <p:attrName>ppt_y</p:attrName>
+                                        </p:attrNameLst>
+                                      </p:cBhvr>
+                                    </p:animMotion>
+                                  </p:childTnLst>
+                                </p:cTn>
+                              </p:par>
+                            </p:childTnLst>
+                          </p:cTn>
+                        </p:par>
+                        <p:par>
+                          <p:cTn id="35" fill="hold">
+                            <p:stCondLst>
+                              <p:cond delay="300"/>
+                            </p:stCondLst>
+                            <p:childTnLst>
+                              <p:par>
+                                <p:cTn id="36" presetClass="entr" nodeType="afterEffect" presetID="9" grpId="9" fill="hold">
+                                  <p:stCondLst>
+                                    <p:cond delay="0"/>
+                                  </p:stCondLst>
+                                  <p:iterate type="el" backwards="0">
+                                    <p:tmAbs val="0"/>
+                                  </p:iterate>
+                                  <p:childTnLst>
+                                    <p:set>
+                                      <p:cBhvr>
+                                        <p:cTn id="37" fill="hold"/>
+                                        <p:tgtEl>
+                                          <p:spTgt spid="228"/>
+                                        </p:tgtEl>
+                                        <p:attrNameLst>
+                                          <p:attrName>style.visibility</p:attrName>
+                                        </p:attrNameLst>
+                                      </p:cBhvr>
+                                      <p:to>
+                                        <p:strVal val="visible"/>
+                                      </p:to>
+                                    </p:set>
+                                    <p:animEffect filter="dissolve" transition="in">
+                                      <p:cBhvr>
+                                        <p:cTn id="38" dur="300"/>
+                                        <p:tgtEl>
+                                          <p:spTgt spid="228"/>
+                                        </p:tgtEl>
+                                      </p:cBhvr>
+                                    </p:animEffect>
+                                  </p:childTnLst>
+                                </p:cTn>
+                              </p:par>
+                            </p:childTnLst>
+                          </p:cTn>
+                        </p:par>
+                      </p:childTnLst>
+                    </p:cTn>
+                  </p:par>
+                </p:childTnLst>
+              </p:cTn>
+              <p:prevCondLst>
+                <p:cond evt="onPrev">
+                  <p:tgtEl>
+                    <p:sldTgt/>
+                  </p:tgtEl>
+                </p:cond>
+              </p:prevCondLst>
+              <p:nextCondLst>
+                <p:cond evt="onNext">
+                  <p:tgtEl>
+                    <p:sldTgt/>
+                  </p:tgtEl>
+                </p:cond>
+              </p:nextCondLst>
+            </p:seq>
+          </p:childTnLst>
+        </p:cTn>
+      </p:par>
+    </p:tnLst>
+    <p:bldLst>
+      <p:bldP build="whole" bldLvl="1" animBg="1" rev="0" advAuto="0" spid="227" grpId="3"/>
+      <p:bldP build="whole" bldLvl="1" animBg="1" rev="0" advAuto="0" spid="228" grpId="9"/>
+      <p:bldP build="whole" bldLvl="1" animBg="1" rev="0" advAuto="0" spid="223" grpId="5"/>
+      <p:bldP build="whole" bldLvl="1" animBg="1" rev="0" advAuto="0" spid="225" grpId="2"/>
+      <p:bldP build="whole" bldLvl="1" animBg="1" rev="0" advAuto="0" spid="224" grpId="1"/>
+      <p:bldP build="whole" bldLvl="1" animBg="1" rev="0" advAuto="0" spid="222" grpId="4"/>
+    </p:bldLst>
+  </p:timing>
+</p:sld>
+</file>
+
+<file path=ppt/slides/slide18.xml><?xml version="1.0" encoding="utf-8"?>
+<p:sld xmlns:a="http://schemas.openxmlformats.org/drawingml/2006/main" xmlns:r="http://schemas.openxmlformats.org/officeDocument/2006/relationships" xmlns:p="http://schemas.openxmlformats.org/presentationml/2006/main" xmlns:m="http://schemas.openxmlformats.org/officeDocument/2006/math" xmlns:a14="http://schemas.microsoft.com/office/drawing/2010/main" showMasterSp="1" showMasterPhAnim="1">
+  <p:cSld>
+    <p:spTree>
+      <p:nvGrpSpPr>
+        <p:cNvPr id="1" name=""/>
+        <p:cNvGrpSpPr/>
+        <p:nvPr/>
+      </p:nvGrpSpPr>
+      <p:grpSpPr>
+        <a:xfrm>
+          <a:off x="0" y="0"/>
+          <a:ext cx="0" cy="0"/>
+          <a:chOff x="0" y="0"/>
+          <a:chExt cx="0" cy="0"/>
+        </a:xfrm>
+      </p:grpSpPr>
+      <p:sp>
+        <p:nvSpPr>
+          <p:cNvPr id="232" name="Requêtage SQL"/>
+          <p:cNvSpPr txBox="1"/>
+          <p:nvPr/>
+        </p:nvSpPr>
+        <p:spPr>
+          <a:xfrm>
+            <a:off x="1270000" y="-12700"/>
+            <a:ext cx="10464800" cy="1282700"/>
+          </a:xfrm>
+          <a:prstGeom prst="rect">
+            <a:avLst/>
+          </a:prstGeom>
+          <a:ln w="12700">
+            <a:miter lim="400000"/>
+          </a:ln>
+          <a:extLst>
+            <a:ext uri="{C572A759-6A51-4108-AA02-DFA0A04FC94B}">
+              <ma14:wrappingTextBoxFlag xmlns:ma14="http://schemas.microsoft.com/office/mac/drawingml/2011/main" val="1"/>
+            </a:ext>
+          </a:extLst>
+        </p:spPr>
+        <p:txBody>
+          <a:bodyPr lIns="50800" tIns="50800" rIns="50800" bIns="50800" anchor="ctr">
+            <a:normAutofit fontScale="100000" lnSpcReduction="0"/>
+          </a:bodyPr>
+          <a:lstStyle>
+            <a:lvl1pPr>
+              <a:defRPr sz="2600"/>
+            </a:lvl1pPr>
+          </a:lstStyle>
+          <a:p>
+            <a:pPr/>
+            <a:r>
+              <a:t>Requêtage SQL</a:t>
+            </a:r>
+          </a:p>
+        </p:txBody>
+      </p:sp>
+      <p:sp>
+        <p:nvSpPr>
+          <p:cNvPr id="233" name="Un peu de pratique"/>
+          <p:cNvSpPr txBox="1"/>
+          <p:nvPr/>
+        </p:nvSpPr>
+        <p:spPr>
+          <a:xfrm>
+            <a:off x="4672930" y="1732851"/>
+            <a:ext cx="3658940" cy="622301"/>
+          </a:xfrm>
+          <a:prstGeom prst="rect">
+            <a:avLst/>
+          </a:prstGeom>
+          <a:ln w="12700">
+            <a:miter lim="400000"/>
+          </a:ln>
+          <a:extLst>
+            <a:ext uri="{C572A759-6A51-4108-AA02-DFA0A04FC94B}">
+              <ma14:wrappingTextBoxFlag xmlns:ma14="http://schemas.microsoft.com/office/mac/drawingml/2011/main" val="1"/>
+            </a:ext>
+          </a:extLst>
+        </p:spPr>
+        <p:txBody>
+          <a:bodyPr wrap="none" lIns="50800" tIns="50800" rIns="50800" bIns="50800" anchor="ctr">
+            <a:spAutoFit/>
+          </a:bodyPr>
+          <a:lstStyle>
+            <a:lvl1pPr algn="l"/>
+          </a:lstStyle>
+          <a:p>
+            <a:pPr/>
+            <a:r>
+              <a:t>Un peu de pratique</a:t>
+            </a:r>
+          </a:p>
+        </p:txBody>
+      </p:sp>
+      <p:sp>
+        <p:nvSpPr>
+          <p:cNvPr id="234" name="Insérer ces 7 utilisateurs dans votre table Utilisateur"/>
+          <p:cNvSpPr txBox="1"/>
+          <p:nvPr/>
+        </p:nvSpPr>
+        <p:spPr>
+          <a:xfrm>
+            <a:off x="822267" y="2837053"/>
+            <a:ext cx="11360267" cy="647701"/>
+          </a:xfrm>
+          <a:prstGeom prst="rect">
+            <a:avLst/>
+          </a:prstGeom>
+          <a:ln w="12700">
+            <a:miter lim="400000"/>
+          </a:ln>
+          <a:extLst>
+            <a:ext uri="{C572A759-6A51-4108-AA02-DFA0A04FC94B}">
+              <ma14:wrappingTextBoxFlag xmlns:ma14="http://schemas.microsoft.com/office/mac/drawingml/2011/main" val="1"/>
+            </a:ext>
+          </a:extLst>
+        </p:spPr>
+        <p:txBody>
+          <a:bodyPr lIns="50800" tIns="50800" rIns="50800" bIns="50800" anchor="ctr">
+            <a:spAutoFit/>
+          </a:bodyPr>
+          <a:lstStyle>
+            <a:lvl1pPr algn="l">
+              <a:spcBef>
+                <a:spcPts val="3800"/>
+              </a:spcBef>
+              <a:defRPr sz="3800"/>
+            </a:lvl1pPr>
+          </a:lstStyle>
+          <a:p>
+            <a:pPr/>
+            <a:r>
+              <a:t>Insérer ces 7 utilisateurs dans votre table Utilisateur</a:t>
+            </a:r>
+          </a:p>
+        </p:txBody>
+      </p:sp>
+      <p:graphicFrame>
+        <p:nvGraphicFramePr>
+          <p:cNvPr id="235" name="Tableau"/>
+          <p:cNvGraphicFramePr/>
+          <p:nvPr/>
+        </p:nvGraphicFramePr>
+        <p:xfrm>
+          <a:off x="774700" y="3746500"/>
+          <a:ext cx="11468100" cy="8216900"/>
+        </p:xfrm>
+        <a:graphic xmlns:a="http://schemas.openxmlformats.org/drawingml/2006/main">
+          <a:graphicData uri="http://schemas.openxmlformats.org/drawingml/2006/table">
+            <a:tbl>
+              <a:tblPr firstCol="0" firstRow="0" lastCol="0" lastRow="0" bandCol="0" bandRow="1" rtl="0">
+                <a:tableStyleId>{CF821DB8-F4EB-4A41-A1BA-3FCAFE7338EE}</a:tableStyleId>
+              </a:tblPr>
+              <a:tblGrid>
+                <a:gridCol w="1778000"/>
+                <a:gridCol w="1778000"/>
+                <a:gridCol w="4449514"/>
+                <a:gridCol w="2863850"/>
+              </a:tblGrid>
+              <a:tr h="546100">
+                <a:tc>
+                  <a:txBody>
+                    <a:bodyPr/>
+                    <a:lstStyle/>
+                    <a:p>
+                      <a:pPr algn="l">
+                        <a:defRPr>
+                          <a:solidFill>
+                            <a:srgbClr val="000000"/>
+                          </a:solidFill>
+                        </a:defRPr>
+                      </a:pPr>
+                      <a:r>
+                        <a:rPr sz="3000">
+                          <a:solidFill>
+                            <a:srgbClr val="5A5F5E"/>
+                          </a:solidFill>
+                          <a:latin typeface="Gill Sans SemiBold"/>
+                          <a:ea typeface="Gill Sans SemiBold"/>
+                          <a:cs typeface="Gill Sans SemiBold"/>
+                          <a:sym typeface="Gill Sans SemiBold"/>
+                        </a:rPr>
+                        <a:t>Nom</a:t>
+                      </a:r>
+                    </a:p>
+                  </a:txBody>
+                  <a:tcPr marL="50800" marR="50800" marT="50800" marB="50800" anchor="t" anchorCtr="0" horzOverflow="overflow">
+                    <a:lnL w="12700">
+                      <a:solidFill>
+                        <a:srgbClr val="5A5F5E"/>
+                      </a:solidFill>
+                      <a:miter lim="400000"/>
+                    </a:lnL>
+                    <a:lnR w="12700">
+                      <a:solidFill>
+                        <a:srgbClr val="5A5F5E"/>
+                      </a:solidFill>
+                      <a:miter lim="400000"/>
+                    </a:lnR>
+                    <a:lnT w="12700">
+                      <a:solidFill>
+                        <a:srgbClr val="5A5F5E"/>
+                      </a:solidFill>
+                      <a:miter lim="400000"/>
+                    </a:lnT>
+                    <a:lnB w="12700">
+                      <a:solidFill>
+                        <a:srgbClr val="5A5F5E"/>
+                      </a:solidFill>
+                      <a:miter lim="400000"/>
+                    </a:lnB>
+                    <a:solidFill>
+                      <a:srgbClr val="B4B4B4"/>
+                    </a:solidFill>
+                  </a:tcPr>
+                </a:tc>
+                <a:tc>
+                  <a:txBody>
+                    <a:bodyPr/>
+                    <a:lstStyle/>
+                    <a:p>
+                      <a:pPr algn="l">
+                        <a:defRPr>
+                          <a:solidFill>
+                            <a:srgbClr val="000000"/>
+                          </a:solidFill>
+                        </a:defRPr>
+                      </a:pPr>
+                      <a:r>
+                        <a:rPr sz="3000">
+                          <a:solidFill>
+                            <a:srgbClr val="5A5F5E"/>
+                          </a:solidFill>
+                          <a:latin typeface="Gill Sans SemiBold"/>
+                          <a:ea typeface="Gill Sans SemiBold"/>
+                          <a:cs typeface="Gill Sans SemiBold"/>
+                          <a:sym typeface="Gill Sans SemiBold"/>
+                        </a:rPr>
+                        <a:t>Prénom</a:t>
+                      </a:r>
+                    </a:p>
+                  </a:txBody>
+                  <a:tcPr marL="50800" marR="50800" marT="50800" marB="50800" anchor="t" anchorCtr="0" horzOverflow="overflow">
+                    <a:lnL w="12700">
+                      <a:solidFill>
+                        <a:srgbClr val="5A5F5E"/>
+                      </a:solidFill>
+                      <a:miter lim="400000"/>
+                    </a:lnL>
+                    <a:lnR w="12700">
+                      <a:solidFill>
+                        <a:srgbClr val="5A5F5E"/>
+                      </a:solidFill>
+                      <a:miter lim="400000"/>
+                    </a:lnR>
+                    <a:lnT w="12700">
+                      <a:solidFill>
+                        <a:srgbClr val="5A5F5E"/>
+                      </a:solidFill>
+                      <a:miter lim="400000"/>
+                    </a:lnT>
+                    <a:lnB w="12700">
+                      <a:solidFill>
+                        <a:srgbClr val="5A5F5E"/>
+                      </a:solidFill>
+                      <a:miter lim="400000"/>
+                    </a:lnB>
+                    <a:solidFill>
+                      <a:srgbClr val="B4B4B4"/>
+                    </a:solidFill>
+                  </a:tcPr>
+                </a:tc>
+                <a:tc>
+                  <a:txBody>
+                    <a:bodyPr/>
+                    <a:lstStyle/>
+                    <a:p>
+                      <a:pPr algn="l">
+                        <a:defRPr>
+                          <a:solidFill>
+                            <a:srgbClr val="000000"/>
+                          </a:solidFill>
+                        </a:defRPr>
+                      </a:pPr>
+                      <a:r>
+                        <a:rPr sz="3000">
+                          <a:solidFill>
+                            <a:srgbClr val="5A5F5E"/>
+                          </a:solidFill>
+                          <a:latin typeface="Gill Sans SemiBold"/>
+                          <a:ea typeface="Gill Sans SemiBold"/>
+                          <a:cs typeface="Gill Sans SemiBold"/>
+                          <a:sym typeface="Gill Sans SemiBold"/>
+                        </a:rPr>
+                        <a:t>Email</a:t>
+                      </a:r>
+                    </a:p>
+                  </a:txBody>
+                  <a:tcPr marL="50800" marR="50800" marT="50800" marB="50800" anchor="t" anchorCtr="0" horzOverflow="overflow">
+                    <a:lnL w="12700">
+                      <a:solidFill>
+                        <a:srgbClr val="5A5F5E"/>
+                      </a:solidFill>
+                      <a:miter lim="400000"/>
+                    </a:lnL>
+                    <a:lnR w="12700">
+                      <a:solidFill>
+                        <a:srgbClr val="5A5F5E"/>
+                      </a:solidFill>
+                      <a:miter lim="400000"/>
+                    </a:lnR>
+                    <a:lnT w="12700">
+                      <a:solidFill>
+                        <a:srgbClr val="5A5F5E"/>
+                      </a:solidFill>
+                      <a:miter lim="400000"/>
+                    </a:lnT>
+                    <a:lnB w="12700">
+                      <a:solidFill>
+                        <a:srgbClr val="5A5F5E"/>
+                      </a:solidFill>
+                      <a:miter lim="400000"/>
+                    </a:lnB>
+                    <a:solidFill>
+                      <a:srgbClr val="B4B4B4"/>
+                    </a:solidFill>
+                  </a:tcPr>
+                </a:tc>
+                <a:tc>
+                  <a:txBody>
+                    <a:bodyPr/>
+                    <a:lstStyle/>
+                    <a:p>
+                      <a:pPr algn="l">
+                        <a:defRPr>
+                          <a:solidFill>
+                            <a:srgbClr val="000000"/>
+                          </a:solidFill>
+                        </a:defRPr>
+                      </a:pPr>
+                      <a:r>
+                        <a:rPr sz="3000">
+                          <a:solidFill>
+                            <a:srgbClr val="5A5F5E"/>
+                          </a:solidFill>
+                          <a:latin typeface="Gill Sans SemiBold"/>
+                          <a:ea typeface="Gill Sans SemiBold"/>
+                          <a:cs typeface="Gill Sans SemiBold"/>
+                          <a:sym typeface="Gill Sans SemiBold"/>
+                        </a:rPr>
+                        <a:t>Inscription</a:t>
+                      </a:r>
+                    </a:p>
+                  </a:txBody>
+                  <a:tcPr marL="50800" marR="50800" marT="50800" marB="50800" anchor="t" anchorCtr="0" horzOverflow="overflow">
+                    <a:lnL w="12700">
+                      <a:solidFill>
+                        <a:srgbClr val="5A5F5E"/>
+                      </a:solidFill>
+                      <a:miter lim="400000"/>
+                    </a:lnL>
+                    <a:lnR w="12700">
+                      <a:solidFill>
+                        <a:srgbClr val="5A5F5E"/>
+                      </a:solidFill>
+                      <a:miter lim="400000"/>
+                    </a:lnR>
+                    <a:lnT w="12700">
+                      <a:solidFill>
+                        <a:srgbClr val="5A5F5E"/>
+                      </a:solidFill>
+                      <a:miter lim="400000"/>
+                    </a:lnT>
+                    <a:lnB w="12700">
+                      <a:solidFill>
+                        <a:srgbClr val="5A5F5E"/>
+                      </a:solidFill>
+                      <a:miter lim="400000"/>
+                    </a:lnB>
+                    <a:solidFill>
+                      <a:srgbClr val="B4B4B4"/>
+                    </a:solidFill>
+                  </a:tcPr>
+                </a:tc>
+              </a:tr>
+              <a:tr h="546100">
+                <a:tc>
+                  <a:txBody>
+                    <a:bodyPr/>
+                    <a:lstStyle/>
+                    <a:p>
+                      <a:pPr algn="l">
+                        <a:defRPr>
+                          <a:solidFill>
+                            <a:srgbClr val="000000"/>
+                          </a:solidFill>
+                        </a:defRPr>
+                      </a:pPr>
+                      <a:r>
+                        <a:rPr sz="3000">
+                          <a:solidFill>
+                            <a:srgbClr val="5A5F5E"/>
+                          </a:solidFill>
+                        </a:rPr>
+                        <a:t>Torvalds</a:t>
+                      </a:r>
+                    </a:p>
+                  </a:txBody>
+                  <a:tcPr marL="50800" marR="50800" marT="50800" marB="50800" anchor="t" anchorCtr="0" horzOverflow="overflow">
+                    <a:lnL w="12700">
+                      <a:solidFill>
+                        <a:srgbClr val="5A5F5E"/>
+                      </a:solidFill>
+                      <a:miter lim="400000"/>
+                    </a:lnL>
+                    <a:lnR w="12700">
+                      <a:solidFill>
+                        <a:srgbClr val="5A5F5E"/>
+                      </a:solidFill>
+                      <a:miter lim="400000"/>
+                    </a:lnR>
+                    <a:lnT w="12700">
+                      <a:solidFill>
+                        <a:srgbClr val="5A5F5E"/>
+                      </a:solidFill>
+                      <a:miter lim="400000"/>
+                    </a:lnT>
+                    <a:lnB w="0">
+                      <a:miter lim="400000"/>
+                    </a:lnB>
+                  </a:tcPr>
+                </a:tc>
+                <a:tc>
+                  <a:txBody>
+                    <a:bodyPr/>
+                    <a:lstStyle/>
+                    <a:p>
+                      <a:pPr algn="l">
+                        <a:defRPr>
+                          <a:solidFill>
+                            <a:srgbClr val="000000"/>
+                          </a:solidFill>
+                        </a:defRPr>
+                      </a:pPr>
+                      <a:r>
+                        <a:rPr sz="3000">
+                          <a:solidFill>
+                            <a:srgbClr val="5A5F5E"/>
+                          </a:solidFill>
+                        </a:rPr>
+                        <a:t>Linus</a:t>
+                      </a:r>
+                    </a:p>
+                  </a:txBody>
+                  <a:tcPr marL="50800" marR="50800" marT="50800" marB="50800" anchor="t" anchorCtr="0" horzOverflow="overflow">
+                    <a:lnL w="12700">
+                      <a:solidFill>
+                        <a:srgbClr val="5A5F5E"/>
+                      </a:solidFill>
+                      <a:miter lim="400000"/>
+                    </a:lnL>
+                    <a:lnR w="12700">
+                      <a:solidFill>
+                        <a:srgbClr val="5A5F5E"/>
+                      </a:solidFill>
+                      <a:miter lim="400000"/>
+                    </a:lnR>
+                    <a:lnT w="12700">
+                      <a:solidFill>
+                        <a:srgbClr val="5A5F5E"/>
+                      </a:solidFill>
+                      <a:miter lim="400000"/>
+                    </a:lnT>
+                    <a:lnB w="0">
+                      <a:miter lim="400000"/>
+                    </a:lnB>
+                  </a:tcPr>
+                </a:tc>
+                <a:tc>
+                  <a:txBody>
+                    <a:bodyPr/>
+                    <a:lstStyle/>
+                    <a:p>
+                      <a:pPr algn="l">
+                        <a:defRPr>
+                          <a:solidFill>
+                            <a:srgbClr val="000000"/>
+                          </a:solidFill>
+                        </a:defRPr>
+                      </a:pPr>
+                      <a:r>
+                        <a:rPr sz="3000">
+                          <a:solidFill>
+                            <a:srgbClr val="5A5F5E"/>
+                          </a:solidFill>
+                        </a:rPr>
+                        <a:t>linus.torvalds@linux.com</a:t>
+                      </a:r>
+                    </a:p>
+                  </a:txBody>
+                  <a:tcPr marL="50800" marR="50800" marT="50800" marB="50800" anchor="t" anchorCtr="0" horzOverflow="overflow">
+                    <a:lnL w="12700">
+                      <a:solidFill>
+                        <a:srgbClr val="5A5F5E"/>
+                      </a:solidFill>
+                      <a:miter lim="400000"/>
+                    </a:lnL>
+                    <a:lnR w="12700">
+                      <a:solidFill>
+                        <a:srgbClr val="5A5F5E"/>
+                      </a:solidFill>
+                      <a:miter lim="400000"/>
+                    </a:lnR>
+                    <a:lnT w="12700">
+                      <a:solidFill>
+                        <a:srgbClr val="5A5F5E"/>
+                      </a:solidFill>
+                      <a:miter lim="400000"/>
+                    </a:lnT>
+                    <a:lnB w="0">
+                      <a:miter lim="400000"/>
+                    </a:lnB>
+                  </a:tcPr>
+                </a:tc>
+                <a:tc>
+                  <a:txBody>
+                    <a:bodyPr/>
+                    <a:lstStyle/>
+                    <a:p>
+                      <a:pPr algn="l">
+                        <a:defRPr>
+                          <a:solidFill>
+                            <a:srgbClr val="000000"/>
+                          </a:solidFill>
+                        </a:defRPr>
+                      </a:pPr>
+                      <a:r>
+                        <a:rPr sz="3000">
+                          <a:solidFill>
+                            <a:srgbClr val="5A5F5E"/>
+                          </a:solidFill>
+                        </a:rPr>
+                        <a:t>05/10/1991</a:t>
+                      </a:r>
+                    </a:p>
+                  </a:txBody>
+                  <a:tcPr marL="50800" marR="50800" marT="50800" marB="50800" anchor="t" anchorCtr="0" horzOverflow="overflow">
+                    <a:lnL w="12700">
+                      <a:solidFill>
+                        <a:srgbClr val="5A5F5E"/>
+                      </a:solidFill>
+                      <a:miter lim="400000"/>
+                    </a:lnL>
+                    <a:lnR w="12700">
+                      <a:solidFill>
+                        <a:srgbClr val="5A5F5E"/>
+                      </a:solidFill>
+                      <a:miter lim="400000"/>
+                    </a:lnR>
+                    <a:lnT w="12700">
+                      <a:solidFill>
+                        <a:srgbClr val="5A5F5E"/>
+                      </a:solidFill>
+                      <a:miter lim="400000"/>
+                    </a:lnT>
+                    <a:lnB w="0">
+                      <a:miter lim="400000"/>
+                    </a:lnB>
+                  </a:tcPr>
+                </a:tc>
+              </a:tr>
+              <a:tr h="546100">
+                <a:tc>
+                  <a:txBody>
+                    <a:bodyPr/>
+                    <a:lstStyle/>
+                    <a:p>
+                      <a:pPr algn="l">
+                        <a:defRPr>
+                          <a:solidFill>
+                            <a:srgbClr val="000000"/>
+                          </a:solidFill>
+                        </a:defRPr>
+                      </a:pPr>
+                      <a:r>
+                        <a:rPr sz="3000">
+                          <a:solidFill>
+                            <a:srgbClr val="5A5F5E"/>
+                          </a:solidFill>
+                        </a:rPr>
+                        <a:t>Bezos</a:t>
+                      </a:r>
+                    </a:p>
+                  </a:txBody>
+                  <a:tcPr marL="50800" marR="50800" marT="50800" marB="50800" anchor="t" anchorCtr="0" horzOverflow="overflow">
+                    <a:lnL w="12700">
+                      <a:solidFill>
+                        <a:srgbClr val="5A5F5E"/>
+                      </a:solidFill>
+                      <a:miter lim="400000"/>
+                    </a:lnL>
+                    <a:lnR w="12700">
+                      <a:solidFill>
+                        <a:srgbClr val="5A5F5E"/>
+                      </a:solidFill>
+                      <a:miter lim="400000"/>
+                    </a:lnR>
+                    <a:lnT w="0">
+                      <a:miter lim="400000"/>
+                    </a:lnT>
+                    <a:lnB w="0">
+                      <a:miter lim="400000"/>
+                    </a:lnB>
+                  </a:tcPr>
+                </a:tc>
+                <a:tc>
+                  <a:txBody>
+                    <a:bodyPr/>
+                    <a:lstStyle/>
+                    <a:p>
+                      <a:pPr algn="l">
+                        <a:defRPr>
+                          <a:solidFill>
+                            <a:srgbClr val="000000"/>
+                          </a:solidFill>
+                        </a:defRPr>
+                      </a:pPr>
+                      <a:r>
+                        <a:rPr sz="3000">
+                          <a:solidFill>
+                            <a:srgbClr val="5A5F5E"/>
+                          </a:solidFill>
+                        </a:rPr>
+                        <a:t>Jeff</a:t>
+                      </a:r>
+                    </a:p>
+                  </a:txBody>
+                  <a:tcPr marL="50800" marR="50800" marT="50800" marB="50800" anchor="t" anchorCtr="0" horzOverflow="overflow">
+                    <a:lnL w="12700">
+                      <a:solidFill>
+                        <a:srgbClr val="5A5F5E"/>
+                      </a:solidFill>
+                      <a:miter lim="400000"/>
+                    </a:lnL>
+                    <a:lnR w="12700">
+                      <a:solidFill>
+                        <a:srgbClr val="5A5F5E"/>
+                      </a:solidFill>
+                      <a:miter lim="400000"/>
+                    </a:lnR>
+                    <a:lnT w="0">
+                      <a:miter lim="400000"/>
+                    </a:lnT>
+                    <a:lnB w="0">
+                      <a:miter lim="400000"/>
+                    </a:lnB>
+                  </a:tcPr>
+                </a:tc>
+                <a:tc>
+                  <a:txBody>
+                    <a:bodyPr/>
+                    <a:lstStyle/>
+                    <a:p>
+                      <a:pPr algn="l">
+                        <a:defRPr>
+                          <a:solidFill>
+                            <a:srgbClr val="000000"/>
+                          </a:solidFill>
+                        </a:defRPr>
+                      </a:pPr>
+                      <a:r>
+                        <a:rPr sz="3000">
+                          <a:solidFill>
+                            <a:srgbClr val="5A5F5E"/>
+                          </a:solidFill>
+                        </a:rPr>
+                        <a:t>jeff.bezos@amazon.com</a:t>
+                      </a:r>
+                    </a:p>
+                  </a:txBody>
+                  <a:tcPr marL="50800" marR="50800" marT="50800" marB="50800" anchor="t" anchorCtr="0" horzOverflow="overflow">
+                    <a:lnL w="12700">
+                      <a:solidFill>
+                        <a:srgbClr val="5A5F5E"/>
+                      </a:solidFill>
+                      <a:miter lim="400000"/>
+                    </a:lnL>
+                    <a:lnR w="12700">
+                      <a:solidFill>
+                        <a:srgbClr val="5A5F5E"/>
+                      </a:solidFill>
+                      <a:miter lim="400000"/>
+                    </a:lnR>
+                    <a:lnT w="0">
+                      <a:miter lim="400000"/>
+                    </a:lnT>
+                    <a:lnB w="0">
+                      <a:miter lim="400000"/>
+                    </a:lnB>
+                  </a:tcPr>
+                </a:tc>
+                <a:tc>
+                  <a:txBody>
+                    <a:bodyPr/>
+                    <a:lstStyle/>
+                    <a:p>
+                      <a:pPr algn="l">
+                        <a:defRPr>
+                          <a:solidFill>
+                            <a:srgbClr val="000000"/>
+                          </a:solidFill>
+                        </a:defRPr>
+                      </a:pPr>
+                      <a:r>
+                        <a:rPr sz="3000">
+                          <a:solidFill>
+                            <a:srgbClr val="5A5F5E"/>
+                          </a:solidFill>
+                        </a:rPr>
+                        <a:t>05/07/1994</a:t>
+                      </a:r>
+                    </a:p>
+                  </a:txBody>
+                  <a:tcPr marL="50800" marR="50800" marT="50800" marB="50800" anchor="t" anchorCtr="0" horzOverflow="overflow">
+                    <a:lnL w="12700">
+                      <a:solidFill>
+                        <a:srgbClr val="5A5F5E"/>
+                      </a:solidFill>
+                      <a:miter lim="400000"/>
+                    </a:lnL>
+                    <a:lnR w="12700">
+                      <a:solidFill>
+                        <a:srgbClr val="5A5F5E"/>
+                      </a:solidFill>
+                      <a:miter lim="400000"/>
+                    </a:lnR>
+                    <a:lnT w="0">
+                      <a:miter lim="400000"/>
+                    </a:lnT>
+                    <a:lnB w="0">
+                      <a:miter lim="400000"/>
+                    </a:lnB>
+                  </a:tcPr>
+                </a:tc>
+              </a:tr>
+              <a:tr h="546100">
+                <a:tc>
+                  <a:txBody>
+                    <a:bodyPr/>
+                    <a:lstStyle/>
+                    <a:p>
+                      <a:pPr algn="l">
+                        <a:defRPr>
+                          <a:solidFill>
+                            <a:srgbClr val="000000"/>
+                          </a:solidFill>
+                        </a:defRPr>
+                      </a:pPr>
+                      <a:r>
+                        <a:rPr sz="3000">
+                          <a:solidFill>
+                            <a:srgbClr val="5A5F5E"/>
+                          </a:solidFill>
+                        </a:rPr>
+                        <a:t>Musk</a:t>
+                      </a:r>
+                    </a:p>
+                  </a:txBody>
+                  <a:tcPr marL="50800" marR="50800" marT="50800" marB="50800" anchor="t" anchorCtr="0" horzOverflow="overflow">
+                    <a:lnL w="12700">
+                      <a:solidFill>
+                        <a:srgbClr val="5A5F5E"/>
+                      </a:solidFill>
+                      <a:miter lim="400000"/>
+                    </a:lnL>
+                    <a:lnR w="12700">
+                      <a:solidFill>
+                        <a:srgbClr val="5A5F5E"/>
+                      </a:solidFill>
+                      <a:miter lim="400000"/>
+                    </a:lnR>
+                    <a:lnT w="0">
+                      <a:miter lim="400000"/>
+                    </a:lnT>
+                    <a:lnB w="0">
+                      <a:miter lim="400000"/>
+                    </a:lnB>
+                  </a:tcPr>
+                </a:tc>
+                <a:tc>
+                  <a:txBody>
+                    <a:bodyPr/>
+                    <a:lstStyle/>
+                    <a:p>
+                      <a:pPr algn="l">
+                        <a:defRPr>
+                          <a:solidFill>
+                            <a:srgbClr val="000000"/>
+                          </a:solidFill>
+                        </a:defRPr>
+                      </a:pPr>
+                      <a:r>
+                        <a:rPr sz="3000">
+                          <a:solidFill>
+                            <a:srgbClr val="5A5F5E"/>
+                          </a:solidFill>
+                        </a:rPr>
+                        <a:t>Elon</a:t>
+                      </a:r>
+                    </a:p>
+                  </a:txBody>
+                  <a:tcPr marL="50800" marR="50800" marT="50800" marB="50800" anchor="t" anchorCtr="0" horzOverflow="overflow">
+                    <a:lnL w="12700">
+                      <a:solidFill>
+                        <a:srgbClr val="5A5F5E"/>
+                      </a:solidFill>
+                      <a:miter lim="400000"/>
+                    </a:lnL>
+                    <a:lnR w="12700">
+                      <a:solidFill>
+                        <a:srgbClr val="5A5F5E"/>
+                      </a:solidFill>
+                      <a:miter lim="400000"/>
+                    </a:lnR>
+                    <a:lnT w="0">
+                      <a:miter lim="400000"/>
+                    </a:lnT>
+                    <a:lnB w="0">
+                      <a:miter lim="400000"/>
+                    </a:lnB>
+                  </a:tcPr>
+                </a:tc>
+                <a:tc>
+                  <a:txBody>
+                    <a:bodyPr/>
+                    <a:lstStyle/>
+                    <a:p>
+                      <a:pPr algn="l">
+                        <a:defRPr>
+                          <a:solidFill>
+                            <a:srgbClr val="000000"/>
+                          </a:solidFill>
+                        </a:defRPr>
+                      </a:pPr>
+                      <a:r>
+                        <a:rPr sz="3000">
+                          <a:solidFill>
+                            <a:srgbClr val="5A5F5E"/>
+                          </a:solidFill>
+                        </a:rPr>
+                        <a:t>elon.musk@gmail.com</a:t>
+                      </a:r>
+                    </a:p>
+                  </a:txBody>
+                  <a:tcPr marL="50800" marR="50800" marT="50800" marB="50800" anchor="t" anchorCtr="0" horzOverflow="overflow">
+                    <a:lnL w="12700">
+                      <a:solidFill>
+                        <a:srgbClr val="5A5F5E"/>
+                      </a:solidFill>
+                      <a:miter lim="400000"/>
+                    </a:lnL>
+                    <a:lnR w="12700">
+                      <a:solidFill>
+                        <a:srgbClr val="5A5F5E"/>
+                      </a:solidFill>
+                      <a:miter lim="400000"/>
+                    </a:lnR>
+                    <a:lnT w="0">
+                      <a:miter lim="400000"/>
+                    </a:lnT>
+                    <a:lnB w="0">
+                      <a:miter lim="400000"/>
+                    </a:lnB>
+                  </a:tcPr>
+                </a:tc>
+                <a:tc>
+                  <a:txBody>
+                    <a:bodyPr/>
+                    <a:lstStyle/>
+                    <a:p>
+                      <a:pPr algn="l">
+                        <a:defRPr>
+                          <a:solidFill>
+                            <a:srgbClr val="000000"/>
+                          </a:solidFill>
+                        </a:defRPr>
+                      </a:pPr>
+                      <a:r>
+                        <a:rPr sz="3000">
+                          <a:solidFill>
+                            <a:srgbClr val="5A5F5E"/>
+                          </a:solidFill>
+                        </a:rPr>
+                        <a:t>01/01/1995</a:t>
+                      </a:r>
+                    </a:p>
+                  </a:txBody>
+                  <a:tcPr marL="50800" marR="50800" marT="50800" marB="50800" anchor="t" anchorCtr="0" horzOverflow="overflow">
+                    <a:lnL w="12700">
+                      <a:solidFill>
+                        <a:srgbClr val="5A5F5E"/>
+                      </a:solidFill>
+                      <a:miter lim="400000"/>
+                    </a:lnL>
+                    <a:lnR w="12700">
+                      <a:solidFill>
+                        <a:srgbClr val="5A5F5E"/>
+                      </a:solidFill>
+                      <a:miter lim="400000"/>
+                    </a:lnR>
+                    <a:lnT w="0">
+                      <a:miter lim="400000"/>
+                    </a:lnT>
+                    <a:lnB w="0">
+                      <a:miter lim="400000"/>
+                    </a:lnB>
+                  </a:tcPr>
+                </a:tc>
+              </a:tr>
+              <a:tr h="546100">
+                <a:tc>
+                  <a:txBody>
+                    <a:bodyPr/>
+                    <a:lstStyle/>
+                    <a:p>
+                      <a:pPr algn="l">
+                        <a:defRPr>
+                          <a:solidFill>
+                            <a:srgbClr val="000000"/>
+                          </a:solidFill>
+                        </a:defRPr>
+                      </a:pPr>
+                      <a:r>
+                        <a:rPr sz="3000">
+                          <a:solidFill>
+                            <a:srgbClr val="5A5F5E"/>
+                          </a:solidFill>
+                        </a:rPr>
+                        <a:t>Page</a:t>
+                      </a:r>
+                    </a:p>
+                  </a:txBody>
+                  <a:tcPr marL="50800" marR="50800" marT="50800" marB="50800" anchor="t" anchorCtr="0" horzOverflow="overflow">
+                    <a:lnL w="12700">
+                      <a:solidFill>
+                        <a:srgbClr val="5A5F5E"/>
+                      </a:solidFill>
+                      <a:miter lim="400000"/>
+                    </a:lnL>
+                    <a:lnR w="12700">
+                      <a:solidFill>
+                        <a:srgbClr val="5A5F5E"/>
+                      </a:solidFill>
+                      <a:miter lim="400000"/>
+                    </a:lnR>
+                    <a:lnT w="0">
+                      <a:miter lim="400000"/>
+                    </a:lnT>
+                    <a:lnB w="0">
+                      <a:miter lim="400000"/>
+                    </a:lnB>
+                  </a:tcPr>
+                </a:tc>
+                <a:tc>
+                  <a:txBody>
+                    <a:bodyPr/>
+                    <a:lstStyle/>
+                    <a:p>
+                      <a:pPr algn="l">
+                        <a:defRPr>
+                          <a:solidFill>
+                            <a:srgbClr val="000000"/>
+                          </a:solidFill>
+                        </a:defRPr>
+                      </a:pPr>
+                      <a:r>
+                        <a:rPr sz="3000">
+                          <a:solidFill>
+                            <a:srgbClr val="5A5F5E"/>
+                          </a:solidFill>
+                        </a:rPr>
+                        <a:t>Larry</a:t>
+                      </a:r>
+                    </a:p>
+                  </a:txBody>
+                  <a:tcPr marL="50800" marR="50800" marT="50800" marB="50800" anchor="t" anchorCtr="0" horzOverflow="overflow">
+                    <a:lnL w="12700">
+                      <a:solidFill>
+                        <a:srgbClr val="5A5F5E"/>
+                      </a:solidFill>
+                      <a:miter lim="400000"/>
+                    </a:lnL>
+                    <a:lnR w="12700">
+                      <a:solidFill>
+                        <a:srgbClr val="5A5F5E"/>
+                      </a:solidFill>
+                      <a:miter lim="400000"/>
+                    </a:lnR>
+                    <a:lnT w="0">
+                      <a:miter lim="400000"/>
+                    </a:lnT>
+                    <a:lnB w="0">
+                      <a:miter lim="400000"/>
+                    </a:lnB>
+                  </a:tcPr>
+                </a:tc>
+                <a:tc>
+                  <a:txBody>
+                    <a:bodyPr/>
+                    <a:lstStyle/>
+                    <a:p>
+                      <a:pPr algn="l">
+                        <a:defRPr>
+                          <a:solidFill>
+                            <a:srgbClr val="000000"/>
+                          </a:solidFill>
+                        </a:defRPr>
+                      </a:pPr>
+                      <a:r>
+                        <a:rPr sz="3000">
+                          <a:solidFill>
+                            <a:srgbClr val="5A5F5E"/>
+                          </a:solidFill>
+                        </a:rPr>
+                        <a:t>larry.page@gmail.com</a:t>
+                      </a:r>
+                    </a:p>
+                  </a:txBody>
+                  <a:tcPr marL="50800" marR="50800" marT="50800" marB="50800" anchor="t" anchorCtr="0" horzOverflow="overflow">
+                    <a:lnL w="12700">
+                      <a:solidFill>
+                        <a:srgbClr val="5A5F5E"/>
+                      </a:solidFill>
+                      <a:miter lim="400000"/>
+                    </a:lnL>
+                    <a:lnR w="12700">
+                      <a:solidFill>
+                        <a:srgbClr val="5A5F5E"/>
+                      </a:solidFill>
+                      <a:miter lim="400000"/>
+                    </a:lnR>
+                    <a:lnT w="0">
+                      <a:miter lim="400000"/>
+                    </a:lnT>
+                    <a:lnB w="0">
+                      <a:miter lim="400000"/>
+                    </a:lnB>
+                  </a:tcPr>
+                </a:tc>
+                <a:tc>
+                  <a:txBody>
+                    <a:bodyPr/>
+                    <a:lstStyle/>
+                    <a:p>
+                      <a:pPr algn="l">
+                        <a:defRPr>
+                          <a:solidFill>
+                            <a:srgbClr val="000000"/>
+                          </a:solidFill>
+                        </a:defRPr>
+                      </a:pPr>
+                      <a:r>
+                        <a:rPr sz="3000">
+                          <a:solidFill>
+                            <a:srgbClr val="5A5F5E"/>
+                          </a:solidFill>
+                        </a:rPr>
+                        <a:t>04/09/1998</a:t>
+                      </a:r>
+                    </a:p>
+                  </a:txBody>
+                  <a:tcPr marL="50800" marR="50800" marT="50800" marB="50800" anchor="t" anchorCtr="0" horzOverflow="overflow">
+                    <a:lnL w="12700">
+                      <a:solidFill>
+                        <a:srgbClr val="5A5F5E"/>
+                      </a:solidFill>
+                      <a:miter lim="400000"/>
+                    </a:lnL>
+                    <a:lnR w="12700">
+                      <a:solidFill>
+                        <a:srgbClr val="5A5F5E"/>
+                      </a:solidFill>
+                      <a:miter lim="400000"/>
+                    </a:lnR>
+                    <a:lnT w="0">
+                      <a:miter lim="400000"/>
+                    </a:lnT>
+                    <a:lnB w="0">
+                      <a:miter lim="400000"/>
+                    </a:lnB>
+                  </a:tcPr>
+                </a:tc>
+              </a:tr>
+              <a:tr h="546100">
+                <a:tc>
+                  <a:txBody>
+                    <a:bodyPr/>
+                    <a:lstStyle/>
+                    <a:p>
+                      <a:pPr algn="l">
+                        <a:defRPr>
+                          <a:solidFill>
+                            <a:srgbClr val="000000"/>
+                          </a:solidFill>
+                        </a:defRPr>
+                      </a:pPr>
+                      <a:r>
+                        <a:rPr sz="3000">
+                          <a:solidFill>
+                            <a:srgbClr val="5A5F5E"/>
+                          </a:solidFill>
+                        </a:rPr>
+                        <a:t>Musk</a:t>
+                      </a:r>
+                    </a:p>
+                  </a:txBody>
+                  <a:tcPr marL="50800" marR="50800" marT="50800" marB="50800" anchor="t" anchorCtr="0" horzOverflow="overflow">
+                    <a:lnL w="12700">
+                      <a:solidFill>
+                        <a:srgbClr val="5A5F5E"/>
+                      </a:solidFill>
+                      <a:miter lim="400000"/>
+                    </a:lnL>
+                    <a:lnR w="12700">
+                      <a:solidFill>
+                        <a:srgbClr val="5A5F5E"/>
+                      </a:solidFill>
+                      <a:miter lim="400000"/>
+                    </a:lnR>
+                    <a:lnT w="0">
+                      <a:miter lim="400000"/>
+                    </a:lnT>
+                    <a:lnB w="0">
+                      <a:miter lim="400000"/>
+                    </a:lnB>
+                  </a:tcPr>
+                </a:tc>
+                <a:tc>
+                  <a:txBody>
+                    <a:bodyPr/>
+                    <a:lstStyle/>
+                    <a:p>
+                      <a:pPr algn="l">
+                        <a:defRPr>
+                          <a:solidFill>
+                            <a:srgbClr val="000000"/>
+                          </a:solidFill>
+                        </a:defRPr>
+                      </a:pPr>
+                      <a:r>
+                        <a:rPr sz="3000">
+                          <a:solidFill>
+                            <a:srgbClr val="5A5F5E"/>
+                          </a:solidFill>
+                        </a:rPr>
+                        <a:t>Elon</a:t>
+                      </a:r>
+                    </a:p>
+                  </a:txBody>
+                  <a:tcPr marL="50800" marR="50800" marT="50800" marB="50800" anchor="t" anchorCtr="0" horzOverflow="overflow">
+                    <a:lnL w="12700">
+                      <a:solidFill>
+                        <a:srgbClr val="5A5F5E"/>
+                      </a:solidFill>
+                      <a:miter lim="400000"/>
+                    </a:lnL>
+                    <a:lnR w="12700">
+                      <a:solidFill>
+                        <a:srgbClr val="5A5F5E"/>
+                      </a:solidFill>
+                      <a:miter lim="400000"/>
+                    </a:lnR>
+                    <a:lnT w="0">
+                      <a:miter lim="400000"/>
+                    </a:lnT>
+                    <a:lnB w="0">
+                      <a:miter lim="400000"/>
+                    </a:lnB>
+                  </a:tcPr>
+                </a:tc>
+                <a:tc>
+                  <a:txBody>
+                    <a:bodyPr/>
+                    <a:lstStyle/>
+                    <a:p>
+                      <a:pPr algn="l">
+                        <a:defRPr>
+                          <a:solidFill>
+                            <a:srgbClr val="000000"/>
+                          </a:solidFill>
+                        </a:defRPr>
+                      </a:pPr>
+                      <a:r>
+                        <a:rPr sz="3000">
+                          <a:solidFill>
+                            <a:srgbClr val="5A5F5E"/>
+                          </a:solidFill>
+                        </a:rPr>
+                        <a:t>elon.musk@tesla.com</a:t>
+                      </a:r>
+                    </a:p>
+                  </a:txBody>
+                  <a:tcPr marL="50800" marR="50800" marT="50800" marB="50800" anchor="t" anchorCtr="0" horzOverflow="overflow">
+                    <a:lnL w="12700">
+                      <a:solidFill>
+                        <a:srgbClr val="5A5F5E"/>
+                      </a:solidFill>
+                      <a:miter lim="400000"/>
+                    </a:lnL>
+                    <a:lnR w="12700">
+                      <a:solidFill>
+                        <a:srgbClr val="5A5F5E"/>
+                      </a:solidFill>
+                      <a:miter lim="400000"/>
+                    </a:lnR>
+                    <a:lnT w="0">
+                      <a:miter lim="400000"/>
+                    </a:lnT>
+                    <a:lnB w="0">
+                      <a:miter lim="400000"/>
+                    </a:lnB>
+                  </a:tcPr>
+                </a:tc>
+                <a:tc>
+                  <a:txBody>
+                    <a:bodyPr/>
+                    <a:lstStyle/>
+                    <a:p>
+                      <a:pPr algn="l">
+                        <a:defRPr>
+                          <a:solidFill>
+                            <a:srgbClr val="000000"/>
+                          </a:solidFill>
+                        </a:defRPr>
+                      </a:pPr>
+                      <a:r>
+                        <a:rPr sz="3000">
+                          <a:solidFill>
+                            <a:srgbClr val="5A5F5E"/>
+                          </a:solidFill>
+                        </a:rPr>
+                        <a:t>01/07/2003</a:t>
+                      </a:r>
+                    </a:p>
+                  </a:txBody>
+                  <a:tcPr marL="50800" marR="50800" marT="50800" marB="50800" anchor="t" anchorCtr="0" horzOverflow="overflow">
+                    <a:lnL w="12700">
+                      <a:solidFill>
+                        <a:srgbClr val="5A5F5E"/>
+                      </a:solidFill>
+                      <a:miter lim="400000"/>
+                    </a:lnL>
+                    <a:lnR w="12700">
+                      <a:solidFill>
+                        <a:srgbClr val="5A5F5E"/>
+                      </a:solidFill>
+                      <a:miter lim="400000"/>
+                    </a:lnR>
+                    <a:lnT w="0">
+                      <a:miter lim="400000"/>
+                    </a:lnT>
+                    <a:lnB w="0">
+                      <a:miter lim="400000"/>
+                    </a:lnB>
+                  </a:tcPr>
+                </a:tc>
+              </a:tr>
+              <a:tr h="546100">
+                <a:tc>
+                  <a:txBody>
+                    <a:bodyPr/>
+                    <a:lstStyle/>
+                    <a:p>
+                      <a:pPr algn="l">
+                        <a:defRPr>
+                          <a:solidFill>
+                            <a:srgbClr val="000000"/>
+                          </a:solidFill>
+                        </a:defRPr>
+                      </a:pPr>
+                      <a:r>
+                        <a:rPr sz="3000">
+                          <a:solidFill>
+                            <a:srgbClr val="5A5F5E"/>
+                          </a:solidFill>
+                        </a:rPr>
+                        <a:t>Doe</a:t>
+                      </a:r>
+                    </a:p>
+                  </a:txBody>
+                  <a:tcPr marL="50800" marR="50800" marT="50800" marB="50800" anchor="t" anchorCtr="0" horzOverflow="overflow">
+                    <a:lnL w="12700">
+                      <a:solidFill>
+                        <a:srgbClr val="5A5F5E"/>
+                      </a:solidFill>
+                      <a:miter lim="400000"/>
+                    </a:lnL>
+                    <a:lnR w="12700">
+                      <a:solidFill>
+                        <a:srgbClr val="5A5F5E"/>
+                      </a:solidFill>
+                      <a:miter lim="400000"/>
+                    </a:lnR>
+                    <a:lnT w="0">
+                      <a:miter lim="400000"/>
+                    </a:lnT>
+                    <a:lnB w="0">
+                      <a:miter lim="400000"/>
+                    </a:lnB>
+                  </a:tcPr>
+                </a:tc>
+                <a:tc>
+                  <a:txBody>
+                    <a:bodyPr/>
+                    <a:lstStyle/>
+                    <a:p>
+                      <a:pPr algn="l">
+                        <a:defRPr>
+                          <a:solidFill>
+                            <a:srgbClr val="000000"/>
+                          </a:solidFill>
+                        </a:defRPr>
+                      </a:pPr>
+                      <a:r>
+                        <a:rPr sz="3000">
+                          <a:solidFill>
+                            <a:srgbClr val="5A5F5E"/>
+                          </a:solidFill>
+                        </a:rPr>
+                        <a:t>John</a:t>
+                      </a:r>
+                    </a:p>
+                  </a:txBody>
+                  <a:tcPr marL="50800" marR="50800" marT="50800" marB="50800" anchor="t" anchorCtr="0" horzOverflow="overflow">
+                    <a:lnL w="12700">
+                      <a:solidFill>
+                        <a:srgbClr val="5A5F5E"/>
+                      </a:solidFill>
+                      <a:miter lim="400000"/>
+                    </a:lnL>
+                    <a:lnR w="12700">
+                      <a:solidFill>
+                        <a:srgbClr val="5A5F5E"/>
+                      </a:solidFill>
+                      <a:miter lim="400000"/>
+                    </a:lnR>
+                    <a:lnT w="0">
+                      <a:miter lim="400000"/>
+                    </a:lnT>
+                    <a:lnB w="0">
+                      <a:miter lim="400000"/>
+                    </a:lnB>
+                  </a:tcPr>
+                </a:tc>
+                <a:tc>
+                  <a:txBody>
+                    <a:bodyPr/>
+                    <a:lstStyle/>
+                    <a:p>
+                      <a:pPr algn="l">
+                        <a:defRPr>
+                          <a:solidFill>
+                            <a:srgbClr val="000000"/>
+                          </a:solidFill>
+                        </a:defRPr>
+                      </a:pPr>
+                      <a:r>
+                        <a:rPr sz="3000">
+                          <a:solidFill>
+                            <a:srgbClr val="5A5F5E"/>
+                          </a:solidFill>
+                        </a:rPr>
+                        <a:t>john.doe@anonymous.com</a:t>
+                      </a:r>
+                    </a:p>
+                  </a:txBody>
+                  <a:tcPr marL="50800" marR="50800" marT="50800" marB="50800" anchor="t" anchorCtr="0" horzOverflow="overflow">
+                    <a:lnL w="12700">
+                      <a:solidFill>
+                        <a:srgbClr val="5A5F5E"/>
+                      </a:solidFill>
+                      <a:miter lim="400000"/>
+                    </a:lnL>
+                    <a:lnR w="12700">
+                      <a:solidFill>
+                        <a:srgbClr val="5A5F5E"/>
+                      </a:solidFill>
+                      <a:miter lim="400000"/>
+                    </a:lnR>
+                    <a:lnT w="0">
+                      <a:miter lim="400000"/>
+                    </a:lnT>
+                    <a:lnB w="0">
+                      <a:miter lim="400000"/>
+                    </a:lnB>
+                  </a:tcPr>
+                </a:tc>
+                <a:tc>
+                  <a:txBody>
+                    <a:bodyPr/>
+                    <a:lstStyle/>
+                    <a:p>
+                      <a:pPr algn="l">
+                        <a:defRPr>
+                          <a:solidFill>
+                            <a:srgbClr val="000000"/>
+                          </a:solidFill>
+                        </a:defRPr>
+                      </a:pPr>
+                      <a:r>
+                        <a:rPr sz="3000">
+                          <a:solidFill>
+                            <a:srgbClr val="5A5F5E"/>
+                          </a:solidFill>
+                        </a:rPr>
+                        <a:t>Aujourd’hui</a:t>
+                      </a:r>
+                    </a:p>
+                  </a:txBody>
+                  <a:tcPr marL="50800" marR="50800" marT="50800" marB="50800" anchor="t" anchorCtr="0" horzOverflow="overflow">
+                    <a:lnL w="12700">
+                      <a:solidFill>
+                        <a:srgbClr val="5A5F5E"/>
+                      </a:solidFill>
+                      <a:miter lim="400000"/>
+                    </a:lnL>
+                    <a:lnR w="12700">
+                      <a:solidFill>
+                        <a:srgbClr val="5A5F5E"/>
+                      </a:solidFill>
+                      <a:miter lim="400000"/>
+                    </a:lnR>
+                    <a:lnT w="0">
+                      <a:miter lim="400000"/>
+                    </a:lnT>
+                    <a:lnB w="0">
+                      <a:miter lim="400000"/>
+                    </a:lnB>
+                  </a:tcPr>
+                </a:tc>
+              </a:tr>
+              <a:tr h="546100">
+                <a:tc>
+                  <a:txBody>
+                    <a:bodyPr/>
+                    <a:lstStyle/>
+                    <a:p>
+                      <a:pPr algn="l">
+                        <a:defRPr>
+                          <a:solidFill>
+                            <a:srgbClr val="000000"/>
+                          </a:solidFill>
+                        </a:defRPr>
+                      </a:pPr>
+                      <a:r>
+                        <a:rPr sz="3000">
+                          <a:solidFill>
+                            <a:srgbClr val="5A5F5E"/>
+                          </a:solidFill>
+                        </a:rPr>
+                        <a:t>Doe</a:t>
+                      </a:r>
+                    </a:p>
+                  </a:txBody>
+                  <a:tcPr marL="50800" marR="50800" marT="50800" marB="50800" anchor="t" anchorCtr="0" horzOverflow="overflow">
+                    <a:lnL w="12700">
+                      <a:solidFill>
+                        <a:srgbClr val="5A5F5E"/>
+                      </a:solidFill>
+                      <a:miter lim="400000"/>
+                    </a:lnL>
+                    <a:lnR w="12700">
+                      <a:solidFill>
+                        <a:srgbClr val="5A5F5E"/>
+                      </a:solidFill>
+                      <a:miter lim="400000"/>
+                    </a:lnR>
+                    <a:lnT w="0">
+                      <a:miter lim="400000"/>
+                    </a:lnT>
+                    <a:lnB w="12700">
+                      <a:solidFill>
+                        <a:srgbClr val="5A5F5E"/>
+                      </a:solidFill>
+                      <a:miter lim="400000"/>
+                    </a:lnB>
+                  </a:tcPr>
+                </a:tc>
+                <a:tc>
+                  <a:txBody>
+                    <a:bodyPr/>
+                    <a:lstStyle/>
+                    <a:p>
+                      <a:pPr algn="l">
+                        <a:defRPr>
+                          <a:solidFill>
+                            <a:srgbClr val="000000"/>
+                          </a:solidFill>
+                        </a:defRPr>
+                      </a:pPr>
+                      <a:r>
+                        <a:rPr sz="3000">
+                          <a:solidFill>
+                            <a:srgbClr val="5A5F5E"/>
+                          </a:solidFill>
+                        </a:rPr>
+                        <a:t>Jane</a:t>
+                      </a:r>
+                    </a:p>
+                  </a:txBody>
+                  <a:tcPr marL="50800" marR="50800" marT="50800" marB="50800" anchor="t" anchorCtr="0" horzOverflow="overflow">
+                    <a:lnL w="12700">
+                      <a:solidFill>
+                        <a:srgbClr val="5A5F5E"/>
+                      </a:solidFill>
+                      <a:miter lim="400000"/>
+                    </a:lnL>
+                    <a:lnR w="12700">
+                      <a:solidFill>
+                        <a:srgbClr val="5A5F5E"/>
+                      </a:solidFill>
+                      <a:miter lim="400000"/>
+                    </a:lnR>
+                    <a:lnT w="0">
+                      <a:miter lim="400000"/>
+                    </a:lnT>
+                    <a:lnB w="12700">
+                      <a:solidFill>
+                        <a:srgbClr val="5A5F5E"/>
+                      </a:solidFill>
+                      <a:miter lim="400000"/>
+                    </a:lnB>
+                  </a:tcPr>
+                </a:tc>
+                <a:tc>
+                  <a:txBody>
+                    <a:bodyPr/>
+                    <a:lstStyle/>
+                    <a:p>
+                      <a:pPr algn="l">
+                        <a:defRPr>
+                          <a:solidFill>
+                            <a:srgbClr val="000000"/>
+                          </a:solidFill>
+                        </a:defRPr>
+                      </a:pPr>
+                      <a:r>
+                        <a:rPr sz="3000">
+                          <a:solidFill>
+                            <a:srgbClr val="5A5F5E"/>
+                          </a:solidFill>
+                        </a:rPr>
+                        <a:t>jane.doe@anonymous.com</a:t>
+                      </a:r>
+                    </a:p>
+                  </a:txBody>
+                  <a:tcPr marL="50800" marR="50800" marT="50800" marB="50800" anchor="t" anchorCtr="0" horzOverflow="overflow">
+                    <a:lnL w="12700">
+                      <a:solidFill>
+                        <a:srgbClr val="5A5F5E"/>
+                      </a:solidFill>
+                      <a:miter lim="400000"/>
+                    </a:lnL>
+                    <a:lnR w="12700">
+                      <a:solidFill>
+                        <a:srgbClr val="5A5F5E"/>
+                      </a:solidFill>
+                      <a:miter lim="400000"/>
+                    </a:lnR>
+                    <a:lnT w="0">
+                      <a:miter lim="400000"/>
+                    </a:lnT>
+                    <a:lnB w="12700">
+                      <a:solidFill>
+                        <a:srgbClr val="5A5F5E"/>
+                      </a:solidFill>
+                      <a:miter lim="400000"/>
+                    </a:lnB>
+                  </a:tcPr>
+                </a:tc>
+                <a:tc>
+                  <a:txBody>
+                    <a:bodyPr/>
+                    <a:lstStyle/>
+                    <a:p>
+                      <a:pPr algn="l">
+                        <a:defRPr>
+                          <a:solidFill>
+                            <a:srgbClr val="000000"/>
+                          </a:solidFill>
+                        </a:defRPr>
+                      </a:pPr>
+                      <a:r>
+                        <a:rPr sz="3000">
+                          <a:solidFill>
+                            <a:srgbClr val="5A5F5E"/>
+                          </a:solidFill>
+                        </a:rPr>
+                        <a:t>Aujourd’hui</a:t>
+                      </a:r>
+                    </a:p>
+                  </a:txBody>
+                  <a:tcPr marL="50800" marR="50800" marT="50800" marB="50800" anchor="t" anchorCtr="0" horzOverflow="overflow">
+                    <a:lnL w="12700">
+                      <a:solidFill>
+                        <a:srgbClr val="5A5F5E"/>
+                      </a:solidFill>
+                      <a:miter lim="400000"/>
+                    </a:lnL>
+                    <a:lnR w="12700">
+                      <a:solidFill>
+                        <a:srgbClr val="5A5F5E"/>
+                      </a:solidFill>
+                      <a:miter lim="400000"/>
+                    </a:lnR>
+                    <a:lnT w="0">
+                      <a:miter lim="400000"/>
+                    </a:lnT>
+                    <a:lnB w="12700">
+                      <a:solidFill>
+                        <a:srgbClr val="5A5F5E"/>
+                      </a:solidFill>
+                      <a:miter lim="400000"/>
+                    </a:lnB>
+                  </a:tcPr>
+                </a:tc>
+              </a:tr>
+            </a:tbl>
+          </a:graphicData>
+        </a:graphic>
+      </p:graphicFrame>
     </p:spTree>
   </p:cSld>
   <p:clrMapOvr>
@@ -8672,8 +11284,8 @@
       </p:par>
     </p:tnLst>
     <p:bldLst>
+      <p:bldP build="whole" bldLvl="1" animBg="1" rev="0" advAuto="0" spid="124" grpId="2"/>
       <p:bldP build="whole" bldLvl="1" animBg="1" rev="0" advAuto="0" spid="123" grpId="1"/>
-      <p:bldP build="whole" bldLvl="1" animBg="1" rev="0" advAuto="0" spid="124" grpId="2"/>
     </p:bldLst>
   </p:timing>
 </p:sld>
@@ -9369,11 +11981,11 @@
       </p:par>
     </p:tnLst>
     <p:bldLst>
+      <p:bldP build="whole" bldLvl="1" animBg="1" rev="0" advAuto="0" spid="131" grpId="4"/>
+      <p:bldP build="whole" bldLvl="1" animBg="1" rev="0" advAuto="0" spid="129" grpId="2"/>
+      <p:bldP build="whole" bldLvl="1" animBg="1" rev="0" advAuto="0" spid="128" grpId="1"/>
       <p:bldP build="whole" bldLvl="1" animBg="1" rev="0" advAuto="0" spid="130" grpId="3"/>
       <p:bldP build="whole" bldLvl="1" animBg="1" rev="0" advAuto="0" spid="133" grpId="5"/>
-      <p:bldP build="whole" bldLvl="1" animBg="1" rev="0" advAuto="0" spid="129" grpId="2"/>
-      <p:bldP build="whole" bldLvl="1" animBg="1" rev="0" advAuto="0" spid="131" grpId="4"/>
-      <p:bldP build="whole" bldLvl="1" animBg="1" rev="0" advAuto="0" spid="128" grpId="1"/>
     </p:bldLst>
   </p:timing>
 </p:sld>
@@ -11026,12 +13638,12 @@
       </p:par>
     </p:tnLst>
     <p:bldLst>
+      <p:bldP build="whole" bldLvl="1" animBg="1" rev="0" advAuto="0" spid="138" grpId="6"/>
+      <p:bldP build="whole" bldLvl="1" animBg="1" rev="0" advAuto="0" spid="137" grpId="1"/>
+      <p:bldP build="whole" bldLvl="1" animBg="1" rev="0" advAuto="0" spid="140" grpId="7"/>
       <p:bldP build="whole" bldLvl="1" animBg="1" rev="0" advAuto="0" spid="139" grpId="2"/>
-      <p:bldP build="whole" bldLvl="1" animBg="1" rev="0" advAuto="0" spid="137" grpId="1"/>
       <p:bldP build="whole" bldLvl="1" animBg="1" rev="0" advAuto="0" spid="137" grpId="3"/>
       <p:bldP build="whole" bldLvl="1" animBg="1" rev="0" advAuto="0" spid="139" grpId="4"/>
-      <p:bldP build="whole" bldLvl="1" animBg="1" rev="0" advAuto="0" spid="138" grpId="6"/>
-      <p:bldP build="whole" bldLvl="1" animBg="1" rev="0" advAuto="0" spid="140" grpId="7"/>
     </p:bldLst>
   </p:timing>
 </p:sld>
@@ -12170,10 +14782,10 @@
       </p:par>
     </p:tnLst>
     <p:bldLst>
-      <p:bldP build="whole" bldLvl="1" animBg="1" rev="0" advAuto="0" spid="145" grpId="1"/>
+      <p:bldP build="whole" bldLvl="1" animBg="1" rev="0" advAuto="0" spid="146" grpId="7"/>
       <p:bldP build="whole" bldLvl="1" animBg="1" rev="0" advAuto="0" spid="147" grpId="5"/>
       <p:bldP build="whole" bldLvl="1" animBg="1" rev="0" advAuto="0" spid="147" grpId="6"/>
-      <p:bldP build="whole" bldLvl="1" animBg="1" rev="0" advAuto="0" spid="146" grpId="7"/>
+      <p:bldP build="whole" bldLvl="1" animBg="1" rev="0" advAuto="0" spid="145" grpId="1"/>
     </p:bldLst>
   </p:timing>
 </p:sld>
@@ -13578,10 +16190,10 @@
       </p:par>
     </p:tnLst>
     <p:bldLst>
+      <p:bldP build="whole" bldLvl="1" animBg="1" rev="0" advAuto="0" spid="158" grpId="3"/>
+      <p:bldP build="whole" bldLvl="1" animBg="1" rev="0" advAuto="0" spid="159" grpId="4"/>
+      <p:bldP build="whole" bldLvl="1" animBg="1" rev="0" advAuto="0" spid="156" grpId="1"/>
       <p:bldP build="whole" bldLvl="1" animBg="1" rev="0" advAuto="0" spid="156" grpId="2"/>
-      <p:bldP build="whole" bldLvl="1" animBg="1" rev="0" advAuto="0" spid="159" grpId="4"/>
-      <p:bldP build="whole" bldLvl="1" animBg="1" rev="0" advAuto="0" spid="158" grpId="3"/>
-      <p:bldP build="whole" bldLvl="1" animBg="1" rev="0" advAuto="0" spid="156" grpId="1"/>
     </p:bldLst>
   </p:timing>
 </p:sld>
@@ -14335,12 +16947,12 @@
       </p:par>
     </p:tnLst>
     <p:bldLst>
+      <p:bldP build="whole" bldLvl="1" animBg="1" rev="0" advAuto="0" spid="167" grpId="6"/>
       <p:bldP build="whole" bldLvl="1" animBg="1" rev="0" advAuto="0" spid="170" grpId="7"/>
+      <p:bldP build="whole" bldLvl="1" animBg="1" rev="0" advAuto="0" spid="168" grpId="3"/>
+      <p:bldP build="whole" bldLvl="1" animBg="1" rev="0" advAuto="0" spid="166" grpId="4"/>
+      <p:bldP build="whole" bldLvl="1" animBg="1" rev="0" advAuto="0" spid="165" grpId="2"/>
       <p:bldP build="whole" bldLvl="1" animBg="1" rev="0" advAuto="0" spid="169" grpId="5"/>
-      <p:bldP build="whole" bldLvl="1" animBg="1" rev="0" advAuto="0" spid="167" grpId="6"/>
-      <p:bldP build="whole" bldLvl="1" animBg="1" rev="0" advAuto="0" spid="166" grpId="4"/>
-      <p:bldP build="whole" bldLvl="1" animBg="1" rev="0" advAuto="0" spid="168" grpId="3"/>
-      <p:bldP build="whole" bldLvl="1" animBg="1" rev="0" advAuto="0" spid="165" grpId="2"/>
     </p:bldLst>
   </p:timing>
 </p:sld>

--- a/Postgresql.pptx
+++ b/Postgresql.pptx
@@ -26,6 +26,14 @@
     <p:sldId id="271" r:id="rId23"/>
     <p:sldId id="272" r:id="rId24"/>
     <p:sldId id="273" r:id="rId25"/>
+    <p:sldId id="274" r:id="rId26"/>
+    <p:sldId id="275" r:id="rId27"/>
+    <p:sldId id="276" r:id="rId28"/>
+    <p:sldId id="277" r:id="rId29"/>
+    <p:sldId id="278" r:id="rId30"/>
+    <p:sldId id="279" r:id="rId31"/>
+    <p:sldId id="280" r:id="rId32"/>
+    <p:sldId id="281" r:id="rId33"/>
   </p:sldIdLst>
   <p:sldSz cx="13004800" cy="9753600"/>
   <p:notesSz cx="6858000" cy="9144000"/>
@@ -758,7 +766,7 @@
       </p:grpSpPr>
       <p:sp>
         <p:nvSpPr>
-          <p:cNvPr id="229" name="Shape 229"/>
+          <p:cNvPr id="220" name="Shape 220"/>
           <p:cNvSpPr/>
           <p:nvPr>
             <p:ph type="sldImg"/>
@@ -779,7 +787,7 @@
       </p:sp>
       <p:sp>
         <p:nvSpPr>
-          <p:cNvPr id="230" name="Shape 230"/>
+          <p:cNvPr id="221" name="Shape 221"/>
           <p:cNvSpPr/>
           <p:nvPr>
             <p:ph type="body" sz="quarter" idx="1"/>
@@ -794,27 +802,9 @@
           <a:bodyPr/>
           <a:lstStyle/>
           <a:p>
-            <a:pPr marL="271669" indent="-271669">
-              <a:buClr>
-                <a:srgbClr val="535353"/>
-              </a:buClr>
-              <a:buSzPct val="82000"/>
-              <a:buChar char="-"/>
-            </a:pPr>
-            <a:r>
-              <a:t>Option 1 : obligé de se souvenir de l’ordre des colonnes et de renseigner toutes les colonnes</a:t>
-            </a:r>
-          </a:p>
-          <a:p>
-            <a:pPr marL="271669" indent="-271669">
-              <a:buClr>
-                <a:srgbClr val="535353"/>
-              </a:buClr>
-              <a:buSzPct val="82000"/>
-              <a:buChar char="-"/>
-            </a:pPr>
-            <a:r>
-              <a:t>Option 2 : on choisi ce que l’on renseigne et dans quel ordre. C’est aussi plus stable en cas d’évolution des tables</a:t>
+            <a:pPr/>
+            <a:r>
+              <a:t>current_date =&gt; date aujourd’hui au bon format</a:t>
             </a:r>
           </a:p>
         </p:txBody>
@@ -846,7 +836,7 @@
       </p:grpSpPr>
       <p:sp>
         <p:nvSpPr>
-          <p:cNvPr id="236" name="Shape 236"/>
+          <p:cNvPr id="231" name="Shape 231"/>
           <p:cNvSpPr/>
           <p:nvPr>
             <p:ph type="sldImg"/>
@@ -867,7 +857,7 @@
       </p:sp>
       <p:sp>
         <p:nvSpPr>
-          <p:cNvPr id="237" name="Shape 237"/>
+          <p:cNvPr id="232" name="Shape 232"/>
           <p:cNvSpPr/>
           <p:nvPr>
             <p:ph type="body" sz="quarter" idx="1"/>
@@ -882,9 +872,334 @@
           <a:bodyPr/>
           <a:lstStyle/>
           <a:p>
+            <a:pPr marL="271669" indent="-271669">
+              <a:buClr>
+                <a:srgbClr val="535353"/>
+              </a:buClr>
+              <a:buSzPct val="82000"/>
+              <a:buChar char="-"/>
+            </a:pPr>
+            <a:r>
+              <a:t>Option 1 : obligé de se souvenir de l’ordre des colonnes et de renseigner toutes les colonnes</a:t>
+            </a:r>
+          </a:p>
+          <a:p>
+            <a:pPr marL="271669" indent="-271669">
+              <a:buClr>
+                <a:srgbClr val="535353"/>
+              </a:buClr>
+              <a:buSzPct val="82000"/>
+              <a:buChar char="-"/>
+            </a:pPr>
+            <a:r>
+              <a:t>Option 2 : on choisi ce que l’on renseigne et dans quel ordre. C’est aussi plus stable en cas d’évolution des tables</a:t>
+            </a:r>
+          </a:p>
+        </p:txBody>
+      </p:sp>
+    </p:spTree>
+  </p:cSld>
+  <p:clrMapOvr>
+    <a:masterClrMapping/>
+  </p:clrMapOvr>
+</p:notes>
+</file>
+
+<file path=ppt/notesSlides/notesSlide6.xml><?xml version="1.0" encoding="utf-8"?>
+<p:notes xmlns:a="http://schemas.openxmlformats.org/drawingml/2006/main" xmlns:r="http://schemas.openxmlformats.org/officeDocument/2006/relationships" xmlns:p="http://schemas.openxmlformats.org/presentationml/2006/main" xmlns:m="http://schemas.openxmlformats.org/officeDocument/2006/math" xmlns:a14="http://schemas.microsoft.com/office/drawing/2010/main" showMasterSp="1" showMasterPhAnim="1">
+  <p:cSld>
+    <p:spTree>
+      <p:nvGrpSpPr>
+        <p:cNvPr id="1" name=""/>
+        <p:cNvGrpSpPr/>
+        <p:nvPr/>
+      </p:nvGrpSpPr>
+      <p:grpSpPr>
+        <a:xfrm>
+          <a:off x="0" y="0"/>
+          <a:ext cx="0" cy="0"/>
+          <a:chOff x="0" y="0"/>
+          <a:chExt cx="0" cy="0"/>
+        </a:xfrm>
+      </p:grpSpPr>
+      <p:sp>
+        <p:nvSpPr>
+          <p:cNvPr id="267" name="Shape 267"/>
+          <p:cNvSpPr/>
+          <p:nvPr>
+            <p:ph type="sldImg"/>
+          </p:nvPr>
+        </p:nvSpPr>
+        <p:spPr>
+          <a:prstGeom prst="rect">
+            <a:avLst/>
+          </a:prstGeom>
+        </p:spPr>
+        <p:txBody>
+          <a:bodyPr/>
+          <a:lstStyle/>
+          <a:p>
             <a:pPr/>
-            <a:r>
-              <a:t>current_date =&gt; date aujourd’hui au bon format</a:t>
+          </a:p>
+        </p:txBody>
+      </p:sp>
+      <p:sp>
+        <p:nvSpPr>
+          <p:cNvPr id="268" name="Shape 268"/>
+          <p:cNvSpPr/>
+          <p:nvPr>
+            <p:ph type="body" sz="quarter" idx="1"/>
+          </p:nvPr>
+        </p:nvSpPr>
+        <p:spPr>
+          <a:prstGeom prst="rect">
+            <a:avLst/>
+          </a:prstGeom>
+        </p:spPr>
+        <p:txBody>
+          <a:bodyPr/>
+          <a:lstStyle/>
+          <a:p>
+            <a:pPr/>
+            <a:r>
+              <a:t>GROUP BY : regroupe par critère</a:t>
+            </a:r>
+          </a:p>
+          <a:p>
+            <a:pPr/>
+            <a:r>
+              <a:t>Exemple GROUP BY permet de supprimer les doublons</a:t>
+            </a:r>
+          </a:p>
+          <a:p>
+            <a:pPr/>
+            <a:r>
+              <a:t>GROUP BY identique DISTINCT sur une seule colonne</a:t>
+            </a:r>
+          </a:p>
+        </p:txBody>
+      </p:sp>
+    </p:spTree>
+  </p:cSld>
+  <p:clrMapOvr>
+    <a:masterClrMapping/>
+  </p:clrMapOvr>
+</p:notes>
+</file>
+
+<file path=ppt/notesSlides/notesSlide7.xml><?xml version="1.0" encoding="utf-8"?>
+<p:notes xmlns:a="http://schemas.openxmlformats.org/drawingml/2006/main" xmlns:r="http://schemas.openxmlformats.org/officeDocument/2006/relationships" xmlns:p="http://schemas.openxmlformats.org/presentationml/2006/main" xmlns:m="http://schemas.openxmlformats.org/officeDocument/2006/math" xmlns:a14="http://schemas.microsoft.com/office/drawing/2010/main" showMasterSp="1" showMasterPhAnim="1">
+  <p:cSld>
+    <p:spTree>
+      <p:nvGrpSpPr>
+        <p:cNvPr id="1" name=""/>
+        <p:cNvGrpSpPr/>
+        <p:nvPr/>
+      </p:nvGrpSpPr>
+      <p:grpSpPr>
+        <a:xfrm>
+          <a:off x="0" y="0"/>
+          <a:ext cx="0" cy="0"/>
+          <a:chOff x="0" y="0"/>
+          <a:chExt cx="0" cy="0"/>
+        </a:xfrm>
+      </p:grpSpPr>
+      <p:sp>
+        <p:nvSpPr>
+          <p:cNvPr id="278" name="Shape 278"/>
+          <p:cNvSpPr/>
+          <p:nvPr>
+            <p:ph type="sldImg"/>
+          </p:nvPr>
+        </p:nvSpPr>
+        <p:spPr>
+          <a:prstGeom prst="rect">
+            <a:avLst/>
+          </a:prstGeom>
+        </p:spPr>
+        <p:txBody>
+          <a:bodyPr/>
+          <a:lstStyle/>
+          <a:p>
+            <a:pPr/>
+          </a:p>
+        </p:txBody>
+      </p:sp>
+      <p:sp>
+        <p:nvSpPr>
+          <p:cNvPr id="279" name="Shape 279"/>
+          <p:cNvSpPr/>
+          <p:nvPr>
+            <p:ph type="body" sz="quarter" idx="1"/>
+          </p:nvPr>
+        </p:nvSpPr>
+        <p:spPr>
+          <a:prstGeom prst="rect">
+            <a:avLst/>
+          </a:prstGeom>
+        </p:spPr>
+        <p:txBody>
+          <a:bodyPr/>
+          <a:lstStyle/>
+          <a:p>
+            <a:pPr/>
+            <a:r>
+              <a:t>Le faire que sur une colonne pour le moment (besoin d’un group by pour select plusieurs colonnes)</a:t>
+            </a:r>
+          </a:p>
+        </p:txBody>
+      </p:sp>
+    </p:spTree>
+  </p:cSld>
+  <p:clrMapOvr>
+    <a:masterClrMapping/>
+  </p:clrMapOvr>
+</p:notes>
+</file>
+
+<file path=ppt/notesSlides/notesSlide8.xml><?xml version="1.0" encoding="utf-8"?>
+<p:notes xmlns:a="http://schemas.openxmlformats.org/drawingml/2006/main" xmlns:r="http://schemas.openxmlformats.org/officeDocument/2006/relationships" xmlns:p="http://schemas.openxmlformats.org/presentationml/2006/main" xmlns:m="http://schemas.openxmlformats.org/officeDocument/2006/math" xmlns:a14="http://schemas.microsoft.com/office/drawing/2010/main" showMasterSp="1" showMasterPhAnim="1">
+  <p:cSld>
+    <p:spTree>
+      <p:nvGrpSpPr>
+        <p:cNvPr id="1" name=""/>
+        <p:cNvGrpSpPr/>
+        <p:nvPr/>
+      </p:nvGrpSpPr>
+      <p:grpSpPr>
+        <a:xfrm>
+          <a:off x="0" y="0"/>
+          <a:ext cx="0" cy="0"/>
+          <a:chOff x="0" y="0"/>
+          <a:chExt cx="0" cy="0"/>
+        </a:xfrm>
+      </p:grpSpPr>
+      <p:sp>
+        <p:nvSpPr>
+          <p:cNvPr id="290" name="Shape 290"/>
+          <p:cNvSpPr/>
+          <p:nvPr>
+            <p:ph type="sldImg"/>
+          </p:nvPr>
+        </p:nvSpPr>
+        <p:spPr>
+          <a:prstGeom prst="rect">
+            <a:avLst/>
+          </a:prstGeom>
+        </p:spPr>
+        <p:txBody>
+          <a:bodyPr/>
+          <a:lstStyle/>
+          <a:p>
+            <a:pPr/>
+          </a:p>
+        </p:txBody>
+      </p:sp>
+      <p:sp>
+        <p:nvSpPr>
+          <p:cNvPr id="291" name="Shape 291"/>
+          <p:cNvSpPr/>
+          <p:nvPr>
+            <p:ph type="body" sz="quarter" idx="1"/>
+          </p:nvPr>
+        </p:nvSpPr>
+        <p:spPr>
+          <a:prstGeom prst="rect">
+            <a:avLst/>
+          </a:prstGeom>
+        </p:spPr>
+        <p:txBody>
+          <a:bodyPr/>
+          <a:lstStyle/>
+          <a:p>
+            <a:pPr/>
+            <a:r>
+              <a:t>DISTINCT supprime les doublons du résultat (en se basant sur ce qu’on a listé dans le select)</a:t>
+            </a:r>
+          </a:p>
+        </p:txBody>
+      </p:sp>
+    </p:spTree>
+  </p:cSld>
+  <p:clrMapOvr>
+    <a:masterClrMapping/>
+  </p:clrMapOvr>
+</p:notes>
+</file>
+
+<file path=ppt/notesSlides/notesSlide9.xml><?xml version="1.0" encoding="utf-8"?>
+<p:notes xmlns:a="http://schemas.openxmlformats.org/drawingml/2006/main" xmlns:r="http://schemas.openxmlformats.org/officeDocument/2006/relationships" xmlns:p="http://schemas.openxmlformats.org/presentationml/2006/main" xmlns:m="http://schemas.openxmlformats.org/officeDocument/2006/math" xmlns:a14="http://schemas.microsoft.com/office/drawing/2010/main" showMasterSp="1" showMasterPhAnim="1">
+  <p:cSld>
+    <p:spTree>
+      <p:nvGrpSpPr>
+        <p:cNvPr id="1" name=""/>
+        <p:cNvGrpSpPr/>
+        <p:nvPr/>
+      </p:nvGrpSpPr>
+      <p:grpSpPr>
+        <a:xfrm>
+          <a:off x="0" y="0"/>
+          <a:ext cx="0" cy="0"/>
+          <a:chOff x="0" y="0"/>
+          <a:chExt cx="0" cy="0"/>
+        </a:xfrm>
+      </p:grpSpPr>
+      <p:sp>
+        <p:nvSpPr>
+          <p:cNvPr id="299" name="Shape 299"/>
+          <p:cNvSpPr/>
+          <p:nvPr>
+            <p:ph type="sldImg"/>
+          </p:nvPr>
+        </p:nvSpPr>
+        <p:spPr>
+          <a:prstGeom prst="rect">
+            <a:avLst/>
+          </a:prstGeom>
+        </p:spPr>
+        <p:txBody>
+          <a:bodyPr/>
+          <a:lstStyle/>
+          <a:p>
+            <a:pPr/>
+          </a:p>
+        </p:txBody>
+      </p:sp>
+      <p:sp>
+        <p:nvSpPr>
+          <p:cNvPr id="300" name="Shape 300"/>
+          <p:cNvSpPr/>
+          <p:nvPr>
+            <p:ph type="body" sz="quarter" idx="1"/>
+          </p:nvPr>
+        </p:nvSpPr>
+        <p:spPr>
+          <a:prstGeom prst="rect">
+            <a:avLst/>
+          </a:prstGeom>
+        </p:spPr>
+        <p:txBody>
+          <a:bodyPr/>
+          <a:lstStyle>
+            <a:lvl1pPr defTabSz="584200">
+              <a:lnSpc>
+                <a:spcPct val="100000"/>
+              </a:lnSpc>
+              <a:defRPr sz="1900">
+                <a:solidFill>
+                  <a:srgbClr val="5A5F5E"/>
+                </a:solidFill>
+                <a:latin typeface="Monaco"/>
+                <a:ea typeface="Monaco"/>
+                <a:cs typeface="Monaco"/>
+                <a:sym typeface="Monaco"/>
+              </a:defRPr>
+            </a:lvl1pPr>
+          </a:lstStyle>
+          <a:p>
+            <a:pPr/>
+            <a:r>
+              <a:t>Si DISTINCT + GROUP BY, le GROUP BY doit reprendre les éléments du DISTINCT</a:t>
             </a:r>
           </a:p>
         </p:txBody>
@@ -5043,12 +5358,12 @@
       </p:par>
     </p:tnLst>
     <p:bldLst>
+      <p:bldP build="whole" bldLvl="1" animBg="1" rev="0" advAuto="0" spid="184" grpId="5"/>
       <p:bldP build="whole" bldLvl="1" animBg="1" rev="0" advAuto="0" spid="188" grpId="6"/>
       <p:bldP build="whole" bldLvl="1" animBg="1" rev="0" advAuto="0" spid="186" grpId="2"/>
+      <p:bldP build="whole" bldLvl="1" animBg="1" rev="0" advAuto="0" spid="187" grpId="4"/>
       <p:bldP build="whole" bldLvl="1" animBg="1" rev="0" advAuto="0" spid="182" grpId="3"/>
       <p:bldP build="whole" bldLvl="1" animBg="1" rev="0" advAuto="0" spid="180" grpId="1"/>
-      <p:bldP build="whole" bldLvl="1" animBg="1" rev="0" advAuto="0" spid="187" grpId="4"/>
-      <p:bldP build="whole" bldLvl="1" animBg="1" rev="0" advAuto="0" spid="184" grpId="5"/>
     </p:bldLst>
   </p:timing>
 </p:sld>
@@ -5722,12 +6037,12 @@
       </p:par>
     </p:tnLst>
     <p:bldLst>
+      <p:bldP build="whole" bldLvl="1" animBg="1" rev="0" advAuto="0" spid="196" grpId="6"/>
       <p:bldP build="whole" bldLvl="1" animBg="1" rev="0" advAuto="0" spid="194" grpId="4"/>
       <p:bldP build="whole" bldLvl="1" animBg="1" rev="0" advAuto="0" spid="194" grpId="5"/>
+      <p:bldP build="whole" bldLvl="1" animBg="1" rev="0" advAuto="0" spid="192" grpId="1"/>
       <p:bldP build="whole" bldLvl="1" animBg="1" rev="0" advAuto="0" spid="195" grpId="2"/>
-      <p:bldP build="whole" bldLvl="1" animBg="1" rev="0" advAuto="0" spid="196" grpId="6"/>
       <p:bldP build="whole" bldLvl="1" animBg="1" rev="0" advAuto="0" spid="193" grpId="3"/>
-      <p:bldP build="whole" bldLvl="1" animBg="1" rev="0" advAuto="0" spid="192" grpId="1"/>
     </p:bldLst>
   </p:timing>
 </p:sld>
@@ -7322,11 +7637,11 @@
       </p:par>
     </p:tnLst>
     <p:bldLst>
-      <p:bldP build="whole" bldLvl="1" animBg="1" rev="0" advAuto="0" spid="207" grpId="5"/>
-      <p:bldP build="whole" bldLvl="1" animBg="1" rev="0" advAuto="0" spid="204" grpId="1"/>
       <p:bldP build="whole" bldLvl="1" animBg="1" rev="0" advAuto="0" spid="204" grpId="2"/>
       <p:bldP build="whole" bldLvl="1" animBg="1" rev="0" advAuto="0" spid="205" grpId="3"/>
       <p:bldP build="whole" bldLvl="1" animBg="1" rev="0" advAuto="0" spid="206" grpId="4"/>
+      <p:bldP build="whole" bldLvl="1" animBg="1" rev="0" advAuto="0" spid="207" grpId="5"/>
+      <p:bldP build="whole" bldLvl="1" animBg="1" rev="0" advAuto="0" spid="204" grpId="1"/>
     </p:bldLst>
   </p:timing>
 </p:sld>
@@ -8273,9 +8588,9 @@
       </p:par>
     </p:tnLst>
     <p:bldLst>
+      <p:bldP build="whole" bldLvl="1" animBg="1" rev="0" advAuto="0" spid="215" grpId="3"/>
+      <p:bldP build="whole" bldLvl="1" animBg="1" rev="0" advAuto="0" spid="214" grpId="2"/>
       <p:bldP build="whole" bldLvl="1" animBg="1" rev="0" advAuto="0" spid="213" grpId="1"/>
-      <p:bldP build="whole" bldLvl="1" animBg="1" rev="0" advAuto="0" spid="214" grpId="2"/>
-      <p:bldP build="whole" bldLvl="1" animBg="1" rev="0" advAuto="0" spid="215" grpId="3"/>
     </p:bldLst>
   </p:timing>
 </p:sld>
@@ -8490,7 +8805,7 @@
       </p:grpSpPr>
       <p:sp>
         <p:nvSpPr>
-          <p:cNvPr id="221" name="Requêtage SQL"/>
+          <p:cNvPr id="223" name="Requêtage SQL"/>
           <p:cNvSpPr txBox="1"/>
           <p:nvPr/>
         </p:nvSpPr>
@@ -8530,7 +8845,7 @@
       </p:sp>
       <p:sp>
         <p:nvSpPr>
-          <p:cNvPr id="222" name="Option 1 - en respectant l’ordre des colonnes"/>
+          <p:cNvPr id="224" name="Option 1 - en respectant l’ordre des colonnes"/>
           <p:cNvSpPr txBox="1"/>
           <p:nvPr/>
         </p:nvSpPr>
@@ -8568,7 +8883,7 @@
       </p:sp>
       <p:sp>
         <p:nvSpPr>
-          <p:cNvPr id="223" name="INSERT INTO [table]…"/>
+          <p:cNvPr id="225" name="INSERT INTO [table]…"/>
           <p:cNvSpPr txBox="1"/>
           <p:nvPr/>
         </p:nvSpPr>
@@ -8630,7 +8945,7 @@
       </p:sp>
       <p:sp>
         <p:nvSpPr>
-          <p:cNvPr id="224" name="Option 2 - en précisant l’ordre des colonnes"/>
+          <p:cNvPr id="226" name="Option 2 - en précisant l’ordre des colonnes"/>
           <p:cNvSpPr txBox="1"/>
           <p:nvPr/>
         </p:nvSpPr>
@@ -8668,7 +8983,7 @@
       </p:sp>
       <p:sp>
         <p:nvSpPr>
-          <p:cNvPr id="225" name="INSERT INTO [table] ( [nom_colonne2], [nom_colonne1] )…"/>
+          <p:cNvPr id="227" name="INSERT INTO [table] ( [nom_colonne2], [nom_colonne1] )…"/>
           <p:cNvSpPr txBox="1"/>
           <p:nvPr/>
         </p:nvSpPr>
@@ -8730,7 +9045,7 @@
       </p:sp>
       <p:sp>
         <p:nvSpPr>
-          <p:cNvPr id="226" name="Insérer des données"/>
+          <p:cNvPr id="228" name="Insérer des données"/>
           <p:cNvSpPr txBox="1"/>
           <p:nvPr/>
         </p:nvSpPr>
@@ -8768,7 +9083,7 @@
       </p:sp>
       <p:sp>
         <p:nvSpPr>
-          <p:cNvPr id="227" name="⚠️ Les guillemets doubles ne fonctionnent pas en ligne de commande, il faut utiliser des guillemets simples"/>
+          <p:cNvPr id="229" name="⚠️ Les guillemets doubles ne fonctionnent pas en ligne de commande, il faut utiliser des guillemets simples"/>
           <p:cNvSpPr txBox="1"/>
           <p:nvPr/>
         </p:nvSpPr>
@@ -8811,7 +9126,7 @@
       </p:sp>
       <p:sp>
         <p:nvSpPr>
-          <p:cNvPr id="228" name="Mieux vaut utiliser l’option 2 : - on choisi ce que l’on renseigne, - on choisi l’ordre dans lesquelles on les renseigne, - ça évite d’insérer les données dans la mauvaise colonne, - c’est plus stable en cas d’évolution des tables."/>
+          <p:cNvPr id="230" name="Mieux vaut utiliser l’option 2 : - on choisi ce que l’on renseigne, - on choisi l’ordre dans lesquelles on les renseigne, - ça évite d’insérer les données dans la mauvaise colonne, - c’est plus stable en cas d’évolution des tables."/>
           <p:cNvSpPr txBox="1"/>
           <p:nvPr/>
         </p:nvSpPr>
@@ -8905,7 +9220,7 @@
                                       <p:cBhvr>
                                         <p:cTn id="6" fill="hold"/>
                                         <p:tgtEl>
-                                          <p:spTgt spid="224"/>
+                                          <p:spTgt spid="226"/>
                                         </p:tgtEl>
                                         <p:attrNameLst>
                                           <p:attrName>style.visibility</p:attrName>
@@ -8919,7 +9234,7 @@
                                       <p:cBhvr>
                                         <p:cTn id="7" dur="300"/>
                                         <p:tgtEl>
-                                          <p:spTgt spid="224"/>
+                                          <p:spTgt spid="226"/>
                                         </p:tgtEl>
                                       </p:cBhvr>
                                     </p:animEffect>
@@ -8948,7 +9263,7 @@
                                       <p:cBhvr>
                                         <p:cTn id="10" fill="hold"/>
                                         <p:tgtEl>
-                                          <p:spTgt spid="225"/>
+                                          <p:spTgt spid="227"/>
                                         </p:tgtEl>
                                         <p:attrNameLst>
                                           <p:attrName>style.visibility</p:attrName>
@@ -8962,7 +9277,7 @@
                                       <p:cBhvr>
                                         <p:cTn id="11" dur="300"/>
                                         <p:tgtEl>
-                                          <p:spTgt spid="225"/>
+                                          <p:spTgt spid="227"/>
                                         </p:tgtEl>
                                       </p:cBhvr>
                                     </p:animEffect>
@@ -9000,7 +9315,7 @@
                                       <p:cBhvr>
                                         <p:cTn id="15" fill="hold"/>
                                         <p:tgtEl>
-                                          <p:spTgt spid="227"/>
+                                          <p:spTgt spid="229"/>
                                         </p:tgtEl>
                                         <p:attrNameLst>
                                           <p:attrName>style.visibility</p:attrName>
@@ -9014,7 +9329,7 @@
                                       <p:cBhvr>
                                         <p:cTn id="16" dur="300"/>
                                         <p:tgtEl>
-                                          <p:spTgt spid="227"/>
+                                          <p:spTgt spid="229"/>
                                         </p:tgtEl>
                                       </p:cBhvr>
                                     </p:animEffect>
@@ -9049,7 +9364,7 @@
                                       <p:cBhvr>
                                         <p:cTn id="20" dur="indefinite" fill="hold"/>
                                         <p:tgtEl>
-                                          <p:spTgt spid="222"/>
+                                          <p:spTgt spid="224"/>
                                         </p:tgtEl>
                                         <p:attrNameLst>
                                           <p:attrName>style.opacity</p:attrName>
@@ -9063,7 +9378,7 @@
                                       <p:cBhvr>
                                         <p:cTn id="21" dur="indefinite" fill="hold"/>
                                         <p:tgtEl>
-                                          <p:spTgt spid="222"/>
+                                          <p:spTgt spid="224"/>
                                         </p:tgtEl>
                                       </p:cBhvr>
                                     </p:animEffect>
@@ -9089,7 +9404,7 @@
                                       <p:cBhvr>
                                         <p:cTn id="24" dur="indefinite" fill="hold"/>
                                         <p:tgtEl>
-                                          <p:spTgt spid="223"/>
+                                          <p:spTgt spid="225"/>
                                         </p:tgtEl>
                                         <p:attrNameLst>
                                           <p:attrName>style.opacity</p:attrName>
@@ -9103,7 +9418,7 @@
                                       <p:cBhvr>
                                         <p:cTn id="25" dur="indefinite" fill="hold"/>
                                         <p:tgtEl>
-                                          <p:spTgt spid="223"/>
+                                          <p:spTgt spid="225"/>
                                         </p:tgtEl>
                                       </p:cBhvr>
                                     </p:animEffect>
@@ -9129,7 +9444,7 @@
                                       <p:cBhvr>
                                         <p:cTn id="28" dur="300" fill="hold"/>
                                         <p:tgtEl>
-                                          <p:spTgt spid="224"/>
+                                          <p:spTgt spid="226"/>
                                         </p:tgtEl>
                                         <p:attrNameLst>
                                           <p:attrName>ppt_x</p:attrName>
@@ -9159,7 +9474,7 @@
                                       <p:cBhvr>
                                         <p:cTn id="31" dur="300" fill="hold"/>
                                         <p:tgtEl>
-                                          <p:spTgt spid="225"/>
+                                          <p:spTgt spid="227"/>
                                         </p:tgtEl>
                                         <p:attrNameLst>
                                           <p:attrName>ppt_x</p:attrName>
@@ -9189,7 +9504,7 @@
                                       <p:cBhvr>
                                         <p:cTn id="34" dur="300" fill="hold"/>
                                         <p:tgtEl>
-                                          <p:spTgt spid="227"/>
+                                          <p:spTgt spid="229"/>
                                         </p:tgtEl>
                                         <p:attrNameLst>
                                           <p:attrName>ppt_x</p:attrName>
@@ -9222,7 +9537,7 @@
                                       <p:cBhvr>
                                         <p:cTn id="37" fill="hold"/>
                                         <p:tgtEl>
-                                          <p:spTgt spid="228"/>
+                                          <p:spTgt spid="230"/>
                                         </p:tgtEl>
                                         <p:attrNameLst>
                                           <p:attrName>style.visibility</p:attrName>
@@ -9236,7 +9551,7 @@
                                       <p:cBhvr>
                                         <p:cTn id="38" dur="300"/>
                                         <p:tgtEl>
-                                          <p:spTgt spid="228"/>
+                                          <p:spTgt spid="230"/>
                                         </p:tgtEl>
                                       </p:cBhvr>
                                     </p:animEffect>
@@ -9271,12 +9586,12 @@
       </p:par>
     </p:tnLst>
     <p:bldLst>
-      <p:bldP build="whole" bldLvl="1" animBg="1" rev="0" advAuto="0" spid="227" grpId="3"/>
-      <p:bldP build="whole" bldLvl="1" animBg="1" rev="0" advAuto="0" spid="228" grpId="9"/>
-      <p:bldP build="whole" bldLvl="1" animBg="1" rev="0" advAuto="0" spid="223" grpId="5"/>
-      <p:bldP build="whole" bldLvl="1" animBg="1" rev="0" advAuto="0" spid="225" grpId="2"/>
-      <p:bldP build="whole" bldLvl="1" animBg="1" rev="0" advAuto="0" spid="224" grpId="1"/>
-      <p:bldP build="whole" bldLvl="1" animBg="1" rev="0" advAuto="0" spid="222" grpId="4"/>
+      <p:bldP build="whole" bldLvl="1" animBg="1" rev="0" advAuto="0" spid="227" grpId="2"/>
+      <p:bldP build="whole" bldLvl="1" animBg="1" rev="0" advAuto="0" spid="226" grpId="1"/>
+      <p:bldP build="whole" bldLvl="1" animBg="1" rev="0" advAuto="0" spid="224" grpId="4"/>
+      <p:bldP build="whole" bldLvl="1" animBg="1" rev="0" advAuto="0" spid="229" grpId="3"/>
+      <p:bldP build="whole" bldLvl="1" animBg="1" rev="0" advAuto="0" spid="230" grpId="9"/>
+      <p:bldP build="whole" bldLvl="1" animBg="1" rev="0" advAuto="0" spid="225" grpId="5"/>
     </p:bldLst>
   </p:timing>
 </p:sld>
@@ -9301,7 +9616,7 @@
       </p:grpSpPr>
       <p:sp>
         <p:nvSpPr>
-          <p:cNvPr id="232" name="Requêtage SQL"/>
+          <p:cNvPr id="234" name="Requêtage SQL"/>
           <p:cNvSpPr txBox="1"/>
           <p:nvPr/>
         </p:nvSpPr>
@@ -9341,7 +9656,7 @@
       </p:sp>
       <p:sp>
         <p:nvSpPr>
-          <p:cNvPr id="233" name="Un peu de pratique"/>
+          <p:cNvPr id="235" name="Un peu de pratique"/>
           <p:cNvSpPr txBox="1"/>
           <p:nvPr/>
         </p:nvSpPr>
@@ -9379,7 +9694,7 @@
       </p:sp>
       <p:sp>
         <p:nvSpPr>
-          <p:cNvPr id="234" name="Insérer ces 7 utilisateurs dans votre table Utilisateur"/>
+          <p:cNvPr id="236" name="Insérer ces 7 utilisateurs dans votre table Utilisateur"/>
           <p:cNvSpPr txBox="1"/>
           <p:nvPr/>
         </p:nvSpPr>
@@ -9422,7 +9737,7 @@
       </p:sp>
       <p:graphicFrame>
         <p:nvGraphicFramePr>
-          <p:cNvPr id="235" name="Tableau"/>
+          <p:cNvPr id="237" name="Tableau"/>
           <p:cNvGraphicFramePr/>
           <p:nvPr/>
         </p:nvGraphicFramePr>
@@ -10920,6 +11235,1111 @@
     <a:masterClrMapping/>
   </p:clrMapOvr>
   <p:transition xmlns:p14="http://schemas.microsoft.com/office/powerpoint/2010/main" spd="med" advClick="1"/>
+</p:sld>
+</file>
+
+<file path=ppt/slides/slide19.xml><?xml version="1.0" encoding="utf-8"?>
+<p:sld xmlns:a="http://schemas.openxmlformats.org/drawingml/2006/main" xmlns:r="http://schemas.openxmlformats.org/officeDocument/2006/relationships" xmlns:p="http://schemas.openxmlformats.org/presentationml/2006/main" xmlns:m="http://schemas.openxmlformats.org/officeDocument/2006/math" xmlns:a14="http://schemas.microsoft.com/office/drawing/2010/main" showMasterSp="1" showMasterPhAnim="1">
+  <p:cSld>
+    <p:spTree>
+      <p:nvGrpSpPr>
+        <p:cNvPr id="1" name=""/>
+        <p:cNvGrpSpPr/>
+        <p:nvPr/>
+      </p:nvGrpSpPr>
+      <p:grpSpPr>
+        <a:xfrm>
+          <a:off x="0" y="0"/>
+          <a:ext cx="0" cy="0"/>
+          <a:chOff x="0" y="0"/>
+          <a:chExt cx="0" cy="0"/>
+        </a:xfrm>
+      </p:grpSpPr>
+      <p:sp>
+        <p:nvSpPr>
+          <p:cNvPr id="239" name="Requêtage SQL"/>
+          <p:cNvSpPr txBox="1"/>
+          <p:nvPr/>
+        </p:nvSpPr>
+        <p:spPr>
+          <a:xfrm>
+            <a:off x="1270000" y="-12700"/>
+            <a:ext cx="10464800" cy="1282700"/>
+          </a:xfrm>
+          <a:prstGeom prst="rect">
+            <a:avLst/>
+          </a:prstGeom>
+          <a:ln w="12700">
+            <a:miter lim="400000"/>
+          </a:ln>
+          <a:extLst>
+            <a:ext uri="{C572A759-6A51-4108-AA02-DFA0A04FC94B}">
+              <ma14:wrappingTextBoxFlag xmlns:ma14="http://schemas.microsoft.com/office/mac/drawingml/2011/main" val="1"/>
+            </a:ext>
+          </a:extLst>
+        </p:spPr>
+        <p:txBody>
+          <a:bodyPr lIns="50800" tIns="50800" rIns="50800" bIns="50800" anchor="ctr">
+            <a:normAutofit fontScale="100000" lnSpcReduction="0"/>
+          </a:bodyPr>
+          <a:lstStyle>
+            <a:lvl1pPr>
+              <a:defRPr sz="2600"/>
+            </a:lvl1pPr>
+          </a:lstStyle>
+          <a:p>
+            <a:pPr/>
+            <a:r>
+              <a:t>Requêtage SQL</a:t>
+            </a:r>
+          </a:p>
+        </p:txBody>
+      </p:sp>
+      <p:sp>
+        <p:nvSpPr>
+          <p:cNvPr id="240" name="SELECT [colonne1], [colonne2], etc…"/>
+          <p:cNvSpPr txBox="1"/>
+          <p:nvPr/>
+        </p:nvSpPr>
+        <p:spPr>
+          <a:xfrm>
+            <a:off x="427869" y="3320600"/>
+            <a:ext cx="7583116" cy="1011710"/>
+          </a:xfrm>
+          <a:prstGeom prst="rect">
+            <a:avLst/>
+          </a:prstGeom>
+          <a:ln w="12700">
+            <a:miter lim="400000"/>
+          </a:ln>
+          <a:extLst>
+            <a:ext uri="{C572A759-6A51-4108-AA02-DFA0A04FC94B}">
+              <ma14:wrappingTextBoxFlag xmlns:ma14="http://schemas.microsoft.com/office/mac/drawingml/2011/main" val="1"/>
+            </a:ext>
+          </a:extLst>
+        </p:spPr>
+        <p:txBody>
+          <a:bodyPr wrap="none" lIns="50800" tIns="50800" rIns="50800" bIns="50800">
+            <a:spAutoFit/>
+          </a:bodyPr>
+          <a:lstStyle/>
+          <a:p>
+            <a:pPr algn="l">
+              <a:defRPr sz="2800">
+                <a:solidFill>
+                  <a:srgbClr val="5A5F5E"/>
+                </a:solidFill>
+                <a:latin typeface="Monaco"/>
+                <a:ea typeface="Monaco"/>
+                <a:cs typeface="Monaco"/>
+                <a:sym typeface="Monaco"/>
+              </a:defRPr>
+            </a:pPr>
+            <a:r>
+              <a:t>SELECT [colonne1], [colonne2], etc</a:t>
+            </a:r>
+          </a:p>
+          <a:p>
+            <a:pPr algn="l">
+              <a:defRPr sz="2800">
+                <a:solidFill>
+                  <a:srgbClr val="5A5F5E"/>
+                </a:solidFill>
+                <a:latin typeface="Monaco"/>
+                <a:ea typeface="Monaco"/>
+                <a:cs typeface="Monaco"/>
+                <a:sym typeface="Monaco"/>
+              </a:defRPr>
+            </a:pPr>
+            <a:r>
+              <a:t>FROM [table];</a:t>
+            </a:r>
+          </a:p>
+        </p:txBody>
+      </p:sp>
+      <p:sp>
+        <p:nvSpPr>
+          <p:cNvPr id="241" name="Récupérer des données"/>
+          <p:cNvSpPr txBox="1"/>
+          <p:nvPr/>
+        </p:nvSpPr>
+        <p:spPr>
+          <a:xfrm>
+            <a:off x="4311054" y="1598450"/>
+            <a:ext cx="4382692" cy="622301"/>
+          </a:xfrm>
+          <a:prstGeom prst="rect">
+            <a:avLst/>
+          </a:prstGeom>
+          <a:ln w="12700">
+            <a:miter lim="400000"/>
+          </a:ln>
+          <a:extLst>
+            <a:ext uri="{C572A759-6A51-4108-AA02-DFA0A04FC94B}">
+              <ma14:wrappingTextBoxFlag xmlns:ma14="http://schemas.microsoft.com/office/mac/drawingml/2011/main" val="1"/>
+            </a:ext>
+          </a:extLst>
+        </p:spPr>
+        <p:txBody>
+          <a:bodyPr wrap="none" lIns="50800" tIns="50800" rIns="50800" bIns="50800" anchor="ctr">
+            <a:spAutoFit/>
+          </a:bodyPr>
+          <a:lstStyle>
+            <a:lvl1pPr algn="l"/>
+          </a:lstStyle>
+          <a:p>
+            <a:pPr/>
+            <a:r>
+              <a:t>Récupérer des données</a:t>
+            </a:r>
+          </a:p>
+        </p:txBody>
+      </p:sp>
+      <p:sp>
+        <p:nvSpPr>
+          <p:cNvPr id="242" name="SELECT *…"/>
+          <p:cNvSpPr txBox="1"/>
+          <p:nvPr/>
+        </p:nvSpPr>
+        <p:spPr>
+          <a:xfrm>
+            <a:off x="427869" y="3320600"/>
+            <a:ext cx="2248248" cy="1011710"/>
+          </a:xfrm>
+          <a:prstGeom prst="rect">
+            <a:avLst/>
+          </a:prstGeom>
+          <a:ln w="12700">
+            <a:miter lim="400000"/>
+          </a:ln>
+          <a:extLst>
+            <a:ext uri="{C572A759-6A51-4108-AA02-DFA0A04FC94B}">
+              <ma14:wrappingTextBoxFlag xmlns:ma14="http://schemas.microsoft.com/office/mac/drawingml/2011/main" val="1"/>
+            </a:ext>
+          </a:extLst>
+        </p:spPr>
+        <p:txBody>
+          <a:bodyPr wrap="none" lIns="50800" tIns="50800" rIns="50800" bIns="50800">
+            <a:spAutoFit/>
+          </a:bodyPr>
+          <a:lstStyle/>
+          <a:p>
+            <a:pPr algn="l">
+              <a:defRPr sz="2800">
+                <a:solidFill>
+                  <a:srgbClr val="5A5F5E"/>
+                </a:solidFill>
+                <a:latin typeface="Monaco"/>
+                <a:ea typeface="Monaco"/>
+                <a:cs typeface="Monaco"/>
+                <a:sym typeface="Monaco"/>
+              </a:defRPr>
+            </a:pPr>
+            <a:r>
+              <a:t>SELECT *</a:t>
+            </a:r>
+          </a:p>
+          <a:p>
+            <a:pPr algn="l">
+              <a:defRPr sz="2800">
+                <a:solidFill>
+                  <a:srgbClr val="5A5F5E"/>
+                </a:solidFill>
+                <a:latin typeface="Monaco"/>
+                <a:ea typeface="Monaco"/>
+                <a:cs typeface="Monaco"/>
+                <a:sym typeface="Monaco"/>
+              </a:defRPr>
+            </a:pPr>
+            <a:r>
+              <a:t>FROM docs;</a:t>
+            </a:r>
+          </a:p>
+        </p:txBody>
+      </p:sp>
+      <p:sp>
+        <p:nvSpPr>
+          <p:cNvPr id="243" name="SELECT nom, path…"/>
+          <p:cNvSpPr txBox="1"/>
+          <p:nvPr/>
+        </p:nvSpPr>
+        <p:spPr>
+          <a:xfrm>
+            <a:off x="427869" y="3320600"/>
+            <a:ext cx="3742011" cy="1011710"/>
+          </a:xfrm>
+          <a:prstGeom prst="rect">
+            <a:avLst/>
+          </a:prstGeom>
+          <a:ln w="12700">
+            <a:miter lim="400000"/>
+          </a:ln>
+          <a:extLst>
+            <a:ext uri="{C572A759-6A51-4108-AA02-DFA0A04FC94B}">
+              <ma14:wrappingTextBoxFlag xmlns:ma14="http://schemas.microsoft.com/office/mac/drawingml/2011/main" val="1"/>
+            </a:ext>
+          </a:extLst>
+        </p:spPr>
+        <p:txBody>
+          <a:bodyPr wrap="none" lIns="50800" tIns="50800" rIns="50800" bIns="50800">
+            <a:spAutoFit/>
+          </a:bodyPr>
+          <a:lstStyle/>
+          <a:p>
+            <a:pPr algn="l">
+              <a:defRPr sz="2800">
+                <a:solidFill>
+                  <a:srgbClr val="5A5F5E"/>
+                </a:solidFill>
+                <a:latin typeface="Monaco"/>
+                <a:ea typeface="Monaco"/>
+                <a:cs typeface="Monaco"/>
+                <a:sym typeface="Monaco"/>
+              </a:defRPr>
+            </a:pPr>
+            <a:r>
+              <a:t>SELECT nom, path</a:t>
+            </a:r>
+          </a:p>
+          <a:p>
+            <a:pPr algn="l">
+              <a:defRPr sz="2800">
+                <a:solidFill>
+                  <a:srgbClr val="5A5F5E"/>
+                </a:solidFill>
+                <a:latin typeface="Monaco"/>
+                <a:ea typeface="Monaco"/>
+                <a:cs typeface="Monaco"/>
+                <a:sym typeface="Monaco"/>
+              </a:defRPr>
+            </a:pPr>
+            <a:r>
+              <a:t>FROM docs;</a:t>
+            </a:r>
+          </a:p>
+        </p:txBody>
+      </p:sp>
+      <p:sp>
+        <p:nvSpPr>
+          <p:cNvPr id="244" name="Requêtes simples"/>
+          <p:cNvSpPr txBox="1"/>
+          <p:nvPr/>
+        </p:nvSpPr>
+        <p:spPr>
+          <a:xfrm>
+            <a:off x="409980" y="2676201"/>
+            <a:ext cx="3217591" cy="622301"/>
+          </a:xfrm>
+          <a:prstGeom prst="rect">
+            <a:avLst/>
+          </a:prstGeom>
+          <a:ln w="12700">
+            <a:miter lim="400000"/>
+          </a:ln>
+          <a:extLst>
+            <a:ext uri="{C572A759-6A51-4108-AA02-DFA0A04FC94B}">
+              <ma14:wrappingTextBoxFlag xmlns:ma14="http://schemas.microsoft.com/office/mac/drawingml/2011/main" val="1"/>
+            </a:ext>
+          </a:extLst>
+        </p:spPr>
+        <p:txBody>
+          <a:bodyPr wrap="none" lIns="50800" tIns="50800" rIns="50800" bIns="50800" anchor="ctr">
+            <a:spAutoFit/>
+          </a:bodyPr>
+          <a:lstStyle>
+            <a:lvl1pPr algn="l"/>
+          </a:lstStyle>
+          <a:p>
+            <a:pPr/>
+            <a:r>
+              <a:t>Requêtes simples</a:t>
+            </a:r>
+          </a:p>
+        </p:txBody>
+      </p:sp>
+      <p:sp>
+        <p:nvSpPr>
+          <p:cNvPr id="245" name="SELECT [colonne1], [colonne2], etc…"/>
+          <p:cNvSpPr txBox="1"/>
+          <p:nvPr/>
+        </p:nvSpPr>
+        <p:spPr>
+          <a:xfrm>
+            <a:off x="427869" y="5479600"/>
+            <a:ext cx="7583116" cy="1481610"/>
+          </a:xfrm>
+          <a:prstGeom prst="rect">
+            <a:avLst/>
+          </a:prstGeom>
+          <a:ln w="12700">
+            <a:miter lim="400000"/>
+          </a:ln>
+          <a:extLst>
+            <a:ext uri="{C572A759-6A51-4108-AA02-DFA0A04FC94B}">
+              <ma14:wrappingTextBoxFlag xmlns:ma14="http://schemas.microsoft.com/office/mac/drawingml/2011/main" val="1"/>
+            </a:ext>
+          </a:extLst>
+        </p:spPr>
+        <p:txBody>
+          <a:bodyPr wrap="none" lIns="50800" tIns="50800" rIns="50800" bIns="50800">
+            <a:spAutoFit/>
+          </a:bodyPr>
+          <a:lstStyle/>
+          <a:p>
+            <a:pPr algn="l">
+              <a:defRPr sz="2800">
+                <a:solidFill>
+                  <a:srgbClr val="5A5F5E"/>
+                </a:solidFill>
+                <a:latin typeface="Monaco"/>
+                <a:ea typeface="Monaco"/>
+                <a:cs typeface="Monaco"/>
+                <a:sym typeface="Monaco"/>
+              </a:defRPr>
+            </a:pPr>
+            <a:r>
+              <a:t>SELECT [colonne1], [colonne2], etc</a:t>
+            </a:r>
+          </a:p>
+          <a:p>
+            <a:pPr algn="l">
+              <a:defRPr sz="2800">
+                <a:solidFill>
+                  <a:srgbClr val="5A5F5E"/>
+                </a:solidFill>
+                <a:latin typeface="Monaco"/>
+                <a:ea typeface="Monaco"/>
+                <a:cs typeface="Monaco"/>
+                <a:sym typeface="Monaco"/>
+              </a:defRPr>
+            </a:pPr>
+            <a:r>
+              <a:t>FROM [table]</a:t>
+            </a:r>
+          </a:p>
+          <a:p>
+            <a:pPr algn="l">
+              <a:defRPr sz="2800">
+                <a:solidFill>
+                  <a:srgbClr val="5A5F5E"/>
+                </a:solidFill>
+                <a:latin typeface="Monaco"/>
+                <a:ea typeface="Monaco"/>
+                <a:cs typeface="Monaco"/>
+                <a:sym typeface="Monaco"/>
+              </a:defRPr>
+            </a:pPr>
+            <a:r>
+              <a:t>WHERE [condition];</a:t>
+            </a:r>
+          </a:p>
+        </p:txBody>
+      </p:sp>
+      <p:sp>
+        <p:nvSpPr>
+          <p:cNvPr id="246" name="SELECT nom, path…"/>
+          <p:cNvSpPr txBox="1"/>
+          <p:nvPr/>
+        </p:nvSpPr>
+        <p:spPr>
+          <a:xfrm>
+            <a:off x="427869" y="5479600"/>
+            <a:ext cx="3742011" cy="1481610"/>
+          </a:xfrm>
+          <a:prstGeom prst="rect">
+            <a:avLst/>
+          </a:prstGeom>
+          <a:ln w="12700">
+            <a:miter lim="400000"/>
+          </a:ln>
+          <a:extLst>
+            <a:ext uri="{C572A759-6A51-4108-AA02-DFA0A04FC94B}">
+              <ma14:wrappingTextBoxFlag xmlns:ma14="http://schemas.microsoft.com/office/mac/drawingml/2011/main" val="1"/>
+            </a:ext>
+          </a:extLst>
+        </p:spPr>
+        <p:txBody>
+          <a:bodyPr wrap="none" lIns="50800" tIns="50800" rIns="50800" bIns="50800">
+            <a:spAutoFit/>
+          </a:bodyPr>
+          <a:lstStyle/>
+          <a:p>
+            <a:pPr algn="l">
+              <a:defRPr sz="2800">
+                <a:solidFill>
+                  <a:srgbClr val="5A5F5E"/>
+                </a:solidFill>
+                <a:latin typeface="Monaco"/>
+                <a:ea typeface="Monaco"/>
+                <a:cs typeface="Monaco"/>
+                <a:sym typeface="Monaco"/>
+              </a:defRPr>
+            </a:pPr>
+            <a:r>
+              <a:t>SELECT nom, path</a:t>
+            </a:r>
+          </a:p>
+          <a:p>
+            <a:pPr algn="l">
+              <a:defRPr sz="2800">
+                <a:solidFill>
+                  <a:srgbClr val="5A5F5E"/>
+                </a:solidFill>
+                <a:latin typeface="Monaco"/>
+                <a:ea typeface="Monaco"/>
+                <a:cs typeface="Monaco"/>
+                <a:sym typeface="Monaco"/>
+              </a:defRPr>
+            </a:pPr>
+            <a:r>
+              <a:t>FROM docs</a:t>
+            </a:r>
+          </a:p>
+          <a:p>
+            <a:pPr algn="l">
+              <a:defRPr sz="2800">
+                <a:solidFill>
+                  <a:srgbClr val="5A5F5E"/>
+                </a:solidFill>
+                <a:latin typeface="Monaco"/>
+                <a:ea typeface="Monaco"/>
+                <a:cs typeface="Monaco"/>
+                <a:sym typeface="Monaco"/>
+              </a:defRPr>
+            </a:pPr>
+            <a:r>
+              <a:t>WHERE path != '';</a:t>
+            </a:r>
+          </a:p>
+        </p:txBody>
+      </p:sp>
+      <p:sp>
+        <p:nvSpPr>
+          <p:cNvPr id="247" name="Requêtes avec conditions"/>
+          <p:cNvSpPr txBox="1"/>
+          <p:nvPr/>
+        </p:nvSpPr>
+        <p:spPr>
+          <a:xfrm>
+            <a:off x="409980" y="4835201"/>
+            <a:ext cx="4665317" cy="622301"/>
+          </a:xfrm>
+          <a:prstGeom prst="rect">
+            <a:avLst/>
+          </a:prstGeom>
+          <a:ln w="12700">
+            <a:miter lim="400000"/>
+          </a:ln>
+          <a:extLst>
+            <a:ext uri="{C572A759-6A51-4108-AA02-DFA0A04FC94B}">
+              <ma14:wrappingTextBoxFlag xmlns:ma14="http://schemas.microsoft.com/office/mac/drawingml/2011/main" val="1"/>
+            </a:ext>
+          </a:extLst>
+        </p:spPr>
+        <p:txBody>
+          <a:bodyPr wrap="none" lIns="50800" tIns="50800" rIns="50800" bIns="50800" anchor="ctr">
+            <a:spAutoFit/>
+          </a:bodyPr>
+          <a:lstStyle>
+            <a:lvl1pPr algn="l"/>
+          </a:lstStyle>
+          <a:p>
+            <a:pPr/>
+            <a:r>
+              <a:t>Requêtes avec conditions</a:t>
+            </a:r>
+          </a:p>
+        </p:txBody>
+      </p:sp>
+      <p:sp>
+        <p:nvSpPr>
+          <p:cNvPr id="248" name="SELECT nom, path…"/>
+          <p:cNvSpPr txBox="1"/>
+          <p:nvPr/>
+        </p:nvSpPr>
+        <p:spPr>
+          <a:xfrm>
+            <a:off x="427869" y="5479600"/>
+            <a:ext cx="5022380" cy="1481610"/>
+          </a:xfrm>
+          <a:prstGeom prst="rect">
+            <a:avLst/>
+          </a:prstGeom>
+          <a:ln w="12700">
+            <a:miter lim="400000"/>
+          </a:ln>
+          <a:extLst>
+            <a:ext uri="{C572A759-6A51-4108-AA02-DFA0A04FC94B}">
+              <ma14:wrappingTextBoxFlag xmlns:ma14="http://schemas.microsoft.com/office/mac/drawingml/2011/main" val="1"/>
+            </a:ext>
+          </a:extLst>
+        </p:spPr>
+        <p:txBody>
+          <a:bodyPr wrap="none" lIns="50800" tIns="50800" rIns="50800" bIns="50800">
+            <a:spAutoFit/>
+          </a:bodyPr>
+          <a:lstStyle/>
+          <a:p>
+            <a:pPr algn="l">
+              <a:defRPr sz="2800">
+                <a:solidFill>
+                  <a:srgbClr val="5A5F5E"/>
+                </a:solidFill>
+                <a:latin typeface="Monaco"/>
+                <a:ea typeface="Monaco"/>
+                <a:cs typeface="Monaco"/>
+                <a:sym typeface="Monaco"/>
+              </a:defRPr>
+            </a:pPr>
+            <a:r>
+              <a:t>SELECT nom, path</a:t>
+            </a:r>
+          </a:p>
+          <a:p>
+            <a:pPr algn="l">
+              <a:defRPr sz="2800">
+                <a:solidFill>
+                  <a:srgbClr val="5A5F5E"/>
+                </a:solidFill>
+                <a:latin typeface="Monaco"/>
+                <a:ea typeface="Monaco"/>
+                <a:cs typeface="Monaco"/>
+                <a:sym typeface="Monaco"/>
+              </a:defRPr>
+            </a:pPr>
+            <a:r>
+              <a:t>FROM docs</a:t>
+            </a:r>
+          </a:p>
+          <a:p>
+            <a:pPr algn="l">
+              <a:defRPr sz="2800">
+                <a:solidFill>
+                  <a:srgbClr val="5A5F5E"/>
+                </a:solidFill>
+                <a:latin typeface="Monaco"/>
+                <a:ea typeface="Monaco"/>
+                <a:cs typeface="Monaco"/>
+                <a:sym typeface="Monaco"/>
+              </a:defRPr>
+            </a:pPr>
+            <a:r>
+              <a:t>WHERE path IS NOT NULL;</a:t>
+            </a:r>
+          </a:p>
+        </p:txBody>
+      </p:sp>
+    </p:spTree>
+  </p:cSld>
+  <p:clrMapOvr>
+    <a:masterClrMapping/>
+  </p:clrMapOvr>
+  <p:transition xmlns:p14="http://schemas.microsoft.com/office/powerpoint/2010/main" spd="med" advClick="1"/>
+  <p:timing>
+    <p:tnLst>
+      <p:par>
+        <p:cTn id="1" nodeType="tmRoot" restart="never" dur="indefinite" fill="hold">
+          <p:childTnLst>
+            <p:seq concurrent="1" prevAc="none" nextAc="seek">
+              <p:cTn id="2" nodeType="mainSeq" dur="indefinite" fill="hold">
+                <p:childTnLst>
+                  <p:par>
+                    <p:cTn id="3" fill="hold">
+                      <p:stCondLst>
+                        <p:cond delay="indefinite"/>
+                      </p:stCondLst>
+                      <p:childTnLst>
+                        <p:par>
+                          <p:cTn id="4" fill="hold">
+                            <p:stCondLst>
+                              <p:cond delay="0"/>
+                            </p:stCondLst>
+                            <p:childTnLst>
+                              <p:par>
+                                <p:cTn id="5" presetClass="emph" nodeType="clickEffect" presetID="9" grpId="1" fill="hold">
+                                  <p:stCondLst>
+                                    <p:cond delay="0"/>
+                                  </p:stCondLst>
+                                  <p:childTnLst>
+                                    <p:set>
+                                      <p:cBhvr>
+                                        <p:cTn id="6" dur="indefinite" fill="hold"/>
+                                        <p:tgtEl>
+                                          <p:spTgt spid="240"/>
+                                        </p:tgtEl>
+                                        <p:attrNameLst>
+                                          <p:attrName>style.opacity</p:attrName>
+                                        </p:attrNameLst>
+                                      </p:cBhvr>
+                                      <p:to>
+                                        <p:strVal val="0.00"/>
+                                      </p:to>
+                                    </p:set>
+                                    <p:animEffect filter="image" prLst="opacity: 0.00; ">
+                                      <p:cBhvr>
+                                        <p:cTn id="7" dur="indefinite" fill="hold"/>
+                                        <p:tgtEl>
+                                          <p:spTgt spid="240"/>
+                                        </p:tgtEl>
+                                      </p:cBhvr>
+                                    </p:animEffect>
+                                  </p:childTnLst>
+                                </p:cTn>
+                              </p:par>
+                            </p:childTnLst>
+                          </p:cTn>
+                        </p:par>
+                        <p:par>
+                          <p:cTn id="8" fill="hold">
+                            <p:stCondLst>
+                              <p:cond delay="300"/>
+                            </p:stCondLst>
+                            <p:childTnLst>
+                              <p:par>
+                                <p:cTn id="9" presetClass="entr" nodeType="afterEffect" presetID="9" grpId="2" fill="hold">
+                                  <p:stCondLst>
+                                    <p:cond delay="0"/>
+                                  </p:stCondLst>
+                                  <p:iterate type="el" backwards="0">
+                                    <p:tmAbs val="0"/>
+                                  </p:iterate>
+                                  <p:childTnLst>
+                                    <p:set>
+                                      <p:cBhvr>
+                                        <p:cTn id="10" fill="hold"/>
+                                        <p:tgtEl>
+                                          <p:spTgt spid="242"/>
+                                        </p:tgtEl>
+                                        <p:attrNameLst>
+                                          <p:attrName>style.visibility</p:attrName>
+                                        </p:attrNameLst>
+                                      </p:cBhvr>
+                                      <p:to>
+                                        <p:strVal val="visible"/>
+                                      </p:to>
+                                    </p:set>
+                                    <p:animEffect filter="dissolve" transition="in">
+                                      <p:cBhvr>
+                                        <p:cTn id="11" dur="300"/>
+                                        <p:tgtEl>
+                                          <p:spTgt spid="242"/>
+                                        </p:tgtEl>
+                                      </p:cBhvr>
+                                    </p:animEffect>
+                                  </p:childTnLst>
+                                </p:cTn>
+                              </p:par>
+                            </p:childTnLst>
+                          </p:cTn>
+                        </p:par>
+                      </p:childTnLst>
+                    </p:cTn>
+                  </p:par>
+                  <p:par>
+                    <p:cTn id="12" fill="hold">
+                      <p:stCondLst>
+                        <p:cond delay="indefinite"/>
+                      </p:stCondLst>
+                      <p:childTnLst>
+                        <p:par>
+                          <p:cTn id="13" fill="hold">
+                            <p:stCondLst>
+                              <p:cond delay="0"/>
+                            </p:stCondLst>
+                            <p:childTnLst>
+                              <p:par>
+                                <p:cTn id="14" presetClass="emph" nodeType="clickEffect" presetID="9" grpId="3" fill="hold">
+                                  <p:stCondLst>
+                                    <p:cond delay="0"/>
+                                  </p:stCondLst>
+                                  <p:childTnLst>
+                                    <p:set>
+                                      <p:cBhvr>
+                                        <p:cTn id="15" dur="indefinite" fill="hold"/>
+                                        <p:tgtEl>
+                                          <p:spTgt spid="242"/>
+                                        </p:tgtEl>
+                                        <p:attrNameLst>
+                                          <p:attrName>style.opacity</p:attrName>
+                                        </p:attrNameLst>
+                                      </p:cBhvr>
+                                      <p:to>
+                                        <p:strVal val="0.00"/>
+                                      </p:to>
+                                    </p:set>
+                                    <p:animEffect filter="image" prLst="opacity: 0.00; ">
+                                      <p:cBhvr>
+                                        <p:cTn id="16" dur="indefinite" fill="hold"/>
+                                        <p:tgtEl>
+                                          <p:spTgt spid="242"/>
+                                        </p:tgtEl>
+                                      </p:cBhvr>
+                                    </p:animEffect>
+                                  </p:childTnLst>
+                                </p:cTn>
+                              </p:par>
+                            </p:childTnLst>
+                          </p:cTn>
+                        </p:par>
+                        <p:par>
+                          <p:cTn id="17" fill="hold">
+                            <p:stCondLst>
+                              <p:cond delay="300"/>
+                            </p:stCondLst>
+                            <p:childTnLst>
+                              <p:par>
+                                <p:cTn id="18" presetClass="entr" nodeType="afterEffect" presetID="9" grpId="4" fill="hold">
+                                  <p:stCondLst>
+                                    <p:cond delay="0"/>
+                                  </p:stCondLst>
+                                  <p:iterate type="el" backwards="0">
+                                    <p:tmAbs val="0"/>
+                                  </p:iterate>
+                                  <p:childTnLst>
+                                    <p:set>
+                                      <p:cBhvr>
+                                        <p:cTn id="19" fill="hold"/>
+                                        <p:tgtEl>
+                                          <p:spTgt spid="243"/>
+                                        </p:tgtEl>
+                                        <p:attrNameLst>
+                                          <p:attrName>style.visibility</p:attrName>
+                                        </p:attrNameLst>
+                                      </p:cBhvr>
+                                      <p:to>
+                                        <p:strVal val="visible"/>
+                                      </p:to>
+                                    </p:set>
+                                    <p:animEffect filter="dissolve" transition="in">
+                                      <p:cBhvr>
+                                        <p:cTn id="20" dur="300"/>
+                                        <p:tgtEl>
+                                          <p:spTgt spid="243"/>
+                                        </p:tgtEl>
+                                      </p:cBhvr>
+                                    </p:animEffect>
+                                  </p:childTnLst>
+                                </p:cTn>
+                              </p:par>
+                            </p:childTnLst>
+                          </p:cTn>
+                        </p:par>
+                      </p:childTnLst>
+                    </p:cTn>
+                  </p:par>
+                  <p:par>
+                    <p:cTn id="21" fill="hold">
+                      <p:stCondLst>
+                        <p:cond delay="indefinite"/>
+                      </p:stCondLst>
+                      <p:childTnLst>
+                        <p:par>
+                          <p:cTn id="22" fill="hold">
+                            <p:stCondLst>
+                              <p:cond delay="0"/>
+                            </p:stCondLst>
+                            <p:childTnLst>
+                              <p:par>
+                                <p:cTn id="23" presetClass="entr" nodeType="clickEffect" presetID="9" grpId="5" fill="hold">
+                                  <p:stCondLst>
+                                    <p:cond delay="0"/>
+                                  </p:stCondLst>
+                                  <p:iterate type="el" backwards="0">
+                                    <p:tmAbs val="0"/>
+                                  </p:iterate>
+                                  <p:childTnLst>
+                                    <p:set>
+                                      <p:cBhvr>
+                                        <p:cTn id="24" fill="hold"/>
+                                        <p:tgtEl>
+                                          <p:spTgt spid="247"/>
+                                        </p:tgtEl>
+                                        <p:attrNameLst>
+                                          <p:attrName>style.visibility</p:attrName>
+                                        </p:attrNameLst>
+                                      </p:cBhvr>
+                                      <p:to>
+                                        <p:strVal val="visible"/>
+                                      </p:to>
+                                    </p:set>
+                                    <p:animEffect filter="dissolve" transition="in">
+                                      <p:cBhvr>
+                                        <p:cTn id="25" dur="300"/>
+                                        <p:tgtEl>
+                                          <p:spTgt spid="247"/>
+                                        </p:tgtEl>
+                                      </p:cBhvr>
+                                    </p:animEffect>
+                                  </p:childTnLst>
+                                </p:cTn>
+                              </p:par>
+                            </p:childTnLst>
+                          </p:cTn>
+                        </p:par>
+                        <p:par>
+                          <p:cTn id="26" fill="hold">
+                            <p:stCondLst>
+                              <p:cond delay="300"/>
+                            </p:stCondLst>
+                            <p:childTnLst>
+                              <p:par>
+                                <p:cTn id="27" presetClass="entr" nodeType="afterEffect" presetID="9" grpId="6" fill="hold">
+                                  <p:stCondLst>
+                                    <p:cond delay="0"/>
+                                  </p:stCondLst>
+                                  <p:iterate type="el" backwards="0">
+                                    <p:tmAbs val="0"/>
+                                  </p:iterate>
+                                  <p:childTnLst>
+                                    <p:set>
+                                      <p:cBhvr>
+                                        <p:cTn id="28" fill="hold"/>
+                                        <p:tgtEl>
+                                          <p:spTgt spid="245"/>
+                                        </p:tgtEl>
+                                        <p:attrNameLst>
+                                          <p:attrName>style.visibility</p:attrName>
+                                        </p:attrNameLst>
+                                      </p:cBhvr>
+                                      <p:to>
+                                        <p:strVal val="visible"/>
+                                      </p:to>
+                                    </p:set>
+                                    <p:animEffect filter="dissolve" transition="in">
+                                      <p:cBhvr>
+                                        <p:cTn id="29" dur="300"/>
+                                        <p:tgtEl>
+                                          <p:spTgt spid="245"/>
+                                        </p:tgtEl>
+                                      </p:cBhvr>
+                                    </p:animEffect>
+                                  </p:childTnLst>
+                                </p:cTn>
+                              </p:par>
+                            </p:childTnLst>
+                          </p:cTn>
+                        </p:par>
+                      </p:childTnLst>
+                    </p:cTn>
+                  </p:par>
+                  <p:par>
+                    <p:cTn id="30" fill="hold">
+                      <p:stCondLst>
+                        <p:cond delay="indefinite"/>
+                      </p:stCondLst>
+                      <p:childTnLst>
+                        <p:par>
+                          <p:cTn id="31" fill="hold">
+                            <p:stCondLst>
+                              <p:cond delay="0"/>
+                            </p:stCondLst>
+                            <p:childTnLst>
+                              <p:par>
+                                <p:cTn id="32" presetClass="emph" nodeType="clickEffect" presetID="9" grpId="7" fill="hold">
+                                  <p:stCondLst>
+                                    <p:cond delay="0"/>
+                                  </p:stCondLst>
+                                  <p:childTnLst>
+                                    <p:set>
+                                      <p:cBhvr>
+                                        <p:cTn id="33" dur="indefinite" fill="hold"/>
+                                        <p:tgtEl>
+                                          <p:spTgt spid="245"/>
+                                        </p:tgtEl>
+                                        <p:attrNameLst>
+                                          <p:attrName>style.opacity</p:attrName>
+                                        </p:attrNameLst>
+                                      </p:cBhvr>
+                                      <p:to>
+                                        <p:strVal val="0.00"/>
+                                      </p:to>
+                                    </p:set>
+                                    <p:animEffect filter="image" prLst="opacity: 0.00; ">
+                                      <p:cBhvr>
+                                        <p:cTn id="34" dur="indefinite" fill="hold"/>
+                                        <p:tgtEl>
+                                          <p:spTgt spid="245"/>
+                                        </p:tgtEl>
+                                      </p:cBhvr>
+                                    </p:animEffect>
+                                  </p:childTnLst>
+                                </p:cTn>
+                              </p:par>
+                            </p:childTnLst>
+                          </p:cTn>
+                        </p:par>
+                        <p:par>
+                          <p:cTn id="35" fill="hold">
+                            <p:stCondLst>
+                              <p:cond delay="300"/>
+                            </p:stCondLst>
+                            <p:childTnLst>
+                              <p:par>
+                                <p:cTn id="36" presetClass="entr" nodeType="afterEffect" presetID="9" grpId="8" fill="hold">
+                                  <p:stCondLst>
+                                    <p:cond delay="0"/>
+                                  </p:stCondLst>
+                                  <p:iterate type="el" backwards="0">
+                                    <p:tmAbs val="0"/>
+                                  </p:iterate>
+                                  <p:childTnLst>
+                                    <p:set>
+                                      <p:cBhvr>
+                                        <p:cTn id="37" fill="hold"/>
+                                        <p:tgtEl>
+                                          <p:spTgt spid="246"/>
+                                        </p:tgtEl>
+                                        <p:attrNameLst>
+                                          <p:attrName>style.visibility</p:attrName>
+                                        </p:attrNameLst>
+                                      </p:cBhvr>
+                                      <p:to>
+                                        <p:strVal val="visible"/>
+                                      </p:to>
+                                    </p:set>
+                                    <p:animEffect filter="dissolve" transition="in">
+                                      <p:cBhvr>
+                                        <p:cTn id="38" dur="300"/>
+                                        <p:tgtEl>
+                                          <p:spTgt spid="246"/>
+                                        </p:tgtEl>
+                                      </p:cBhvr>
+                                    </p:animEffect>
+                                  </p:childTnLst>
+                                </p:cTn>
+                              </p:par>
+                            </p:childTnLst>
+                          </p:cTn>
+                        </p:par>
+                      </p:childTnLst>
+                    </p:cTn>
+                  </p:par>
+                  <p:par>
+                    <p:cTn id="39" fill="hold">
+                      <p:stCondLst>
+                        <p:cond delay="indefinite"/>
+                      </p:stCondLst>
+                      <p:childTnLst>
+                        <p:par>
+                          <p:cTn id="40" fill="hold">
+                            <p:stCondLst>
+                              <p:cond delay="0"/>
+                            </p:stCondLst>
+                            <p:childTnLst>
+                              <p:par>
+                                <p:cTn id="41" presetClass="emph" nodeType="clickEffect" presetID="9" grpId="9" fill="hold">
+                                  <p:stCondLst>
+                                    <p:cond delay="0"/>
+                                  </p:stCondLst>
+                                  <p:childTnLst>
+                                    <p:set>
+                                      <p:cBhvr>
+                                        <p:cTn id="42" dur="indefinite" fill="hold"/>
+                                        <p:tgtEl>
+                                          <p:spTgt spid="246"/>
+                                        </p:tgtEl>
+                                        <p:attrNameLst>
+                                          <p:attrName>style.opacity</p:attrName>
+                                        </p:attrNameLst>
+                                      </p:cBhvr>
+                                      <p:to>
+                                        <p:strVal val="0.00"/>
+                                      </p:to>
+                                    </p:set>
+                                    <p:animEffect filter="image" prLst="opacity: 0.00; ">
+                                      <p:cBhvr>
+                                        <p:cTn id="43" dur="indefinite" fill="hold"/>
+                                        <p:tgtEl>
+                                          <p:spTgt spid="246"/>
+                                        </p:tgtEl>
+                                      </p:cBhvr>
+                                    </p:animEffect>
+                                  </p:childTnLst>
+                                </p:cTn>
+                              </p:par>
+                            </p:childTnLst>
+                          </p:cTn>
+                        </p:par>
+                        <p:par>
+                          <p:cTn id="44" fill="hold">
+                            <p:stCondLst>
+                              <p:cond delay="300"/>
+                            </p:stCondLst>
+                            <p:childTnLst>
+                              <p:par>
+                                <p:cTn id="45" presetClass="entr" nodeType="afterEffect" presetID="9" grpId="10" fill="hold">
+                                  <p:stCondLst>
+                                    <p:cond delay="0"/>
+                                  </p:stCondLst>
+                                  <p:iterate type="el" backwards="0">
+                                    <p:tmAbs val="0"/>
+                                  </p:iterate>
+                                  <p:childTnLst>
+                                    <p:set>
+                                      <p:cBhvr>
+                                        <p:cTn id="46" fill="hold"/>
+                                        <p:tgtEl>
+                                          <p:spTgt spid="248"/>
+                                        </p:tgtEl>
+                                        <p:attrNameLst>
+                                          <p:attrName>style.visibility</p:attrName>
+                                        </p:attrNameLst>
+                                      </p:cBhvr>
+                                      <p:to>
+                                        <p:strVal val="visible"/>
+                                      </p:to>
+                                    </p:set>
+                                    <p:animEffect filter="dissolve" transition="in">
+                                      <p:cBhvr>
+                                        <p:cTn id="47" dur="300"/>
+                                        <p:tgtEl>
+                                          <p:spTgt spid="248"/>
+                                        </p:tgtEl>
+                                      </p:cBhvr>
+                                    </p:animEffect>
+                                  </p:childTnLst>
+                                </p:cTn>
+                              </p:par>
+                            </p:childTnLst>
+                          </p:cTn>
+                        </p:par>
+                      </p:childTnLst>
+                    </p:cTn>
+                  </p:par>
+                </p:childTnLst>
+              </p:cTn>
+              <p:prevCondLst>
+                <p:cond evt="onPrev">
+                  <p:tgtEl>
+                    <p:sldTgt/>
+                  </p:tgtEl>
+                </p:cond>
+              </p:prevCondLst>
+              <p:nextCondLst>
+                <p:cond evt="onNext">
+                  <p:tgtEl>
+                    <p:sldTgt/>
+                  </p:tgtEl>
+                </p:cond>
+              </p:nextCondLst>
+            </p:seq>
+          </p:childTnLst>
+        </p:cTn>
+      </p:par>
+    </p:tnLst>
+    <p:bldLst>
+      <p:bldP build="whole" bldLvl="1" animBg="1" rev="0" advAuto="0" spid="246" grpId="9"/>
+      <p:bldP build="whole" bldLvl="1" animBg="1" rev="0" advAuto="0" spid="245" grpId="6"/>
+      <p:bldP build="whole" bldLvl="1" animBg="1" rev="0" advAuto="0" spid="245" grpId="7"/>
+      <p:bldP build="whole" bldLvl="1" animBg="1" rev="0" advAuto="0" spid="248" grpId="10"/>
+      <p:bldP build="whole" bldLvl="1" animBg="1" rev="0" advAuto="0" spid="243" grpId="4"/>
+      <p:bldP build="whole" bldLvl="1" animBg="1" rev="0" advAuto="0" spid="240" grpId="1"/>
+      <p:bldP build="whole" bldLvl="1" animBg="1" rev="0" advAuto="0" spid="246" grpId="8"/>
+      <p:bldP build="whole" bldLvl="1" animBg="1" rev="0" advAuto="0" spid="247" grpId="5"/>
+      <p:bldP build="whole" bldLvl="1" animBg="1" rev="0" advAuto="0" spid="242" grpId="2"/>
+      <p:bldP build="whole" bldLvl="1" animBg="1" rev="0" advAuto="0" spid="242" grpId="3"/>
+    </p:bldLst>
+  </p:timing>
 </p:sld>
 </file>
 
@@ -11284,10 +12704,5497 @@
       </p:par>
     </p:tnLst>
     <p:bldLst>
+      <p:bldP build="whole" bldLvl="1" animBg="1" rev="0" advAuto="0" spid="123" grpId="1"/>
       <p:bldP build="whole" bldLvl="1" animBg="1" rev="0" advAuto="0" spid="124" grpId="2"/>
-      <p:bldP build="whole" bldLvl="1" animBg="1" rev="0" advAuto="0" spid="123" grpId="1"/>
     </p:bldLst>
   </p:timing>
+</p:sld>
+</file>
+
+<file path=ppt/slides/slide20.xml><?xml version="1.0" encoding="utf-8"?>
+<p:sld xmlns:a="http://schemas.openxmlformats.org/drawingml/2006/main" xmlns:r="http://schemas.openxmlformats.org/officeDocument/2006/relationships" xmlns:p="http://schemas.openxmlformats.org/presentationml/2006/main" xmlns:m="http://schemas.openxmlformats.org/officeDocument/2006/math" xmlns:a14="http://schemas.microsoft.com/office/drawing/2010/main" showMasterSp="1" showMasterPhAnim="1">
+  <p:cSld>
+    <p:spTree>
+      <p:nvGrpSpPr>
+        <p:cNvPr id="1" name=""/>
+        <p:cNvGrpSpPr/>
+        <p:nvPr/>
+      </p:nvGrpSpPr>
+      <p:grpSpPr>
+        <a:xfrm>
+          <a:off x="0" y="0"/>
+          <a:ext cx="0" cy="0"/>
+          <a:chOff x="0" y="0"/>
+          <a:chExt cx="0" cy="0"/>
+        </a:xfrm>
+      </p:grpSpPr>
+      <p:sp>
+        <p:nvSpPr>
+          <p:cNvPr id="250" name="Requêtage SQL"/>
+          <p:cNvSpPr txBox="1"/>
+          <p:nvPr/>
+        </p:nvSpPr>
+        <p:spPr>
+          <a:xfrm>
+            <a:off x="1270000" y="-12700"/>
+            <a:ext cx="10464800" cy="1282700"/>
+          </a:xfrm>
+          <a:prstGeom prst="rect">
+            <a:avLst/>
+          </a:prstGeom>
+          <a:ln w="12700">
+            <a:miter lim="400000"/>
+          </a:ln>
+          <a:extLst>
+            <a:ext uri="{C572A759-6A51-4108-AA02-DFA0A04FC94B}">
+              <ma14:wrappingTextBoxFlag xmlns:ma14="http://schemas.microsoft.com/office/mac/drawingml/2011/main" val="1"/>
+            </a:ext>
+          </a:extLst>
+        </p:spPr>
+        <p:txBody>
+          <a:bodyPr lIns="50800" tIns="50800" rIns="50800" bIns="50800" anchor="ctr">
+            <a:normAutofit fontScale="100000" lnSpcReduction="0"/>
+          </a:bodyPr>
+          <a:lstStyle>
+            <a:lvl1pPr>
+              <a:defRPr sz="2600"/>
+            </a:lvl1pPr>
+          </a:lstStyle>
+          <a:p>
+            <a:pPr/>
+            <a:r>
+              <a:t>Requêtage SQL</a:t>
+            </a:r>
+          </a:p>
+        </p:txBody>
+      </p:sp>
+      <p:sp>
+        <p:nvSpPr>
+          <p:cNvPr id="251" name="Les opérateurs et mots clés de comparaison"/>
+          <p:cNvSpPr txBox="1"/>
+          <p:nvPr/>
+        </p:nvSpPr>
+        <p:spPr>
+          <a:xfrm>
+            <a:off x="263920" y="1168430"/>
+            <a:ext cx="8108157" cy="622301"/>
+          </a:xfrm>
+          <a:prstGeom prst="rect">
+            <a:avLst/>
+          </a:prstGeom>
+          <a:ln w="12700">
+            <a:miter lim="400000"/>
+          </a:ln>
+          <a:extLst>
+            <a:ext uri="{C572A759-6A51-4108-AA02-DFA0A04FC94B}">
+              <ma14:wrappingTextBoxFlag xmlns:ma14="http://schemas.microsoft.com/office/mac/drawingml/2011/main" val="1"/>
+            </a:ext>
+          </a:extLst>
+        </p:spPr>
+        <p:txBody>
+          <a:bodyPr wrap="none" lIns="50800" tIns="50800" rIns="50800" bIns="50800" anchor="ctr">
+            <a:spAutoFit/>
+          </a:bodyPr>
+          <a:lstStyle>
+            <a:lvl1pPr algn="l"/>
+          </a:lstStyle>
+          <a:p>
+            <a:pPr/>
+            <a:r>
+              <a:t>Les opérateurs et mots clés de comparaison</a:t>
+            </a:r>
+          </a:p>
+        </p:txBody>
+      </p:sp>
+      <p:graphicFrame>
+        <p:nvGraphicFramePr>
+          <p:cNvPr id="252" name="Tableau"/>
+          <p:cNvGraphicFramePr/>
+          <p:nvPr/>
+        </p:nvGraphicFramePr>
+        <p:xfrm>
+          <a:off x="139700" y="2069571"/>
+          <a:ext cx="11468100" cy="8216901"/>
+        </p:xfrm>
+        <a:graphic xmlns:a="http://schemas.openxmlformats.org/drawingml/2006/main">
+          <a:graphicData uri="http://schemas.openxmlformats.org/drawingml/2006/table">
+            <a:tbl>
+              <a:tblPr firstCol="0" firstRow="0" lastCol="0" lastRow="0" bandCol="0" bandRow="0" rtl="0">
+                <a:tableStyleId>{4C3C2611-4C71-4FC5-86AE-919BDF0F9419}</a:tableStyleId>
+              </a:tblPr>
+              <a:tblGrid>
+                <a:gridCol w="2366576"/>
+                <a:gridCol w="4286114"/>
+                <a:gridCol w="6033155"/>
+              </a:tblGrid>
+              <a:tr h="508000">
+                <a:tc>
+                  <a:txBody>
+                    <a:bodyPr/>
+                    <a:lstStyle/>
+                    <a:p>
+                      <a:pPr algn="l">
+                        <a:defRPr sz="2600">
+                          <a:latin typeface="Monaco"/>
+                          <a:ea typeface="Monaco"/>
+                          <a:cs typeface="Monaco"/>
+                          <a:sym typeface="Monaco"/>
+                        </a:defRPr>
+                      </a:pPr>
+                      <a:r>
+                        <a:rPr>
+                          <a:solidFill>
+                            <a:srgbClr val="808785"/>
+                          </a:solidFill>
+                        </a:rPr>
+                        <a:t>x</a:t>
+                      </a:r>
+                      <a:r>
+                        <a:t> = </a:t>
+                      </a:r>
+                      <a:r>
+                        <a:rPr>
+                          <a:solidFill>
+                            <a:srgbClr val="808785"/>
+                          </a:solidFill>
+                        </a:rPr>
+                        <a:t>y</a:t>
+                      </a:r>
+                    </a:p>
+                  </a:txBody>
+                  <a:tcPr marL="50800" marR="50800" marT="50800" marB="50800" anchor="t" anchorCtr="0" horzOverflow="overflow">
+                    <a:lnL w="0">
+                      <a:miter lim="400000"/>
+                    </a:lnL>
+                    <a:lnR w="0">
+                      <a:miter lim="400000"/>
+                    </a:lnR>
+                    <a:lnT w="12700">
+                      <a:solidFill>
+                        <a:srgbClr val="5A5F5E"/>
+                      </a:solidFill>
+                      <a:miter lim="400000"/>
+                    </a:lnT>
+                    <a:lnB w="12700">
+                      <a:solidFill>
+                        <a:srgbClr val="5A5F5E"/>
+                      </a:solidFill>
+                      <a:miter lim="400000"/>
+                    </a:lnB>
+                  </a:tcPr>
+                </a:tc>
+                <a:tc>
+                  <a:txBody>
+                    <a:bodyPr/>
+                    <a:lstStyle/>
+                    <a:p>
+                      <a:pPr algn="l">
+                        <a:defRPr sz="2600"/>
+                      </a:pPr>
+                    </a:p>
+                  </a:txBody>
+                  <a:tcPr marL="50800" marR="50800" marT="50800" marB="50800" anchor="t" anchorCtr="0" horzOverflow="overflow">
+                    <a:lnL w="0">
+                      <a:miter lim="400000"/>
+                    </a:lnL>
+                    <a:lnR w="0">
+                      <a:miter lim="400000"/>
+                    </a:lnR>
+                    <a:lnT w="12700">
+                      <a:solidFill>
+                        <a:srgbClr val="5A5F5E"/>
+                      </a:solidFill>
+                      <a:miter lim="400000"/>
+                    </a:lnT>
+                    <a:lnB w="12700">
+                      <a:solidFill>
+                        <a:srgbClr val="5A5F5E"/>
+                      </a:solidFill>
+                      <a:miter lim="400000"/>
+                    </a:lnB>
+                  </a:tcPr>
+                </a:tc>
+                <a:tc>
+                  <a:txBody>
+                    <a:bodyPr/>
+                    <a:lstStyle/>
+                    <a:p>
+                      <a:pPr algn="l">
+                        <a:defRPr sz="3000"/>
+                      </a:pPr>
+                      <a:r>
+                        <a:t>x </a:t>
+                      </a:r>
+                      <a:r>
+                        <a:rPr>
+                          <a:latin typeface="Gill Sans SemiBold"/>
+                          <a:ea typeface="Gill Sans SemiBold"/>
+                          <a:cs typeface="Gill Sans SemiBold"/>
+                          <a:sym typeface="Gill Sans SemiBold"/>
+                        </a:rPr>
+                        <a:t>est égal à</a:t>
+                      </a:r>
+                      <a:r>
+                        <a:t> y</a:t>
+                      </a:r>
+                    </a:p>
+                  </a:txBody>
+                  <a:tcPr marL="50800" marR="50800" marT="50800" marB="50800" anchor="t" anchorCtr="0" horzOverflow="overflow">
+                    <a:lnL w="0">
+                      <a:miter lim="400000"/>
+                    </a:lnL>
+                    <a:lnR w="0">
+                      <a:miter lim="400000"/>
+                    </a:lnR>
+                    <a:lnT w="12700">
+                      <a:solidFill>
+                        <a:srgbClr val="5A5F5E"/>
+                      </a:solidFill>
+                      <a:miter lim="400000"/>
+                    </a:lnT>
+                    <a:lnB w="12700">
+                      <a:solidFill>
+                        <a:srgbClr val="5A5F5E"/>
+                      </a:solidFill>
+                      <a:miter lim="400000"/>
+                    </a:lnB>
+                  </a:tcPr>
+                </a:tc>
+              </a:tr>
+              <a:tr h="508000">
+                <a:tc>
+                  <a:txBody>
+                    <a:bodyPr/>
+                    <a:lstStyle/>
+                    <a:p>
+                      <a:pPr algn="l">
+                        <a:defRPr sz="2600">
+                          <a:latin typeface="Monaco"/>
+                          <a:ea typeface="Monaco"/>
+                          <a:cs typeface="Monaco"/>
+                          <a:sym typeface="Monaco"/>
+                        </a:defRPr>
+                      </a:pPr>
+                      <a:r>
+                        <a:rPr>
+                          <a:solidFill>
+                            <a:srgbClr val="808785"/>
+                          </a:solidFill>
+                        </a:rPr>
+                        <a:t>x</a:t>
+                      </a:r>
+                      <a:r>
+                        <a:t> &lt; </a:t>
+                      </a:r>
+                      <a:r>
+                        <a:rPr>
+                          <a:solidFill>
+                            <a:srgbClr val="808785"/>
+                          </a:solidFill>
+                        </a:rPr>
+                        <a:t>y</a:t>
+                      </a:r>
+                    </a:p>
+                  </a:txBody>
+                  <a:tcPr marL="50800" marR="50800" marT="50800" marB="50800" anchor="t" anchorCtr="0" horzOverflow="overflow">
+                    <a:lnL w="0">
+                      <a:miter lim="400000"/>
+                    </a:lnL>
+                    <a:lnR w="0">
+                      <a:miter lim="400000"/>
+                    </a:lnR>
+                    <a:lnT w="12700">
+                      <a:solidFill>
+                        <a:srgbClr val="5A5F5E"/>
+                      </a:solidFill>
+                      <a:miter lim="400000"/>
+                    </a:lnT>
+                    <a:lnB w="12700">
+                      <a:solidFill>
+                        <a:srgbClr val="5A5F5E"/>
+                      </a:solidFill>
+                      <a:miter lim="400000"/>
+                    </a:lnB>
+                  </a:tcPr>
+                </a:tc>
+                <a:tc>
+                  <a:txBody>
+                    <a:bodyPr/>
+                    <a:lstStyle/>
+                    <a:p>
+                      <a:pPr algn="l">
+                        <a:defRPr sz="2600"/>
+                      </a:pPr>
+                    </a:p>
+                  </a:txBody>
+                  <a:tcPr marL="50800" marR="50800" marT="50800" marB="50800" anchor="t" anchorCtr="0" horzOverflow="overflow">
+                    <a:lnL w="0">
+                      <a:miter lim="400000"/>
+                    </a:lnL>
+                    <a:lnR w="0">
+                      <a:miter lim="400000"/>
+                    </a:lnR>
+                    <a:lnT w="12700">
+                      <a:solidFill>
+                        <a:srgbClr val="5A5F5E"/>
+                      </a:solidFill>
+                      <a:miter lim="400000"/>
+                    </a:lnT>
+                    <a:lnB w="12700">
+                      <a:solidFill>
+                        <a:srgbClr val="5A5F5E"/>
+                      </a:solidFill>
+                      <a:miter lim="400000"/>
+                    </a:lnB>
+                  </a:tcPr>
+                </a:tc>
+                <a:tc>
+                  <a:txBody>
+                    <a:bodyPr/>
+                    <a:lstStyle/>
+                    <a:p>
+                      <a:pPr algn="l">
+                        <a:defRPr sz="3000"/>
+                      </a:pPr>
+                      <a:r>
+                        <a:t>x </a:t>
+                      </a:r>
+                      <a:r>
+                        <a:rPr>
+                          <a:latin typeface="Gill Sans SemiBold"/>
+                          <a:ea typeface="Gill Sans SemiBold"/>
+                          <a:cs typeface="Gill Sans SemiBold"/>
+                          <a:sym typeface="Gill Sans SemiBold"/>
+                        </a:rPr>
+                        <a:t>est inférieur à</a:t>
+                      </a:r>
+                      <a:r>
+                        <a:t> y</a:t>
+                      </a:r>
+                    </a:p>
+                  </a:txBody>
+                  <a:tcPr marL="50800" marR="50800" marT="50800" marB="50800" anchor="t" anchorCtr="0" horzOverflow="overflow">
+                    <a:lnL w="0">
+                      <a:miter lim="400000"/>
+                    </a:lnL>
+                    <a:lnR w="0">
+                      <a:miter lim="400000"/>
+                    </a:lnR>
+                    <a:lnT w="12700">
+                      <a:solidFill>
+                        <a:srgbClr val="5A5F5E"/>
+                      </a:solidFill>
+                      <a:miter lim="400000"/>
+                    </a:lnT>
+                    <a:lnB w="12700">
+                      <a:solidFill>
+                        <a:srgbClr val="5A5F5E"/>
+                      </a:solidFill>
+                      <a:miter lim="400000"/>
+                    </a:lnB>
+                  </a:tcPr>
+                </a:tc>
+              </a:tr>
+              <a:tr h="508000">
+                <a:tc>
+                  <a:txBody>
+                    <a:bodyPr/>
+                    <a:lstStyle/>
+                    <a:p>
+                      <a:pPr algn="l">
+                        <a:defRPr sz="2600">
+                          <a:latin typeface="Monaco"/>
+                          <a:ea typeface="Monaco"/>
+                          <a:cs typeface="Monaco"/>
+                          <a:sym typeface="Monaco"/>
+                        </a:defRPr>
+                      </a:pPr>
+                      <a:r>
+                        <a:rPr>
+                          <a:solidFill>
+                            <a:srgbClr val="808785"/>
+                          </a:solidFill>
+                        </a:rPr>
+                        <a:t>x</a:t>
+                      </a:r>
+                      <a:r>
+                        <a:t> &gt; </a:t>
+                      </a:r>
+                      <a:r>
+                        <a:rPr>
+                          <a:solidFill>
+                            <a:srgbClr val="808785"/>
+                          </a:solidFill>
+                        </a:rPr>
+                        <a:t>y</a:t>
+                      </a:r>
+                    </a:p>
+                  </a:txBody>
+                  <a:tcPr marL="50800" marR="50800" marT="50800" marB="50800" anchor="t" anchorCtr="0" horzOverflow="overflow">
+                    <a:lnL w="0">
+                      <a:miter lim="400000"/>
+                    </a:lnL>
+                    <a:lnR w="0">
+                      <a:miter lim="400000"/>
+                    </a:lnR>
+                    <a:lnT w="12700">
+                      <a:solidFill>
+                        <a:srgbClr val="5A5F5E"/>
+                      </a:solidFill>
+                      <a:miter lim="400000"/>
+                    </a:lnT>
+                    <a:lnB w="12700">
+                      <a:solidFill>
+                        <a:srgbClr val="5A5F5E"/>
+                      </a:solidFill>
+                      <a:miter lim="400000"/>
+                    </a:lnB>
+                  </a:tcPr>
+                </a:tc>
+                <a:tc>
+                  <a:txBody>
+                    <a:bodyPr/>
+                    <a:lstStyle/>
+                    <a:p>
+                      <a:pPr algn="l">
+                        <a:defRPr sz="2600"/>
+                      </a:pPr>
+                    </a:p>
+                  </a:txBody>
+                  <a:tcPr marL="50800" marR="50800" marT="50800" marB="50800" anchor="t" anchorCtr="0" horzOverflow="overflow">
+                    <a:lnL w="0">
+                      <a:miter lim="400000"/>
+                    </a:lnL>
+                    <a:lnR w="0">
+                      <a:miter lim="400000"/>
+                    </a:lnR>
+                    <a:lnT w="12700">
+                      <a:solidFill>
+                        <a:srgbClr val="5A5F5E"/>
+                      </a:solidFill>
+                      <a:miter lim="400000"/>
+                    </a:lnT>
+                    <a:lnB w="12700">
+                      <a:solidFill>
+                        <a:srgbClr val="5A5F5E"/>
+                      </a:solidFill>
+                      <a:miter lim="400000"/>
+                    </a:lnB>
+                  </a:tcPr>
+                </a:tc>
+                <a:tc>
+                  <a:txBody>
+                    <a:bodyPr/>
+                    <a:lstStyle/>
+                    <a:p>
+                      <a:pPr algn="l">
+                        <a:defRPr sz="3000"/>
+                      </a:pPr>
+                      <a:r>
+                        <a:t>x </a:t>
+                      </a:r>
+                      <a:r>
+                        <a:rPr>
+                          <a:latin typeface="Gill Sans SemiBold"/>
+                          <a:ea typeface="Gill Sans SemiBold"/>
+                          <a:cs typeface="Gill Sans SemiBold"/>
+                          <a:sym typeface="Gill Sans SemiBold"/>
+                        </a:rPr>
+                        <a:t>est supérieur à</a:t>
+                      </a:r>
+                      <a:r>
+                        <a:t> y</a:t>
+                      </a:r>
+                    </a:p>
+                  </a:txBody>
+                  <a:tcPr marL="50800" marR="50800" marT="50800" marB="50800" anchor="t" anchorCtr="0" horzOverflow="overflow">
+                    <a:lnL w="0">
+                      <a:miter lim="400000"/>
+                    </a:lnL>
+                    <a:lnR w="0">
+                      <a:miter lim="400000"/>
+                    </a:lnR>
+                    <a:lnT w="12700">
+                      <a:solidFill>
+                        <a:srgbClr val="5A5F5E"/>
+                      </a:solidFill>
+                      <a:miter lim="400000"/>
+                    </a:lnT>
+                    <a:lnB w="12700">
+                      <a:solidFill>
+                        <a:srgbClr val="5A5F5E"/>
+                      </a:solidFill>
+                      <a:miter lim="400000"/>
+                    </a:lnB>
+                  </a:tcPr>
+                </a:tc>
+              </a:tr>
+              <a:tr h="508000">
+                <a:tc>
+                  <a:txBody>
+                    <a:bodyPr/>
+                    <a:lstStyle/>
+                    <a:p>
+                      <a:pPr algn="l">
+                        <a:defRPr sz="2600">
+                          <a:latin typeface="Monaco"/>
+                          <a:ea typeface="Monaco"/>
+                          <a:cs typeface="Monaco"/>
+                          <a:sym typeface="Monaco"/>
+                        </a:defRPr>
+                      </a:pPr>
+                      <a:r>
+                        <a:rPr>
+                          <a:solidFill>
+                            <a:srgbClr val="808785"/>
+                          </a:solidFill>
+                        </a:rPr>
+                        <a:t>x</a:t>
+                      </a:r>
+                      <a:r>
+                        <a:t> &lt;= </a:t>
+                      </a:r>
+                      <a:r>
+                        <a:rPr>
+                          <a:solidFill>
+                            <a:srgbClr val="808785"/>
+                          </a:solidFill>
+                        </a:rPr>
+                        <a:t>y</a:t>
+                      </a:r>
+                    </a:p>
+                  </a:txBody>
+                  <a:tcPr marL="50800" marR="50800" marT="50800" marB="50800" anchor="t" anchorCtr="0" horzOverflow="overflow">
+                    <a:lnL w="0">
+                      <a:miter lim="400000"/>
+                    </a:lnL>
+                    <a:lnR w="0">
+                      <a:miter lim="400000"/>
+                    </a:lnR>
+                    <a:lnT w="12700">
+                      <a:solidFill>
+                        <a:srgbClr val="5A5F5E"/>
+                      </a:solidFill>
+                      <a:miter lim="400000"/>
+                    </a:lnT>
+                    <a:lnB w="12700">
+                      <a:solidFill>
+                        <a:srgbClr val="5A5F5E"/>
+                      </a:solidFill>
+                      <a:miter lim="400000"/>
+                    </a:lnB>
+                  </a:tcPr>
+                </a:tc>
+                <a:tc>
+                  <a:txBody>
+                    <a:bodyPr/>
+                    <a:lstStyle/>
+                    <a:p>
+                      <a:pPr algn="l">
+                        <a:defRPr sz="2600"/>
+                      </a:pPr>
+                    </a:p>
+                  </a:txBody>
+                  <a:tcPr marL="50800" marR="50800" marT="50800" marB="50800" anchor="t" anchorCtr="0" horzOverflow="overflow">
+                    <a:lnL w="0">
+                      <a:miter lim="400000"/>
+                    </a:lnL>
+                    <a:lnR w="0">
+                      <a:miter lim="400000"/>
+                    </a:lnR>
+                    <a:lnT w="12700">
+                      <a:solidFill>
+                        <a:srgbClr val="5A5F5E"/>
+                      </a:solidFill>
+                      <a:miter lim="400000"/>
+                    </a:lnT>
+                    <a:lnB w="12700">
+                      <a:solidFill>
+                        <a:srgbClr val="5A5F5E"/>
+                      </a:solidFill>
+                      <a:miter lim="400000"/>
+                    </a:lnB>
+                  </a:tcPr>
+                </a:tc>
+                <a:tc>
+                  <a:txBody>
+                    <a:bodyPr/>
+                    <a:lstStyle/>
+                    <a:p>
+                      <a:pPr algn="l">
+                        <a:defRPr sz="3000"/>
+                      </a:pPr>
+                      <a:r>
+                        <a:t>x </a:t>
+                      </a:r>
+                      <a:r>
+                        <a:rPr>
+                          <a:latin typeface="Gill Sans SemiBold"/>
+                          <a:ea typeface="Gill Sans SemiBold"/>
+                          <a:cs typeface="Gill Sans SemiBold"/>
+                          <a:sym typeface="Gill Sans SemiBold"/>
+                        </a:rPr>
+                        <a:t>est inférieur ou égal à</a:t>
+                      </a:r>
+                      <a:r>
+                        <a:t> y</a:t>
+                      </a:r>
+                    </a:p>
+                  </a:txBody>
+                  <a:tcPr marL="50800" marR="50800" marT="50800" marB="50800" anchor="t" anchorCtr="0" horzOverflow="overflow">
+                    <a:lnL w="0">
+                      <a:miter lim="400000"/>
+                    </a:lnL>
+                    <a:lnR w="0">
+                      <a:miter lim="400000"/>
+                    </a:lnR>
+                    <a:lnT w="12700">
+                      <a:solidFill>
+                        <a:srgbClr val="5A5F5E"/>
+                      </a:solidFill>
+                      <a:miter lim="400000"/>
+                    </a:lnT>
+                    <a:lnB w="12700">
+                      <a:solidFill>
+                        <a:srgbClr val="5A5F5E"/>
+                      </a:solidFill>
+                      <a:miter lim="400000"/>
+                    </a:lnB>
+                  </a:tcPr>
+                </a:tc>
+              </a:tr>
+              <a:tr h="508000">
+                <a:tc>
+                  <a:txBody>
+                    <a:bodyPr/>
+                    <a:lstStyle/>
+                    <a:p>
+                      <a:pPr algn="l">
+                        <a:defRPr sz="2600">
+                          <a:latin typeface="Monaco"/>
+                          <a:ea typeface="Monaco"/>
+                          <a:cs typeface="Monaco"/>
+                          <a:sym typeface="Monaco"/>
+                        </a:defRPr>
+                      </a:pPr>
+                      <a:r>
+                        <a:rPr>
+                          <a:solidFill>
+                            <a:srgbClr val="808785"/>
+                          </a:solidFill>
+                        </a:rPr>
+                        <a:t>x</a:t>
+                      </a:r>
+                      <a:r>
+                        <a:t> &gt;= </a:t>
+                      </a:r>
+                      <a:r>
+                        <a:rPr>
+                          <a:solidFill>
+                            <a:srgbClr val="808785"/>
+                          </a:solidFill>
+                        </a:rPr>
+                        <a:t>y</a:t>
+                      </a:r>
+                    </a:p>
+                  </a:txBody>
+                  <a:tcPr marL="50800" marR="50800" marT="50800" marB="50800" anchor="t" anchorCtr="0" horzOverflow="overflow">
+                    <a:lnL w="0">
+                      <a:miter lim="400000"/>
+                    </a:lnL>
+                    <a:lnR w="0">
+                      <a:miter lim="400000"/>
+                    </a:lnR>
+                    <a:lnT w="12700">
+                      <a:solidFill>
+                        <a:srgbClr val="5A5F5E"/>
+                      </a:solidFill>
+                      <a:miter lim="400000"/>
+                    </a:lnT>
+                    <a:lnB w="12700">
+                      <a:solidFill>
+                        <a:srgbClr val="5A5F5E"/>
+                      </a:solidFill>
+                      <a:miter lim="400000"/>
+                    </a:lnB>
+                  </a:tcPr>
+                </a:tc>
+                <a:tc>
+                  <a:txBody>
+                    <a:bodyPr/>
+                    <a:lstStyle/>
+                    <a:p>
+                      <a:pPr algn="l">
+                        <a:defRPr sz="2600"/>
+                      </a:pPr>
+                    </a:p>
+                  </a:txBody>
+                  <a:tcPr marL="50800" marR="50800" marT="50800" marB="50800" anchor="t" anchorCtr="0" horzOverflow="overflow">
+                    <a:lnL w="0">
+                      <a:miter lim="400000"/>
+                    </a:lnL>
+                    <a:lnR w="0">
+                      <a:miter lim="400000"/>
+                    </a:lnR>
+                    <a:lnT w="12700">
+                      <a:solidFill>
+                        <a:srgbClr val="5A5F5E"/>
+                      </a:solidFill>
+                      <a:miter lim="400000"/>
+                    </a:lnT>
+                    <a:lnB w="12700">
+                      <a:solidFill>
+                        <a:srgbClr val="5A5F5E"/>
+                      </a:solidFill>
+                      <a:miter lim="400000"/>
+                    </a:lnB>
+                  </a:tcPr>
+                </a:tc>
+                <a:tc>
+                  <a:txBody>
+                    <a:bodyPr/>
+                    <a:lstStyle/>
+                    <a:p>
+                      <a:pPr algn="l">
+                        <a:defRPr sz="3000"/>
+                      </a:pPr>
+                      <a:r>
+                        <a:t>x </a:t>
+                      </a:r>
+                      <a:r>
+                        <a:rPr>
+                          <a:latin typeface="Gill Sans SemiBold"/>
+                          <a:ea typeface="Gill Sans SemiBold"/>
+                          <a:cs typeface="Gill Sans SemiBold"/>
+                          <a:sym typeface="Gill Sans SemiBold"/>
+                        </a:rPr>
+                        <a:t>est supérieur ou égal à</a:t>
+                      </a:r>
+                      <a:r>
+                        <a:t> y</a:t>
+                      </a:r>
+                    </a:p>
+                  </a:txBody>
+                  <a:tcPr marL="50800" marR="50800" marT="50800" marB="50800" anchor="t" anchorCtr="0" horzOverflow="overflow">
+                    <a:lnL w="0">
+                      <a:miter lim="400000"/>
+                    </a:lnL>
+                    <a:lnR w="0">
+                      <a:miter lim="400000"/>
+                    </a:lnR>
+                    <a:lnT w="12700">
+                      <a:solidFill>
+                        <a:srgbClr val="5A5F5E"/>
+                      </a:solidFill>
+                      <a:miter lim="400000"/>
+                    </a:lnT>
+                    <a:lnB w="12700">
+                      <a:solidFill>
+                        <a:srgbClr val="5A5F5E"/>
+                      </a:solidFill>
+                      <a:miter lim="400000"/>
+                    </a:lnB>
+                  </a:tcPr>
+                </a:tc>
+              </a:tr>
+              <a:tr h="508000">
+                <a:tc>
+                  <a:txBody>
+                    <a:bodyPr/>
+                    <a:lstStyle/>
+                    <a:p>
+                      <a:pPr algn="l">
+                        <a:defRPr sz="2600">
+                          <a:latin typeface="Monaco"/>
+                          <a:ea typeface="Monaco"/>
+                          <a:cs typeface="Monaco"/>
+                          <a:sym typeface="Monaco"/>
+                        </a:defRPr>
+                      </a:pPr>
+                      <a:r>
+                        <a:rPr>
+                          <a:solidFill>
+                            <a:srgbClr val="808785"/>
+                          </a:solidFill>
+                        </a:rPr>
+                        <a:t>x</a:t>
+                      </a:r>
+                      <a:r>
+                        <a:t> != </a:t>
+                      </a:r>
+                      <a:r>
+                        <a:rPr>
+                          <a:solidFill>
+                            <a:srgbClr val="808785"/>
+                          </a:solidFill>
+                        </a:rPr>
+                        <a:t>y</a:t>
+                      </a:r>
+                    </a:p>
+                  </a:txBody>
+                  <a:tcPr marL="50800" marR="50800" marT="50800" marB="50800" anchor="t" anchorCtr="0" horzOverflow="overflow">
+                    <a:lnL w="0">
+                      <a:miter lim="400000"/>
+                    </a:lnL>
+                    <a:lnR w="0">
+                      <a:miter lim="400000"/>
+                    </a:lnR>
+                    <a:lnT w="12700">
+                      <a:solidFill>
+                        <a:srgbClr val="5A5F5E"/>
+                      </a:solidFill>
+                      <a:miter lim="400000"/>
+                    </a:lnT>
+                    <a:lnB w="12700">
+                      <a:solidFill>
+                        <a:srgbClr val="5A5F5E"/>
+                      </a:solidFill>
+                      <a:miter lim="400000"/>
+                    </a:lnB>
+                  </a:tcPr>
+                </a:tc>
+                <a:tc>
+                  <a:txBody>
+                    <a:bodyPr/>
+                    <a:lstStyle/>
+                    <a:p>
+                      <a:pPr algn="l">
+                        <a:defRPr sz="2600"/>
+                      </a:pPr>
+                    </a:p>
+                  </a:txBody>
+                  <a:tcPr marL="50800" marR="50800" marT="50800" marB="50800" anchor="t" anchorCtr="0" horzOverflow="overflow">
+                    <a:lnL w="0">
+                      <a:miter lim="400000"/>
+                    </a:lnL>
+                    <a:lnR w="0">
+                      <a:miter lim="400000"/>
+                    </a:lnR>
+                    <a:lnT w="12700">
+                      <a:solidFill>
+                        <a:srgbClr val="5A5F5E"/>
+                      </a:solidFill>
+                      <a:miter lim="400000"/>
+                    </a:lnT>
+                    <a:lnB w="12700">
+                      <a:solidFill>
+                        <a:srgbClr val="5A5F5E"/>
+                      </a:solidFill>
+                      <a:miter lim="400000"/>
+                    </a:lnB>
+                  </a:tcPr>
+                </a:tc>
+                <a:tc>
+                  <a:txBody>
+                    <a:bodyPr/>
+                    <a:lstStyle/>
+                    <a:p>
+                      <a:pPr algn="l">
+                        <a:defRPr sz="3000"/>
+                      </a:pPr>
+                      <a:r>
+                        <a:t>x </a:t>
+                      </a:r>
+                      <a:r>
+                        <a:rPr>
+                          <a:latin typeface="Gill Sans SemiBold"/>
+                          <a:ea typeface="Gill Sans SemiBold"/>
+                          <a:cs typeface="Gill Sans SemiBold"/>
+                          <a:sym typeface="Gill Sans SemiBold"/>
+                        </a:rPr>
+                        <a:t>est différent de</a:t>
+                      </a:r>
+                      <a:r>
+                        <a:t> y</a:t>
+                      </a:r>
+                    </a:p>
+                  </a:txBody>
+                  <a:tcPr marL="50800" marR="50800" marT="50800" marB="50800" anchor="t" anchorCtr="0" horzOverflow="overflow">
+                    <a:lnL w="0">
+                      <a:miter lim="400000"/>
+                    </a:lnL>
+                    <a:lnR w="0">
+                      <a:miter lim="400000"/>
+                    </a:lnR>
+                    <a:lnT w="12700">
+                      <a:solidFill>
+                        <a:srgbClr val="5A5F5E"/>
+                      </a:solidFill>
+                      <a:miter lim="400000"/>
+                    </a:lnT>
+                    <a:lnB w="12700">
+                      <a:solidFill>
+                        <a:srgbClr val="5A5F5E"/>
+                      </a:solidFill>
+                      <a:miter lim="400000"/>
+                    </a:lnB>
+                  </a:tcPr>
+                </a:tc>
+              </a:tr>
+              <a:tr h="508000">
+                <a:tc>
+                  <a:txBody>
+                    <a:bodyPr/>
+                    <a:lstStyle/>
+                    <a:p>
+                      <a:pPr algn="l">
+                        <a:defRPr>
+                          <a:solidFill>
+                            <a:srgbClr val="000000"/>
+                          </a:solidFill>
+                        </a:defRPr>
+                      </a:pPr>
+                      <a:r>
+                        <a:rPr sz="2600">
+                          <a:solidFill>
+                            <a:srgbClr val="5A5F5E"/>
+                          </a:solidFill>
+                          <a:latin typeface="Monaco"/>
+                          <a:ea typeface="Monaco"/>
+                          <a:cs typeface="Monaco"/>
+                          <a:sym typeface="Monaco"/>
+                        </a:rPr>
+                        <a:t>AND</a:t>
+                      </a:r>
+                    </a:p>
+                  </a:txBody>
+                  <a:tcPr marL="50800" marR="50800" marT="50800" marB="50800" anchor="t" anchorCtr="0" horzOverflow="overflow">
+                    <a:lnL w="0">
+                      <a:miter lim="400000"/>
+                    </a:lnL>
+                    <a:lnR w="0">
+                      <a:miter lim="400000"/>
+                    </a:lnR>
+                    <a:lnT w="12700">
+                      <a:solidFill>
+                        <a:srgbClr val="5A5F5E"/>
+                      </a:solidFill>
+                      <a:miter lim="400000"/>
+                    </a:lnT>
+                    <a:lnB w="12700">
+                      <a:solidFill>
+                        <a:srgbClr val="5A5F5E"/>
+                      </a:solidFill>
+                      <a:miter lim="400000"/>
+                    </a:lnB>
+                  </a:tcPr>
+                </a:tc>
+                <a:tc>
+                  <a:txBody>
+                    <a:bodyPr/>
+                    <a:lstStyle/>
+                    <a:p>
+                      <a:pPr algn="l">
+                        <a:defRPr>
+                          <a:solidFill>
+                            <a:srgbClr val="000000"/>
+                          </a:solidFill>
+                        </a:defRPr>
+                      </a:pPr>
+                      <a:r>
+                        <a:rPr sz="2600">
+                          <a:solidFill>
+                            <a:srgbClr val="5A5F5E"/>
+                          </a:solidFill>
+                          <a:latin typeface="Monaco"/>
+                          <a:ea typeface="Monaco"/>
+                          <a:cs typeface="Monaco"/>
+                          <a:sym typeface="Monaco"/>
+                        </a:rPr>
+                        <a:t>a &gt;x AND a &lt; y</a:t>
+                      </a:r>
+                    </a:p>
+                  </a:txBody>
+                  <a:tcPr marL="50800" marR="50800" marT="50800" marB="50800" anchor="t" anchorCtr="0" horzOverflow="overflow">
+                    <a:lnL w="0">
+                      <a:miter lim="400000"/>
+                    </a:lnL>
+                    <a:lnR w="0">
+                      <a:miter lim="400000"/>
+                    </a:lnR>
+                    <a:lnT w="12700">
+                      <a:solidFill>
+                        <a:srgbClr val="5A5F5E"/>
+                      </a:solidFill>
+                      <a:miter lim="400000"/>
+                    </a:lnT>
+                    <a:lnB w="12700">
+                      <a:solidFill>
+                        <a:srgbClr val="5A5F5E"/>
+                      </a:solidFill>
+                      <a:miter lim="400000"/>
+                    </a:lnB>
+                  </a:tcPr>
+                </a:tc>
+                <a:tc>
+                  <a:txBody>
+                    <a:bodyPr/>
+                    <a:lstStyle/>
+                    <a:p>
+                      <a:pPr algn="l">
+                        <a:defRPr sz="3000"/>
+                      </a:pPr>
+                      <a:r>
+                        <a:t>A </a:t>
+                      </a:r>
+                      <a:r>
+                        <a:rPr>
+                          <a:latin typeface="Gill Sans SemiBold"/>
+                          <a:ea typeface="Gill Sans SemiBold"/>
+                          <a:cs typeface="Gill Sans SemiBold"/>
+                          <a:sym typeface="Gill Sans SemiBold"/>
+                        </a:rPr>
+                        <a:t>est supérieur à</a:t>
+                      </a:r>
+                      <a:r>
+                        <a:rPr>
+                          <a:latin typeface="Gill Sans"/>
+                          <a:ea typeface="Gill Sans"/>
+                          <a:cs typeface="Gill Sans"/>
+                          <a:sym typeface="Gill Sans"/>
+                        </a:rPr>
+                        <a:t> </a:t>
+                      </a:r>
+                      <a:r>
+                        <a:t>X</a:t>
+                      </a:r>
+                      <a:r>
+                        <a:rPr>
+                          <a:latin typeface="Gill Sans SemiBold"/>
+                          <a:ea typeface="Gill Sans SemiBold"/>
+                          <a:cs typeface="Gill Sans SemiBold"/>
+                          <a:sym typeface="Gill Sans SemiBold"/>
+                        </a:rPr>
+                        <a:t> et inférieur à </a:t>
+                      </a:r>
+                      <a:r>
+                        <a:t>Y</a:t>
+                      </a:r>
+                    </a:p>
+                  </a:txBody>
+                  <a:tcPr marL="50800" marR="50800" marT="50800" marB="50800" anchor="t" anchorCtr="0" horzOverflow="overflow">
+                    <a:lnL w="0">
+                      <a:miter lim="400000"/>
+                    </a:lnL>
+                    <a:lnR w="0">
+                      <a:miter lim="400000"/>
+                    </a:lnR>
+                    <a:lnT w="12700">
+                      <a:solidFill>
+                        <a:srgbClr val="5A5F5E"/>
+                      </a:solidFill>
+                      <a:miter lim="400000"/>
+                    </a:lnT>
+                    <a:lnB w="12700">
+                      <a:solidFill>
+                        <a:srgbClr val="5A5F5E"/>
+                      </a:solidFill>
+                      <a:miter lim="400000"/>
+                    </a:lnB>
+                  </a:tcPr>
+                </a:tc>
+              </a:tr>
+              <a:tr h="508000">
+                <a:tc>
+                  <a:txBody>
+                    <a:bodyPr/>
+                    <a:lstStyle/>
+                    <a:p>
+                      <a:pPr algn="l">
+                        <a:defRPr>
+                          <a:solidFill>
+                            <a:srgbClr val="000000"/>
+                          </a:solidFill>
+                        </a:defRPr>
+                      </a:pPr>
+                      <a:r>
+                        <a:rPr sz="2600">
+                          <a:solidFill>
+                            <a:srgbClr val="5A5F5E"/>
+                          </a:solidFill>
+                          <a:latin typeface="Monaco"/>
+                          <a:ea typeface="Monaco"/>
+                          <a:cs typeface="Monaco"/>
+                          <a:sym typeface="Monaco"/>
+                        </a:rPr>
+                        <a:t>OR</a:t>
+                      </a:r>
+                    </a:p>
+                  </a:txBody>
+                  <a:tcPr marL="50800" marR="50800" marT="50800" marB="50800" anchor="t" anchorCtr="0" horzOverflow="overflow">
+                    <a:lnL w="0">
+                      <a:miter lim="400000"/>
+                    </a:lnL>
+                    <a:lnR w="0">
+                      <a:miter lim="400000"/>
+                    </a:lnR>
+                    <a:lnT w="12700">
+                      <a:solidFill>
+                        <a:srgbClr val="5A5F5E"/>
+                      </a:solidFill>
+                      <a:miter lim="400000"/>
+                    </a:lnT>
+                    <a:lnB w="12700">
+                      <a:solidFill>
+                        <a:srgbClr val="5A5F5E"/>
+                      </a:solidFill>
+                      <a:miter lim="400000"/>
+                    </a:lnB>
+                  </a:tcPr>
+                </a:tc>
+                <a:tc>
+                  <a:txBody>
+                    <a:bodyPr/>
+                    <a:lstStyle/>
+                    <a:p>
+                      <a:pPr algn="l">
+                        <a:defRPr>
+                          <a:solidFill>
+                            <a:srgbClr val="000000"/>
+                          </a:solidFill>
+                        </a:defRPr>
+                      </a:pPr>
+                      <a:r>
+                        <a:rPr sz="2600">
+                          <a:solidFill>
+                            <a:srgbClr val="5A5F5E"/>
+                          </a:solidFill>
+                          <a:latin typeface="Monaco"/>
+                          <a:ea typeface="Monaco"/>
+                          <a:cs typeface="Monaco"/>
+                          <a:sym typeface="Monaco"/>
+                        </a:rPr>
+                        <a:t>a &gt; x OR a &lt; y</a:t>
+                      </a:r>
+                    </a:p>
+                  </a:txBody>
+                  <a:tcPr marL="50800" marR="50800" marT="50800" marB="50800" anchor="t" anchorCtr="0" horzOverflow="overflow">
+                    <a:lnL w="0">
+                      <a:miter lim="400000"/>
+                    </a:lnL>
+                    <a:lnR w="0">
+                      <a:miter lim="400000"/>
+                    </a:lnR>
+                    <a:lnT w="12700">
+                      <a:solidFill>
+                        <a:srgbClr val="5A5F5E"/>
+                      </a:solidFill>
+                      <a:miter lim="400000"/>
+                    </a:lnT>
+                    <a:lnB w="12700">
+                      <a:solidFill>
+                        <a:srgbClr val="5A5F5E"/>
+                      </a:solidFill>
+                      <a:miter lim="400000"/>
+                    </a:lnB>
+                  </a:tcPr>
+                </a:tc>
+                <a:tc>
+                  <a:txBody>
+                    <a:bodyPr/>
+                    <a:lstStyle/>
+                    <a:p>
+                      <a:pPr algn="l">
+                        <a:defRPr sz="3000"/>
+                      </a:pPr>
+                      <a:r>
+                        <a:t>A </a:t>
+                      </a:r>
+                      <a:r>
+                        <a:rPr>
+                          <a:latin typeface="Gill Sans SemiBold"/>
+                          <a:ea typeface="Gill Sans SemiBold"/>
+                          <a:cs typeface="Gill Sans SemiBold"/>
+                          <a:sym typeface="Gill Sans SemiBold"/>
+                        </a:rPr>
+                        <a:t>est supérieur à</a:t>
+                      </a:r>
+                      <a:r>
+                        <a:rPr>
+                          <a:latin typeface="Gill Sans"/>
+                          <a:ea typeface="Gill Sans"/>
+                          <a:cs typeface="Gill Sans"/>
+                          <a:sym typeface="Gill Sans"/>
+                        </a:rPr>
+                        <a:t> </a:t>
+                      </a:r>
+                      <a:r>
+                        <a:t>X</a:t>
+                      </a:r>
+                      <a:r>
+                        <a:rPr>
+                          <a:latin typeface="Gill Sans SemiBold"/>
+                          <a:ea typeface="Gill Sans SemiBold"/>
+                          <a:cs typeface="Gill Sans SemiBold"/>
+                          <a:sym typeface="Gill Sans SemiBold"/>
+                        </a:rPr>
+                        <a:t> ou inférieur à </a:t>
+                      </a:r>
+                      <a:r>
+                        <a:t>Y</a:t>
+                      </a:r>
+                    </a:p>
+                  </a:txBody>
+                  <a:tcPr marL="50800" marR="50800" marT="50800" marB="50800" anchor="t" anchorCtr="0" horzOverflow="overflow">
+                    <a:lnL w="0">
+                      <a:miter lim="400000"/>
+                    </a:lnL>
+                    <a:lnR w="0">
+                      <a:miter lim="400000"/>
+                    </a:lnR>
+                    <a:lnT w="12700">
+                      <a:solidFill>
+                        <a:srgbClr val="5A5F5E"/>
+                      </a:solidFill>
+                      <a:miter lim="400000"/>
+                    </a:lnT>
+                    <a:lnB w="12700">
+                      <a:solidFill>
+                        <a:srgbClr val="5A5F5E"/>
+                      </a:solidFill>
+                      <a:miter lim="400000"/>
+                    </a:lnB>
+                  </a:tcPr>
+                </a:tc>
+              </a:tr>
+              <a:tr h="508000">
+                <a:tc>
+                  <a:txBody>
+                    <a:bodyPr/>
+                    <a:lstStyle/>
+                    <a:p>
+                      <a:pPr algn="l">
+                        <a:defRPr>
+                          <a:solidFill>
+                            <a:srgbClr val="000000"/>
+                          </a:solidFill>
+                        </a:defRPr>
+                      </a:pPr>
+                      <a:r>
+                        <a:rPr sz="2600">
+                          <a:solidFill>
+                            <a:srgbClr val="5A5F5E"/>
+                          </a:solidFill>
+                          <a:latin typeface="Monaco"/>
+                          <a:ea typeface="Monaco"/>
+                          <a:cs typeface="Monaco"/>
+                          <a:sym typeface="Monaco"/>
+                        </a:rPr>
+                        <a:t>BETWEEN</a:t>
+                      </a:r>
+                    </a:p>
+                  </a:txBody>
+                  <a:tcPr marL="50800" marR="50800" marT="50800" marB="50800" anchor="t" anchorCtr="0" horzOverflow="overflow">
+                    <a:lnL w="0">
+                      <a:miter lim="400000"/>
+                    </a:lnL>
+                    <a:lnR w="0">
+                      <a:miter lim="400000"/>
+                    </a:lnR>
+                    <a:lnT w="12700">
+                      <a:solidFill>
+                        <a:srgbClr val="5A5F5E"/>
+                      </a:solidFill>
+                      <a:miter lim="400000"/>
+                    </a:lnT>
+                    <a:lnB w="12700">
+                      <a:solidFill>
+                        <a:srgbClr val="5A5F5E"/>
+                      </a:solidFill>
+                      <a:miter lim="400000"/>
+                    </a:lnB>
+                  </a:tcPr>
+                </a:tc>
+                <a:tc>
+                  <a:txBody>
+                    <a:bodyPr/>
+                    <a:lstStyle/>
+                    <a:p>
+                      <a:pPr algn="l">
+                        <a:defRPr>
+                          <a:solidFill>
+                            <a:srgbClr val="000000"/>
+                          </a:solidFill>
+                        </a:defRPr>
+                      </a:pPr>
+                      <a:r>
+                        <a:rPr sz="2600">
+                          <a:solidFill>
+                            <a:srgbClr val="5A5F5E"/>
+                          </a:solidFill>
+                          <a:latin typeface="Monaco"/>
+                          <a:ea typeface="Monaco"/>
+                          <a:cs typeface="Monaco"/>
+                          <a:sym typeface="Monaco"/>
+                        </a:rPr>
+                        <a:t>a BETWEEN x AND y</a:t>
+                      </a:r>
+                    </a:p>
+                  </a:txBody>
+                  <a:tcPr marL="50800" marR="50800" marT="50800" marB="50800" anchor="t" anchorCtr="0" horzOverflow="overflow">
+                    <a:lnL w="0">
+                      <a:miter lim="400000"/>
+                    </a:lnL>
+                    <a:lnR w="0">
+                      <a:miter lim="400000"/>
+                    </a:lnR>
+                    <a:lnT w="12700">
+                      <a:solidFill>
+                        <a:srgbClr val="5A5F5E"/>
+                      </a:solidFill>
+                      <a:miter lim="400000"/>
+                    </a:lnT>
+                    <a:lnB w="12700">
+                      <a:solidFill>
+                        <a:srgbClr val="5A5F5E"/>
+                      </a:solidFill>
+                      <a:miter lim="400000"/>
+                    </a:lnB>
+                  </a:tcPr>
+                </a:tc>
+                <a:tc>
+                  <a:txBody>
+                    <a:bodyPr/>
+                    <a:lstStyle/>
+                    <a:p>
+                      <a:pPr algn="l">
+                        <a:defRPr sz="3000"/>
+                      </a:pPr>
+                      <a:r>
+                        <a:t>A </a:t>
+                      </a:r>
+                      <a:r>
+                        <a:rPr>
+                          <a:latin typeface="Gill Sans SemiBold"/>
+                          <a:ea typeface="Gill Sans SemiBold"/>
+                          <a:cs typeface="Gill Sans SemiBold"/>
+                          <a:sym typeface="Gill Sans SemiBold"/>
+                        </a:rPr>
+                        <a:t>&gt;=</a:t>
+                      </a:r>
+                      <a:r>
+                        <a:t> x </a:t>
+                      </a:r>
+                      <a:r>
+                        <a:rPr>
+                          <a:latin typeface="Gill Sans SemiBold"/>
+                          <a:ea typeface="Gill Sans SemiBold"/>
+                          <a:cs typeface="Gill Sans SemiBold"/>
+                          <a:sym typeface="Gill Sans SemiBold"/>
+                        </a:rPr>
+                        <a:t>AND</a:t>
+                      </a:r>
+                      <a:r>
+                        <a:t> A </a:t>
+                      </a:r>
+                      <a:r>
+                        <a:rPr>
+                          <a:latin typeface="Gill Sans SemiBold"/>
+                          <a:ea typeface="Gill Sans SemiBold"/>
+                          <a:cs typeface="Gill Sans SemiBold"/>
+                          <a:sym typeface="Gill Sans SemiBold"/>
+                        </a:rPr>
+                        <a:t>&lt;=</a:t>
+                      </a:r>
+                      <a:r>
+                        <a:t> Y</a:t>
+                      </a:r>
+                    </a:p>
+                  </a:txBody>
+                  <a:tcPr marL="50800" marR="50800" marT="50800" marB="50800" anchor="t" anchorCtr="0" horzOverflow="overflow">
+                    <a:lnL w="0">
+                      <a:miter lim="400000"/>
+                    </a:lnL>
+                    <a:lnR w="0">
+                      <a:miter lim="400000"/>
+                    </a:lnR>
+                    <a:lnT w="12700">
+                      <a:solidFill>
+                        <a:srgbClr val="5A5F5E"/>
+                      </a:solidFill>
+                      <a:miter lim="400000"/>
+                    </a:lnT>
+                    <a:lnB w="12700">
+                      <a:solidFill>
+                        <a:srgbClr val="5A5F5E"/>
+                      </a:solidFill>
+                      <a:miter lim="400000"/>
+                    </a:lnB>
+                  </a:tcPr>
+                </a:tc>
+              </a:tr>
+              <a:tr h="508000">
+                <a:tc>
+                  <a:txBody>
+                    <a:bodyPr/>
+                    <a:lstStyle/>
+                    <a:p>
+                      <a:pPr algn="l">
+                        <a:defRPr>
+                          <a:solidFill>
+                            <a:srgbClr val="000000"/>
+                          </a:solidFill>
+                        </a:defRPr>
+                      </a:pPr>
+                      <a:r>
+                        <a:rPr sz="2600">
+                          <a:solidFill>
+                            <a:srgbClr val="5A5F5E"/>
+                          </a:solidFill>
+                          <a:latin typeface="Monaco"/>
+                          <a:ea typeface="Monaco"/>
+                          <a:cs typeface="Monaco"/>
+                          <a:sym typeface="Monaco"/>
+                        </a:rPr>
+                        <a:t>NOT BETWEEN</a:t>
+                      </a:r>
+                    </a:p>
+                  </a:txBody>
+                  <a:tcPr marL="50800" marR="50800" marT="50800" marB="50800" anchor="t" anchorCtr="0" horzOverflow="overflow">
+                    <a:lnL w="0">
+                      <a:miter lim="400000"/>
+                    </a:lnL>
+                    <a:lnR w="0">
+                      <a:miter lim="400000"/>
+                    </a:lnR>
+                    <a:lnT w="12700">
+                      <a:solidFill>
+                        <a:srgbClr val="5A5F5E"/>
+                      </a:solidFill>
+                      <a:miter lim="400000"/>
+                    </a:lnT>
+                    <a:lnB w="12700">
+                      <a:solidFill>
+                        <a:srgbClr val="5A5F5E"/>
+                      </a:solidFill>
+                      <a:miter lim="400000"/>
+                    </a:lnB>
+                  </a:tcPr>
+                </a:tc>
+                <a:tc>
+                  <a:txBody>
+                    <a:bodyPr/>
+                    <a:lstStyle/>
+                    <a:p>
+                      <a:pPr algn="l">
+                        <a:defRPr>
+                          <a:solidFill>
+                            <a:srgbClr val="000000"/>
+                          </a:solidFill>
+                        </a:defRPr>
+                      </a:pPr>
+                      <a:r>
+                        <a:rPr sz="2600">
+                          <a:solidFill>
+                            <a:srgbClr val="5A5F5E"/>
+                          </a:solidFill>
+                          <a:latin typeface="Monaco"/>
+                          <a:ea typeface="Monaco"/>
+                          <a:cs typeface="Monaco"/>
+                          <a:sym typeface="Monaco"/>
+                        </a:rPr>
+                        <a:t>a NOT BETWEEN x AND y</a:t>
+                      </a:r>
+                    </a:p>
+                  </a:txBody>
+                  <a:tcPr marL="50800" marR="50800" marT="50800" marB="50800" anchor="t" anchorCtr="0" horzOverflow="overflow">
+                    <a:lnL w="0">
+                      <a:miter lim="400000"/>
+                    </a:lnL>
+                    <a:lnR w="0">
+                      <a:miter lim="400000"/>
+                    </a:lnR>
+                    <a:lnT w="12700">
+                      <a:solidFill>
+                        <a:srgbClr val="5A5F5E"/>
+                      </a:solidFill>
+                      <a:miter lim="400000"/>
+                    </a:lnT>
+                    <a:lnB w="12700">
+                      <a:solidFill>
+                        <a:srgbClr val="5A5F5E"/>
+                      </a:solidFill>
+                      <a:miter lim="400000"/>
+                    </a:lnB>
+                  </a:tcPr>
+                </a:tc>
+                <a:tc>
+                  <a:txBody>
+                    <a:bodyPr/>
+                    <a:lstStyle/>
+                    <a:p>
+                      <a:pPr algn="l">
+                        <a:defRPr sz="3000"/>
+                      </a:pPr>
+                      <a:r>
+                        <a:t>A </a:t>
+                      </a:r>
+                      <a:r>
+                        <a:rPr>
+                          <a:latin typeface="Gill Sans SemiBold"/>
+                          <a:ea typeface="Gill Sans SemiBold"/>
+                          <a:cs typeface="Gill Sans SemiBold"/>
+                          <a:sym typeface="Gill Sans SemiBold"/>
+                        </a:rPr>
+                        <a:t>&lt;</a:t>
+                      </a:r>
+                      <a:r>
+                        <a:t> x </a:t>
+                      </a:r>
+                      <a:r>
+                        <a:rPr>
+                          <a:latin typeface="Gill Sans SemiBold"/>
+                          <a:ea typeface="Gill Sans SemiBold"/>
+                          <a:cs typeface="Gill Sans SemiBold"/>
+                          <a:sym typeface="Gill Sans SemiBold"/>
+                        </a:rPr>
+                        <a:t>OR</a:t>
+                      </a:r>
+                      <a:r>
+                        <a:t> A </a:t>
+                      </a:r>
+                      <a:r>
+                        <a:rPr>
+                          <a:latin typeface="Gill Sans SemiBold"/>
+                          <a:ea typeface="Gill Sans SemiBold"/>
+                          <a:cs typeface="Gill Sans SemiBold"/>
+                          <a:sym typeface="Gill Sans SemiBold"/>
+                        </a:rPr>
+                        <a:t>&gt;</a:t>
+                      </a:r>
+                      <a:r>
+                        <a:t> Y</a:t>
+                      </a:r>
+                    </a:p>
+                  </a:txBody>
+                  <a:tcPr marL="50800" marR="50800" marT="50800" marB="50800" anchor="t" anchorCtr="0" horzOverflow="overflow">
+                    <a:lnL w="0">
+                      <a:miter lim="400000"/>
+                    </a:lnL>
+                    <a:lnR w="0">
+                      <a:miter lim="400000"/>
+                    </a:lnR>
+                    <a:lnT w="12700">
+                      <a:solidFill>
+                        <a:srgbClr val="5A5F5E"/>
+                      </a:solidFill>
+                      <a:miter lim="400000"/>
+                    </a:lnT>
+                    <a:lnB w="12700">
+                      <a:solidFill>
+                        <a:srgbClr val="5A5F5E"/>
+                      </a:solidFill>
+                      <a:miter lim="400000"/>
+                    </a:lnB>
+                  </a:tcPr>
+                </a:tc>
+              </a:tr>
+              <a:tr h="508000">
+                <a:tc>
+                  <a:txBody>
+                    <a:bodyPr/>
+                    <a:lstStyle/>
+                    <a:p>
+                      <a:pPr algn="l">
+                        <a:defRPr>
+                          <a:solidFill>
+                            <a:srgbClr val="000000"/>
+                          </a:solidFill>
+                        </a:defRPr>
+                      </a:pPr>
+                      <a:r>
+                        <a:rPr sz="2600">
+                          <a:solidFill>
+                            <a:srgbClr val="5A5F5E"/>
+                          </a:solidFill>
+                          <a:latin typeface="Monaco"/>
+                          <a:ea typeface="Monaco"/>
+                          <a:cs typeface="Monaco"/>
+                          <a:sym typeface="Monaco"/>
+                        </a:rPr>
+                        <a:t>IS NULL</a:t>
+                      </a:r>
+                    </a:p>
+                  </a:txBody>
+                  <a:tcPr marL="50800" marR="50800" marT="50800" marB="50800" anchor="t" anchorCtr="0" horzOverflow="overflow">
+                    <a:lnL w="0">
+                      <a:miter lim="400000"/>
+                    </a:lnL>
+                    <a:lnR w="0">
+                      <a:miter lim="400000"/>
+                    </a:lnR>
+                    <a:lnT w="12700">
+                      <a:solidFill>
+                        <a:srgbClr val="5A5F5E"/>
+                      </a:solidFill>
+                      <a:miter lim="400000"/>
+                    </a:lnT>
+                    <a:lnB w="12700">
+                      <a:solidFill>
+                        <a:srgbClr val="5A5F5E"/>
+                      </a:solidFill>
+                      <a:miter lim="400000"/>
+                    </a:lnB>
+                  </a:tcPr>
+                </a:tc>
+                <a:tc>
+                  <a:txBody>
+                    <a:bodyPr/>
+                    <a:lstStyle/>
+                    <a:p>
+                      <a:pPr algn="l">
+                        <a:defRPr>
+                          <a:solidFill>
+                            <a:srgbClr val="000000"/>
+                          </a:solidFill>
+                        </a:defRPr>
+                      </a:pPr>
+                      <a:r>
+                        <a:rPr sz="2600">
+                          <a:solidFill>
+                            <a:srgbClr val="5A5F5E"/>
+                          </a:solidFill>
+                          <a:latin typeface="Monaco"/>
+                          <a:ea typeface="Monaco"/>
+                          <a:cs typeface="Monaco"/>
+                          <a:sym typeface="Monaco"/>
+                        </a:rPr>
+                        <a:t>a IS NULL </a:t>
+                      </a:r>
+                    </a:p>
+                  </a:txBody>
+                  <a:tcPr marL="50800" marR="50800" marT="50800" marB="50800" anchor="t" anchorCtr="0" horzOverflow="overflow">
+                    <a:lnL w="0">
+                      <a:miter lim="400000"/>
+                    </a:lnL>
+                    <a:lnR w="0">
+                      <a:miter lim="400000"/>
+                    </a:lnR>
+                    <a:lnT w="12700">
+                      <a:solidFill>
+                        <a:srgbClr val="5A5F5E"/>
+                      </a:solidFill>
+                      <a:miter lim="400000"/>
+                    </a:lnT>
+                    <a:lnB w="12700">
+                      <a:solidFill>
+                        <a:srgbClr val="5A5F5E"/>
+                      </a:solidFill>
+                      <a:miter lim="400000"/>
+                    </a:lnB>
+                  </a:tcPr>
+                </a:tc>
+                <a:tc>
+                  <a:txBody>
+                    <a:bodyPr/>
+                    <a:lstStyle/>
+                    <a:p>
+                      <a:pPr algn="l">
+                        <a:defRPr sz="3000"/>
+                      </a:pPr>
+                      <a:r>
+                        <a:t>A </a:t>
+                      </a:r>
+                      <a:r>
+                        <a:rPr>
+                          <a:latin typeface="Gill Sans SemiBold"/>
+                          <a:ea typeface="Gill Sans SemiBold"/>
+                          <a:cs typeface="Gill Sans SemiBold"/>
+                          <a:sym typeface="Gill Sans SemiBold"/>
+                        </a:rPr>
+                        <a:t>=</a:t>
+                      </a:r>
+                      <a:r>
+                        <a:t> ''</a:t>
+                      </a:r>
+                    </a:p>
+                  </a:txBody>
+                  <a:tcPr marL="50800" marR="50800" marT="50800" marB="50800" anchor="t" anchorCtr="0" horzOverflow="overflow">
+                    <a:lnL w="0">
+                      <a:miter lim="400000"/>
+                    </a:lnL>
+                    <a:lnR w="0">
+                      <a:miter lim="400000"/>
+                    </a:lnR>
+                    <a:lnT w="12700">
+                      <a:solidFill>
+                        <a:srgbClr val="5A5F5E"/>
+                      </a:solidFill>
+                      <a:miter lim="400000"/>
+                    </a:lnT>
+                    <a:lnB w="12700">
+                      <a:solidFill>
+                        <a:srgbClr val="5A5F5E"/>
+                      </a:solidFill>
+                      <a:miter lim="400000"/>
+                    </a:lnB>
+                  </a:tcPr>
+                </a:tc>
+              </a:tr>
+              <a:tr h="508000">
+                <a:tc>
+                  <a:txBody>
+                    <a:bodyPr/>
+                    <a:lstStyle/>
+                    <a:p>
+                      <a:pPr algn="l">
+                        <a:defRPr>
+                          <a:solidFill>
+                            <a:srgbClr val="000000"/>
+                          </a:solidFill>
+                        </a:defRPr>
+                      </a:pPr>
+                      <a:r>
+                        <a:rPr sz="2600">
+                          <a:solidFill>
+                            <a:srgbClr val="5A5F5E"/>
+                          </a:solidFill>
+                          <a:latin typeface="Monaco"/>
+                          <a:ea typeface="Monaco"/>
+                          <a:cs typeface="Monaco"/>
+                          <a:sym typeface="Monaco"/>
+                        </a:rPr>
+                        <a:t>IS NOT NULL</a:t>
+                      </a:r>
+                    </a:p>
+                  </a:txBody>
+                  <a:tcPr marL="50800" marR="50800" marT="50800" marB="50800" anchor="t" anchorCtr="0" horzOverflow="overflow">
+                    <a:lnL w="0">
+                      <a:miter lim="400000"/>
+                    </a:lnL>
+                    <a:lnR w="0">
+                      <a:miter lim="400000"/>
+                    </a:lnR>
+                    <a:lnT w="12700">
+                      <a:solidFill>
+                        <a:srgbClr val="5A5F5E"/>
+                      </a:solidFill>
+                      <a:miter lim="400000"/>
+                    </a:lnT>
+                    <a:lnB w="0">
+                      <a:miter lim="400000"/>
+                    </a:lnB>
+                  </a:tcPr>
+                </a:tc>
+                <a:tc>
+                  <a:txBody>
+                    <a:bodyPr/>
+                    <a:lstStyle/>
+                    <a:p>
+                      <a:pPr algn="l">
+                        <a:defRPr>
+                          <a:solidFill>
+                            <a:srgbClr val="000000"/>
+                          </a:solidFill>
+                        </a:defRPr>
+                      </a:pPr>
+                      <a:r>
+                        <a:rPr sz="2600">
+                          <a:solidFill>
+                            <a:srgbClr val="5A5F5E"/>
+                          </a:solidFill>
+                          <a:latin typeface="Monaco"/>
+                          <a:ea typeface="Monaco"/>
+                          <a:cs typeface="Monaco"/>
+                          <a:sym typeface="Monaco"/>
+                        </a:rPr>
+                        <a:t>a IS NOT NULL </a:t>
+                      </a:r>
+                    </a:p>
+                  </a:txBody>
+                  <a:tcPr marL="50800" marR="50800" marT="50800" marB="50800" anchor="t" anchorCtr="0" horzOverflow="overflow">
+                    <a:lnL w="0">
+                      <a:miter lim="400000"/>
+                    </a:lnL>
+                    <a:lnR w="0">
+                      <a:miter lim="400000"/>
+                    </a:lnR>
+                    <a:lnT w="12700">
+                      <a:solidFill>
+                        <a:srgbClr val="5A5F5E"/>
+                      </a:solidFill>
+                      <a:miter lim="400000"/>
+                    </a:lnT>
+                    <a:lnB w="0">
+                      <a:miter lim="400000"/>
+                    </a:lnB>
+                  </a:tcPr>
+                </a:tc>
+                <a:tc>
+                  <a:txBody>
+                    <a:bodyPr/>
+                    <a:lstStyle/>
+                    <a:p>
+                      <a:pPr algn="l">
+                        <a:defRPr sz="3000"/>
+                      </a:pPr>
+                      <a:r>
+                        <a:t>A </a:t>
+                      </a:r>
+                      <a:r>
+                        <a:rPr>
+                          <a:latin typeface="Gill Sans SemiBold"/>
+                          <a:ea typeface="Gill Sans SemiBold"/>
+                          <a:cs typeface="Gill Sans SemiBold"/>
+                          <a:sym typeface="Gill Sans SemiBold"/>
+                        </a:rPr>
+                        <a:t>!=</a:t>
+                      </a:r>
+                      <a:r>
+                        <a:t> ''</a:t>
+                      </a:r>
+                    </a:p>
+                  </a:txBody>
+                  <a:tcPr marL="50800" marR="50800" marT="50800" marB="50800" anchor="t" anchorCtr="0" horzOverflow="overflow">
+                    <a:lnL w="0">
+                      <a:miter lim="400000"/>
+                    </a:lnL>
+                    <a:lnR w="0">
+                      <a:miter lim="400000"/>
+                    </a:lnR>
+                    <a:lnT w="12700">
+                      <a:solidFill>
+                        <a:srgbClr val="5A5F5E"/>
+                      </a:solidFill>
+                      <a:miter lim="400000"/>
+                    </a:lnT>
+                    <a:lnB w="0">
+                      <a:miter lim="400000"/>
+                    </a:lnB>
+                  </a:tcPr>
+                </a:tc>
+              </a:tr>
+            </a:tbl>
+          </a:graphicData>
+        </a:graphic>
+      </p:graphicFrame>
+    </p:spTree>
+  </p:cSld>
+  <p:clrMapOvr>
+    <a:masterClrMapping/>
+  </p:clrMapOvr>
+  <p:transition xmlns:p14="http://schemas.microsoft.com/office/powerpoint/2010/main" spd="med" advClick="1"/>
+</p:sld>
+</file>
+
+<file path=ppt/slides/slide21.xml><?xml version="1.0" encoding="utf-8"?>
+<p:sld xmlns:a="http://schemas.openxmlformats.org/drawingml/2006/main" xmlns:r="http://schemas.openxmlformats.org/officeDocument/2006/relationships" xmlns:p="http://schemas.openxmlformats.org/presentationml/2006/main" xmlns:m="http://schemas.openxmlformats.org/officeDocument/2006/math" xmlns:a14="http://schemas.microsoft.com/office/drawing/2010/main" showMasterSp="1" showMasterPhAnim="1">
+  <p:cSld>
+    <p:spTree>
+      <p:nvGrpSpPr>
+        <p:cNvPr id="1" name=""/>
+        <p:cNvGrpSpPr/>
+        <p:nvPr/>
+      </p:nvGrpSpPr>
+      <p:grpSpPr>
+        <a:xfrm>
+          <a:off x="0" y="0"/>
+          <a:ext cx="0" cy="0"/>
+          <a:chOff x="0" y="0"/>
+          <a:chExt cx="0" cy="0"/>
+        </a:xfrm>
+      </p:grpSpPr>
+      <p:sp>
+        <p:nvSpPr>
+          <p:cNvPr id="254" name="Requêtage SQL"/>
+          <p:cNvSpPr txBox="1"/>
+          <p:nvPr/>
+        </p:nvSpPr>
+        <p:spPr>
+          <a:xfrm>
+            <a:off x="1270000" y="-12700"/>
+            <a:ext cx="10464800" cy="1282700"/>
+          </a:xfrm>
+          <a:prstGeom prst="rect">
+            <a:avLst/>
+          </a:prstGeom>
+          <a:ln w="12700">
+            <a:miter lim="400000"/>
+          </a:ln>
+          <a:extLst>
+            <a:ext uri="{C572A759-6A51-4108-AA02-DFA0A04FC94B}">
+              <ma14:wrappingTextBoxFlag xmlns:ma14="http://schemas.microsoft.com/office/mac/drawingml/2011/main" val="1"/>
+            </a:ext>
+          </a:extLst>
+        </p:spPr>
+        <p:txBody>
+          <a:bodyPr lIns="50800" tIns="50800" rIns="50800" bIns="50800" anchor="ctr">
+            <a:normAutofit fontScale="100000" lnSpcReduction="0"/>
+          </a:bodyPr>
+          <a:lstStyle>
+            <a:lvl1pPr>
+              <a:defRPr sz="2600"/>
+            </a:lvl1pPr>
+          </a:lstStyle>
+          <a:p>
+            <a:pPr/>
+            <a:r>
+              <a:t>Requêtage SQL</a:t>
+            </a:r>
+          </a:p>
+        </p:txBody>
+      </p:sp>
+      <p:sp>
+        <p:nvSpPr>
+          <p:cNvPr id="255" name="Un peu de pratique"/>
+          <p:cNvSpPr txBox="1"/>
+          <p:nvPr/>
+        </p:nvSpPr>
+        <p:spPr>
+          <a:xfrm>
+            <a:off x="4672930" y="1732851"/>
+            <a:ext cx="3658940" cy="622301"/>
+          </a:xfrm>
+          <a:prstGeom prst="rect">
+            <a:avLst/>
+          </a:prstGeom>
+          <a:ln w="12700">
+            <a:miter lim="400000"/>
+          </a:ln>
+          <a:extLst>
+            <a:ext uri="{C572A759-6A51-4108-AA02-DFA0A04FC94B}">
+              <ma14:wrappingTextBoxFlag xmlns:ma14="http://schemas.microsoft.com/office/mac/drawingml/2011/main" val="1"/>
+            </a:ext>
+          </a:extLst>
+        </p:spPr>
+        <p:txBody>
+          <a:bodyPr wrap="none" lIns="50800" tIns="50800" rIns="50800" bIns="50800" anchor="ctr">
+            <a:spAutoFit/>
+          </a:bodyPr>
+          <a:lstStyle>
+            <a:lvl1pPr algn="l"/>
+          </a:lstStyle>
+          <a:p>
+            <a:pPr/>
+            <a:r>
+              <a:t>Un peu de pratique</a:t>
+            </a:r>
+          </a:p>
+        </p:txBody>
+      </p:sp>
+      <p:sp>
+        <p:nvSpPr>
+          <p:cNvPr id="256" name="1/ Récupérez toute la table…"/>
+          <p:cNvSpPr txBox="1"/>
+          <p:nvPr/>
+        </p:nvSpPr>
+        <p:spPr>
+          <a:xfrm>
+            <a:off x="822266" y="2437681"/>
+            <a:ext cx="11360268" cy="6045201"/>
+          </a:xfrm>
+          <a:prstGeom prst="rect">
+            <a:avLst/>
+          </a:prstGeom>
+          <a:ln w="12700">
+            <a:miter lim="400000"/>
+          </a:ln>
+          <a:extLst>
+            <a:ext uri="{C572A759-6A51-4108-AA02-DFA0A04FC94B}">
+              <ma14:wrappingTextBoxFlag xmlns:ma14="http://schemas.microsoft.com/office/mac/drawingml/2011/main" val="1"/>
+            </a:ext>
+          </a:extLst>
+        </p:spPr>
+        <p:txBody>
+          <a:bodyPr lIns="50800" tIns="50800" rIns="50800" bIns="50800" anchor="ctr">
+            <a:spAutoFit/>
+          </a:bodyPr>
+          <a:lstStyle/>
+          <a:p>
+            <a:pPr algn="l">
+              <a:spcBef>
+                <a:spcPts val="3800"/>
+              </a:spcBef>
+              <a:defRPr sz="3800"/>
+            </a:pPr>
+            <a:r>
+              <a:rPr>
+                <a:latin typeface="Gill Sans SemiBold"/>
+                <a:ea typeface="Gill Sans SemiBold"/>
+                <a:cs typeface="Gill Sans SemiBold"/>
+                <a:sym typeface="Gill Sans SemiBold"/>
+              </a:rPr>
+              <a:t>1/</a:t>
+            </a:r>
+            <a:r>
+              <a:t> Récupérez toute la table</a:t>
+            </a:r>
+          </a:p>
+          <a:p>
+            <a:pPr algn="l">
+              <a:spcBef>
+                <a:spcPts val="3800"/>
+              </a:spcBef>
+              <a:defRPr sz="3800"/>
+            </a:pPr>
+            <a:r>
+              <a:rPr>
+                <a:latin typeface="Gill Sans SemiBold"/>
+                <a:ea typeface="Gill Sans SemiBold"/>
+                <a:cs typeface="Gill Sans SemiBold"/>
+                <a:sym typeface="Gill Sans SemiBold"/>
+              </a:rPr>
+              <a:t>2/</a:t>
+            </a:r>
+            <a:r>
+              <a:t> Récupérez tous les champs 'Nom' et 'Prénom'</a:t>
+            </a:r>
+          </a:p>
+          <a:p>
+            <a:pPr algn="l">
+              <a:spcBef>
+                <a:spcPts val="3800"/>
+              </a:spcBef>
+              <a:defRPr sz="3800"/>
+            </a:pPr>
+            <a:r>
+              <a:rPr>
+                <a:latin typeface="Gill Sans SemiBold"/>
+                <a:ea typeface="Gill Sans SemiBold"/>
+                <a:cs typeface="Gill Sans SemiBold"/>
+                <a:sym typeface="Gill Sans SemiBold"/>
+              </a:rPr>
+              <a:t>3/</a:t>
+            </a:r>
+            <a:r>
+              <a:t> Récupérez toutes personnes dont le nom est 'Doe'</a:t>
+            </a:r>
+          </a:p>
+          <a:p>
+            <a:pPr algn="l">
+              <a:spcBef>
+                <a:spcPts val="3800"/>
+              </a:spcBef>
+              <a:defRPr sz="3800"/>
+            </a:pPr>
+            <a:r>
+              <a:rPr>
+                <a:latin typeface="Gill Sans SemiBold"/>
+                <a:ea typeface="Gill Sans SemiBold"/>
+                <a:cs typeface="Gill Sans SemiBold"/>
+                <a:sym typeface="Gill Sans SemiBold"/>
+              </a:rPr>
+              <a:t>4/</a:t>
+            </a:r>
+            <a:r>
+              <a:t> Récupérez les dates d’inscriptions et emails des personnes inscrites aujourd’hui</a:t>
+            </a:r>
+          </a:p>
+          <a:p>
+            <a:pPr algn="l">
+              <a:spcBef>
+                <a:spcPts val="3800"/>
+              </a:spcBef>
+              <a:defRPr sz="3800"/>
+            </a:pPr>
+            <a:r>
+              <a:rPr>
+                <a:latin typeface="Gill Sans SemiBold"/>
+                <a:ea typeface="Gill Sans SemiBold"/>
+                <a:cs typeface="Gill Sans SemiBold"/>
+                <a:sym typeface="Gill Sans SemiBold"/>
+              </a:rPr>
+              <a:t>5/</a:t>
+            </a:r>
+            <a:r>
+              <a:t> Récupérez la liste des utilisateurs inscrits dans les années 90</a:t>
+            </a:r>
+          </a:p>
+        </p:txBody>
+      </p:sp>
+    </p:spTree>
+  </p:cSld>
+  <p:clrMapOvr>
+    <a:masterClrMapping/>
+  </p:clrMapOvr>
+  <p:transition xmlns:p14="http://schemas.microsoft.com/office/powerpoint/2010/main" spd="med" advClick="1"/>
+</p:sld>
+</file>
+
+<file path=ppt/slides/slide22.xml><?xml version="1.0" encoding="utf-8"?>
+<p:sld xmlns:a="http://schemas.openxmlformats.org/drawingml/2006/main" xmlns:r="http://schemas.openxmlformats.org/officeDocument/2006/relationships" xmlns:p="http://schemas.openxmlformats.org/presentationml/2006/main" xmlns:m="http://schemas.openxmlformats.org/officeDocument/2006/math" xmlns:a14="http://schemas.microsoft.com/office/drawing/2010/main" showMasterSp="1" showMasterPhAnim="1">
+  <p:cSld>
+    <p:spTree>
+      <p:nvGrpSpPr>
+        <p:cNvPr id="1" name=""/>
+        <p:cNvGrpSpPr/>
+        <p:nvPr/>
+      </p:nvGrpSpPr>
+      <p:grpSpPr>
+        <a:xfrm>
+          <a:off x="0" y="0"/>
+          <a:ext cx="0" cy="0"/>
+          <a:chOff x="0" y="0"/>
+          <a:chExt cx="0" cy="0"/>
+        </a:xfrm>
+      </p:grpSpPr>
+      <p:sp>
+        <p:nvSpPr>
+          <p:cNvPr id="258" name="Requêtage SQL"/>
+          <p:cNvSpPr txBox="1"/>
+          <p:nvPr/>
+        </p:nvSpPr>
+        <p:spPr>
+          <a:xfrm>
+            <a:off x="1270000" y="-12700"/>
+            <a:ext cx="10464800" cy="1282700"/>
+          </a:xfrm>
+          <a:prstGeom prst="rect">
+            <a:avLst/>
+          </a:prstGeom>
+          <a:ln w="12700">
+            <a:miter lim="400000"/>
+          </a:ln>
+          <a:extLst>
+            <a:ext uri="{C572A759-6A51-4108-AA02-DFA0A04FC94B}">
+              <ma14:wrappingTextBoxFlag xmlns:ma14="http://schemas.microsoft.com/office/mac/drawingml/2011/main" val="1"/>
+            </a:ext>
+          </a:extLst>
+        </p:spPr>
+        <p:txBody>
+          <a:bodyPr lIns="50800" tIns="50800" rIns="50800" bIns="50800" anchor="ctr">
+            <a:normAutofit fontScale="100000" lnSpcReduction="0"/>
+          </a:bodyPr>
+          <a:lstStyle>
+            <a:lvl1pPr>
+              <a:defRPr sz="2600"/>
+            </a:lvl1pPr>
+          </a:lstStyle>
+          <a:p>
+            <a:pPr/>
+            <a:r>
+              <a:t>Requêtage SQL</a:t>
+            </a:r>
+          </a:p>
+        </p:txBody>
+      </p:sp>
+      <p:sp>
+        <p:nvSpPr>
+          <p:cNvPr id="259" name="SELECT [colonne1], [colonne2], etc…"/>
+          <p:cNvSpPr txBox="1"/>
+          <p:nvPr/>
+        </p:nvSpPr>
+        <p:spPr>
+          <a:xfrm>
+            <a:off x="427869" y="3066600"/>
+            <a:ext cx="7583116" cy="1951510"/>
+          </a:xfrm>
+          <a:prstGeom prst="rect">
+            <a:avLst/>
+          </a:prstGeom>
+          <a:ln w="12700">
+            <a:miter lim="400000"/>
+          </a:ln>
+          <a:extLst>
+            <a:ext uri="{C572A759-6A51-4108-AA02-DFA0A04FC94B}">
+              <ma14:wrappingTextBoxFlag xmlns:ma14="http://schemas.microsoft.com/office/mac/drawingml/2011/main" val="1"/>
+            </a:ext>
+          </a:extLst>
+        </p:spPr>
+        <p:txBody>
+          <a:bodyPr wrap="none" lIns="50800" tIns="50800" rIns="50800" bIns="50800">
+            <a:spAutoFit/>
+          </a:bodyPr>
+          <a:lstStyle/>
+          <a:p>
+            <a:pPr algn="l">
+              <a:defRPr sz="2800">
+                <a:solidFill>
+                  <a:srgbClr val="5A5F5E"/>
+                </a:solidFill>
+                <a:latin typeface="Monaco"/>
+                <a:ea typeface="Monaco"/>
+                <a:cs typeface="Monaco"/>
+                <a:sym typeface="Monaco"/>
+              </a:defRPr>
+            </a:pPr>
+            <a:r>
+              <a:t>SELECT [colonne1], [colonne2], etc</a:t>
+            </a:r>
+          </a:p>
+          <a:p>
+            <a:pPr algn="l">
+              <a:defRPr sz="2800">
+                <a:solidFill>
+                  <a:srgbClr val="5A5F5E"/>
+                </a:solidFill>
+                <a:latin typeface="Monaco"/>
+                <a:ea typeface="Monaco"/>
+                <a:cs typeface="Monaco"/>
+                <a:sym typeface="Monaco"/>
+              </a:defRPr>
+            </a:pPr>
+            <a:r>
+              <a:t>FROM [table]</a:t>
+            </a:r>
+          </a:p>
+          <a:p>
+            <a:pPr algn="l">
+              <a:defRPr sz="2800">
+                <a:solidFill>
+                  <a:srgbClr val="808785"/>
+                </a:solidFill>
+                <a:latin typeface="Monaco"/>
+                <a:ea typeface="Monaco"/>
+                <a:cs typeface="Monaco"/>
+                <a:sym typeface="Monaco"/>
+              </a:defRPr>
+            </a:pPr>
+            <a:r>
+              <a:t>WHERE [condition]</a:t>
+            </a:r>
+          </a:p>
+          <a:p>
+            <a:pPr algn="l">
+              <a:defRPr sz="2800">
+                <a:solidFill>
+                  <a:srgbClr val="5A5F5E"/>
+                </a:solidFill>
+                <a:latin typeface="Monaco"/>
+                <a:ea typeface="Monaco"/>
+                <a:cs typeface="Monaco"/>
+                <a:sym typeface="Monaco"/>
+              </a:defRPr>
+            </a:pPr>
+            <a:r>
+              <a:t>ORDER BY [colonne] [critère];</a:t>
+            </a:r>
+          </a:p>
+        </p:txBody>
+      </p:sp>
+      <p:sp>
+        <p:nvSpPr>
+          <p:cNvPr id="260" name="Récupérer des données"/>
+          <p:cNvSpPr txBox="1"/>
+          <p:nvPr/>
+        </p:nvSpPr>
+        <p:spPr>
+          <a:xfrm>
+            <a:off x="4311054" y="1598450"/>
+            <a:ext cx="4382692" cy="622301"/>
+          </a:xfrm>
+          <a:prstGeom prst="rect">
+            <a:avLst/>
+          </a:prstGeom>
+          <a:ln w="12700">
+            <a:miter lim="400000"/>
+          </a:ln>
+          <a:extLst>
+            <a:ext uri="{C572A759-6A51-4108-AA02-DFA0A04FC94B}">
+              <ma14:wrappingTextBoxFlag xmlns:ma14="http://schemas.microsoft.com/office/mac/drawingml/2011/main" val="1"/>
+            </a:ext>
+          </a:extLst>
+        </p:spPr>
+        <p:txBody>
+          <a:bodyPr wrap="none" lIns="50800" tIns="50800" rIns="50800" bIns="50800" anchor="ctr">
+            <a:spAutoFit/>
+          </a:bodyPr>
+          <a:lstStyle>
+            <a:lvl1pPr algn="l"/>
+          </a:lstStyle>
+          <a:p>
+            <a:pPr/>
+            <a:r>
+              <a:t>Récupérer des données</a:t>
+            </a:r>
+          </a:p>
+        </p:txBody>
+      </p:sp>
+      <p:sp>
+        <p:nvSpPr>
+          <p:cNvPr id="261" name="SELECT nom, path…"/>
+          <p:cNvSpPr txBox="1"/>
+          <p:nvPr/>
+        </p:nvSpPr>
+        <p:spPr>
+          <a:xfrm>
+            <a:off x="427869" y="3066600"/>
+            <a:ext cx="5022380" cy="1951510"/>
+          </a:xfrm>
+          <a:prstGeom prst="rect">
+            <a:avLst/>
+          </a:prstGeom>
+          <a:ln w="12700">
+            <a:miter lim="400000"/>
+          </a:ln>
+          <a:extLst>
+            <a:ext uri="{C572A759-6A51-4108-AA02-DFA0A04FC94B}">
+              <ma14:wrappingTextBoxFlag xmlns:ma14="http://schemas.microsoft.com/office/mac/drawingml/2011/main" val="1"/>
+            </a:ext>
+          </a:extLst>
+        </p:spPr>
+        <p:txBody>
+          <a:bodyPr wrap="none" lIns="50800" tIns="50800" rIns="50800" bIns="50800">
+            <a:spAutoFit/>
+          </a:bodyPr>
+          <a:lstStyle/>
+          <a:p>
+            <a:pPr algn="l">
+              <a:defRPr sz="2800">
+                <a:solidFill>
+                  <a:srgbClr val="5A5F5E"/>
+                </a:solidFill>
+                <a:latin typeface="Monaco"/>
+                <a:ea typeface="Monaco"/>
+                <a:cs typeface="Monaco"/>
+                <a:sym typeface="Monaco"/>
+              </a:defRPr>
+            </a:pPr>
+            <a:r>
+              <a:t>SELECT nom, path</a:t>
+            </a:r>
+          </a:p>
+          <a:p>
+            <a:pPr algn="l">
+              <a:defRPr sz="2800">
+                <a:solidFill>
+                  <a:srgbClr val="5A5F5E"/>
+                </a:solidFill>
+                <a:latin typeface="Monaco"/>
+                <a:ea typeface="Monaco"/>
+                <a:cs typeface="Monaco"/>
+                <a:sym typeface="Monaco"/>
+              </a:defRPr>
+            </a:pPr>
+            <a:r>
+              <a:t>FROM docs</a:t>
+            </a:r>
+          </a:p>
+          <a:p>
+            <a:pPr algn="l">
+              <a:defRPr sz="2800">
+                <a:solidFill>
+                  <a:srgbClr val="5A5F5E"/>
+                </a:solidFill>
+                <a:latin typeface="Monaco"/>
+                <a:ea typeface="Monaco"/>
+                <a:cs typeface="Monaco"/>
+                <a:sym typeface="Monaco"/>
+              </a:defRPr>
+            </a:pPr>
+            <a:r>
+              <a:t>WHERE path IS NOT NULL</a:t>
+            </a:r>
+          </a:p>
+          <a:p>
+            <a:pPr algn="l">
+              <a:defRPr sz="2800">
+                <a:solidFill>
+                  <a:srgbClr val="5A5F5E"/>
+                </a:solidFill>
+                <a:latin typeface="Monaco"/>
+                <a:ea typeface="Monaco"/>
+                <a:cs typeface="Monaco"/>
+                <a:sym typeface="Monaco"/>
+              </a:defRPr>
+            </a:pPr>
+            <a:r>
+              <a:t>ORDER BY nom DESC;</a:t>
+            </a:r>
+          </a:p>
+        </p:txBody>
+      </p:sp>
+      <p:sp>
+        <p:nvSpPr>
+          <p:cNvPr id="262" name="Ordonner les résultats"/>
+          <p:cNvSpPr txBox="1"/>
+          <p:nvPr/>
+        </p:nvSpPr>
+        <p:spPr>
+          <a:xfrm>
+            <a:off x="409980" y="2422201"/>
+            <a:ext cx="4140251" cy="622301"/>
+          </a:xfrm>
+          <a:prstGeom prst="rect">
+            <a:avLst/>
+          </a:prstGeom>
+          <a:ln w="12700">
+            <a:miter lim="400000"/>
+          </a:ln>
+          <a:extLst>
+            <a:ext uri="{C572A759-6A51-4108-AA02-DFA0A04FC94B}">
+              <ma14:wrappingTextBoxFlag xmlns:ma14="http://schemas.microsoft.com/office/mac/drawingml/2011/main" val="1"/>
+            </a:ext>
+          </a:extLst>
+        </p:spPr>
+        <p:txBody>
+          <a:bodyPr wrap="none" lIns="50800" tIns="50800" rIns="50800" bIns="50800" anchor="ctr">
+            <a:spAutoFit/>
+          </a:bodyPr>
+          <a:lstStyle>
+            <a:lvl1pPr algn="l"/>
+          </a:lstStyle>
+          <a:p>
+            <a:pPr/>
+            <a:r>
+              <a:t>Ordonner les résultats</a:t>
+            </a:r>
+          </a:p>
+        </p:txBody>
+      </p:sp>
+      <p:sp>
+        <p:nvSpPr>
+          <p:cNvPr id="263" name="SELECT [colonne1], [colonne2]…"/>
+          <p:cNvSpPr txBox="1"/>
+          <p:nvPr/>
+        </p:nvSpPr>
+        <p:spPr>
+          <a:xfrm>
+            <a:off x="427869" y="6114600"/>
+            <a:ext cx="6942932" cy="1951510"/>
+          </a:xfrm>
+          <a:prstGeom prst="rect">
+            <a:avLst/>
+          </a:prstGeom>
+          <a:ln w="12700">
+            <a:miter lim="400000"/>
+          </a:ln>
+          <a:extLst>
+            <a:ext uri="{C572A759-6A51-4108-AA02-DFA0A04FC94B}">
+              <ma14:wrappingTextBoxFlag xmlns:ma14="http://schemas.microsoft.com/office/mac/drawingml/2011/main" val="1"/>
+            </a:ext>
+          </a:extLst>
+        </p:spPr>
+        <p:txBody>
+          <a:bodyPr wrap="none" lIns="50800" tIns="50800" rIns="50800" bIns="50800">
+            <a:spAutoFit/>
+          </a:bodyPr>
+          <a:lstStyle/>
+          <a:p>
+            <a:pPr algn="l">
+              <a:defRPr sz="2800">
+                <a:solidFill>
+                  <a:srgbClr val="5A5F5E"/>
+                </a:solidFill>
+                <a:latin typeface="Monaco"/>
+                <a:ea typeface="Monaco"/>
+                <a:cs typeface="Monaco"/>
+                <a:sym typeface="Monaco"/>
+              </a:defRPr>
+            </a:pPr>
+            <a:r>
+              <a:t>SELECT [colonne1], [colonne2]</a:t>
+            </a:r>
+          </a:p>
+          <a:p>
+            <a:pPr algn="l">
+              <a:defRPr sz="2800">
+                <a:solidFill>
+                  <a:srgbClr val="5A5F5E"/>
+                </a:solidFill>
+                <a:latin typeface="Monaco"/>
+                <a:ea typeface="Monaco"/>
+                <a:cs typeface="Monaco"/>
+                <a:sym typeface="Monaco"/>
+              </a:defRPr>
+            </a:pPr>
+            <a:r>
+              <a:t>FROM [table]</a:t>
+            </a:r>
+          </a:p>
+          <a:p>
+            <a:pPr algn="l">
+              <a:defRPr sz="2800">
+                <a:solidFill>
+                  <a:srgbClr val="808785"/>
+                </a:solidFill>
+                <a:latin typeface="Monaco"/>
+                <a:ea typeface="Monaco"/>
+                <a:cs typeface="Monaco"/>
+                <a:sym typeface="Monaco"/>
+              </a:defRPr>
+            </a:pPr>
+            <a:r>
+              <a:t>WHERE [condition]</a:t>
+            </a:r>
+          </a:p>
+          <a:p>
+            <a:pPr algn="l">
+              <a:defRPr sz="2800">
+                <a:solidFill>
+                  <a:srgbClr val="5A5F5E"/>
+                </a:solidFill>
+                <a:latin typeface="Monaco"/>
+                <a:ea typeface="Monaco"/>
+                <a:cs typeface="Monaco"/>
+                <a:sym typeface="Monaco"/>
+              </a:defRPr>
+            </a:pPr>
+            <a:r>
+              <a:t>GROUP BY [colonne1], [colonne2];</a:t>
+            </a:r>
+          </a:p>
+        </p:txBody>
+      </p:sp>
+      <p:sp>
+        <p:nvSpPr>
+          <p:cNvPr id="264" name="SELECT nom, path…"/>
+          <p:cNvSpPr txBox="1"/>
+          <p:nvPr/>
+        </p:nvSpPr>
+        <p:spPr>
+          <a:xfrm>
+            <a:off x="427869" y="6114600"/>
+            <a:ext cx="5022380" cy="1951510"/>
+          </a:xfrm>
+          <a:prstGeom prst="rect">
+            <a:avLst/>
+          </a:prstGeom>
+          <a:ln w="12700">
+            <a:miter lim="400000"/>
+          </a:ln>
+          <a:extLst>
+            <a:ext uri="{C572A759-6A51-4108-AA02-DFA0A04FC94B}">
+              <ma14:wrappingTextBoxFlag xmlns:ma14="http://schemas.microsoft.com/office/mac/drawingml/2011/main" val="1"/>
+            </a:ext>
+          </a:extLst>
+        </p:spPr>
+        <p:txBody>
+          <a:bodyPr wrap="none" lIns="50800" tIns="50800" rIns="50800" bIns="50800">
+            <a:spAutoFit/>
+          </a:bodyPr>
+          <a:lstStyle/>
+          <a:p>
+            <a:pPr algn="l">
+              <a:defRPr sz="2800">
+                <a:solidFill>
+                  <a:srgbClr val="5A5F5E"/>
+                </a:solidFill>
+                <a:latin typeface="Monaco"/>
+                <a:ea typeface="Monaco"/>
+                <a:cs typeface="Monaco"/>
+                <a:sym typeface="Monaco"/>
+              </a:defRPr>
+            </a:pPr>
+            <a:r>
+              <a:t>SELECT nom, path</a:t>
+            </a:r>
+          </a:p>
+          <a:p>
+            <a:pPr algn="l">
+              <a:defRPr sz="2800">
+                <a:solidFill>
+                  <a:srgbClr val="5A5F5E"/>
+                </a:solidFill>
+                <a:latin typeface="Monaco"/>
+                <a:ea typeface="Monaco"/>
+                <a:cs typeface="Monaco"/>
+                <a:sym typeface="Monaco"/>
+              </a:defRPr>
+            </a:pPr>
+            <a:r>
+              <a:t>FROM docs</a:t>
+            </a:r>
+          </a:p>
+          <a:p>
+            <a:pPr algn="l">
+              <a:defRPr sz="2800">
+                <a:solidFill>
+                  <a:srgbClr val="5A5F5E"/>
+                </a:solidFill>
+                <a:latin typeface="Monaco"/>
+                <a:ea typeface="Monaco"/>
+                <a:cs typeface="Monaco"/>
+                <a:sym typeface="Monaco"/>
+              </a:defRPr>
+            </a:pPr>
+            <a:r>
+              <a:t>WHERE path IS NOT NULL</a:t>
+            </a:r>
+          </a:p>
+          <a:p>
+            <a:pPr algn="l">
+              <a:defRPr sz="2800">
+                <a:solidFill>
+                  <a:srgbClr val="5A5F5E"/>
+                </a:solidFill>
+                <a:latin typeface="Monaco"/>
+                <a:ea typeface="Monaco"/>
+                <a:cs typeface="Monaco"/>
+                <a:sym typeface="Monaco"/>
+              </a:defRPr>
+            </a:pPr>
+            <a:r>
+              <a:t>GROUP BY nom, path;</a:t>
+            </a:r>
+          </a:p>
+        </p:txBody>
+      </p:sp>
+      <p:sp>
+        <p:nvSpPr>
+          <p:cNvPr id="265" name="Regrouper les résultats"/>
+          <p:cNvSpPr txBox="1"/>
+          <p:nvPr/>
+        </p:nvSpPr>
+        <p:spPr>
+          <a:xfrm>
+            <a:off x="409980" y="5470201"/>
+            <a:ext cx="4215930" cy="622301"/>
+          </a:xfrm>
+          <a:prstGeom prst="rect">
+            <a:avLst/>
+          </a:prstGeom>
+          <a:ln w="12700">
+            <a:miter lim="400000"/>
+          </a:ln>
+          <a:extLst>
+            <a:ext uri="{C572A759-6A51-4108-AA02-DFA0A04FC94B}">
+              <ma14:wrappingTextBoxFlag xmlns:ma14="http://schemas.microsoft.com/office/mac/drawingml/2011/main" val="1"/>
+            </a:ext>
+          </a:extLst>
+        </p:spPr>
+        <p:txBody>
+          <a:bodyPr wrap="none" lIns="50800" tIns="50800" rIns="50800" bIns="50800" anchor="ctr">
+            <a:spAutoFit/>
+          </a:bodyPr>
+          <a:lstStyle>
+            <a:lvl1pPr algn="l"/>
+          </a:lstStyle>
+          <a:p>
+            <a:pPr/>
+            <a:r>
+              <a:t>Regrouper les résultats</a:t>
+            </a:r>
+          </a:p>
+        </p:txBody>
+      </p:sp>
+      <p:sp>
+        <p:nvSpPr>
+          <p:cNvPr id="266" name="DESC : + =&gt; -…"/>
+          <p:cNvSpPr txBox="1"/>
+          <p:nvPr/>
+        </p:nvSpPr>
+        <p:spPr>
+          <a:xfrm>
+            <a:off x="9156045" y="3536500"/>
+            <a:ext cx="3101827" cy="1011710"/>
+          </a:xfrm>
+          <a:prstGeom prst="rect">
+            <a:avLst/>
+          </a:prstGeom>
+          <a:ln w="12700">
+            <a:miter lim="400000"/>
+          </a:ln>
+          <a:extLst>
+            <a:ext uri="{C572A759-6A51-4108-AA02-DFA0A04FC94B}">
+              <ma14:wrappingTextBoxFlag xmlns:ma14="http://schemas.microsoft.com/office/mac/drawingml/2011/main" val="1"/>
+            </a:ext>
+          </a:extLst>
+        </p:spPr>
+        <p:txBody>
+          <a:bodyPr wrap="none" lIns="50800" tIns="50800" rIns="50800" bIns="50800" anchor="ctr">
+            <a:spAutoFit/>
+          </a:bodyPr>
+          <a:lstStyle/>
+          <a:p>
+            <a:pPr algn="l">
+              <a:defRPr sz="2800">
+                <a:solidFill>
+                  <a:srgbClr val="5A5F5E"/>
+                </a:solidFill>
+                <a:latin typeface="Monaco"/>
+                <a:ea typeface="Monaco"/>
+                <a:cs typeface="Monaco"/>
+                <a:sym typeface="Monaco"/>
+              </a:defRPr>
+            </a:pPr>
+            <a:r>
+              <a:t>DESC : + =&gt; -</a:t>
+            </a:r>
+          </a:p>
+          <a:p>
+            <a:pPr algn="l">
+              <a:defRPr sz="2800">
+                <a:solidFill>
+                  <a:srgbClr val="5A5F5E"/>
+                </a:solidFill>
+                <a:latin typeface="Monaco"/>
+                <a:ea typeface="Monaco"/>
+                <a:cs typeface="Monaco"/>
+                <a:sym typeface="Monaco"/>
+              </a:defRPr>
+            </a:pPr>
+            <a:r>
+              <a:t>ASC  : - =&gt; +</a:t>
+            </a:r>
+          </a:p>
+        </p:txBody>
+      </p:sp>
+    </p:spTree>
+  </p:cSld>
+  <p:clrMapOvr>
+    <a:masterClrMapping/>
+  </p:clrMapOvr>
+  <p:transition xmlns:p14="http://schemas.microsoft.com/office/powerpoint/2010/main" spd="med" advClick="1"/>
+  <p:timing>
+    <p:tnLst>
+      <p:par>
+        <p:cTn id="1" nodeType="tmRoot" restart="never" dur="indefinite" fill="hold">
+          <p:childTnLst>
+            <p:seq concurrent="1" prevAc="none" nextAc="seek">
+              <p:cTn id="2" nodeType="mainSeq" dur="indefinite" fill="hold">
+                <p:childTnLst>
+                  <p:par>
+                    <p:cTn id="3" fill="hold">
+                      <p:stCondLst>
+                        <p:cond delay="indefinite"/>
+                      </p:stCondLst>
+                      <p:childTnLst>
+                        <p:par>
+                          <p:cTn id="4" fill="hold">
+                            <p:stCondLst>
+                              <p:cond delay="0"/>
+                            </p:stCondLst>
+                            <p:childTnLst>
+                              <p:par>
+                                <p:cTn id="5" presetClass="entr" nodeType="clickEffect" presetID="9" grpId="1" fill="hold">
+                                  <p:stCondLst>
+                                    <p:cond delay="0"/>
+                                  </p:stCondLst>
+                                  <p:iterate type="el" backwards="0">
+                                    <p:tmAbs val="0"/>
+                                  </p:iterate>
+                                  <p:childTnLst>
+                                    <p:set>
+                                      <p:cBhvr>
+                                        <p:cTn id="6" fill="hold"/>
+                                        <p:tgtEl>
+                                          <p:spTgt spid="266"/>
+                                        </p:tgtEl>
+                                        <p:attrNameLst>
+                                          <p:attrName>style.visibility</p:attrName>
+                                        </p:attrNameLst>
+                                      </p:cBhvr>
+                                      <p:to>
+                                        <p:strVal val="visible"/>
+                                      </p:to>
+                                    </p:set>
+                                    <p:animEffect filter="dissolve" transition="in">
+                                      <p:cBhvr>
+                                        <p:cTn id="7" dur="300"/>
+                                        <p:tgtEl>
+                                          <p:spTgt spid="266"/>
+                                        </p:tgtEl>
+                                      </p:cBhvr>
+                                    </p:animEffect>
+                                  </p:childTnLst>
+                                </p:cTn>
+                              </p:par>
+                            </p:childTnLst>
+                          </p:cTn>
+                        </p:par>
+                      </p:childTnLst>
+                    </p:cTn>
+                  </p:par>
+                  <p:par>
+                    <p:cTn id="8" fill="hold">
+                      <p:stCondLst>
+                        <p:cond delay="indefinite"/>
+                      </p:stCondLst>
+                      <p:childTnLst>
+                        <p:par>
+                          <p:cTn id="9" fill="hold">
+                            <p:stCondLst>
+                              <p:cond delay="0"/>
+                            </p:stCondLst>
+                            <p:childTnLst>
+                              <p:par>
+                                <p:cTn id="10" presetClass="emph" nodeType="clickEffect" presetID="9" grpId="2" fill="hold">
+                                  <p:stCondLst>
+                                    <p:cond delay="0"/>
+                                  </p:stCondLst>
+                                  <p:childTnLst>
+                                    <p:set>
+                                      <p:cBhvr>
+                                        <p:cTn id="11" dur="indefinite" fill="hold"/>
+                                        <p:tgtEl>
+                                          <p:spTgt spid="259"/>
+                                        </p:tgtEl>
+                                        <p:attrNameLst>
+                                          <p:attrName>style.opacity</p:attrName>
+                                        </p:attrNameLst>
+                                      </p:cBhvr>
+                                      <p:to>
+                                        <p:strVal val="0.00"/>
+                                      </p:to>
+                                    </p:set>
+                                    <p:animEffect filter="image" prLst="opacity: 0.00; ">
+                                      <p:cBhvr>
+                                        <p:cTn id="12" dur="indefinite" fill="hold"/>
+                                        <p:tgtEl>
+                                          <p:spTgt spid="259"/>
+                                        </p:tgtEl>
+                                      </p:cBhvr>
+                                    </p:animEffect>
+                                  </p:childTnLst>
+                                </p:cTn>
+                              </p:par>
+                            </p:childTnLst>
+                          </p:cTn>
+                        </p:par>
+                        <p:par>
+                          <p:cTn id="13" fill="hold">
+                            <p:stCondLst>
+                              <p:cond delay="300"/>
+                            </p:stCondLst>
+                            <p:childTnLst>
+                              <p:par>
+                                <p:cTn id="14" presetClass="entr" nodeType="afterEffect" presetID="9" grpId="3" fill="hold">
+                                  <p:stCondLst>
+                                    <p:cond delay="0"/>
+                                  </p:stCondLst>
+                                  <p:iterate type="el" backwards="0">
+                                    <p:tmAbs val="0"/>
+                                  </p:iterate>
+                                  <p:childTnLst>
+                                    <p:set>
+                                      <p:cBhvr>
+                                        <p:cTn id="15" fill="hold"/>
+                                        <p:tgtEl>
+                                          <p:spTgt spid="261"/>
+                                        </p:tgtEl>
+                                        <p:attrNameLst>
+                                          <p:attrName>style.visibility</p:attrName>
+                                        </p:attrNameLst>
+                                      </p:cBhvr>
+                                      <p:to>
+                                        <p:strVal val="visible"/>
+                                      </p:to>
+                                    </p:set>
+                                    <p:animEffect filter="dissolve" transition="in">
+                                      <p:cBhvr>
+                                        <p:cTn id="16" dur="300"/>
+                                        <p:tgtEl>
+                                          <p:spTgt spid="261"/>
+                                        </p:tgtEl>
+                                      </p:cBhvr>
+                                    </p:animEffect>
+                                  </p:childTnLst>
+                                </p:cTn>
+                              </p:par>
+                            </p:childTnLst>
+                          </p:cTn>
+                        </p:par>
+                      </p:childTnLst>
+                    </p:cTn>
+                  </p:par>
+                  <p:par>
+                    <p:cTn id="17" fill="hold">
+                      <p:stCondLst>
+                        <p:cond delay="indefinite"/>
+                      </p:stCondLst>
+                      <p:childTnLst>
+                        <p:par>
+                          <p:cTn id="18" fill="hold">
+                            <p:stCondLst>
+                              <p:cond delay="0"/>
+                            </p:stCondLst>
+                            <p:childTnLst>
+                              <p:par>
+                                <p:cTn id="19" presetClass="entr" nodeType="clickEffect" presetID="9" grpId="4" fill="hold">
+                                  <p:stCondLst>
+                                    <p:cond delay="0"/>
+                                  </p:stCondLst>
+                                  <p:iterate type="el" backwards="0">
+                                    <p:tmAbs val="0"/>
+                                  </p:iterate>
+                                  <p:childTnLst>
+                                    <p:set>
+                                      <p:cBhvr>
+                                        <p:cTn id="20" fill="hold"/>
+                                        <p:tgtEl>
+                                          <p:spTgt spid="265"/>
+                                        </p:tgtEl>
+                                        <p:attrNameLst>
+                                          <p:attrName>style.visibility</p:attrName>
+                                        </p:attrNameLst>
+                                      </p:cBhvr>
+                                      <p:to>
+                                        <p:strVal val="visible"/>
+                                      </p:to>
+                                    </p:set>
+                                    <p:animEffect filter="dissolve" transition="in">
+                                      <p:cBhvr>
+                                        <p:cTn id="21" dur="300"/>
+                                        <p:tgtEl>
+                                          <p:spTgt spid="265"/>
+                                        </p:tgtEl>
+                                      </p:cBhvr>
+                                    </p:animEffect>
+                                  </p:childTnLst>
+                                </p:cTn>
+                              </p:par>
+                            </p:childTnLst>
+                          </p:cTn>
+                        </p:par>
+                        <p:par>
+                          <p:cTn id="22" fill="hold">
+                            <p:stCondLst>
+                              <p:cond delay="300"/>
+                            </p:stCondLst>
+                            <p:childTnLst>
+                              <p:par>
+                                <p:cTn id="23" presetClass="entr" nodeType="afterEffect" presetID="9" grpId="5" fill="hold">
+                                  <p:stCondLst>
+                                    <p:cond delay="0"/>
+                                  </p:stCondLst>
+                                  <p:iterate type="el" backwards="0">
+                                    <p:tmAbs val="0"/>
+                                  </p:iterate>
+                                  <p:childTnLst>
+                                    <p:set>
+                                      <p:cBhvr>
+                                        <p:cTn id="24" fill="hold"/>
+                                        <p:tgtEl>
+                                          <p:spTgt spid="263"/>
+                                        </p:tgtEl>
+                                        <p:attrNameLst>
+                                          <p:attrName>style.visibility</p:attrName>
+                                        </p:attrNameLst>
+                                      </p:cBhvr>
+                                      <p:to>
+                                        <p:strVal val="visible"/>
+                                      </p:to>
+                                    </p:set>
+                                    <p:animEffect filter="dissolve" transition="in">
+                                      <p:cBhvr>
+                                        <p:cTn id="25" dur="300"/>
+                                        <p:tgtEl>
+                                          <p:spTgt spid="263"/>
+                                        </p:tgtEl>
+                                      </p:cBhvr>
+                                    </p:animEffect>
+                                  </p:childTnLst>
+                                </p:cTn>
+                              </p:par>
+                            </p:childTnLst>
+                          </p:cTn>
+                        </p:par>
+                      </p:childTnLst>
+                    </p:cTn>
+                  </p:par>
+                  <p:par>
+                    <p:cTn id="26" fill="hold">
+                      <p:stCondLst>
+                        <p:cond delay="indefinite"/>
+                      </p:stCondLst>
+                      <p:childTnLst>
+                        <p:par>
+                          <p:cTn id="27" fill="hold">
+                            <p:stCondLst>
+                              <p:cond delay="0"/>
+                            </p:stCondLst>
+                            <p:childTnLst>
+                              <p:par>
+                                <p:cTn id="28" presetClass="emph" nodeType="clickEffect" presetID="9" grpId="6" fill="hold">
+                                  <p:stCondLst>
+                                    <p:cond delay="0"/>
+                                  </p:stCondLst>
+                                  <p:childTnLst>
+                                    <p:set>
+                                      <p:cBhvr>
+                                        <p:cTn id="29" dur="indefinite" fill="hold"/>
+                                        <p:tgtEl>
+                                          <p:spTgt spid="263"/>
+                                        </p:tgtEl>
+                                        <p:attrNameLst>
+                                          <p:attrName>style.opacity</p:attrName>
+                                        </p:attrNameLst>
+                                      </p:cBhvr>
+                                      <p:to>
+                                        <p:strVal val="0.00"/>
+                                      </p:to>
+                                    </p:set>
+                                    <p:animEffect filter="image" prLst="opacity: 0.00; ">
+                                      <p:cBhvr>
+                                        <p:cTn id="30" dur="indefinite" fill="hold"/>
+                                        <p:tgtEl>
+                                          <p:spTgt spid="263"/>
+                                        </p:tgtEl>
+                                      </p:cBhvr>
+                                    </p:animEffect>
+                                  </p:childTnLst>
+                                </p:cTn>
+                              </p:par>
+                            </p:childTnLst>
+                          </p:cTn>
+                        </p:par>
+                        <p:par>
+                          <p:cTn id="31" fill="hold">
+                            <p:stCondLst>
+                              <p:cond delay="300"/>
+                            </p:stCondLst>
+                            <p:childTnLst>
+                              <p:par>
+                                <p:cTn id="32" presetClass="entr" nodeType="afterEffect" presetID="9" grpId="7" fill="hold">
+                                  <p:stCondLst>
+                                    <p:cond delay="0"/>
+                                  </p:stCondLst>
+                                  <p:iterate type="el" backwards="0">
+                                    <p:tmAbs val="0"/>
+                                  </p:iterate>
+                                  <p:childTnLst>
+                                    <p:set>
+                                      <p:cBhvr>
+                                        <p:cTn id="33" fill="hold"/>
+                                        <p:tgtEl>
+                                          <p:spTgt spid="264"/>
+                                        </p:tgtEl>
+                                        <p:attrNameLst>
+                                          <p:attrName>style.visibility</p:attrName>
+                                        </p:attrNameLst>
+                                      </p:cBhvr>
+                                      <p:to>
+                                        <p:strVal val="visible"/>
+                                      </p:to>
+                                    </p:set>
+                                    <p:animEffect filter="dissolve" transition="in">
+                                      <p:cBhvr>
+                                        <p:cTn id="34" dur="300"/>
+                                        <p:tgtEl>
+                                          <p:spTgt spid="264"/>
+                                        </p:tgtEl>
+                                      </p:cBhvr>
+                                    </p:animEffect>
+                                  </p:childTnLst>
+                                </p:cTn>
+                              </p:par>
+                            </p:childTnLst>
+                          </p:cTn>
+                        </p:par>
+                      </p:childTnLst>
+                    </p:cTn>
+                  </p:par>
+                </p:childTnLst>
+              </p:cTn>
+              <p:prevCondLst>
+                <p:cond evt="onPrev">
+                  <p:tgtEl>
+                    <p:sldTgt/>
+                  </p:tgtEl>
+                </p:cond>
+              </p:prevCondLst>
+              <p:nextCondLst>
+                <p:cond evt="onNext">
+                  <p:tgtEl>
+                    <p:sldTgt/>
+                  </p:tgtEl>
+                </p:cond>
+              </p:nextCondLst>
+            </p:seq>
+          </p:childTnLst>
+        </p:cTn>
+      </p:par>
+    </p:tnLst>
+    <p:bldLst>
+      <p:bldP build="whole" bldLvl="1" animBg="1" rev="0" advAuto="0" spid="263" grpId="6"/>
+      <p:bldP build="whole" bldLvl="1" animBg="1" rev="0" advAuto="0" spid="261" grpId="3"/>
+      <p:bldP build="whole" bldLvl="1" animBg="1" rev="0" advAuto="0" spid="264" grpId="7"/>
+      <p:bldP build="whole" bldLvl="1" animBg="1" rev="0" advAuto="0" spid="266" grpId="1"/>
+      <p:bldP build="whole" bldLvl="1" animBg="1" rev="0" advAuto="0" spid="265" grpId="4"/>
+      <p:bldP build="whole" bldLvl="1" animBg="1" rev="0" advAuto="0" spid="259" grpId="2"/>
+      <p:bldP build="whole" bldLvl="1" animBg="1" rev="0" advAuto="0" spid="263" grpId="5"/>
+    </p:bldLst>
+  </p:timing>
+</p:sld>
+</file>
+
+<file path=ppt/slides/slide23.xml><?xml version="1.0" encoding="utf-8"?>
+<p:sld xmlns:a="http://schemas.openxmlformats.org/drawingml/2006/main" xmlns:r="http://schemas.openxmlformats.org/officeDocument/2006/relationships" xmlns:p="http://schemas.openxmlformats.org/presentationml/2006/main" xmlns:m="http://schemas.openxmlformats.org/officeDocument/2006/math" xmlns:a14="http://schemas.microsoft.com/office/drawing/2010/main" showMasterSp="1" showMasterPhAnim="1">
+  <p:cSld>
+    <p:spTree>
+      <p:nvGrpSpPr>
+        <p:cNvPr id="1" name=""/>
+        <p:cNvGrpSpPr/>
+        <p:nvPr/>
+      </p:nvGrpSpPr>
+      <p:grpSpPr>
+        <a:xfrm>
+          <a:off x="0" y="0"/>
+          <a:ext cx="0" cy="0"/>
+          <a:chOff x="0" y="0"/>
+          <a:chExt cx="0" cy="0"/>
+        </a:xfrm>
+      </p:grpSpPr>
+      <p:sp>
+        <p:nvSpPr>
+          <p:cNvPr id="270" name="Requêtage SQL"/>
+          <p:cNvSpPr txBox="1"/>
+          <p:nvPr/>
+        </p:nvSpPr>
+        <p:spPr>
+          <a:xfrm>
+            <a:off x="1270000" y="-12700"/>
+            <a:ext cx="10464800" cy="1282700"/>
+          </a:xfrm>
+          <a:prstGeom prst="rect">
+            <a:avLst/>
+          </a:prstGeom>
+          <a:ln w="12700">
+            <a:miter lim="400000"/>
+          </a:ln>
+          <a:extLst>
+            <a:ext uri="{C572A759-6A51-4108-AA02-DFA0A04FC94B}">
+              <ma14:wrappingTextBoxFlag xmlns:ma14="http://schemas.microsoft.com/office/mac/drawingml/2011/main" val="1"/>
+            </a:ext>
+          </a:extLst>
+        </p:spPr>
+        <p:txBody>
+          <a:bodyPr lIns="50800" tIns="50800" rIns="50800" bIns="50800" anchor="ctr">
+            <a:normAutofit fontScale="100000" lnSpcReduction="0"/>
+          </a:bodyPr>
+          <a:lstStyle>
+            <a:lvl1pPr>
+              <a:defRPr sz="2600"/>
+            </a:lvl1pPr>
+          </a:lstStyle>
+          <a:p>
+            <a:pPr/>
+            <a:r>
+              <a:t>Requêtage SQL</a:t>
+            </a:r>
+          </a:p>
+        </p:txBody>
+      </p:sp>
+      <p:sp>
+        <p:nvSpPr>
+          <p:cNvPr id="271" name="SELECT COUNT([colonne1])…"/>
+          <p:cNvSpPr txBox="1"/>
+          <p:nvPr/>
+        </p:nvSpPr>
+        <p:spPr>
+          <a:xfrm>
+            <a:off x="427869" y="3701600"/>
+            <a:ext cx="5449169" cy="1481610"/>
+          </a:xfrm>
+          <a:prstGeom prst="rect">
+            <a:avLst/>
+          </a:prstGeom>
+          <a:ln w="12700">
+            <a:miter lim="400000"/>
+          </a:ln>
+          <a:extLst>
+            <a:ext uri="{C572A759-6A51-4108-AA02-DFA0A04FC94B}">
+              <ma14:wrappingTextBoxFlag xmlns:ma14="http://schemas.microsoft.com/office/mac/drawingml/2011/main" val="1"/>
+            </a:ext>
+          </a:extLst>
+        </p:spPr>
+        <p:txBody>
+          <a:bodyPr wrap="none" lIns="50800" tIns="50800" rIns="50800" bIns="50800">
+            <a:spAutoFit/>
+          </a:bodyPr>
+          <a:lstStyle/>
+          <a:p>
+            <a:pPr algn="l">
+              <a:defRPr sz="2800">
+                <a:solidFill>
+                  <a:srgbClr val="5A5F5E"/>
+                </a:solidFill>
+                <a:latin typeface="Monaco"/>
+                <a:ea typeface="Monaco"/>
+                <a:cs typeface="Monaco"/>
+                <a:sym typeface="Monaco"/>
+              </a:defRPr>
+            </a:pPr>
+            <a:r>
+              <a:t>SELECT COUNT([colonne1])</a:t>
+            </a:r>
+          </a:p>
+          <a:p>
+            <a:pPr algn="l">
+              <a:defRPr sz="2800">
+                <a:solidFill>
+                  <a:srgbClr val="5A5F5E"/>
+                </a:solidFill>
+                <a:latin typeface="Monaco"/>
+                <a:ea typeface="Monaco"/>
+                <a:cs typeface="Monaco"/>
+                <a:sym typeface="Monaco"/>
+              </a:defRPr>
+            </a:pPr>
+            <a:r>
+              <a:t>FROM [table]</a:t>
+            </a:r>
+          </a:p>
+          <a:p>
+            <a:pPr algn="l">
+              <a:defRPr sz="2800">
+                <a:solidFill>
+                  <a:srgbClr val="5A5F5E"/>
+                </a:solidFill>
+                <a:latin typeface="Monaco"/>
+                <a:ea typeface="Monaco"/>
+                <a:cs typeface="Monaco"/>
+                <a:sym typeface="Monaco"/>
+              </a:defRPr>
+            </a:pPr>
+            <a:r>
+              <a:t>WHERE [condition];</a:t>
+            </a:r>
+          </a:p>
+        </p:txBody>
+      </p:sp>
+      <p:sp>
+        <p:nvSpPr>
+          <p:cNvPr id="272" name="Récupérer des données"/>
+          <p:cNvSpPr txBox="1"/>
+          <p:nvPr/>
+        </p:nvSpPr>
+        <p:spPr>
+          <a:xfrm>
+            <a:off x="4311054" y="1598450"/>
+            <a:ext cx="4382692" cy="622301"/>
+          </a:xfrm>
+          <a:prstGeom prst="rect">
+            <a:avLst/>
+          </a:prstGeom>
+          <a:ln w="12700">
+            <a:miter lim="400000"/>
+          </a:ln>
+          <a:extLst>
+            <a:ext uri="{C572A759-6A51-4108-AA02-DFA0A04FC94B}">
+              <ma14:wrappingTextBoxFlag xmlns:ma14="http://schemas.microsoft.com/office/mac/drawingml/2011/main" val="1"/>
+            </a:ext>
+          </a:extLst>
+        </p:spPr>
+        <p:txBody>
+          <a:bodyPr wrap="none" lIns="50800" tIns="50800" rIns="50800" bIns="50800" anchor="ctr">
+            <a:spAutoFit/>
+          </a:bodyPr>
+          <a:lstStyle>
+            <a:lvl1pPr algn="l"/>
+          </a:lstStyle>
+          <a:p>
+            <a:pPr/>
+            <a:r>
+              <a:t>Récupérer des données</a:t>
+            </a:r>
+          </a:p>
+        </p:txBody>
+      </p:sp>
+      <p:sp>
+        <p:nvSpPr>
+          <p:cNvPr id="273" name="SELECT COUNT(nom)…"/>
+          <p:cNvSpPr txBox="1"/>
+          <p:nvPr/>
+        </p:nvSpPr>
+        <p:spPr>
+          <a:xfrm>
+            <a:off x="427869" y="3701600"/>
+            <a:ext cx="5022380" cy="1481610"/>
+          </a:xfrm>
+          <a:prstGeom prst="rect">
+            <a:avLst/>
+          </a:prstGeom>
+          <a:ln w="12700">
+            <a:miter lim="400000"/>
+          </a:ln>
+          <a:extLst>
+            <a:ext uri="{C572A759-6A51-4108-AA02-DFA0A04FC94B}">
+              <ma14:wrappingTextBoxFlag xmlns:ma14="http://schemas.microsoft.com/office/mac/drawingml/2011/main" val="1"/>
+            </a:ext>
+          </a:extLst>
+        </p:spPr>
+        <p:txBody>
+          <a:bodyPr wrap="none" lIns="50800" tIns="50800" rIns="50800" bIns="50800">
+            <a:spAutoFit/>
+          </a:bodyPr>
+          <a:lstStyle/>
+          <a:p>
+            <a:pPr algn="l">
+              <a:defRPr sz="2800">
+                <a:solidFill>
+                  <a:srgbClr val="5A5F5E"/>
+                </a:solidFill>
+                <a:latin typeface="Monaco"/>
+                <a:ea typeface="Monaco"/>
+                <a:cs typeface="Monaco"/>
+                <a:sym typeface="Monaco"/>
+              </a:defRPr>
+            </a:pPr>
+            <a:r>
+              <a:t>SELECT COUNT(nom)</a:t>
+            </a:r>
+          </a:p>
+          <a:p>
+            <a:pPr algn="l">
+              <a:defRPr sz="2800">
+                <a:solidFill>
+                  <a:srgbClr val="5A5F5E"/>
+                </a:solidFill>
+                <a:latin typeface="Monaco"/>
+                <a:ea typeface="Monaco"/>
+                <a:cs typeface="Monaco"/>
+                <a:sym typeface="Monaco"/>
+              </a:defRPr>
+            </a:pPr>
+            <a:r>
+              <a:t>FROM docs</a:t>
+            </a:r>
+          </a:p>
+          <a:p>
+            <a:pPr algn="l">
+              <a:defRPr sz="2800">
+                <a:solidFill>
+                  <a:srgbClr val="5A5F5E"/>
+                </a:solidFill>
+                <a:latin typeface="Monaco"/>
+                <a:ea typeface="Monaco"/>
+                <a:cs typeface="Monaco"/>
+                <a:sym typeface="Monaco"/>
+              </a:defRPr>
+            </a:pPr>
+            <a:r>
+              <a:t>WHERE nom = 'doc1.pdf';</a:t>
+            </a:r>
+          </a:p>
+        </p:txBody>
+      </p:sp>
+      <p:sp>
+        <p:nvSpPr>
+          <p:cNvPr id="274" name="Compter des résultats"/>
+          <p:cNvSpPr txBox="1"/>
+          <p:nvPr/>
+        </p:nvSpPr>
+        <p:spPr>
+          <a:xfrm>
+            <a:off x="409980" y="3057201"/>
+            <a:ext cx="4110336" cy="622301"/>
+          </a:xfrm>
+          <a:prstGeom prst="rect">
+            <a:avLst/>
+          </a:prstGeom>
+          <a:ln w="12700">
+            <a:miter lim="400000"/>
+          </a:ln>
+          <a:extLst>
+            <a:ext uri="{C572A759-6A51-4108-AA02-DFA0A04FC94B}">
+              <ma14:wrappingTextBoxFlag xmlns:ma14="http://schemas.microsoft.com/office/mac/drawingml/2011/main" val="1"/>
+            </a:ext>
+          </a:extLst>
+        </p:spPr>
+        <p:txBody>
+          <a:bodyPr wrap="none" lIns="50800" tIns="50800" rIns="50800" bIns="50800" anchor="ctr">
+            <a:spAutoFit/>
+          </a:bodyPr>
+          <a:lstStyle>
+            <a:lvl1pPr algn="l"/>
+          </a:lstStyle>
+          <a:p>
+            <a:pPr/>
+            <a:r>
+              <a:t>Compter des résultats</a:t>
+            </a:r>
+          </a:p>
+        </p:txBody>
+      </p:sp>
+      <p:sp>
+        <p:nvSpPr>
+          <p:cNvPr id="275" name="SELECT COUNT([colonne1]) AS [nom]…"/>
+          <p:cNvSpPr txBox="1"/>
+          <p:nvPr/>
+        </p:nvSpPr>
+        <p:spPr>
+          <a:xfrm>
+            <a:off x="427869" y="6114600"/>
+            <a:ext cx="7369722" cy="1481610"/>
+          </a:xfrm>
+          <a:prstGeom prst="rect">
+            <a:avLst/>
+          </a:prstGeom>
+          <a:ln w="12700">
+            <a:miter lim="400000"/>
+          </a:ln>
+          <a:extLst>
+            <a:ext uri="{C572A759-6A51-4108-AA02-DFA0A04FC94B}">
+              <ma14:wrappingTextBoxFlag xmlns:ma14="http://schemas.microsoft.com/office/mac/drawingml/2011/main" val="1"/>
+            </a:ext>
+          </a:extLst>
+        </p:spPr>
+        <p:txBody>
+          <a:bodyPr wrap="none" lIns="50800" tIns="50800" rIns="50800" bIns="50800">
+            <a:spAutoFit/>
+          </a:bodyPr>
+          <a:lstStyle/>
+          <a:p>
+            <a:pPr algn="l">
+              <a:defRPr sz="2800">
+                <a:solidFill>
+                  <a:srgbClr val="5A5F5E"/>
+                </a:solidFill>
+                <a:latin typeface="Monaco"/>
+                <a:ea typeface="Monaco"/>
+                <a:cs typeface="Monaco"/>
+                <a:sym typeface="Monaco"/>
+              </a:defRPr>
+            </a:pPr>
+            <a:r>
+              <a:t>SELECT COUNT([colonne1]) AS [nom]</a:t>
+            </a:r>
+          </a:p>
+          <a:p>
+            <a:pPr algn="l">
+              <a:defRPr sz="2800">
+                <a:solidFill>
+                  <a:srgbClr val="5A5F5E"/>
+                </a:solidFill>
+                <a:latin typeface="Monaco"/>
+                <a:ea typeface="Monaco"/>
+                <a:cs typeface="Monaco"/>
+                <a:sym typeface="Monaco"/>
+              </a:defRPr>
+            </a:pPr>
+            <a:r>
+              <a:t>FROM [table]</a:t>
+            </a:r>
+          </a:p>
+          <a:p>
+            <a:pPr algn="l">
+              <a:defRPr sz="2800">
+                <a:solidFill>
+                  <a:srgbClr val="5A5F5E"/>
+                </a:solidFill>
+                <a:latin typeface="Monaco"/>
+                <a:ea typeface="Monaco"/>
+                <a:cs typeface="Monaco"/>
+                <a:sym typeface="Monaco"/>
+              </a:defRPr>
+            </a:pPr>
+            <a:r>
+              <a:t>WHERE [condition];</a:t>
+            </a:r>
+          </a:p>
+        </p:txBody>
+      </p:sp>
+      <p:sp>
+        <p:nvSpPr>
+          <p:cNvPr id="276" name="SELECT COUNT(nom) AS nb…"/>
+          <p:cNvSpPr txBox="1"/>
+          <p:nvPr/>
+        </p:nvSpPr>
+        <p:spPr>
+          <a:xfrm>
+            <a:off x="427869" y="6114600"/>
+            <a:ext cx="5235774" cy="1481610"/>
+          </a:xfrm>
+          <a:prstGeom prst="rect">
+            <a:avLst/>
+          </a:prstGeom>
+          <a:ln w="12700">
+            <a:miter lim="400000"/>
+          </a:ln>
+          <a:extLst>
+            <a:ext uri="{C572A759-6A51-4108-AA02-DFA0A04FC94B}">
+              <ma14:wrappingTextBoxFlag xmlns:ma14="http://schemas.microsoft.com/office/mac/drawingml/2011/main" val="1"/>
+            </a:ext>
+          </a:extLst>
+        </p:spPr>
+        <p:txBody>
+          <a:bodyPr wrap="none" lIns="50800" tIns="50800" rIns="50800" bIns="50800">
+            <a:spAutoFit/>
+          </a:bodyPr>
+          <a:lstStyle/>
+          <a:p>
+            <a:pPr algn="l">
+              <a:defRPr sz="2800">
+                <a:solidFill>
+                  <a:srgbClr val="5A5F5E"/>
+                </a:solidFill>
+                <a:latin typeface="Monaco"/>
+                <a:ea typeface="Monaco"/>
+                <a:cs typeface="Monaco"/>
+                <a:sym typeface="Monaco"/>
+              </a:defRPr>
+            </a:pPr>
+            <a:r>
+              <a:t>SELECT COUNT(nom) AS nb</a:t>
+            </a:r>
+          </a:p>
+          <a:p>
+            <a:pPr algn="l">
+              <a:defRPr sz="2800">
+                <a:solidFill>
+                  <a:srgbClr val="5A5F5E"/>
+                </a:solidFill>
+                <a:latin typeface="Monaco"/>
+                <a:ea typeface="Monaco"/>
+                <a:cs typeface="Monaco"/>
+                <a:sym typeface="Monaco"/>
+              </a:defRPr>
+            </a:pPr>
+            <a:r>
+              <a:t>FROM docs</a:t>
+            </a:r>
+          </a:p>
+          <a:p>
+            <a:pPr algn="l">
+              <a:defRPr sz="2800">
+                <a:solidFill>
+                  <a:srgbClr val="5A5F5E"/>
+                </a:solidFill>
+                <a:latin typeface="Monaco"/>
+                <a:ea typeface="Monaco"/>
+                <a:cs typeface="Monaco"/>
+                <a:sym typeface="Monaco"/>
+              </a:defRPr>
+            </a:pPr>
+            <a:r>
+              <a:t>WHERE nom = 'doc1.pdf';</a:t>
+            </a:r>
+          </a:p>
+        </p:txBody>
+      </p:sp>
+      <p:sp>
+        <p:nvSpPr>
+          <p:cNvPr id="277" name="Renommer l’intitulé d’une colonne"/>
+          <p:cNvSpPr txBox="1"/>
+          <p:nvPr/>
+        </p:nvSpPr>
+        <p:spPr>
+          <a:xfrm>
+            <a:off x="409980" y="5470201"/>
+            <a:ext cx="6313067" cy="622301"/>
+          </a:xfrm>
+          <a:prstGeom prst="rect">
+            <a:avLst/>
+          </a:prstGeom>
+          <a:ln w="12700">
+            <a:miter lim="400000"/>
+          </a:ln>
+          <a:extLst>
+            <a:ext uri="{C572A759-6A51-4108-AA02-DFA0A04FC94B}">
+              <ma14:wrappingTextBoxFlag xmlns:ma14="http://schemas.microsoft.com/office/mac/drawingml/2011/main" val="1"/>
+            </a:ext>
+          </a:extLst>
+        </p:spPr>
+        <p:txBody>
+          <a:bodyPr wrap="none" lIns="50800" tIns="50800" rIns="50800" bIns="50800" anchor="ctr">
+            <a:spAutoFit/>
+          </a:bodyPr>
+          <a:lstStyle>
+            <a:lvl1pPr algn="l"/>
+          </a:lstStyle>
+          <a:p>
+            <a:pPr/>
+            <a:r>
+              <a:t>Renommer l’intitulé d’une colonne</a:t>
+            </a:r>
+          </a:p>
+        </p:txBody>
+      </p:sp>
+    </p:spTree>
+  </p:cSld>
+  <p:clrMapOvr>
+    <a:masterClrMapping/>
+  </p:clrMapOvr>
+  <p:transition xmlns:p14="http://schemas.microsoft.com/office/powerpoint/2010/main" spd="med" advClick="1"/>
+  <p:timing>
+    <p:tnLst>
+      <p:par>
+        <p:cTn id="1" nodeType="tmRoot" restart="never" dur="indefinite" fill="hold">
+          <p:childTnLst>
+            <p:seq concurrent="1" prevAc="none" nextAc="seek">
+              <p:cTn id="2" nodeType="mainSeq" dur="indefinite" fill="hold">
+                <p:childTnLst>
+                  <p:par>
+                    <p:cTn id="3" fill="hold">
+                      <p:stCondLst>
+                        <p:cond delay="indefinite"/>
+                      </p:stCondLst>
+                      <p:childTnLst>
+                        <p:par>
+                          <p:cTn id="4" fill="hold">
+                            <p:stCondLst>
+                              <p:cond delay="0"/>
+                            </p:stCondLst>
+                            <p:childTnLst>
+                              <p:par>
+                                <p:cTn id="5" presetClass="emph" nodeType="clickEffect" presetID="9" grpId="1" fill="hold">
+                                  <p:stCondLst>
+                                    <p:cond delay="0"/>
+                                  </p:stCondLst>
+                                  <p:childTnLst>
+                                    <p:set>
+                                      <p:cBhvr>
+                                        <p:cTn id="6" dur="indefinite" fill="hold"/>
+                                        <p:tgtEl>
+                                          <p:spTgt spid="271"/>
+                                        </p:tgtEl>
+                                        <p:attrNameLst>
+                                          <p:attrName>style.opacity</p:attrName>
+                                        </p:attrNameLst>
+                                      </p:cBhvr>
+                                      <p:to>
+                                        <p:strVal val="0.00"/>
+                                      </p:to>
+                                    </p:set>
+                                    <p:animEffect filter="image" prLst="opacity: 0.00; ">
+                                      <p:cBhvr>
+                                        <p:cTn id="7" dur="indefinite" fill="hold"/>
+                                        <p:tgtEl>
+                                          <p:spTgt spid="271"/>
+                                        </p:tgtEl>
+                                      </p:cBhvr>
+                                    </p:animEffect>
+                                  </p:childTnLst>
+                                </p:cTn>
+                              </p:par>
+                            </p:childTnLst>
+                          </p:cTn>
+                        </p:par>
+                        <p:par>
+                          <p:cTn id="8" fill="hold">
+                            <p:stCondLst>
+                              <p:cond delay="300"/>
+                            </p:stCondLst>
+                            <p:childTnLst>
+                              <p:par>
+                                <p:cTn id="9" presetClass="entr" nodeType="afterEffect" presetID="9" grpId="2" fill="hold">
+                                  <p:stCondLst>
+                                    <p:cond delay="0"/>
+                                  </p:stCondLst>
+                                  <p:iterate type="el" backwards="0">
+                                    <p:tmAbs val="0"/>
+                                  </p:iterate>
+                                  <p:childTnLst>
+                                    <p:set>
+                                      <p:cBhvr>
+                                        <p:cTn id="10" fill="hold"/>
+                                        <p:tgtEl>
+                                          <p:spTgt spid="273"/>
+                                        </p:tgtEl>
+                                        <p:attrNameLst>
+                                          <p:attrName>style.visibility</p:attrName>
+                                        </p:attrNameLst>
+                                      </p:cBhvr>
+                                      <p:to>
+                                        <p:strVal val="visible"/>
+                                      </p:to>
+                                    </p:set>
+                                    <p:animEffect filter="dissolve" transition="in">
+                                      <p:cBhvr>
+                                        <p:cTn id="11" dur="300"/>
+                                        <p:tgtEl>
+                                          <p:spTgt spid="273"/>
+                                        </p:tgtEl>
+                                      </p:cBhvr>
+                                    </p:animEffect>
+                                  </p:childTnLst>
+                                </p:cTn>
+                              </p:par>
+                            </p:childTnLst>
+                          </p:cTn>
+                        </p:par>
+                      </p:childTnLst>
+                    </p:cTn>
+                  </p:par>
+                  <p:par>
+                    <p:cTn id="12" fill="hold">
+                      <p:stCondLst>
+                        <p:cond delay="indefinite"/>
+                      </p:stCondLst>
+                      <p:childTnLst>
+                        <p:par>
+                          <p:cTn id="13" fill="hold">
+                            <p:stCondLst>
+                              <p:cond delay="0"/>
+                            </p:stCondLst>
+                            <p:childTnLst>
+                              <p:par>
+                                <p:cTn id="14" presetClass="entr" nodeType="clickEffect" presetID="9" grpId="3" fill="hold">
+                                  <p:stCondLst>
+                                    <p:cond delay="0"/>
+                                  </p:stCondLst>
+                                  <p:iterate type="el" backwards="0">
+                                    <p:tmAbs val="0"/>
+                                  </p:iterate>
+                                  <p:childTnLst>
+                                    <p:set>
+                                      <p:cBhvr>
+                                        <p:cTn id="15" fill="hold"/>
+                                        <p:tgtEl>
+                                          <p:spTgt spid="277"/>
+                                        </p:tgtEl>
+                                        <p:attrNameLst>
+                                          <p:attrName>style.visibility</p:attrName>
+                                        </p:attrNameLst>
+                                      </p:cBhvr>
+                                      <p:to>
+                                        <p:strVal val="visible"/>
+                                      </p:to>
+                                    </p:set>
+                                    <p:animEffect filter="dissolve" transition="in">
+                                      <p:cBhvr>
+                                        <p:cTn id="16" dur="300"/>
+                                        <p:tgtEl>
+                                          <p:spTgt spid="277"/>
+                                        </p:tgtEl>
+                                      </p:cBhvr>
+                                    </p:animEffect>
+                                  </p:childTnLst>
+                                </p:cTn>
+                              </p:par>
+                            </p:childTnLst>
+                          </p:cTn>
+                        </p:par>
+                        <p:par>
+                          <p:cTn id="17" fill="hold">
+                            <p:stCondLst>
+                              <p:cond delay="300"/>
+                            </p:stCondLst>
+                            <p:childTnLst>
+                              <p:par>
+                                <p:cTn id="18" presetClass="entr" nodeType="afterEffect" presetID="9" grpId="4" fill="hold">
+                                  <p:stCondLst>
+                                    <p:cond delay="0"/>
+                                  </p:stCondLst>
+                                  <p:iterate type="el" backwards="0">
+                                    <p:tmAbs val="0"/>
+                                  </p:iterate>
+                                  <p:childTnLst>
+                                    <p:set>
+                                      <p:cBhvr>
+                                        <p:cTn id="19" fill="hold"/>
+                                        <p:tgtEl>
+                                          <p:spTgt spid="275"/>
+                                        </p:tgtEl>
+                                        <p:attrNameLst>
+                                          <p:attrName>style.visibility</p:attrName>
+                                        </p:attrNameLst>
+                                      </p:cBhvr>
+                                      <p:to>
+                                        <p:strVal val="visible"/>
+                                      </p:to>
+                                    </p:set>
+                                    <p:animEffect filter="dissolve" transition="in">
+                                      <p:cBhvr>
+                                        <p:cTn id="20" dur="300"/>
+                                        <p:tgtEl>
+                                          <p:spTgt spid="275"/>
+                                        </p:tgtEl>
+                                      </p:cBhvr>
+                                    </p:animEffect>
+                                  </p:childTnLst>
+                                </p:cTn>
+                              </p:par>
+                            </p:childTnLst>
+                          </p:cTn>
+                        </p:par>
+                      </p:childTnLst>
+                    </p:cTn>
+                  </p:par>
+                  <p:par>
+                    <p:cTn id="21" fill="hold">
+                      <p:stCondLst>
+                        <p:cond delay="indefinite"/>
+                      </p:stCondLst>
+                      <p:childTnLst>
+                        <p:par>
+                          <p:cTn id="22" fill="hold">
+                            <p:stCondLst>
+                              <p:cond delay="0"/>
+                            </p:stCondLst>
+                            <p:childTnLst>
+                              <p:par>
+                                <p:cTn id="23" presetClass="emph" nodeType="clickEffect" presetID="9" grpId="5" fill="hold">
+                                  <p:stCondLst>
+                                    <p:cond delay="0"/>
+                                  </p:stCondLst>
+                                  <p:childTnLst>
+                                    <p:set>
+                                      <p:cBhvr>
+                                        <p:cTn id="24" dur="indefinite" fill="hold"/>
+                                        <p:tgtEl>
+                                          <p:spTgt spid="275"/>
+                                        </p:tgtEl>
+                                        <p:attrNameLst>
+                                          <p:attrName>style.opacity</p:attrName>
+                                        </p:attrNameLst>
+                                      </p:cBhvr>
+                                      <p:to>
+                                        <p:strVal val="0.00"/>
+                                      </p:to>
+                                    </p:set>
+                                    <p:animEffect filter="image" prLst="opacity: 0.00; ">
+                                      <p:cBhvr>
+                                        <p:cTn id="25" dur="indefinite" fill="hold"/>
+                                        <p:tgtEl>
+                                          <p:spTgt spid="275"/>
+                                        </p:tgtEl>
+                                      </p:cBhvr>
+                                    </p:animEffect>
+                                  </p:childTnLst>
+                                </p:cTn>
+                              </p:par>
+                            </p:childTnLst>
+                          </p:cTn>
+                        </p:par>
+                        <p:par>
+                          <p:cTn id="26" fill="hold">
+                            <p:stCondLst>
+                              <p:cond delay="300"/>
+                            </p:stCondLst>
+                            <p:childTnLst>
+                              <p:par>
+                                <p:cTn id="27" presetClass="entr" nodeType="afterEffect" presetID="9" grpId="6" fill="hold">
+                                  <p:stCondLst>
+                                    <p:cond delay="0"/>
+                                  </p:stCondLst>
+                                  <p:iterate type="el" backwards="0">
+                                    <p:tmAbs val="0"/>
+                                  </p:iterate>
+                                  <p:childTnLst>
+                                    <p:set>
+                                      <p:cBhvr>
+                                        <p:cTn id="28" fill="hold"/>
+                                        <p:tgtEl>
+                                          <p:spTgt spid="276"/>
+                                        </p:tgtEl>
+                                        <p:attrNameLst>
+                                          <p:attrName>style.visibility</p:attrName>
+                                        </p:attrNameLst>
+                                      </p:cBhvr>
+                                      <p:to>
+                                        <p:strVal val="visible"/>
+                                      </p:to>
+                                    </p:set>
+                                    <p:animEffect filter="dissolve" transition="in">
+                                      <p:cBhvr>
+                                        <p:cTn id="29" dur="300"/>
+                                        <p:tgtEl>
+                                          <p:spTgt spid="276"/>
+                                        </p:tgtEl>
+                                      </p:cBhvr>
+                                    </p:animEffect>
+                                  </p:childTnLst>
+                                </p:cTn>
+                              </p:par>
+                            </p:childTnLst>
+                          </p:cTn>
+                        </p:par>
+                      </p:childTnLst>
+                    </p:cTn>
+                  </p:par>
+                </p:childTnLst>
+              </p:cTn>
+              <p:prevCondLst>
+                <p:cond evt="onPrev">
+                  <p:tgtEl>
+                    <p:sldTgt/>
+                  </p:tgtEl>
+                </p:cond>
+              </p:prevCondLst>
+              <p:nextCondLst>
+                <p:cond evt="onNext">
+                  <p:tgtEl>
+                    <p:sldTgt/>
+                  </p:tgtEl>
+                </p:cond>
+              </p:nextCondLst>
+            </p:seq>
+          </p:childTnLst>
+        </p:cTn>
+      </p:par>
+    </p:tnLst>
+    <p:bldLst>
+      <p:bldP build="whole" bldLvl="1" animBg="1" rev="0" advAuto="0" spid="275" grpId="5"/>
+      <p:bldP build="whole" bldLvl="1" animBg="1" rev="0" advAuto="0" spid="273" grpId="2"/>
+      <p:bldP build="whole" bldLvl="1" animBg="1" rev="0" advAuto="0" spid="277" grpId="3"/>
+      <p:bldP build="whole" bldLvl="1" animBg="1" rev="0" advAuto="0" spid="276" grpId="6"/>
+      <p:bldP build="whole" bldLvl="1" animBg="1" rev="0" advAuto="0" spid="271" grpId="1"/>
+      <p:bldP build="whole" bldLvl="1" animBg="1" rev="0" advAuto="0" spid="275" grpId="4"/>
+    </p:bldLst>
+  </p:timing>
+</p:sld>
+</file>
+
+<file path=ppt/slides/slide24.xml><?xml version="1.0" encoding="utf-8"?>
+<p:sld xmlns:a="http://schemas.openxmlformats.org/drawingml/2006/main" xmlns:r="http://schemas.openxmlformats.org/officeDocument/2006/relationships" xmlns:p="http://schemas.openxmlformats.org/presentationml/2006/main" xmlns:m="http://schemas.openxmlformats.org/officeDocument/2006/math" xmlns:a14="http://schemas.microsoft.com/office/drawing/2010/main" showMasterSp="1" showMasterPhAnim="1">
+  <p:cSld>
+    <p:spTree>
+      <p:nvGrpSpPr>
+        <p:cNvPr id="1" name=""/>
+        <p:cNvGrpSpPr/>
+        <p:nvPr/>
+      </p:nvGrpSpPr>
+      <p:grpSpPr>
+        <a:xfrm>
+          <a:off x="0" y="0"/>
+          <a:ext cx="0" cy="0"/>
+          <a:chOff x="0" y="0"/>
+          <a:chExt cx="0" cy="0"/>
+        </a:xfrm>
+      </p:grpSpPr>
+      <p:sp>
+        <p:nvSpPr>
+          <p:cNvPr id="281" name="Requêtage SQL"/>
+          <p:cNvSpPr txBox="1"/>
+          <p:nvPr/>
+        </p:nvSpPr>
+        <p:spPr>
+          <a:xfrm>
+            <a:off x="1270000" y="-12700"/>
+            <a:ext cx="10464800" cy="1282700"/>
+          </a:xfrm>
+          <a:prstGeom prst="rect">
+            <a:avLst/>
+          </a:prstGeom>
+          <a:ln w="12700">
+            <a:miter lim="400000"/>
+          </a:ln>
+          <a:extLst>
+            <a:ext uri="{C572A759-6A51-4108-AA02-DFA0A04FC94B}">
+              <ma14:wrappingTextBoxFlag xmlns:ma14="http://schemas.microsoft.com/office/mac/drawingml/2011/main" val="1"/>
+            </a:ext>
+          </a:extLst>
+        </p:spPr>
+        <p:txBody>
+          <a:bodyPr lIns="50800" tIns="50800" rIns="50800" bIns="50800" anchor="ctr">
+            <a:normAutofit fontScale="100000" lnSpcReduction="0"/>
+          </a:bodyPr>
+          <a:lstStyle>
+            <a:lvl1pPr>
+              <a:defRPr sz="2600"/>
+            </a:lvl1pPr>
+          </a:lstStyle>
+          <a:p>
+            <a:pPr/>
+            <a:r>
+              <a:t>Requêtage SQL</a:t>
+            </a:r>
+          </a:p>
+        </p:txBody>
+      </p:sp>
+      <p:sp>
+        <p:nvSpPr>
+          <p:cNvPr id="282" name="SELECT COUNT([colonne1]), [colonne1]…"/>
+          <p:cNvSpPr txBox="1"/>
+          <p:nvPr/>
+        </p:nvSpPr>
+        <p:spPr>
+          <a:xfrm>
+            <a:off x="427869" y="3193600"/>
+            <a:ext cx="8009906" cy="1951510"/>
+          </a:xfrm>
+          <a:prstGeom prst="rect">
+            <a:avLst/>
+          </a:prstGeom>
+          <a:ln w="12700">
+            <a:miter lim="400000"/>
+          </a:ln>
+          <a:extLst>
+            <a:ext uri="{C572A759-6A51-4108-AA02-DFA0A04FC94B}">
+              <ma14:wrappingTextBoxFlag xmlns:ma14="http://schemas.microsoft.com/office/mac/drawingml/2011/main" val="1"/>
+            </a:ext>
+          </a:extLst>
+        </p:spPr>
+        <p:txBody>
+          <a:bodyPr wrap="none" lIns="50800" tIns="50800" rIns="50800" bIns="50800">
+            <a:spAutoFit/>
+          </a:bodyPr>
+          <a:lstStyle/>
+          <a:p>
+            <a:pPr algn="l">
+              <a:defRPr sz="2800">
+                <a:solidFill>
+                  <a:srgbClr val="5A5F5E"/>
+                </a:solidFill>
+                <a:latin typeface="Monaco"/>
+                <a:ea typeface="Monaco"/>
+                <a:cs typeface="Monaco"/>
+                <a:sym typeface="Monaco"/>
+              </a:defRPr>
+            </a:pPr>
+            <a:r>
+              <a:t>SELECT COUNT([colonne1]), [colonne1]</a:t>
+            </a:r>
+          </a:p>
+          <a:p>
+            <a:pPr algn="l">
+              <a:defRPr sz="2800">
+                <a:solidFill>
+                  <a:srgbClr val="5A5F5E"/>
+                </a:solidFill>
+                <a:latin typeface="Monaco"/>
+                <a:ea typeface="Monaco"/>
+                <a:cs typeface="Monaco"/>
+                <a:sym typeface="Monaco"/>
+              </a:defRPr>
+            </a:pPr>
+            <a:r>
+              <a:t>FROM [table]</a:t>
+            </a:r>
+          </a:p>
+          <a:p>
+            <a:pPr algn="l">
+              <a:defRPr sz="2800">
+                <a:solidFill>
+                  <a:srgbClr val="5A5F5E"/>
+                </a:solidFill>
+                <a:latin typeface="Monaco"/>
+                <a:ea typeface="Monaco"/>
+                <a:cs typeface="Monaco"/>
+                <a:sym typeface="Monaco"/>
+              </a:defRPr>
+            </a:pPr>
+            <a:r>
+              <a:t>WHERE [condition]</a:t>
+            </a:r>
+          </a:p>
+          <a:p>
+            <a:pPr algn="l">
+              <a:defRPr sz="2800">
+                <a:solidFill>
+                  <a:srgbClr val="5A5F5E"/>
+                </a:solidFill>
+                <a:latin typeface="Monaco"/>
+                <a:ea typeface="Monaco"/>
+                <a:cs typeface="Monaco"/>
+                <a:sym typeface="Monaco"/>
+              </a:defRPr>
+            </a:pPr>
+            <a:r>
+              <a:t>GROUP BY [colonne1];</a:t>
+            </a:r>
+          </a:p>
+        </p:txBody>
+      </p:sp>
+      <p:sp>
+        <p:nvSpPr>
+          <p:cNvPr id="283" name="Récupérer des données"/>
+          <p:cNvSpPr txBox="1"/>
+          <p:nvPr/>
+        </p:nvSpPr>
+        <p:spPr>
+          <a:xfrm>
+            <a:off x="4311054" y="1598450"/>
+            <a:ext cx="4382692" cy="622301"/>
+          </a:xfrm>
+          <a:prstGeom prst="rect">
+            <a:avLst/>
+          </a:prstGeom>
+          <a:ln w="12700">
+            <a:miter lim="400000"/>
+          </a:ln>
+          <a:extLst>
+            <a:ext uri="{C572A759-6A51-4108-AA02-DFA0A04FC94B}">
+              <ma14:wrappingTextBoxFlag xmlns:ma14="http://schemas.microsoft.com/office/mac/drawingml/2011/main" val="1"/>
+            </a:ext>
+          </a:extLst>
+        </p:spPr>
+        <p:txBody>
+          <a:bodyPr wrap="none" lIns="50800" tIns="50800" rIns="50800" bIns="50800" anchor="ctr">
+            <a:spAutoFit/>
+          </a:bodyPr>
+          <a:lstStyle>
+            <a:lvl1pPr algn="l"/>
+          </a:lstStyle>
+          <a:p>
+            <a:pPr/>
+            <a:r>
+              <a:t>Récupérer des données</a:t>
+            </a:r>
+          </a:p>
+        </p:txBody>
+      </p:sp>
+      <p:sp>
+        <p:nvSpPr>
+          <p:cNvPr id="284" name="SELECT COUNT(nom), nom…"/>
+          <p:cNvSpPr txBox="1"/>
+          <p:nvPr/>
+        </p:nvSpPr>
+        <p:spPr>
+          <a:xfrm>
+            <a:off x="427869" y="3193600"/>
+            <a:ext cx="5022380" cy="1951510"/>
+          </a:xfrm>
+          <a:prstGeom prst="rect">
+            <a:avLst/>
+          </a:prstGeom>
+          <a:ln w="12700">
+            <a:miter lim="400000"/>
+          </a:ln>
+          <a:extLst>
+            <a:ext uri="{C572A759-6A51-4108-AA02-DFA0A04FC94B}">
+              <ma14:wrappingTextBoxFlag xmlns:ma14="http://schemas.microsoft.com/office/mac/drawingml/2011/main" val="1"/>
+            </a:ext>
+          </a:extLst>
+        </p:spPr>
+        <p:txBody>
+          <a:bodyPr wrap="none" lIns="50800" tIns="50800" rIns="50800" bIns="50800">
+            <a:spAutoFit/>
+          </a:bodyPr>
+          <a:lstStyle/>
+          <a:p>
+            <a:pPr algn="l">
+              <a:defRPr sz="2800">
+                <a:solidFill>
+                  <a:srgbClr val="5A5F5E"/>
+                </a:solidFill>
+                <a:latin typeface="Monaco"/>
+                <a:ea typeface="Monaco"/>
+                <a:cs typeface="Monaco"/>
+                <a:sym typeface="Monaco"/>
+              </a:defRPr>
+            </a:pPr>
+            <a:r>
+              <a:t>SELECT COUNT(nom), nom</a:t>
+            </a:r>
+          </a:p>
+          <a:p>
+            <a:pPr algn="l">
+              <a:defRPr sz="2800">
+                <a:solidFill>
+                  <a:srgbClr val="5A5F5E"/>
+                </a:solidFill>
+                <a:latin typeface="Monaco"/>
+                <a:ea typeface="Monaco"/>
+                <a:cs typeface="Monaco"/>
+                <a:sym typeface="Monaco"/>
+              </a:defRPr>
+            </a:pPr>
+            <a:r>
+              <a:t>FROM docs</a:t>
+            </a:r>
+          </a:p>
+          <a:p>
+            <a:pPr algn="l">
+              <a:defRPr sz="2800">
+                <a:solidFill>
+                  <a:srgbClr val="5A5F5E"/>
+                </a:solidFill>
+                <a:latin typeface="Monaco"/>
+                <a:ea typeface="Monaco"/>
+                <a:cs typeface="Monaco"/>
+                <a:sym typeface="Monaco"/>
+              </a:defRPr>
+            </a:pPr>
+            <a:r>
+              <a:t>WHERE nom = 'doc1.pdf'</a:t>
+            </a:r>
+          </a:p>
+          <a:p>
+            <a:pPr algn="l">
+              <a:defRPr sz="2800">
+                <a:solidFill>
+                  <a:srgbClr val="5A5F5E"/>
+                </a:solidFill>
+                <a:latin typeface="Monaco"/>
+                <a:ea typeface="Monaco"/>
+                <a:cs typeface="Monaco"/>
+                <a:sym typeface="Monaco"/>
+              </a:defRPr>
+            </a:pPr>
+            <a:r>
+              <a:t>GROUP BY nom;</a:t>
+            </a:r>
+          </a:p>
+        </p:txBody>
+      </p:sp>
+      <p:sp>
+        <p:nvSpPr>
+          <p:cNvPr id="285" name="Connaitre le nombre de doublons"/>
+          <p:cNvSpPr txBox="1"/>
+          <p:nvPr/>
+        </p:nvSpPr>
+        <p:spPr>
+          <a:xfrm>
+            <a:off x="409980" y="2549201"/>
+            <a:ext cx="6254801" cy="622301"/>
+          </a:xfrm>
+          <a:prstGeom prst="rect">
+            <a:avLst/>
+          </a:prstGeom>
+          <a:ln w="12700">
+            <a:miter lim="400000"/>
+          </a:ln>
+          <a:extLst>
+            <a:ext uri="{C572A759-6A51-4108-AA02-DFA0A04FC94B}">
+              <ma14:wrappingTextBoxFlag xmlns:ma14="http://schemas.microsoft.com/office/mac/drawingml/2011/main" val="1"/>
+            </a:ext>
+          </a:extLst>
+        </p:spPr>
+        <p:txBody>
+          <a:bodyPr wrap="none" lIns="50800" tIns="50800" rIns="50800" bIns="50800" anchor="ctr">
+            <a:spAutoFit/>
+          </a:bodyPr>
+          <a:lstStyle>
+            <a:lvl1pPr algn="l"/>
+          </a:lstStyle>
+          <a:p>
+            <a:pPr/>
+            <a:r>
+              <a:t>Connaitre le nombre de doublons</a:t>
+            </a:r>
+          </a:p>
+        </p:txBody>
+      </p:sp>
+      <p:sp>
+        <p:nvSpPr>
+          <p:cNvPr id="286" name="SELECT DISTINCT [colonne1], [colonne2]…"/>
+          <p:cNvSpPr txBox="1"/>
+          <p:nvPr/>
+        </p:nvSpPr>
+        <p:spPr>
+          <a:xfrm>
+            <a:off x="427869" y="6241600"/>
+            <a:ext cx="8436695" cy="1481610"/>
+          </a:xfrm>
+          <a:prstGeom prst="rect">
+            <a:avLst/>
+          </a:prstGeom>
+          <a:ln w="12700">
+            <a:miter lim="400000"/>
+          </a:ln>
+          <a:extLst>
+            <a:ext uri="{C572A759-6A51-4108-AA02-DFA0A04FC94B}">
+              <ma14:wrappingTextBoxFlag xmlns:ma14="http://schemas.microsoft.com/office/mac/drawingml/2011/main" val="1"/>
+            </a:ext>
+          </a:extLst>
+        </p:spPr>
+        <p:txBody>
+          <a:bodyPr wrap="none" lIns="50800" tIns="50800" rIns="50800" bIns="50800">
+            <a:spAutoFit/>
+          </a:bodyPr>
+          <a:lstStyle/>
+          <a:p>
+            <a:pPr algn="l">
+              <a:defRPr sz="2800">
+                <a:solidFill>
+                  <a:srgbClr val="5A5F5E"/>
+                </a:solidFill>
+                <a:latin typeface="Monaco"/>
+                <a:ea typeface="Monaco"/>
+                <a:cs typeface="Monaco"/>
+                <a:sym typeface="Monaco"/>
+              </a:defRPr>
+            </a:pPr>
+            <a:r>
+              <a:t>SELECT DISTINCT [colonne1], [colonne2]</a:t>
+            </a:r>
+          </a:p>
+          <a:p>
+            <a:pPr algn="l">
+              <a:defRPr sz="2800">
+                <a:solidFill>
+                  <a:srgbClr val="5A5F5E"/>
+                </a:solidFill>
+                <a:latin typeface="Monaco"/>
+                <a:ea typeface="Monaco"/>
+                <a:cs typeface="Monaco"/>
+                <a:sym typeface="Monaco"/>
+              </a:defRPr>
+            </a:pPr>
+            <a:r>
+              <a:t>FROM [table]</a:t>
+            </a:r>
+          </a:p>
+          <a:p>
+            <a:pPr algn="l">
+              <a:defRPr sz="2800">
+                <a:solidFill>
+                  <a:srgbClr val="5A5F5E"/>
+                </a:solidFill>
+                <a:latin typeface="Monaco"/>
+                <a:ea typeface="Monaco"/>
+                <a:cs typeface="Monaco"/>
+                <a:sym typeface="Monaco"/>
+              </a:defRPr>
+            </a:pPr>
+            <a:r>
+              <a:rPr>
+                <a:solidFill>
+                  <a:srgbClr val="808785"/>
+                </a:solidFill>
+              </a:rPr>
+              <a:t>WHERE [condition]</a:t>
+            </a:r>
+            <a:r>
+              <a:t>;</a:t>
+            </a:r>
+          </a:p>
+        </p:txBody>
+      </p:sp>
+      <p:sp>
+        <p:nvSpPr>
+          <p:cNvPr id="287" name="SELECT DISTINCT nom, path…"/>
+          <p:cNvSpPr txBox="1"/>
+          <p:nvPr/>
+        </p:nvSpPr>
+        <p:spPr>
+          <a:xfrm>
+            <a:off x="427869" y="6241600"/>
+            <a:ext cx="5662564" cy="1011710"/>
+          </a:xfrm>
+          <a:prstGeom prst="rect">
+            <a:avLst/>
+          </a:prstGeom>
+          <a:ln w="12700">
+            <a:miter lim="400000"/>
+          </a:ln>
+          <a:extLst>
+            <a:ext uri="{C572A759-6A51-4108-AA02-DFA0A04FC94B}">
+              <ma14:wrappingTextBoxFlag xmlns:ma14="http://schemas.microsoft.com/office/mac/drawingml/2011/main" val="1"/>
+            </a:ext>
+          </a:extLst>
+        </p:spPr>
+        <p:txBody>
+          <a:bodyPr wrap="none" lIns="50800" tIns="50800" rIns="50800" bIns="50800">
+            <a:spAutoFit/>
+          </a:bodyPr>
+          <a:lstStyle/>
+          <a:p>
+            <a:pPr algn="l">
+              <a:defRPr sz="2800">
+                <a:solidFill>
+                  <a:srgbClr val="5A5F5E"/>
+                </a:solidFill>
+                <a:latin typeface="Monaco"/>
+                <a:ea typeface="Monaco"/>
+                <a:cs typeface="Monaco"/>
+                <a:sym typeface="Monaco"/>
+              </a:defRPr>
+            </a:pPr>
+            <a:r>
+              <a:t>SELECT DISTINCT nom, path</a:t>
+            </a:r>
+          </a:p>
+          <a:p>
+            <a:pPr algn="l">
+              <a:defRPr sz="2800">
+                <a:solidFill>
+                  <a:srgbClr val="5A5F5E"/>
+                </a:solidFill>
+                <a:latin typeface="Monaco"/>
+                <a:ea typeface="Monaco"/>
+                <a:cs typeface="Monaco"/>
+                <a:sym typeface="Monaco"/>
+              </a:defRPr>
+            </a:pPr>
+            <a:r>
+              <a:t>FROM docs;</a:t>
+            </a:r>
+          </a:p>
+        </p:txBody>
+      </p:sp>
+      <p:sp>
+        <p:nvSpPr>
+          <p:cNvPr id="288" name="Ne pas récupérer les doublons dans un résultat"/>
+          <p:cNvSpPr txBox="1"/>
+          <p:nvPr/>
+        </p:nvSpPr>
+        <p:spPr>
+          <a:xfrm>
+            <a:off x="409980" y="5597201"/>
+            <a:ext cx="8620945" cy="622301"/>
+          </a:xfrm>
+          <a:prstGeom prst="rect">
+            <a:avLst/>
+          </a:prstGeom>
+          <a:ln w="12700">
+            <a:miter lim="400000"/>
+          </a:ln>
+          <a:extLst>
+            <a:ext uri="{C572A759-6A51-4108-AA02-DFA0A04FC94B}">
+              <ma14:wrappingTextBoxFlag xmlns:ma14="http://schemas.microsoft.com/office/mac/drawingml/2011/main" val="1"/>
+            </a:ext>
+          </a:extLst>
+        </p:spPr>
+        <p:txBody>
+          <a:bodyPr wrap="none" lIns="50800" tIns="50800" rIns="50800" bIns="50800" anchor="ctr">
+            <a:spAutoFit/>
+          </a:bodyPr>
+          <a:lstStyle>
+            <a:lvl1pPr algn="l"/>
+          </a:lstStyle>
+          <a:p>
+            <a:pPr/>
+            <a:r>
+              <a:t>Ne pas récupérer les doublons dans un résultat</a:t>
+            </a:r>
+          </a:p>
+        </p:txBody>
+      </p:sp>
+      <p:sp>
+        <p:nvSpPr>
+          <p:cNvPr id="289" name="⚠️ DISTINCT se base seulement sur les champs listés dans le select"/>
+          <p:cNvSpPr txBox="1"/>
+          <p:nvPr/>
+        </p:nvSpPr>
+        <p:spPr>
+          <a:xfrm>
+            <a:off x="412623" y="7600815"/>
+            <a:ext cx="11158231" cy="571501"/>
+          </a:xfrm>
+          <a:prstGeom prst="rect">
+            <a:avLst/>
+          </a:prstGeom>
+          <a:ln w="12700">
+            <a:miter lim="400000"/>
+          </a:ln>
+          <a:extLst>
+            <a:ext uri="{C572A759-6A51-4108-AA02-DFA0A04FC94B}">
+              <ma14:wrappingTextBoxFlag xmlns:ma14="http://schemas.microsoft.com/office/mac/drawingml/2011/main" val="1"/>
+            </a:ext>
+          </a:extLst>
+        </p:spPr>
+        <p:txBody>
+          <a:bodyPr lIns="50800" tIns="50800" rIns="50800" bIns="50800" anchor="ctr">
+            <a:spAutoFit/>
+          </a:bodyPr>
+          <a:lstStyle>
+            <a:lvl1pPr algn="l">
+              <a:spcBef>
+                <a:spcPts val="3800"/>
+              </a:spcBef>
+              <a:defRPr sz="2800"/>
+            </a:lvl1pPr>
+          </a:lstStyle>
+          <a:p>
+            <a:pPr/>
+            <a:r>
+              <a:t>⚠️ DISTINCT se base seulement sur les champs listés dans le select</a:t>
+            </a:r>
+          </a:p>
+        </p:txBody>
+      </p:sp>
+    </p:spTree>
+  </p:cSld>
+  <p:clrMapOvr>
+    <a:masterClrMapping/>
+  </p:clrMapOvr>
+  <p:transition xmlns:p14="http://schemas.microsoft.com/office/powerpoint/2010/main" spd="med" advClick="1"/>
+  <p:timing>
+    <p:tnLst>
+      <p:par>
+        <p:cTn id="1" nodeType="tmRoot" restart="never" dur="indefinite" fill="hold">
+          <p:childTnLst>
+            <p:seq concurrent="1" prevAc="none" nextAc="seek">
+              <p:cTn id="2" nodeType="mainSeq" dur="indefinite" fill="hold">
+                <p:childTnLst>
+                  <p:par>
+                    <p:cTn id="3" fill="hold">
+                      <p:stCondLst>
+                        <p:cond delay="indefinite"/>
+                      </p:stCondLst>
+                      <p:childTnLst>
+                        <p:par>
+                          <p:cTn id="4" fill="hold">
+                            <p:stCondLst>
+                              <p:cond delay="0"/>
+                            </p:stCondLst>
+                            <p:childTnLst>
+                              <p:par>
+                                <p:cTn id="5" presetClass="emph" nodeType="clickEffect" presetID="9" grpId="1" fill="hold">
+                                  <p:stCondLst>
+                                    <p:cond delay="0"/>
+                                  </p:stCondLst>
+                                  <p:childTnLst>
+                                    <p:set>
+                                      <p:cBhvr>
+                                        <p:cTn id="6" dur="indefinite" fill="hold"/>
+                                        <p:tgtEl>
+                                          <p:spTgt spid="282"/>
+                                        </p:tgtEl>
+                                        <p:attrNameLst>
+                                          <p:attrName>style.opacity</p:attrName>
+                                        </p:attrNameLst>
+                                      </p:cBhvr>
+                                      <p:to>
+                                        <p:strVal val="0.00"/>
+                                      </p:to>
+                                    </p:set>
+                                    <p:animEffect filter="image" prLst="opacity: 0.00; ">
+                                      <p:cBhvr>
+                                        <p:cTn id="7" dur="indefinite" fill="hold"/>
+                                        <p:tgtEl>
+                                          <p:spTgt spid="282"/>
+                                        </p:tgtEl>
+                                      </p:cBhvr>
+                                    </p:animEffect>
+                                  </p:childTnLst>
+                                </p:cTn>
+                              </p:par>
+                            </p:childTnLst>
+                          </p:cTn>
+                        </p:par>
+                        <p:par>
+                          <p:cTn id="8" fill="hold">
+                            <p:stCondLst>
+                              <p:cond delay="300"/>
+                            </p:stCondLst>
+                            <p:childTnLst>
+                              <p:par>
+                                <p:cTn id="9" presetClass="entr" nodeType="afterEffect" presetID="9" grpId="2" fill="hold">
+                                  <p:stCondLst>
+                                    <p:cond delay="0"/>
+                                  </p:stCondLst>
+                                  <p:iterate type="el" backwards="0">
+                                    <p:tmAbs val="0"/>
+                                  </p:iterate>
+                                  <p:childTnLst>
+                                    <p:set>
+                                      <p:cBhvr>
+                                        <p:cTn id="10" fill="hold"/>
+                                        <p:tgtEl>
+                                          <p:spTgt spid="284"/>
+                                        </p:tgtEl>
+                                        <p:attrNameLst>
+                                          <p:attrName>style.visibility</p:attrName>
+                                        </p:attrNameLst>
+                                      </p:cBhvr>
+                                      <p:to>
+                                        <p:strVal val="visible"/>
+                                      </p:to>
+                                    </p:set>
+                                    <p:animEffect filter="dissolve" transition="in">
+                                      <p:cBhvr>
+                                        <p:cTn id="11" dur="300"/>
+                                        <p:tgtEl>
+                                          <p:spTgt spid="284"/>
+                                        </p:tgtEl>
+                                      </p:cBhvr>
+                                    </p:animEffect>
+                                  </p:childTnLst>
+                                </p:cTn>
+                              </p:par>
+                            </p:childTnLst>
+                          </p:cTn>
+                        </p:par>
+                      </p:childTnLst>
+                    </p:cTn>
+                  </p:par>
+                  <p:par>
+                    <p:cTn id="12" fill="hold">
+                      <p:stCondLst>
+                        <p:cond delay="indefinite"/>
+                      </p:stCondLst>
+                      <p:childTnLst>
+                        <p:par>
+                          <p:cTn id="13" fill="hold">
+                            <p:stCondLst>
+                              <p:cond delay="0"/>
+                            </p:stCondLst>
+                            <p:childTnLst>
+                              <p:par>
+                                <p:cTn id="14" presetClass="entr" nodeType="clickEffect" presetID="9" grpId="3" fill="hold">
+                                  <p:stCondLst>
+                                    <p:cond delay="0"/>
+                                  </p:stCondLst>
+                                  <p:iterate type="el" backwards="0">
+                                    <p:tmAbs val="0"/>
+                                  </p:iterate>
+                                  <p:childTnLst>
+                                    <p:set>
+                                      <p:cBhvr>
+                                        <p:cTn id="15" fill="hold"/>
+                                        <p:tgtEl>
+                                          <p:spTgt spid="288"/>
+                                        </p:tgtEl>
+                                        <p:attrNameLst>
+                                          <p:attrName>style.visibility</p:attrName>
+                                        </p:attrNameLst>
+                                      </p:cBhvr>
+                                      <p:to>
+                                        <p:strVal val="visible"/>
+                                      </p:to>
+                                    </p:set>
+                                    <p:animEffect filter="dissolve" transition="in">
+                                      <p:cBhvr>
+                                        <p:cTn id="16" dur="300"/>
+                                        <p:tgtEl>
+                                          <p:spTgt spid="288"/>
+                                        </p:tgtEl>
+                                      </p:cBhvr>
+                                    </p:animEffect>
+                                  </p:childTnLst>
+                                </p:cTn>
+                              </p:par>
+                            </p:childTnLst>
+                          </p:cTn>
+                        </p:par>
+                        <p:par>
+                          <p:cTn id="17" fill="hold">
+                            <p:stCondLst>
+                              <p:cond delay="300"/>
+                            </p:stCondLst>
+                            <p:childTnLst>
+                              <p:par>
+                                <p:cTn id="18" presetClass="entr" nodeType="afterEffect" presetID="9" grpId="4" fill="hold">
+                                  <p:stCondLst>
+                                    <p:cond delay="0"/>
+                                  </p:stCondLst>
+                                  <p:iterate type="el" backwards="0">
+                                    <p:tmAbs val="0"/>
+                                  </p:iterate>
+                                  <p:childTnLst>
+                                    <p:set>
+                                      <p:cBhvr>
+                                        <p:cTn id="19" fill="hold"/>
+                                        <p:tgtEl>
+                                          <p:spTgt spid="286"/>
+                                        </p:tgtEl>
+                                        <p:attrNameLst>
+                                          <p:attrName>style.visibility</p:attrName>
+                                        </p:attrNameLst>
+                                      </p:cBhvr>
+                                      <p:to>
+                                        <p:strVal val="visible"/>
+                                      </p:to>
+                                    </p:set>
+                                    <p:animEffect filter="dissolve" transition="in">
+                                      <p:cBhvr>
+                                        <p:cTn id="20" dur="300"/>
+                                        <p:tgtEl>
+                                          <p:spTgt spid="286"/>
+                                        </p:tgtEl>
+                                      </p:cBhvr>
+                                    </p:animEffect>
+                                  </p:childTnLst>
+                                </p:cTn>
+                              </p:par>
+                            </p:childTnLst>
+                          </p:cTn>
+                        </p:par>
+                      </p:childTnLst>
+                    </p:cTn>
+                  </p:par>
+                  <p:par>
+                    <p:cTn id="21" fill="hold">
+                      <p:stCondLst>
+                        <p:cond delay="indefinite"/>
+                      </p:stCondLst>
+                      <p:childTnLst>
+                        <p:par>
+                          <p:cTn id="22" fill="hold">
+                            <p:stCondLst>
+                              <p:cond delay="0"/>
+                            </p:stCondLst>
+                            <p:childTnLst>
+                              <p:par>
+                                <p:cTn id="23" presetClass="emph" nodeType="clickEffect" presetID="9" grpId="5" fill="hold">
+                                  <p:stCondLst>
+                                    <p:cond delay="0"/>
+                                  </p:stCondLst>
+                                  <p:childTnLst>
+                                    <p:set>
+                                      <p:cBhvr>
+                                        <p:cTn id="24" dur="indefinite" fill="hold"/>
+                                        <p:tgtEl>
+                                          <p:spTgt spid="286"/>
+                                        </p:tgtEl>
+                                        <p:attrNameLst>
+                                          <p:attrName>style.opacity</p:attrName>
+                                        </p:attrNameLst>
+                                      </p:cBhvr>
+                                      <p:to>
+                                        <p:strVal val="0.00"/>
+                                      </p:to>
+                                    </p:set>
+                                    <p:animEffect filter="image" prLst="opacity: 0.00; ">
+                                      <p:cBhvr>
+                                        <p:cTn id="25" dur="indefinite" fill="hold"/>
+                                        <p:tgtEl>
+                                          <p:spTgt spid="286"/>
+                                        </p:tgtEl>
+                                      </p:cBhvr>
+                                    </p:animEffect>
+                                  </p:childTnLst>
+                                </p:cTn>
+                              </p:par>
+                            </p:childTnLst>
+                          </p:cTn>
+                        </p:par>
+                        <p:par>
+                          <p:cTn id="26" fill="hold">
+                            <p:stCondLst>
+                              <p:cond delay="300"/>
+                            </p:stCondLst>
+                            <p:childTnLst>
+                              <p:par>
+                                <p:cTn id="27" presetClass="entr" nodeType="afterEffect" presetID="9" grpId="6" fill="hold">
+                                  <p:stCondLst>
+                                    <p:cond delay="0"/>
+                                  </p:stCondLst>
+                                  <p:iterate type="el" backwards="0">
+                                    <p:tmAbs val="0"/>
+                                  </p:iterate>
+                                  <p:childTnLst>
+                                    <p:set>
+                                      <p:cBhvr>
+                                        <p:cTn id="28" fill="hold"/>
+                                        <p:tgtEl>
+                                          <p:spTgt spid="287"/>
+                                        </p:tgtEl>
+                                        <p:attrNameLst>
+                                          <p:attrName>style.visibility</p:attrName>
+                                        </p:attrNameLst>
+                                      </p:cBhvr>
+                                      <p:to>
+                                        <p:strVal val="visible"/>
+                                      </p:to>
+                                    </p:set>
+                                    <p:animEffect filter="dissolve" transition="in">
+                                      <p:cBhvr>
+                                        <p:cTn id="29" dur="300"/>
+                                        <p:tgtEl>
+                                          <p:spTgt spid="287"/>
+                                        </p:tgtEl>
+                                      </p:cBhvr>
+                                    </p:animEffect>
+                                  </p:childTnLst>
+                                </p:cTn>
+                              </p:par>
+                            </p:childTnLst>
+                          </p:cTn>
+                        </p:par>
+                      </p:childTnLst>
+                    </p:cTn>
+                  </p:par>
+                  <p:par>
+                    <p:cTn id="30" fill="hold">
+                      <p:stCondLst>
+                        <p:cond delay="indefinite"/>
+                      </p:stCondLst>
+                      <p:childTnLst>
+                        <p:par>
+                          <p:cTn id="31" fill="hold">
+                            <p:stCondLst>
+                              <p:cond delay="0"/>
+                            </p:stCondLst>
+                            <p:childTnLst>
+                              <p:par>
+                                <p:cTn id="32" presetClass="entr" nodeType="clickEffect" presetID="9" grpId="7" fill="hold">
+                                  <p:stCondLst>
+                                    <p:cond delay="0"/>
+                                  </p:stCondLst>
+                                  <p:iterate type="el" backwards="0">
+                                    <p:tmAbs val="0"/>
+                                  </p:iterate>
+                                  <p:childTnLst>
+                                    <p:set>
+                                      <p:cBhvr>
+                                        <p:cTn id="33" fill="hold"/>
+                                        <p:tgtEl>
+                                          <p:spTgt spid="289"/>
+                                        </p:tgtEl>
+                                        <p:attrNameLst>
+                                          <p:attrName>style.visibility</p:attrName>
+                                        </p:attrNameLst>
+                                      </p:cBhvr>
+                                      <p:to>
+                                        <p:strVal val="visible"/>
+                                      </p:to>
+                                    </p:set>
+                                    <p:animEffect filter="dissolve" transition="in">
+                                      <p:cBhvr>
+                                        <p:cTn id="34" dur="300"/>
+                                        <p:tgtEl>
+                                          <p:spTgt spid="289"/>
+                                        </p:tgtEl>
+                                      </p:cBhvr>
+                                    </p:animEffect>
+                                  </p:childTnLst>
+                                </p:cTn>
+                              </p:par>
+                            </p:childTnLst>
+                          </p:cTn>
+                        </p:par>
+                      </p:childTnLst>
+                    </p:cTn>
+                  </p:par>
+                </p:childTnLst>
+              </p:cTn>
+              <p:prevCondLst>
+                <p:cond evt="onPrev">
+                  <p:tgtEl>
+                    <p:sldTgt/>
+                  </p:tgtEl>
+                </p:cond>
+              </p:prevCondLst>
+              <p:nextCondLst>
+                <p:cond evt="onNext">
+                  <p:tgtEl>
+                    <p:sldTgt/>
+                  </p:tgtEl>
+                </p:cond>
+              </p:nextCondLst>
+            </p:seq>
+          </p:childTnLst>
+        </p:cTn>
+      </p:par>
+    </p:tnLst>
+    <p:bldLst>
+      <p:bldP build="whole" bldLvl="1" animBg="1" rev="0" advAuto="0" spid="286" grpId="4"/>
+      <p:bldP build="whole" bldLvl="1" animBg="1" rev="0" advAuto="0" spid="286" grpId="5"/>
+      <p:bldP build="whole" bldLvl="1" animBg="1" rev="0" advAuto="0" spid="289" grpId="7"/>
+      <p:bldP build="whole" bldLvl="1" animBg="1" rev="0" advAuto="0" spid="288" grpId="3"/>
+      <p:bldP build="whole" bldLvl="1" animBg="1" rev="0" advAuto="0" spid="287" grpId="6"/>
+      <p:bldP build="whole" bldLvl="1" animBg="1" rev="0" advAuto="0" spid="282" grpId="1"/>
+      <p:bldP build="whole" bldLvl="1" animBg="1" rev="0" advAuto="0" spid="284" grpId="2"/>
+    </p:bldLst>
+  </p:timing>
+</p:sld>
+</file>
+
+<file path=ppt/slides/slide25.xml><?xml version="1.0" encoding="utf-8"?>
+<p:sld xmlns:a="http://schemas.openxmlformats.org/drawingml/2006/main" xmlns:r="http://schemas.openxmlformats.org/officeDocument/2006/relationships" xmlns:p="http://schemas.openxmlformats.org/presentationml/2006/main" xmlns:m="http://schemas.openxmlformats.org/officeDocument/2006/math" xmlns:a14="http://schemas.microsoft.com/office/drawing/2010/main" showMasterSp="1" showMasterPhAnim="1">
+  <p:cSld>
+    <p:spTree>
+      <p:nvGrpSpPr>
+        <p:cNvPr id="1" name=""/>
+        <p:cNvGrpSpPr/>
+        <p:nvPr/>
+      </p:nvGrpSpPr>
+      <p:grpSpPr>
+        <a:xfrm>
+          <a:off x="0" y="0"/>
+          <a:ext cx="0" cy="0"/>
+          <a:chOff x="0" y="0"/>
+          <a:chExt cx="0" cy="0"/>
+        </a:xfrm>
+      </p:grpSpPr>
+      <p:sp>
+        <p:nvSpPr>
+          <p:cNvPr id="293" name="Requêtage SQL"/>
+          <p:cNvSpPr txBox="1"/>
+          <p:nvPr/>
+        </p:nvSpPr>
+        <p:spPr>
+          <a:xfrm>
+            <a:off x="1270000" y="-12700"/>
+            <a:ext cx="10464800" cy="1282700"/>
+          </a:xfrm>
+          <a:prstGeom prst="rect">
+            <a:avLst/>
+          </a:prstGeom>
+          <a:ln w="12700">
+            <a:miter lim="400000"/>
+          </a:ln>
+          <a:extLst>
+            <a:ext uri="{C572A759-6A51-4108-AA02-DFA0A04FC94B}">
+              <ma14:wrappingTextBoxFlag xmlns:ma14="http://schemas.microsoft.com/office/mac/drawingml/2011/main" val="1"/>
+            </a:ext>
+          </a:extLst>
+        </p:spPr>
+        <p:txBody>
+          <a:bodyPr lIns="50800" tIns="50800" rIns="50800" bIns="50800" anchor="ctr">
+            <a:normAutofit fontScale="100000" lnSpcReduction="0"/>
+          </a:bodyPr>
+          <a:lstStyle>
+            <a:lvl1pPr>
+              <a:defRPr sz="2600"/>
+            </a:lvl1pPr>
+          </a:lstStyle>
+          <a:p>
+            <a:pPr/>
+            <a:r>
+              <a:t>Requêtage SQL</a:t>
+            </a:r>
+          </a:p>
+        </p:txBody>
+      </p:sp>
+      <p:sp>
+        <p:nvSpPr>
+          <p:cNvPr id="294" name="Récupérer des données"/>
+          <p:cNvSpPr txBox="1"/>
+          <p:nvPr/>
+        </p:nvSpPr>
+        <p:spPr>
+          <a:xfrm>
+            <a:off x="4311054" y="1598450"/>
+            <a:ext cx="4382692" cy="622301"/>
+          </a:xfrm>
+          <a:prstGeom prst="rect">
+            <a:avLst/>
+          </a:prstGeom>
+          <a:ln w="12700">
+            <a:miter lim="400000"/>
+          </a:ln>
+          <a:extLst>
+            <a:ext uri="{C572A759-6A51-4108-AA02-DFA0A04FC94B}">
+              <ma14:wrappingTextBoxFlag xmlns:ma14="http://schemas.microsoft.com/office/mac/drawingml/2011/main" val="1"/>
+            </a:ext>
+          </a:extLst>
+        </p:spPr>
+        <p:txBody>
+          <a:bodyPr wrap="none" lIns="50800" tIns="50800" rIns="50800" bIns="50800" anchor="ctr">
+            <a:spAutoFit/>
+          </a:bodyPr>
+          <a:lstStyle>
+            <a:lvl1pPr algn="l"/>
+          </a:lstStyle>
+          <a:p>
+            <a:pPr/>
+            <a:r>
+              <a:t>Récupérer des données</a:t>
+            </a:r>
+          </a:p>
+        </p:txBody>
+      </p:sp>
+      <p:sp>
+        <p:nvSpPr>
+          <p:cNvPr id="295" name="SELECT DISTINCT ON ([colonne1], …) [nom_colonne], etc…"/>
+          <p:cNvSpPr txBox="1"/>
+          <p:nvPr/>
+        </p:nvSpPr>
+        <p:spPr>
+          <a:xfrm>
+            <a:off x="427869" y="3955600"/>
+            <a:ext cx="12149062" cy="1481610"/>
+          </a:xfrm>
+          <a:prstGeom prst="rect">
+            <a:avLst/>
+          </a:prstGeom>
+          <a:ln w="12700">
+            <a:miter lim="400000"/>
+          </a:ln>
+          <a:extLst>
+            <a:ext uri="{C572A759-6A51-4108-AA02-DFA0A04FC94B}">
+              <ma14:wrappingTextBoxFlag xmlns:ma14="http://schemas.microsoft.com/office/mac/drawingml/2011/main" val="1"/>
+            </a:ext>
+          </a:extLst>
+        </p:spPr>
+        <p:txBody>
+          <a:bodyPr lIns="50800" tIns="50800" rIns="50800" bIns="50800">
+            <a:spAutoFit/>
+          </a:bodyPr>
+          <a:lstStyle/>
+          <a:p>
+            <a:pPr algn="l">
+              <a:defRPr sz="2800">
+                <a:solidFill>
+                  <a:srgbClr val="5A5F5E"/>
+                </a:solidFill>
+                <a:latin typeface="Monaco"/>
+                <a:ea typeface="Monaco"/>
+                <a:cs typeface="Monaco"/>
+                <a:sym typeface="Monaco"/>
+              </a:defRPr>
+            </a:pPr>
+            <a:r>
+              <a:t>SELECT DISTINCT ON ([colonne1], …) [nom_colonne], etc</a:t>
+            </a:r>
+          </a:p>
+          <a:p>
+            <a:pPr algn="l">
+              <a:defRPr sz="2800">
+                <a:solidFill>
+                  <a:srgbClr val="5A5F5E"/>
+                </a:solidFill>
+                <a:latin typeface="Monaco"/>
+                <a:ea typeface="Monaco"/>
+                <a:cs typeface="Monaco"/>
+                <a:sym typeface="Monaco"/>
+              </a:defRPr>
+            </a:pPr>
+            <a:r>
+              <a:t>FROM [table]</a:t>
+            </a:r>
+          </a:p>
+          <a:p>
+            <a:pPr algn="l">
+              <a:defRPr sz="2800">
+                <a:solidFill>
+                  <a:srgbClr val="5A5F5E"/>
+                </a:solidFill>
+                <a:latin typeface="Monaco"/>
+                <a:ea typeface="Monaco"/>
+                <a:cs typeface="Monaco"/>
+                <a:sym typeface="Monaco"/>
+              </a:defRPr>
+            </a:pPr>
+            <a:r>
+              <a:rPr>
+                <a:solidFill>
+                  <a:srgbClr val="808785"/>
+                </a:solidFill>
+              </a:rPr>
+              <a:t>WHERE [condition]</a:t>
+            </a:r>
+            <a:r>
+              <a:t>;</a:t>
+            </a:r>
+          </a:p>
+        </p:txBody>
+      </p:sp>
+      <p:sp>
+        <p:nvSpPr>
+          <p:cNvPr id="296" name="SELECT DISTINCT ON (nom) nom, path…"/>
+          <p:cNvSpPr txBox="1"/>
+          <p:nvPr/>
+        </p:nvSpPr>
+        <p:spPr>
+          <a:xfrm>
+            <a:off x="427869" y="3955600"/>
+            <a:ext cx="7583116" cy="1011710"/>
+          </a:xfrm>
+          <a:prstGeom prst="rect">
+            <a:avLst/>
+          </a:prstGeom>
+          <a:ln w="12700">
+            <a:miter lim="400000"/>
+          </a:ln>
+          <a:extLst>
+            <a:ext uri="{C572A759-6A51-4108-AA02-DFA0A04FC94B}">
+              <ma14:wrappingTextBoxFlag xmlns:ma14="http://schemas.microsoft.com/office/mac/drawingml/2011/main" val="1"/>
+            </a:ext>
+          </a:extLst>
+        </p:spPr>
+        <p:txBody>
+          <a:bodyPr wrap="none" lIns="50800" tIns="50800" rIns="50800" bIns="50800">
+            <a:spAutoFit/>
+          </a:bodyPr>
+          <a:lstStyle/>
+          <a:p>
+            <a:pPr algn="l">
+              <a:defRPr sz="2800">
+                <a:solidFill>
+                  <a:srgbClr val="5A5F5E"/>
+                </a:solidFill>
+                <a:latin typeface="Monaco"/>
+                <a:ea typeface="Monaco"/>
+                <a:cs typeface="Monaco"/>
+                <a:sym typeface="Monaco"/>
+              </a:defRPr>
+            </a:pPr>
+            <a:r>
+              <a:t>SELECT DISTINCT ON (nom) nom, path</a:t>
+            </a:r>
+          </a:p>
+          <a:p>
+            <a:pPr algn="l">
+              <a:defRPr sz="2800">
+                <a:solidFill>
+                  <a:srgbClr val="5A5F5E"/>
+                </a:solidFill>
+                <a:latin typeface="Monaco"/>
+                <a:ea typeface="Monaco"/>
+                <a:cs typeface="Monaco"/>
+                <a:sym typeface="Monaco"/>
+              </a:defRPr>
+            </a:pPr>
+            <a:r>
+              <a:t>FROM docs;</a:t>
+            </a:r>
+          </a:p>
+        </p:txBody>
+      </p:sp>
+      <p:sp>
+        <p:nvSpPr>
+          <p:cNvPr id="297" name="Ne pas récupérer les doublons sur un seul champ"/>
+          <p:cNvSpPr txBox="1"/>
+          <p:nvPr/>
+        </p:nvSpPr>
+        <p:spPr>
+          <a:xfrm>
+            <a:off x="409980" y="3311201"/>
+            <a:ext cx="9044212" cy="622301"/>
+          </a:xfrm>
+          <a:prstGeom prst="rect">
+            <a:avLst/>
+          </a:prstGeom>
+          <a:ln w="12700">
+            <a:miter lim="400000"/>
+          </a:ln>
+          <a:extLst>
+            <a:ext uri="{C572A759-6A51-4108-AA02-DFA0A04FC94B}">
+              <ma14:wrappingTextBoxFlag xmlns:ma14="http://schemas.microsoft.com/office/mac/drawingml/2011/main" val="1"/>
+            </a:ext>
+          </a:extLst>
+        </p:spPr>
+        <p:txBody>
+          <a:bodyPr wrap="none" lIns="50800" tIns="50800" rIns="50800" bIns="50800" anchor="ctr">
+            <a:spAutoFit/>
+          </a:bodyPr>
+          <a:lstStyle>
+            <a:lvl1pPr algn="l"/>
+          </a:lstStyle>
+          <a:p>
+            <a:pPr/>
+            <a:r>
+              <a:t>Ne pas récupérer les doublons sur un seul champ</a:t>
+            </a:r>
+          </a:p>
+        </p:txBody>
+      </p:sp>
+      <p:sp>
+        <p:nvSpPr>
+          <p:cNvPr id="298" name="⚠️ DISTINCT ON supprime uniquement les doublons sur la colonne choisie"/>
+          <p:cNvSpPr txBox="1"/>
+          <p:nvPr/>
+        </p:nvSpPr>
+        <p:spPr>
+          <a:xfrm>
+            <a:off x="412623" y="5314815"/>
+            <a:ext cx="11158231" cy="571501"/>
+          </a:xfrm>
+          <a:prstGeom prst="rect">
+            <a:avLst/>
+          </a:prstGeom>
+          <a:ln w="12700">
+            <a:miter lim="400000"/>
+          </a:ln>
+          <a:extLst>
+            <a:ext uri="{C572A759-6A51-4108-AA02-DFA0A04FC94B}">
+              <ma14:wrappingTextBoxFlag xmlns:ma14="http://schemas.microsoft.com/office/mac/drawingml/2011/main" val="1"/>
+            </a:ext>
+          </a:extLst>
+        </p:spPr>
+        <p:txBody>
+          <a:bodyPr lIns="50800" tIns="50800" rIns="50800" bIns="50800" anchor="ctr">
+            <a:spAutoFit/>
+          </a:bodyPr>
+          <a:lstStyle>
+            <a:lvl1pPr algn="l">
+              <a:spcBef>
+                <a:spcPts val="3800"/>
+              </a:spcBef>
+              <a:defRPr sz="2800"/>
+            </a:lvl1pPr>
+          </a:lstStyle>
+          <a:p>
+            <a:pPr/>
+            <a:r>
+              <a:t>⚠️ DISTINCT ON supprime uniquement les doublons sur la colonne choisie</a:t>
+            </a:r>
+          </a:p>
+        </p:txBody>
+      </p:sp>
+    </p:spTree>
+  </p:cSld>
+  <p:clrMapOvr>
+    <a:masterClrMapping/>
+  </p:clrMapOvr>
+  <p:transition xmlns:p14="http://schemas.microsoft.com/office/powerpoint/2010/main" spd="med" advClick="1"/>
+  <p:timing>
+    <p:tnLst>
+      <p:par>
+        <p:cTn id="1" nodeType="tmRoot" restart="never" dur="indefinite" fill="hold">
+          <p:childTnLst>
+            <p:seq concurrent="1" prevAc="none" nextAc="seek">
+              <p:cTn id="2" nodeType="mainSeq" dur="indefinite" fill="hold">
+                <p:childTnLst>
+                  <p:par>
+                    <p:cTn id="3" fill="hold">
+                      <p:stCondLst>
+                        <p:cond delay="indefinite"/>
+                      </p:stCondLst>
+                      <p:childTnLst>
+                        <p:par>
+                          <p:cTn id="4" fill="hold">
+                            <p:stCondLst>
+                              <p:cond delay="0"/>
+                            </p:stCondLst>
+                            <p:childTnLst>
+                              <p:par>
+                                <p:cTn id="5" presetClass="emph" nodeType="clickEffect" presetID="9" grpId="1" fill="hold">
+                                  <p:stCondLst>
+                                    <p:cond delay="0"/>
+                                  </p:stCondLst>
+                                  <p:childTnLst>
+                                    <p:set>
+                                      <p:cBhvr>
+                                        <p:cTn id="6" dur="indefinite" fill="hold"/>
+                                        <p:tgtEl>
+                                          <p:spTgt spid="295"/>
+                                        </p:tgtEl>
+                                        <p:attrNameLst>
+                                          <p:attrName>style.opacity</p:attrName>
+                                        </p:attrNameLst>
+                                      </p:cBhvr>
+                                      <p:to>
+                                        <p:strVal val="0.00"/>
+                                      </p:to>
+                                    </p:set>
+                                    <p:animEffect filter="image" prLst="opacity: 0.00; ">
+                                      <p:cBhvr>
+                                        <p:cTn id="7" dur="indefinite" fill="hold"/>
+                                        <p:tgtEl>
+                                          <p:spTgt spid="295"/>
+                                        </p:tgtEl>
+                                      </p:cBhvr>
+                                    </p:animEffect>
+                                  </p:childTnLst>
+                                </p:cTn>
+                              </p:par>
+                            </p:childTnLst>
+                          </p:cTn>
+                        </p:par>
+                        <p:par>
+                          <p:cTn id="8" fill="hold">
+                            <p:stCondLst>
+                              <p:cond delay="300"/>
+                            </p:stCondLst>
+                            <p:childTnLst>
+                              <p:par>
+                                <p:cTn id="9" presetClass="entr" nodeType="afterEffect" presetID="9" grpId="2" fill="hold">
+                                  <p:stCondLst>
+                                    <p:cond delay="0"/>
+                                  </p:stCondLst>
+                                  <p:iterate type="el" backwards="0">
+                                    <p:tmAbs val="0"/>
+                                  </p:iterate>
+                                  <p:childTnLst>
+                                    <p:set>
+                                      <p:cBhvr>
+                                        <p:cTn id="10" fill="hold"/>
+                                        <p:tgtEl>
+                                          <p:spTgt spid="296"/>
+                                        </p:tgtEl>
+                                        <p:attrNameLst>
+                                          <p:attrName>style.visibility</p:attrName>
+                                        </p:attrNameLst>
+                                      </p:cBhvr>
+                                      <p:to>
+                                        <p:strVal val="visible"/>
+                                      </p:to>
+                                    </p:set>
+                                    <p:animEffect filter="dissolve" transition="in">
+                                      <p:cBhvr>
+                                        <p:cTn id="11" dur="300"/>
+                                        <p:tgtEl>
+                                          <p:spTgt spid="296"/>
+                                        </p:tgtEl>
+                                      </p:cBhvr>
+                                    </p:animEffect>
+                                  </p:childTnLst>
+                                </p:cTn>
+                              </p:par>
+                            </p:childTnLst>
+                          </p:cTn>
+                        </p:par>
+                      </p:childTnLst>
+                    </p:cTn>
+                  </p:par>
+                  <p:par>
+                    <p:cTn id="12" fill="hold">
+                      <p:stCondLst>
+                        <p:cond delay="indefinite"/>
+                      </p:stCondLst>
+                      <p:childTnLst>
+                        <p:par>
+                          <p:cTn id="13" fill="hold">
+                            <p:stCondLst>
+                              <p:cond delay="0"/>
+                            </p:stCondLst>
+                            <p:childTnLst>
+                              <p:par>
+                                <p:cTn id="14" presetClass="entr" nodeType="clickEffect" presetID="9" grpId="3" fill="hold">
+                                  <p:stCondLst>
+                                    <p:cond delay="0"/>
+                                  </p:stCondLst>
+                                  <p:iterate type="el" backwards="0">
+                                    <p:tmAbs val="0"/>
+                                  </p:iterate>
+                                  <p:childTnLst>
+                                    <p:set>
+                                      <p:cBhvr>
+                                        <p:cTn id="15" fill="hold"/>
+                                        <p:tgtEl>
+                                          <p:spTgt spid="298"/>
+                                        </p:tgtEl>
+                                        <p:attrNameLst>
+                                          <p:attrName>style.visibility</p:attrName>
+                                        </p:attrNameLst>
+                                      </p:cBhvr>
+                                      <p:to>
+                                        <p:strVal val="visible"/>
+                                      </p:to>
+                                    </p:set>
+                                    <p:animEffect filter="dissolve" transition="in">
+                                      <p:cBhvr>
+                                        <p:cTn id="16" dur="300"/>
+                                        <p:tgtEl>
+                                          <p:spTgt spid="298"/>
+                                        </p:tgtEl>
+                                      </p:cBhvr>
+                                    </p:animEffect>
+                                  </p:childTnLst>
+                                </p:cTn>
+                              </p:par>
+                            </p:childTnLst>
+                          </p:cTn>
+                        </p:par>
+                      </p:childTnLst>
+                    </p:cTn>
+                  </p:par>
+                </p:childTnLst>
+              </p:cTn>
+              <p:prevCondLst>
+                <p:cond evt="onPrev">
+                  <p:tgtEl>
+                    <p:sldTgt/>
+                  </p:tgtEl>
+                </p:cond>
+              </p:prevCondLst>
+              <p:nextCondLst>
+                <p:cond evt="onNext">
+                  <p:tgtEl>
+                    <p:sldTgt/>
+                  </p:tgtEl>
+                </p:cond>
+              </p:nextCondLst>
+            </p:seq>
+          </p:childTnLst>
+        </p:cTn>
+      </p:par>
+    </p:tnLst>
+    <p:bldLst>
+      <p:bldP build="whole" bldLvl="1" animBg="1" rev="0" advAuto="0" spid="296" grpId="2"/>
+      <p:bldP build="whole" bldLvl="1" animBg="1" rev="0" advAuto="0" spid="298" grpId="3"/>
+      <p:bldP build="whole" bldLvl="1" animBg="1" rev="0" advAuto="0" spid="295" grpId="1"/>
+    </p:bldLst>
+  </p:timing>
+</p:sld>
+</file>
+
+<file path=ppt/slides/slide26.xml><?xml version="1.0" encoding="utf-8"?>
+<p:sld xmlns:a="http://schemas.openxmlformats.org/drawingml/2006/main" xmlns:r="http://schemas.openxmlformats.org/officeDocument/2006/relationships" xmlns:p="http://schemas.openxmlformats.org/presentationml/2006/main" xmlns:m="http://schemas.openxmlformats.org/officeDocument/2006/math" xmlns:a14="http://schemas.microsoft.com/office/drawing/2010/main" showMasterSp="1" showMasterPhAnim="1">
+  <p:cSld>
+    <p:spTree>
+      <p:nvGrpSpPr>
+        <p:cNvPr id="1" name=""/>
+        <p:cNvGrpSpPr/>
+        <p:nvPr/>
+      </p:nvGrpSpPr>
+      <p:grpSpPr>
+        <a:xfrm>
+          <a:off x="0" y="0"/>
+          <a:ext cx="0" cy="0"/>
+          <a:chOff x="0" y="0"/>
+          <a:chExt cx="0" cy="0"/>
+        </a:xfrm>
+      </p:grpSpPr>
+      <p:sp>
+        <p:nvSpPr>
+          <p:cNvPr id="302" name="Requêtage SQL"/>
+          <p:cNvSpPr txBox="1"/>
+          <p:nvPr/>
+        </p:nvSpPr>
+        <p:spPr>
+          <a:xfrm>
+            <a:off x="1270000" y="-12700"/>
+            <a:ext cx="10464800" cy="1282700"/>
+          </a:xfrm>
+          <a:prstGeom prst="rect">
+            <a:avLst/>
+          </a:prstGeom>
+          <a:ln w="12700">
+            <a:miter lim="400000"/>
+          </a:ln>
+          <a:extLst>
+            <a:ext uri="{C572A759-6A51-4108-AA02-DFA0A04FC94B}">
+              <ma14:wrappingTextBoxFlag xmlns:ma14="http://schemas.microsoft.com/office/mac/drawingml/2011/main" val="1"/>
+            </a:ext>
+          </a:extLst>
+        </p:spPr>
+        <p:txBody>
+          <a:bodyPr lIns="50800" tIns="50800" rIns="50800" bIns="50800" anchor="ctr">
+            <a:normAutofit fontScale="100000" lnSpcReduction="0"/>
+          </a:bodyPr>
+          <a:lstStyle>
+            <a:lvl1pPr>
+              <a:defRPr sz="2600"/>
+            </a:lvl1pPr>
+          </a:lstStyle>
+          <a:p>
+            <a:pPr/>
+            <a:r>
+              <a:t>Requêtage SQL</a:t>
+            </a:r>
+          </a:p>
+        </p:txBody>
+      </p:sp>
+      <p:sp>
+        <p:nvSpPr>
+          <p:cNvPr id="303" name="Un peu de pratique"/>
+          <p:cNvSpPr txBox="1"/>
+          <p:nvPr/>
+        </p:nvSpPr>
+        <p:spPr>
+          <a:xfrm>
+            <a:off x="4672930" y="1732851"/>
+            <a:ext cx="3658940" cy="622301"/>
+          </a:xfrm>
+          <a:prstGeom prst="rect">
+            <a:avLst/>
+          </a:prstGeom>
+          <a:ln w="12700">
+            <a:miter lim="400000"/>
+          </a:ln>
+          <a:extLst>
+            <a:ext uri="{C572A759-6A51-4108-AA02-DFA0A04FC94B}">
+              <ma14:wrappingTextBoxFlag xmlns:ma14="http://schemas.microsoft.com/office/mac/drawingml/2011/main" val="1"/>
+            </a:ext>
+          </a:extLst>
+        </p:spPr>
+        <p:txBody>
+          <a:bodyPr wrap="none" lIns="50800" tIns="50800" rIns="50800" bIns="50800" anchor="ctr">
+            <a:spAutoFit/>
+          </a:bodyPr>
+          <a:lstStyle>
+            <a:lvl1pPr algn="l"/>
+          </a:lstStyle>
+          <a:p>
+            <a:pPr/>
+            <a:r>
+              <a:t>Un peu de pratique</a:t>
+            </a:r>
+          </a:p>
+        </p:txBody>
+      </p:sp>
+      <p:sp>
+        <p:nvSpPr>
+          <p:cNvPr id="304" name="http://bit.ly/postgresql-27"/>
+          <p:cNvSpPr txBox="1"/>
+          <p:nvPr/>
+        </p:nvSpPr>
+        <p:spPr>
+          <a:xfrm>
+            <a:off x="4095737" y="4552950"/>
+            <a:ext cx="4813326" cy="647701"/>
+          </a:xfrm>
+          <a:prstGeom prst="rect">
+            <a:avLst/>
+          </a:prstGeom>
+          <a:ln w="12700">
+            <a:miter lim="400000"/>
+          </a:ln>
+          <a:extLst>
+            <a:ext uri="{C572A759-6A51-4108-AA02-DFA0A04FC94B}">
+              <ma14:wrappingTextBoxFlag xmlns:ma14="http://schemas.microsoft.com/office/mac/drawingml/2011/main" val="1"/>
+            </a:ext>
+          </a:extLst>
+        </p:spPr>
+        <p:txBody>
+          <a:bodyPr wrap="none" lIns="50800" tIns="50800" rIns="50800" bIns="50800" anchor="ctr">
+            <a:spAutoFit/>
+          </a:bodyPr>
+          <a:lstStyle/>
+          <a:p>
+            <a:pPr/>
+            <a:r>
+              <a:t>http://bit.ly/</a:t>
+            </a:r>
+            <a:r>
+              <a:rPr>
+                <a:latin typeface="Gill Sans SemiBold"/>
+                <a:ea typeface="Gill Sans SemiBold"/>
+                <a:cs typeface="Gill Sans SemiBold"/>
+                <a:sym typeface="Gill Sans SemiBold"/>
+              </a:rPr>
+              <a:t>postgresql-27</a:t>
+            </a:r>
+          </a:p>
+        </p:txBody>
+      </p:sp>
+    </p:spTree>
+  </p:cSld>
+  <p:clrMapOvr>
+    <a:masterClrMapping/>
+  </p:clrMapOvr>
+  <p:transition xmlns:p14="http://schemas.microsoft.com/office/powerpoint/2010/main" spd="med" advClick="1"/>
 </p:sld>
 </file>
 
@@ -11983,9 +18890,9 @@
     <p:bldLst>
       <p:bldP build="whole" bldLvl="1" animBg="1" rev="0" advAuto="0" spid="131" grpId="4"/>
       <p:bldP build="whole" bldLvl="1" animBg="1" rev="0" advAuto="0" spid="129" grpId="2"/>
+      <p:bldP build="whole" bldLvl="1" animBg="1" rev="0" advAuto="0" spid="133" grpId="5"/>
+      <p:bldP build="whole" bldLvl="1" animBg="1" rev="0" advAuto="0" spid="130" grpId="3"/>
       <p:bldP build="whole" bldLvl="1" animBg="1" rev="0" advAuto="0" spid="128" grpId="1"/>
-      <p:bldP build="whole" bldLvl="1" animBg="1" rev="0" advAuto="0" spid="130" grpId="3"/>
-      <p:bldP build="whole" bldLvl="1" animBg="1" rev="0" advAuto="0" spid="133" grpId="5"/>
     </p:bldLst>
   </p:timing>
 </p:sld>
@@ -13638,12 +20545,12 @@
       </p:par>
     </p:tnLst>
     <p:bldLst>
+      <p:bldP build="whole" bldLvl="1" animBg="1" rev="0" advAuto="0" spid="139" grpId="2"/>
+      <p:bldP build="whole" bldLvl="1" animBg="1" rev="0" advAuto="0" spid="137" grpId="1"/>
+      <p:bldP build="whole" bldLvl="1" animBg="1" rev="0" advAuto="0" spid="139" grpId="4"/>
+      <p:bldP build="whole" bldLvl="1" animBg="1" rev="0" advAuto="0" spid="137" grpId="3"/>
       <p:bldP build="whole" bldLvl="1" animBg="1" rev="0" advAuto="0" spid="138" grpId="6"/>
-      <p:bldP build="whole" bldLvl="1" animBg="1" rev="0" advAuto="0" spid="137" grpId="1"/>
       <p:bldP build="whole" bldLvl="1" animBg="1" rev="0" advAuto="0" spid="140" grpId="7"/>
-      <p:bldP build="whole" bldLvl="1" animBg="1" rev="0" advAuto="0" spid="139" grpId="2"/>
-      <p:bldP build="whole" bldLvl="1" animBg="1" rev="0" advAuto="0" spid="137" grpId="3"/>
-      <p:bldP build="whole" bldLvl="1" animBg="1" rev="0" advAuto="0" spid="139" grpId="4"/>
     </p:bldLst>
   </p:timing>
 </p:sld>
@@ -14782,10 +21689,10 @@
       </p:par>
     </p:tnLst>
     <p:bldLst>
+      <p:bldP build="whole" bldLvl="1" animBg="1" rev="0" advAuto="0" spid="147" grpId="5"/>
+      <p:bldP build="whole" bldLvl="1" animBg="1" rev="0" advAuto="0" spid="145" grpId="1"/>
+      <p:bldP build="whole" bldLvl="1" animBg="1" rev="0" advAuto="0" spid="147" grpId="6"/>
       <p:bldP build="whole" bldLvl="1" animBg="1" rev="0" advAuto="0" spid="146" grpId="7"/>
-      <p:bldP build="whole" bldLvl="1" animBg="1" rev="0" advAuto="0" spid="147" grpId="5"/>
-      <p:bldP build="whole" bldLvl="1" animBg="1" rev="0" advAuto="0" spid="147" grpId="6"/>
-      <p:bldP build="whole" bldLvl="1" animBg="1" rev="0" advAuto="0" spid="145" grpId="1"/>
     </p:bldLst>
   </p:timing>
 </p:sld>

--- a/Postgresql.pptx
+++ b/Postgresql.pptx
@@ -655,7 +655,13 @@
           <a:p>
             <a:pPr/>
             <a:r>
-              <a:t>3/ le conteneur s’appel postgres (1) et l’utilisateur également (2)</a:t>
+              <a:t>3/ "docker exec -it postgres" =&gt; lance le container 'postgres' -it permet d’ouvrir un bash dédié au container</a:t>
+            </a:r>
+          </a:p>
+          <a:p>
+            <a:pPr/>
+            <a:r>
+              <a:t>"psql -U postgres" =&gt; commande lancée dans le container (connexion à postgres avec l’utilisateur 'postgres')</a:t>
             </a:r>
           </a:p>
           <a:p>
@@ -5358,12 +5364,12 @@
       </p:par>
     </p:tnLst>
     <p:bldLst>
+      <p:bldP build="whole" bldLvl="1" animBg="1" rev="0" advAuto="0" spid="187" grpId="4"/>
+      <p:bldP build="whole" bldLvl="1" animBg="1" rev="0" advAuto="0" spid="186" grpId="2"/>
+      <p:bldP build="whole" bldLvl="1" animBg="1" rev="0" advAuto="0" spid="182" grpId="3"/>
       <p:bldP build="whole" bldLvl="1" animBg="1" rev="0" advAuto="0" spid="184" grpId="5"/>
+      <p:bldP build="whole" bldLvl="1" animBg="1" rev="0" advAuto="0" spid="180" grpId="1"/>
       <p:bldP build="whole" bldLvl="1" animBg="1" rev="0" advAuto="0" spid="188" grpId="6"/>
-      <p:bldP build="whole" bldLvl="1" animBg="1" rev="0" advAuto="0" spid="186" grpId="2"/>
-      <p:bldP build="whole" bldLvl="1" animBg="1" rev="0" advAuto="0" spid="187" grpId="4"/>
-      <p:bldP build="whole" bldLvl="1" animBg="1" rev="0" advAuto="0" spid="182" grpId="3"/>
-      <p:bldP build="whole" bldLvl="1" animBg="1" rev="0" advAuto="0" spid="180" grpId="1"/>
     </p:bldLst>
   </p:timing>
 </p:sld>
@@ -6037,12 +6043,12 @@
       </p:par>
     </p:tnLst>
     <p:bldLst>
+      <p:bldP build="whole" bldLvl="1" animBg="1" rev="0" advAuto="0" spid="193" grpId="3"/>
+      <p:bldP build="whole" bldLvl="1" animBg="1" rev="0" advAuto="0" spid="194" grpId="4"/>
+      <p:bldP build="whole" bldLvl="1" animBg="1" rev="0" advAuto="0" spid="192" grpId="1"/>
+      <p:bldP build="whole" bldLvl="1" animBg="1" rev="0" advAuto="0" spid="194" grpId="5"/>
       <p:bldP build="whole" bldLvl="1" animBg="1" rev="0" advAuto="0" spid="196" grpId="6"/>
-      <p:bldP build="whole" bldLvl="1" animBg="1" rev="0" advAuto="0" spid="194" grpId="4"/>
-      <p:bldP build="whole" bldLvl="1" animBg="1" rev="0" advAuto="0" spid="194" grpId="5"/>
-      <p:bldP build="whole" bldLvl="1" animBg="1" rev="0" advAuto="0" spid="192" grpId="1"/>
       <p:bldP build="whole" bldLvl="1" animBg="1" rev="0" advAuto="0" spid="195" grpId="2"/>
-      <p:bldP build="whole" bldLvl="1" animBg="1" rev="0" advAuto="0" spid="193" grpId="3"/>
     </p:bldLst>
   </p:timing>
 </p:sld>
@@ -7813,7 +7819,7 @@
         <p:spPr>
           <a:xfrm>
             <a:off x="427869" y="3955600"/>
-            <a:ext cx="12491195" cy="1011710"/>
+            <a:ext cx="12064406" cy="1481610"/>
           </a:xfrm>
           <a:prstGeom prst="rect">
             <a:avLst/>
@@ -7861,7 +7867,7 @@
               </a:defRPr>
             </a:pPr>
             <a:r>
-              <a:t>( id SERIAL, nom varchar(50) NOT NULL, path varchar(50) );</a:t>
+              <a:t>( id SERIAL PRIMARY KEY, nom varchar(50) NOT NULL, path varchar(50) );</a:t>
             </a:r>
           </a:p>
         </p:txBody>
@@ -8588,8 +8594,8 @@
       </p:par>
     </p:tnLst>
     <p:bldLst>
+      <p:bldP build="whole" bldLvl="1" animBg="1" rev="0" advAuto="0" spid="214" grpId="2"/>
       <p:bldP build="whole" bldLvl="1" animBg="1" rev="0" advAuto="0" spid="215" grpId="3"/>
-      <p:bldP build="whole" bldLvl="1" animBg="1" rev="0" advAuto="0" spid="214" grpId="2"/>
       <p:bldP build="whole" bldLvl="1" animBg="1" rev="0" advAuto="0" spid="213" grpId="1"/>
     </p:bldLst>
   </p:timing>
@@ -9586,11 +9592,11 @@
       </p:par>
     </p:tnLst>
     <p:bldLst>
+      <p:bldP build="whole" bldLvl="1" animBg="1" rev="0" advAuto="0" spid="229" grpId="3"/>
+      <p:bldP build="whole" bldLvl="1" animBg="1" rev="0" advAuto="0" spid="230" grpId="9"/>
       <p:bldP build="whole" bldLvl="1" animBg="1" rev="0" advAuto="0" spid="227" grpId="2"/>
       <p:bldP build="whole" bldLvl="1" animBg="1" rev="0" advAuto="0" spid="226" grpId="1"/>
       <p:bldP build="whole" bldLvl="1" animBg="1" rev="0" advAuto="0" spid="224" grpId="4"/>
-      <p:bldP build="whole" bldLvl="1" animBg="1" rev="0" advAuto="0" spid="229" grpId="3"/>
-      <p:bldP build="whole" bldLvl="1" animBg="1" rev="0" advAuto="0" spid="230" grpId="9"/>
       <p:bldP build="whole" bldLvl="1" animBg="1" rev="0" advAuto="0" spid="225" grpId="5"/>
     </p:bldLst>
   </p:timing>
@@ -12328,16 +12334,16 @@
       </p:par>
     </p:tnLst>
     <p:bldLst>
+      <p:bldP build="whole" bldLvl="1" animBg="1" rev="0" advAuto="0" spid="248" grpId="10"/>
+      <p:bldP build="whole" bldLvl="1" animBg="1" rev="0" advAuto="0" spid="245" grpId="6"/>
+      <p:bldP build="whole" bldLvl="1" animBg="1" rev="0" advAuto="0" spid="240" grpId="1"/>
+      <p:bldP build="whole" bldLvl="1" animBg="1" rev="0" advAuto="0" spid="245" grpId="7"/>
+      <p:bldP build="whole" bldLvl="1" animBg="1" rev="0" advAuto="0" spid="242" grpId="2"/>
+      <p:bldP build="whole" bldLvl="1" animBg="1" rev="0" advAuto="0" spid="243" grpId="4"/>
+      <p:bldP build="whole" bldLvl="1" animBg="1" rev="0" advAuto="0" spid="242" grpId="3"/>
+      <p:bldP build="whole" bldLvl="1" animBg="1" rev="0" advAuto="0" spid="247" grpId="5"/>
+      <p:bldP build="whole" bldLvl="1" animBg="1" rev="0" advAuto="0" spid="246" grpId="8"/>
       <p:bldP build="whole" bldLvl="1" animBg="1" rev="0" advAuto="0" spid="246" grpId="9"/>
-      <p:bldP build="whole" bldLvl="1" animBg="1" rev="0" advAuto="0" spid="245" grpId="6"/>
-      <p:bldP build="whole" bldLvl="1" animBg="1" rev="0" advAuto="0" spid="245" grpId="7"/>
-      <p:bldP build="whole" bldLvl="1" animBg="1" rev="0" advAuto="0" spid="248" grpId="10"/>
-      <p:bldP build="whole" bldLvl="1" animBg="1" rev="0" advAuto="0" spid="243" grpId="4"/>
-      <p:bldP build="whole" bldLvl="1" animBg="1" rev="0" advAuto="0" spid="240" grpId="1"/>
-      <p:bldP build="whole" bldLvl="1" animBg="1" rev="0" advAuto="0" spid="246" grpId="8"/>
-      <p:bldP build="whole" bldLvl="1" animBg="1" rev="0" advAuto="0" spid="247" grpId="5"/>
-      <p:bldP build="whole" bldLvl="1" animBg="1" rev="0" advAuto="0" spid="242" grpId="2"/>
-      <p:bldP build="whole" bldLvl="1" animBg="1" rev="0" advAuto="0" spid="242" grpId="3"/>
     </p:bldLst>
   </p:timing>
 </p:sld>
@@ -12704,8 +12710,8 @@
       </p:par>
     </p:tnLst>
     <p:bldLst>
+      <p:bldP build="whole" bldLvl="1" animBg="1" rev="0" advAuto="0" spid="124" grpId="2"/>
       <p:bldP build="whole" bldLvl="1" animBg="1" rev="0" advAuto="0" spid="123" grpId="1"/>
-      <p:bldP build="whole" bldLvl="1" animBg="1" rev="0" advAuto="0" spid="124" grpId="2"/>
     </p:bldLst>
   </p:timing>
 </p:sld>
@@ -15787,13 +15793,13 @@
       </p:par>
     </p:tnLst>
     <p:bldLst>
+      <p:bldP build="whole" bldLvl="1" animBg="1" rev="0" advAuto="0" spid="261" grpId="3"/>
+      <p:bldP build="whole" bldLvl="1" animBg="1" rev="0" advAuto="0" spid="263" grpId="5"/>
       <p:bldP build="whole" bldLvl="1" animBg="1" rev="0" advAuto="0" spid="263" grpId="6"/>
-      <p:bldP build="whole" bldLvl="1" animBg="1" rev="0" advAuto="0" spid="261" grpId="3"/>
+      <p:bldP build="whole" bldLvl="1" animBg="1" rev="0" advAuto="0" spid="259" grpId="2"/>
+      <p:bldP build="whole" bldLvl="1" animBg="1" rev="0" advAuto="0" spid="265" grpId="4"/>
+      <p:bldP build="whole" bldLvl="1" animBg="1" rev="0" advAuto="0" spid="266" grpId="1"/>
       <p:bldP build="whole" bldLvl="1" animBg="1" rev="0" advAuto="0" spid="264" grpId="7"/>
-      <p:bldP build="whole" bldLvl="1" animBg="1" rev="0" advAuto="0" spid="266" grpId="1"/>
-      <p:bldP build="whole" bldLvl="1" animBg="1" rev="0" advAuto="0" spid="265" grpId="4"/>
-      <p:bldP build="whole" bldLvl="1" animBg="1" rev="0" advAuto="0" spid="259" grpId="2"/>
-      <p:bldP build="whole" bldLvl="1" animBg="1" rev="0" advAuto="0" spid="263" grpId="5"/>
     </p:bldLst>
   </p:timing>
 </p:sld>
@@ -16597,12 +16603,12 @@
       </p:par>
     </p:tnLst>
     <p:bldLst>
-      <p:bldP build="whole" bldLvl="1" animBg="1" rev="0" advAuto="0" spid="275" grpId="5"/>
+      <p:bldP build="whole" bldLvl="1" animBg="1" rev="0" advAuto="0" spid="277" grpId="3"/>
       <p:bldP build="whole" bldLvl="1" animBg="1" rev="0" advAuto="0" spid="273" grpId="2"/>
-      <p:bldP build="whole" bldLvl="1" animBg="1" rev="0" advAuto="0" spid="277" grpId="3"/>
       <p:bldP build="whole" bldLvl="1" animBg="1" rev="0" advAuto="0" spid="276" grpId="6"/>
       <p:bldP build="whole" bldLvl="1" animBg="1" rev="0" advAuto="0" spid="271" grpId="1"/>
       <p:bldP build="whole" bldLvl="1" animBg="1" rev="0" advAuto="0" spid="275" grpId="4"/>
+      <p:bldP build="whole" bldLvl="1" animBg="1" rev="0" advAuto="0" spid="275" grpId="5"/>
     </p:bldLst>
   </p:timing>
 </p:sld>
@@ -17525,13 +17531,13 @@
       </p:par>
     </p:tnLst>
     <p:bldLst>
+      <p:bldP build="whole" bldLvl="1" animBg="1" rev="0" advAuto="0" spid="282" grpId="1"/>
+      <p:bldP build="whole" bldLvl="1" animBg="1" rev="0" advAuto="0" spid="284" grpId="2"/>
+      <p:bldP build="whole" bldLvl="1" animBg="1" rev="0" advAuto="0" spid="288" grpId="3"/>
       <p:bldP build="whole" bldLvl="1" animBg="1" rev="0" advAuto="0" spid="286" grpId="4"/>
       <p:bldP build="whole" bldLvl="1" animBg="1" rev="0" advAuto="0" spid="286" grpId="5"/>
       <p:bldP build="whole" bldLvl="1" animBg="1" rev="0" advAuto="0" spid="289" grpId="7"/>
-      <p:bldP build="whole" bldLvl="1" animBg="1" rev="0" advAuto="0" spid="288" grpId="3"/>
       <p:bldP build="whole" bldLvl="1" animBg="1" rev="0" advAuto="0" spid="287" grpId="6"/>
-      <p:bldP build="whole" bldLvl="1" animBg="1" rev="0" advAuto="0" spid="282" grpId="1"/>
-      <p:bldP build="whole" bldLvl="1" animBg="1" rev="0" advAuto="0" spid="284" grpId="2"/>
     </p:bldLst>
   </p:timing>
 </p:sld>
@@ -18041,9 +18047,9 @@
       </p:par>
     </p:tnLst>
     <p:bldLst>
+      <p:bldP build="whole" bldLvl="1" animBg="1" rev="0" advAuto="0" spid="295" grpId="1"/>
       <p:bldP build="whole" bldLvl="1" animBg="1" rev="0" advAuto="0" spid="296" grpId="2"/>
       <p:bldP build="whole" bldLvl="1" animBg="1" rev="0" advAuto="0" spid="298" grpId="3"/>
-      <p:bldP build="whole" bldLvl="1" animBg="1" rev="0" advAuto="0" spid="295" grpId="1"/>
     </p:bldLst>
   </p:timing>
 </p:sld>
@@ -18146,7 +18152,7 @@
       </p:sp>
       <p:sp>
         <p:nvSpPr>
-          <p:cNvPr id="304" name="http://bit.ly/postgresql-27"/>
+          <p:cNvPr id="304" name="http://bit.ly/postgresql-26"/>
           <p:cNvSpPr txBox="1"/>
           <p:nvPr/>
         </p:nvSpPr>
@@ -18184,7 +18190,7 @@
                 <a:cs typeface="Gill Sans SemiBold"/>
                 <a:sym typeface="Gill Sans SemiBold"/>
               </a:rPr>
-              <a:t>postgresql-27</a:t>
+              <a:t>postgresql-26</a:t>
             </a:r>
           </a:p>
         </p:txBody>
@@ -18888,11 +18894,11 @@
       </p:par>
     </p:tnLst>
     <p:bldLst>
+      <p:bldP build="whole" bldLvl="1" animBg="1" rev="0" advAuto="0" spid="128" grpId="1"/>
+      <p:bldP build="whole" bldLvl="1" animBg="1" rev="0" advAuto="0" spid="133" grpId="5"/>
       <p:bldP build="whole" bldLvl="1" animBg="1" rev="0" advAuto="0" spid="131" grpId="4"/>
       <p:bldP build="whole" bldLvl="1" animBg="1" rev="0" advAuto="0" spid="129" grpId="2"/>
-      <p:bldP build="whole" bldLvl="1" animBg="1" rev="0" advAuto="0" spid="133" grpId="5"/>
       <p:bldP build="whole" bldLvl="1" animBg="1" rev="0" advAuto="0" spid="130" grpId="3"/>
-      <p:bldP build="whole" bldLvl="1" animBg="1" rev="0" advAuto="0" spid="128" grpId="1"/>
     </p:bldLst>
   </p:timing>
 </p:sld>
@@ -20546,11 +20552,11 @@
     </p:tnLst>
     <p:bldLst>
       <p:bldP build="whole" bldLvl="1" animBg="1" rev="0" advAuto="0" spid="139" grpId="2"/>
+      <p:bldP build="whole" bldLvl="1" animBg="1" rev="0" advAuto="0" spid="138" grpId="6"/>
+      <p:bldP build="whole" bldLvl="1" animBg="1" rev="0" advAuto="0" spid="139" grpId="4"/>
       <p:bldP build="whole" bldLvl="1" animBg="1" rev="0" advAuto="0" spid="137" grpId="1"/>
-      <p:bldP build="whole" bldLvl="1" animBg="1" rev="0" advAuto="0" spid="139" grpId="4"/>
+      <p:bldP build="whole" bldLvl="1" animBg="1" rev="0" advAuto="0" spid="140" grpId="7"/>
       <p:bldP build="whole" bldLvl="1" animBg="1" rev="0" advAuto="0" spid="137" grpId="3"/>
-      <p:bldP build="whole" bldLvl="1" animBg="1" rev="0" advAuto="0" spid="138" grpId="6"/>
-      <p:bldP build="whole" bldLvl="1" animBg="1" rev="0" advAuto="0" spid="140" grpId="7"/>
     </p:bldLst>
   </p:timing>
 </p:sld>
@@ -21690,8 +21696,8 @@
     </p:tnLst>
     <p:bldLst>
       <p:bldP build="whole" bldLvl="1" animBg="1" rev="0" advAuto="0" spid="147" grpId="5"/>
+      <p:bldP build="whole" bldLvl="1" animBg="1" rev="0" advAuto="0" spid="147" grpId="6"/>
       <p:bldP build="whole" bldLvl="1" animBg="1" rev="0" advAuto="0" spid="145" grpId="1"/>
-      <p:bldP build="whole" bldLvl="1" animBg="1" rev="0" advAuto="0" spid="147" grpId="6"/>
       <p:bldP build="whole" bldLvl="1" animBg="1" rev="0" advAuto="0" spid="146" grpId="7"/>
     </p:bldLst>
   </p:timing>
@@ -23097,10 +23103,10 @@
       </p:par>
     </p:tnLst>
     <p:bldLst>
-      <p:bldP build="whole" bldLvl="1" animBg="1" rev="0" advAuto="0" spid="158" grpId="3"/>
       <p:bldP build="whole" bldLvl="1" animBg="1" rev="0" advAuto="0" spid="159" grpId="4"/>
       <p:bldP build="whole" bldLvl="1" animBg="1" rev="0" advAuto="0" spid="156" grpId="1"/>
       <p:bldP build="whole" bldLvl="1" animBg="1" rev="0" advAuto="0" spid="156" grpId="2"/>
+      <p:bldP build="whole" bldLvl="1" animBg="1" rev="0" advAuto="0" spid="158" grpId="3"/>
     </p:bldLst>
   </p:timing>
 </p:sld>
@@ -23361,14 +23367,14 @@
       </p:sp>
       <p:sp>
         <p:nvSpPr>
-          <p:cNvPr id="168" name="http://bit.ly/postgresql-esgi"/>
+          <p:cNvPr id="168" name="http://bit.ly/postgresql-esgi-2"/>
           <p:cNvSpPr txBox="1"/>
           <p:nvPr/>
         </p:nvSpPr>
         <p:spPr>
           <a:xfrm>
             <a:off x="916808" y="3399395"/>
-            <a:ext cx="6302749" cy="541810"/>
+            <a:ext cx="6729538" cy="541810"/>
           </a:xfrm>
           <a:prstGeom prst="rect">
             <a:avLst/>
@@ -23402,7 +23408,7 @@
           <a:p>
             <a:pPr/>
             <a:r>
-              <a:t>http://bit.ly/postgresql-esgi</a:t>
+              <a:t>http://bit.ly/postgresql-esgi-2</a:t>
             </a:r>
           </a:p>
         </p:txBody>
@@ -23855,11 +23861,11 @@
     </p:tnLst>
     <p:bldLst>
       <p:bldP build="whole" bldLvl="1" animBg="1" rev="0" advAuto="0" spid="167" grpId="6"/>
+      <p:bldP build="whole" bldLvl="1" animBg="1" rev="0" advAuto="0" spid="169" grpId="5"/>
+      <p:bldP build="whole" bldLvl="1" animBg="1" rev="0" advAuto="0" spid="168" grpId="3"/>
+      <p:bldP build="whole" bldLvl="1" animBg="1" rev="0" advAuto="0" spid="165" grpId="2"/>
       <p:bldP build="whole" bldLvl="1" animBg="1" rev="0" advAuto="0" spid="170" grpId="7"/>
-      <p:bldP build="whole" bldLvl="1" animBg="1" rev="0" advAuto="0" spid="168" grpId="3"/>
       <p:bldP build="whole" bldLvl="1" animBg="1" rev="0" advAuto="0" spid="166" grpId="4"/>
-      <p:bldP build="whole" bldLvl="1" animBg="1" rev="0" advAuto="0" spid="165" grpId="2"/>
-      <p:bldP build="whole" bldLvl="1" animBg="1" rev="0" advAuto="0" spid="169" grpId="5"/>
     </p:bldLst>
   </p:timing>
 </p:sld>

--- a/Postgresql.pptx
+++ b/Postgresql.pptx
@@ -7154,12 +7154,12 @@
       </p:par>
     </p:tnLst>
     <p:bldLst>
+      <p:bldP build="whole" bldLvl="1" animBg="1" rev="0" advAuto="0" spid="188" grpId="2"/>
+      <p:bldP build="whole" bldLvl="1" animBg="1" rev="0" advAuto="0" spid="189" grpId="4"/>
       <p:bldP build="whole" bldLvl="1" animBg="1" rev="0" advAuto="0" spid="184" grpId="3"/>
-      <p:bldP build="whole" bldLvl="1" animBg="1" rev="0" advAuto="0" spid="182" grpId="1"/>
       <p:bldP build="whole" bldLvl="1" animBg="1" rev="0" advAuto="0" spid="186" grpId="5"/>
       <p:bldP build="whole" bldLvl="1" animBg="1" rev="0" advAuto="0" spid="190" grpId="6"/>
-      <p:bldP build="whole" bldLvl="1" animBg="1" rev="0" advAuto="0" spid="188" grpId="2"/>
-      <p:bldP build="whole" bldLvl="1" animBg="1" rev="0" advAuto="0" spid="189" grpId="4"/>
+      <p:bldP build="whole" bldLvl="1" animBg="1" rev="0" advAuto="0" spid="182" grpId="1"/>
     </p:bldLst>
   </p:timing>
 </p:sld>
@@ -7833,11 +7833,11 @@
       </p:par>
     </p:tnLst>
     <p:bldLst>
+      <p:bldP build="whole" bldLvl="1" animBg="1" rev="0" advAuto="0" spid="196" grpId="5"/>
       <p:bldP build="whole" bldLvl="1" animBg="1" rev="0" advAuto="0" spid="198" grpId="6"/>
       <p:bldP build="whole" bldLvl="1" animBg="1" rev="0" advAuto="0" spid="195" grpId="3"/>
+      <p:bldP build="whole" bldLvl="1" animBg="1" rev="0" advAuto="0" spid="196" grpId="4"/>
       <p:bldP build="whole" bldLvl="1" animBg="1" rev="0" advAuto="0" spid="194" grpId="1"/>
-      <p:bldP build="whole" bldLvl="1" animBg="1" rev="0" advAuto="0" spid="196" grpId="4"/>
-      <p:bldP build="whole" bldLvl="1" animBg="1" rev="0" advAuto="0" spid="196" grpId="5"/>
       <p:bldP build="whole" bldLvl="1" animBg="1" rev="0" advAuto="0" spid="197" grpId="2"/>
     </p:bldLst>
   </p:timing>
@@ -9433,11 +9433,11 @@
       </p:par>
     </p:tnLst>
     <p:bldLst>
+      <p:bldP build="whole" bldLvl="1" animBg="1" rev="0" advAuto="0" spid="208" grpId="2"/>
+      <p:bldP build="whole" bldLvl="1" animBg="1" rev="0" advAuto="0" spid="210" grpId="4"/>
+      <p:bldP build="whole" bldLvl="1" animBg="1" rev="0" advAuto="0" spid="209" grpId="3"/>
+      <p:bldP build="whole" bldLvl="1" animBg="1" rev="0" advAuto="0" spid="211" grpId="5"/>
       <p:bldP build="whole" bldLvl="1" animBg="1" rev="0" advAuto="0" spid="208" grpId="1"/>
-      <p:bldP build="whole" bldLvl="1" animBg="1" rev="0" advAuto="0" spid="208" grpId="2"/>
-      <p:bldP build="whole" bldLvl="1" animBg="1" rev="0" advAuto="0" spid="209" grpId="3"/>
-      <p:bldP build="whole" bldLvl="1" animBg="1" rev="0" advAuto="0" spid="210" grpId="4"/>
-      <p:bldP build="whole" bldLvl="1" animBg="1" rev="0" advAuto="0" spid="211" grpId="5"/>
     </p:bldLst>
   </p:timing>
 </p:sld>
@@ -10384,9 +10384,9 @@
       </p:par>
     </p:tnLst>
     <p:bldLst>
+      <p:bldP build="whole" bldLvl="1" animBg="1" rev="0" advAuto="0" spid="219" grpId="3"/>
+      <p:bldP build="whole" bldLvl="1" animBg="1" rev="0" advAuto="0" spid="218" grpId="2"/>
       <p:bldP build="whole" bldLvl="1" animBg="1" rev="0" advAuto="0" spid="217" grpId="1"/>
-      <p:bldP build="whole" bldLvl="1" animBg="1" rev="0" advAuto="0" spid="218" grpId="2"/>
-      <p:bldP build="whole" bldLvl="1" animBg="1" rev="0" advAuto="0" spid="219" grpId="3"/>
     </p:bldLst>
   </p:timing>
 </p:sld>
@@ -11383,11 +11383,11 @@
     </p:tnLst>
     <p:bldLst>
       <p:bldP build="whole" bldLvl="1" animBg="1" rev="0" advAuto="0" spid="231" grpId="2"/>
+      <p:bldP build="whole" bldLvl="1" animBg="1" rev="0" advAuto="0" spid="228" grpId="4"/>
+      <p:bldP build="whole" bldLvl="1" animBg="1" rev="0" advAuto="0" spid="234" grpId="9"/>
+      <p:bldP build="whole" bldLvl="1" animBg="1" rev="0" advAuto="0" spid="229" grpId="5"/>
       <p:bldP build="whole" bldLvl="1" animBg="1" rev="0" advAuto="0" spid="233" grpId="3"/>
       <p:bldP build="whole" bldLvl="1" animBg="1" rev="0" advAuto="0" spid="230" grpId="1"/>
-      <p:bldP build="whole" bldLvl="1" animBg="1" rev="0" advAuto="0" spid="229" grpId="5"/>
-      <p:bldP build="whole" bldLvl="1" animBg="1" rev="0" advAuto="0" spid="228" grpId="4"/>
-      <p:bldP build="whole" bldLvl="1" animBg="1" rev="0" advAuto="0" spid="234" grpId="9"/>
     </p:bldLst>
   </p:timing>
 </p:sld>
@@ -14124,16 +14124,16 @@
       </p:par>
     </p:tnLst>
     <p:bldLst>
+      <p:bldP build="whole" bldLvl="1" animBg="1" rev="0" advAuto="0" spid="246" grpId="2"/>
+      <p:bldP build="whole" bldLvl="1" animBg="1" rev="0" advAuto="0" spid="249" grpId="7"/>
+      <p:bldP build="whole" bldLvl="1" animBg="1" rev="0" advAuto="0" spid="250" grpId="8"/>
+      <p:bldP build="whole" bldLvl="1" animBg="1" rev="0" advAuto="0" spid="247" grpId="4"/>
+      <p:bldP build="whole" bldLvl="1" animBg="1" rev="0" advAuto="0" spid="250" grpId="9"/>
+      <p:bldP build="whole" bldLvl="1" animBg="1" rev="0" advAuto="0" spid="244" grpId="1"/>
       <p:bldP build="whole" bldLvl="1" animBg="1" rev="0" advAuto="0" spid="252" grpId="10"/>
-      <p:bldP build="whole" bldLvl="1" animBg="1" rev="0" advAuto="0" spid="250" grpId="8"/>
       <p:bldP build="whole" bldLvl="1" animBg="1" rev="0" advAuto="0" spid="251" grpId="5"/>
-      <p:bldP build="whole" bldLvl="1" animBg="1" rev="0" advAuto="0" spid="246" grpId="2"/>
+      <p:bldP build="whole" bldLvl="1" animBg="1" rev="0" advAuto="0" spid="249" grpId="6"/>
       <p:bldP build="whole" bldLvl="1" animBg="1" rev="0" advAuto="0" spid="246" grpId="3"/>
-      <p:bldP build="whole" bldLvl="1" animBg="1" rev="0" advAuto="0" spid="244" grpId="1"/>
-      <p:bldP build="whole" bldLvl="1" animBg="1" rev="0" advAuto="0" spid="249" grpId="6"/>
-      <p:bldP build="whole" bldLvl="1" animBg="1" rev="0" advAuto="0" spid="249" grpId="7"/>
-      <p:bldP build="whole" bldLvl="1" animBg="1" rev="0" advAuto="0" spid="250" grpId="9"/>
-      <p:bldP build="whole" bldLvl="1" animBg="1" rev="0" advAuto="0" spid="247" grpId="4"/>
     </p:bldLst>
   </p:timing>
 </p:sld>
@@ -14500,8 +14500,8 @@
       </p:par>
     </p:tnLst>
     <p:bldLst>
+      <p:bldP build="whole" bldLvl="1" animBg="1" rev="0" advAuto="0" spid="123" grpId="1"/>
       <p:bldP build="whole" bldLvl="1" animBg="1" rev="0" advAuto="0" spid="124" grpId="2"/>
-      <p:bldP build="whole" bldLvl="1" animBg="1" rev="0" advAuto="0" spid="123" grpId="1"/>
     </p:bldLst>
   </p:timing>
 </p:sld>
@@ -17583,13 +17583,13 @@
       </p:par>
     </p:tnLst>
     <p:bldLst>
+      <p:bldP build="whole" bldLvl="1" animBg="1" rev="0" advAuto="0" spid="265" grpId="3"/>
+      <p:bldP build="whole" bldLvl="1" animBg="1" rev="0" advAuto="0" spid="267" grpId="5"/>
       <p:bldP build="whole" bldLvl="1" animBg="1" rev="0" advAuto="0" spid="267" grpId="6"/>
+      <p:bldP build="whole" bldLvl="1" animBg="1" rev="0" advAuto="0" spid="268" grpId="7"/>
+      <p:bldP build="whole" bldLvl="1" animBg="1" rev="0" advAuto="0" spid="269" grpId="4"/>
       <p:bldP build="whole" bldLvl="1" animBg="1" rev="0" advAuto="0" spid="263" grpId="2"/>
-      <p:bldP build="whole" bldLvl="1" animBg="1" rev="0" advAuto="0" spid="265" grpId="3"/>
-      <p:bldP build="whole" bldLvl="1" animBg="1" rev="0" advAuto="0" spid="268" grpId="7"/>
       <p:bldP build="whole" bldLvl="1" animBg="1" rev="0" advAuto="0" spid="270" grpId="1"/>
-      <p:bldP build="whole" bldLvl="1" animBg="1" rev="0" advAuto="0" spid="269" grpId="4"/>
-      <p:bldP build="whole" bldLvl="1" animBg="1" rev="0" advAuto="0" spid="267" grpId="5"/>
     </p:bldLst>
   </p:timing>
 </p:sld>
@@ -18393,12 +18393,12 @@
       </p:par>
     </p:tnLst>
     <p:bldLst>
+      <p:bldP build="whole" bldLvl="1" animBg="1" rev="0" advAuto="0" spid="281" grpId="3"/>
+      <p:bldP build="whole" bldLvl="1" animBg="1" rev="0" advAuto="0" spid="277" grpId="2"/>
+      <p:bldP build="whole" bldLvl="1" animBg="1" rev="0" advAuto="0" spid="275" grpId="1"/>
       <p:bldP build="whole" bldLvl="1" animBg="1" rev="0" advAuto="0" spid="280" grpId="6"/>
-      <p:bldP build="whole" bldLvl="1" animBg="1" rev="0" advAuto="0" spid="275" grpId="1"/>
       <p:bldP build="whole" bldLvl="1" animBg="1" rev="0" advAuto="0" spid="279" grpId="4"/>
       <p:bldP build="whole" bldLvl="1" animBg="1" rev="0" advAuto="0" spid="279" grpId="5"/>
-      <p:bldP build="whole" bldLvl="1" animBg="1" rev="0" advAuto="0" spid="277" grpId="2"/>
-      <p:bldP build="whole" bldLvl="1" animBg="1" rev="0" advAuto="0" spid="281" grpId="3"/>
     </p:bldLst>
   </p:timing>
 </p:sld>
@@ -19321,13 +19321,13 @@
       </p:par>
     </p:tnLst>
     <p:bldLst>
-      <p:bldP build="whole" bldLvl="1" animBg="1" rev="0" advAuto="0" spid="291" grpId="6"/>
-      <p:bldP build="whole" bldLvl="1" animBg="1" rev="0" advAuto="0" spid="286" grpId="1"/>
       <p:bldP build="whole" bldLvl="1" animBg="1" rev="0" advAuto="0" spid="288" grpId="2"/>
       <p:bldP build="whole" bldLvl="1" animBg="1" rev="0" advAuto="0" spid="290" grpId="4"/>
       <p:bldP build="whole" bldLvl="1" animBg="1" rev="0" advAuto="0" spid="290" grpId="5"/>
+      <p:bldP build="whole" bldLvl="1" animBg="1" rev="0" advAuto="0" spid="286" grpId="1"/>
+      <p:bldP build="whole" bldLvl="1" animBg="1" rev="0" advAuto="0" spid="291" grpId="6"/>
+      <p:bldP build="whole" bldLvl="1" animBg="1" rev="0" advAuto="0" spid="293" grpId="7"/>
       <p:bldP build="whole" bldLvl="1" animBg="1" rev="0" advAuto="0" spid="292" grpId="3"/>
-      <p:bldP build="whole" bldLvl="1" animBg="1" rev="0" advAuto="0" spid="293" grpId="7"/>
     </p:bldLst>
   </p:timing>
 </p:sld>
@@ -19837,9 +19837,9 @@
       </p:par>
     </p:tnLst>
     <p:bldLst>
-      <p:bldP build="whole" bldLvl="1" animBg="1" rev="0" advAuto="0" spid="300" grpId="2"/>
       <p:bldP build="whole" bldLvl="1" animBg="1" rev="0" advAuto="0" spid="302" grpId="3"/>
       <p:bldP build="whole" bldLvl="1" animBg="1" rev="0" advAuto="0" spid="299" grpId="1"/>
+      <p:bldP build="whole" bldLvl="1" animBg="1" rev="0" advAuto="0" spid="300" grpId="2"/>
     </p:bldLst>
   </p:timing>
 </p:sld>
@@ -21039,9 +21039,9 @@
       </p:par>
     </p:tnLst>
     <p:bldLst>
+      <p:bldP build="whole" bldLvl="1" animBg="1" rev="0" advAuto="0" spid="314" grpId="1"/>
+      <p:bldP build="whole" bldLvl="1" animBg="1" rev="0" advAuto="0" spid="315" grpId="2"/>
       <p:bldP build="whole" bldLvl="1" animBg="1" rev="0" advAuto="0" spid="317" grpId="3"/>
-      <p:bldP build="whole" bldLvl="1" animBg="1" rev="0" advAuto="0" spid="315" grpId="2"/>
-      <p:bldP build="whole" bldLvl="1" animBg="1" rev="0" advAuto="0" spid="314" grpId="1"/>
     </p:bldLst>
   </p:timing>
 </p:sld>
@@ -22750,11 +22750,11 @@
       </p:par>
     </p:tnLst>
     <p:bldLst>
+      <p:bldP build="whole" bldLvl="1" animBg="1" rev="0" advAuto="0" spid="129" grpId="2"/>
+      <p:bldP build="whole" bldLvl="1" animBg="1" rev="0" advAuto="0" spid="130" grpId="3"/>
       <p:bldP build="whole" bldLvl="1" animBg="1" rev="0" advAuto="0" spid="131" grpId="4"/>
       <p:bldP build="whole" bldLvl="1" animBg="1" rev="0" advAuto="0" spid="128" grpId="1"/>
-      <p:bldP build="whole" bldLvl="1" animBg="1" rev="0" advAuto="0" spid="129" grpId="2"/>
       <p:bldP build="whole" bldLvl="1" animBg="1" rev="0" advAuto="0" spid="133" grpId="5"/>
-      <p:bldP build="whole" bldLvl="1" animBg="1" rev="0" advAuto="0" spid="130" grpId="3"/>
     </p:bldLst>
   </p:timing>
 </p:sld>
@@ -23773,9 +23773,9 @@
       </p:par>
     </p:tnLst>
     <p:bldLst>
+      <p:bldP build="whole" bldLvl="1" animBg="1" rev="0" advAuto="0" spid="334" grpId="3"/>
       <p:bldP build="whole" bldLvl="1" animBg="1" rev="0" advAuto="0" spid="331" grpId="1"/>
       <p:bldP build="whole" bldLvl="1" animBg="1" rev="0" advAuto="0" spid="332" grpId="2"/>
-      <p:bldP build="whole" bldLvl="1" animBg="1" rev="0" advAuto="0" spid="334" grpId="3"/>
     </p:bldLst>
   </p:timing>
 </p:sld>
@@ -24168,8 +24168,8 @@
       </p:par>
     </p:tnLst>
     <p:bldLst>
+      <p:bldP build="whole" bldLvl="1" animBg="1" rev="0" advAuto="0" spid="341" grpId="1"/>
       <p:bldP build="whole" bldLvl="1" animBg="1" rev="0" advAuto="0" spid="342" grpId="2"/>
-      <p:bldP build="whole" bldLvl="1" animBg="1" rev="0" advAuto="0" spid="341" grpId="1"/>
     </p:bldLst>
   </p:timing>
 </p:sld>
@@ -24640,8 +24640,8 @@
       </p:par>
     </p:tnLst>
     <p:bldLst>
+      <p:bldP build="whole" bldLvl="1" animBg="1" rev="0" advAuto="0" spid="346" grpId="1"/>
       <p:bldP build="whole" bldLvl="1" animBg="1" rev="0" advAuto="0" spid="347" grpId="2"/>
-      <p:bldP build="whole" bldLvl="1" animBg="1" rev="0" advAuto="0" spid="346" grpId="1"/>
     </p:bldLst>
   </p:timing>
 </p:sld>
@@ -25300,8 +25300,8 @@
       </p:par>
     </p:tnLst>
     <p:bldLst>
+      <p:bldP build="whole" bldLvl="1" animBg="1" rev="0" advAuto="0" spid="363" grpId="2"/>
       <p:bldP build="whole" bldLvl="1" animBg="1" rev="0" advAuto="0" spid="362" grpId="1"/>
-      <p:bldP build="whole" bldLvl="1" animBg="1" rev="0" advAuto="0" spid="363" grpId="2"/>
     </p:bldLst>
   </p:timing>
 </p:sld>
@@ -27247,9 +27247,9 @@
       </p:par>
     </p:tnLst>
     <p:bldLst>
-      <p:bldP build="whole" bldLvl="1" animBg="1" rev="0" advAuto="0" spid="386" grpId="2"/>
       <p:bldP build="whole" bldLvl="1" animBg="1" rev="0" advAuto="0" spid="388" grpId="4"/>
       <p:bldP build="whole" bldLvl="1" animBg="1" rev="0" advAuto="0" spid="387" grpId="3"/>
+      <p:bldP build="whole" bldLvl="1" animBg="1" rev="0" advAuto="0" spid="386" grpId="2"/>
     </p:bldLst>
   </p:timing>
 </p:sld>
@@ -30612,16 +30612,16 @@
       </p:par>
     </p:tnLst>
     <p:bldLst>
+      <p:bldP build="whole" bldLvl="1" animBg="1" rev="0" advAuto="0" spid="403" grpId="4"/>
+      <p:bldP build="whole" bldLvl="1" animBg="1" rev="0" advAuto="0" spid="401" grpId="2"/>
+      <p:bldP build="whole" bldLvl="1" animBg="1" rev="0" advAuto="0" spid="398" grpId="6"/>
+      <p:bldP build="whole" bldLvl="1" animBg="1" rev="0" advAuto="0" spid="402" grpId="10"/>
+      <p:bldP build="whole" bldLvl="1" animBg="1" rev="0" advAuto="0" spid="395" grpId="5"/>
+      <p:bldP build="whole" bldLvl="1" animBg="1" rev="0" advAuto="0" spid="394" grpId="3"/>
+      <p:bldP build="whole" bldLvl="1" animBg="1" rev="0" advAuto="0" spid="400" grpId="7"/>
       <p:bldP build="whole" bldLvl="1" animBg="1" rev="0" advAuto="0" spid="401" grpId="9"/>
       <p:bldP build="whole" bldLvl="1" animBg="1" rev="0" advAuto="0" spid="397" grpId="1"/>
-      <p:bldP build="whole" bldLvl="1" animBg="1" rev="0" advAuto="0" spid="400" grpId="7"/>
       <p:bldP build="whole" bldLvl="1" animBg="1" rev="0" advAuto="0" spid="404" grpId="8"/>
-      <p:bldP build="whole" bldLvl="1" animBg="1" rev="0" advAuto="0" spid="403" grpId="4"/>
-      <p:bldP build="whole" bldLvl="1" animBg="1" rev="0" advAuto="0" spid="394" grpId="3"/>
-      <p:bldP build="whole" bldLvl="1" animBg="1" rev="0" advAuto="0" spid="401" grpId="2"/>
-      <p:bldP build="whole" bldLvl="1" animBg="1" rev="0" advAuto="0" spid="398" grpId="6"/>
-      <p:bldP build="whole" bldLvl="1" animBg="1" rev="0" advAuto="0" spid="395" grpId="5"/>
-      <p:bldP build="whole" bldLvl="1" animBg="1" rev="0" advAuto="0" spid="402" grpId="10"/>
     </p:bldLst>
   </p:timing>
 </p:sld>
@@ -32274,12 +32274,12 @@
       </p:par>
     </p:tnLst>
     <p:bldLst>
-      <p:bldP build="whole" bldLvl="1" animBg="1" rev="0" advAuto="0" spid="138" grpId="6"/>
-      <p:bldP build="whole" bldLvl="1" animBg="1" rev="0" advAuto="0" spid="140" grpId="7"/>
       <p:bldP build="whole" bldLvl="1" animBg="1" rev="0" advAuto="0" spid="139" grpId="2"/>
       <p:bldP build="whole" bldLvl="1" animBg="1" rev="0" advAuto="0" spid="137" grpId="1"/>
       <p:bldP build="whole" bldLvl="1" animBg="1" rev="0" advAuto="0" spid="137" grpId="3"/>
       <p:bldP build="whole" bldLvl="1" animBg="1" rev="0" advAuto="0" spid="139" grpId="4"/>
+      <p:bldP build="whole" bldLvl="1" animBg="1" rev="0" advAuto="0" spid="138" grpId="6"/>
+      <p:bldP build="whole" bldLvl="1" animBg="1" rev="0" advAuto="0" spid="140" grpId="7"/>
     </p:bldLst>
   </p:timing>
 </p:sld>
@@ -33019,12 +33019,12 @@
       </p:par>
     </p:tnLst>
     <p:bldLst>
+      <p:bldP build="whole" bldLvl="1" animBg="1" rev="0" advAuto="0" spid="410" grpId="5"/>
       <p:bldP build="whole" bldLvl="1" animBg="1" rev="0" advAuto="0" spid="412" grpId="6"/>
       <p:bldP build="whole" bldLvl="1" animBg="1" rev="0" advAuto="0" spid="413" grpId="1"/>
       <p:bldP build="whole" bldLvl="1" animBg="1" rev="0" advAuto="0" spid="415" grpId="2"/>
       <p:bldP build="whole" bldLvl="1" animBg="1" rev="0" advAuto="0" spid="410" grpId="4"/>
       <p:bldP build="whole" bldLvl="1" animBg="1" rev="0" advAuto="0" spid="411" grpId="3"/>
-      <p:bldP build="whole" bldLvl="1" animBg="1" rev="0" advAuto="0" spid="410" grpId="5"/>
     </p:bldLst>
   </p:timing>
 </p:sld>
@@ -39423,10 +39423,10 @@
       </p:par>
     </p:tnLst>
     <p:bldLst>
-      <p:bldP build="whole" bldLvl="1" animBg="1" rev="0" advAuto="0" spid="146" grpId="7"/>
       <p:bldP build="whole" bldLvl="1" animBg="1" rev="0" advAuto="0" spid="147" grpId="5"/>
       <p:bldP build="whole" bldLvl="1" animBg="1" rev="0" advAuto="0" spid="147" grpId="6"/>
       <p:bldP build="whole" bldLvl="1" animBg="1" rev="0" advAuto="0" spid="145" grpId="1"/>
+      <p:bldP build="whole" bldLvl="1" animBg="1" rev="0" advAuto="0" spid="146" grpId="7"/>
     </p:bldLst>
   </p:timing>
 </p:sld>
@@ -41076,11 +41076,11 @@
       </p:par>
     </p:tnLst>
     <p:bldLst>
-      <p:bldP build="whole" bldLvl="1" animBg="1" rev="0" advAuto="0" spid="485" grpId="2"/>
       <p:bldP build="whole" bldLvl="1" animBg="1" rev="0" advAuto="0" spid="484" grpId="1"/>
+      <p:bldP build="whole" bldLvl="1" animBg="1" rev="0" advAuto="0" spid="483" grpId="6"/>
       <p:bldP build="whole" bldLvl="1" animBg="1" rev="0" advAuto="0" spid="484" grpId="4"/>
       <p:bldP build="whole" bldLvl="1" animBg="1" rev="0" advAuto="0" spid="485" grpId="5"/>
-      <p:bldP build="whole" bldLvl="1" animBg="1" rev="0" advAuto="0" spid="483" grpId="6"/>
+      <p:bldP build="whole" bldLvl="1" animBg="1" rev="0" advAuto="0" spid="485" grpId="2"/>
     </p:bldLst>
   </p:timing>
 </p:sld>
@@ -44342,10 +44342,10 @@
     </p:tnLst>
     <p:bldLst>
       <p:bldP build="whole" bldLvl="1" animBg="1" rev="0" advAuto="0" spid="165" grpId="2"/>
-      <p:bldP build="whole" bldLvl="1" animBg="1" rev="0" advAuto="0" spid="169" grpId="5"/>
-      <p:bldP build="whole" bldLvl="1" animBg="1" rev="0" advAuto="0" spid="167" grpId="6"/>
       <p:bldP build="whole" bldLvl="1" animBg="1" rev="0" advAuto="0" spid="170" grpId="7"/>
       <p:bldP build="whole" bldLvl="1" animBg="1" rev="0" advAuto="0" spid="168" grpId="3"/>
+      <p:bldP build="whole" bldLvl="1" animBg="1" rev="0" advAuto="0" spid="167" grpId="6"/>
+      <p:bldP build="whole" bldLvl="1" animBg="1" rev="0" advAuto="0" spid="169" grpId="5"/>
       <p:bldP build="whole" bldLvl="1" animBg="1" rev="0" advAuto="0" spid="166" grpId="4"/>
     </p:bldLst>
   </p:timing>

--- a/Postgresql.pptx
+++ b/Postgresql.pptx
@@ -61,6 +61,17 @@
     <p:sldId id="306" r:id="rId58"/>
     <p:sldId id="307" r:id="rId59"/>
     <p:sldId id="308" r:id="rId60"/>
+    <p:sldId id="309" r:id="rId61"/>
+    <p:sldId id="310" r:id="rId62"/>
+    <p:sldId id="311" r:id="rId63"/>
+    <p:sldId id="312" r:id="rId64"/>
+    <p:sldId id="313" r:id="rId65"/>
+    <p:sldId id="314" r:id="rId66"/>
+    <p:sldId id="315" r:id="rId67"/>
+    <p:sldId id="316" r:id="rId68"/>
+    <p:sldId id="317" r:id="rId69"/>
+    <p:sldId id="318" r:id="rId70"/>
+    <p:sldId id="319" r:id="rId71"/>
   </p:sldIdLst>
   <p:sldSz cx="13004800" cy="9753600"/>
   <p:notesSz cx="6858000" cy="9144000"/>
@@ -2091,6 +2102,54 @@
                 <a:sym typeface="Monaco"/>
               </a:defRPr>
             </a:pPr>
+          </a:p>
+          <a:p>
+            <a:pPr defTabSz="584200">
+              <a:lnSpc>
+                <a:spcPct val="100000"/>
+              </a:lnSpc>
+              <a:defRPr sz="1900">
+                <a:solidFill>
+                  <a:srgbClr val="5A5F5E"/>
+                </a:solidFill>
+                <a:latin typeface="Monaco"/>
+                <a:ea typeface="Monaco"/>
+                <a:cs typeface="Monaco"/>
+                <a:sym typeface="Monaco"/>
+              </a:defRPr>
+            </a:pPr>
+          </a:p>
+          <a:p>
+            <a:pPr defTabSz="584200">
+              <a:lnSpc>
+                <a:spcPct val="100000"/>
+              </a:lnSpc>
+              <a:defRPr sz="1900">
+                <a:solidFill>
+                  <a:srgbClr val="5A5F5E"/>
+                </a:solidFill>
+                <a:latin typeface="Monaco"/>
+                <a:ea typeface="Monaco"/>
+                <a:cs typeface="Monaco"/>
+                <a:sym typeface="Monaco"/>
+              </a:defRPr>
+            </a:pPr>
+          </a:p>
+          <a:p>
+            <a:pPr defTabSz="584200">
+              <a:lnSpc>
+                <a:spcPct val="100000"/>
+              </a:lnSpc>
+              <a:defRPr sz="1900">
+                <a:solidFill>
+                  <a:srgbClr val="5A5F5E"/>
+                </a:solidFill>
+                <a:latin typeface="Monaco"/>
+                <a:ea typeface="Monaco"/>
+                <a:cs typeface="Monaco"/>
+                <a:sym typeface="Monaco"/>
+              </a:defRPr>
+            </a:pPr>
             <a:r>
               <a:t>1/ SELECT * FROM utilisateur u INNER JOIN commande c ON u.id = c.id_utilisateur;</a:t>
             </a:r>
@@ -2488,6 +2547,648 @@
 </p:notes>
 </file>
 
+<file path=ppt/notesSlides/notesSlide27.xml><?xml version="1.0" encoding="utf-8"?>
+<p:notes xmlns:a="http://schemas.openxmlformats.org/drawingml/2006/main" xmlns:r="http://schemas.openxmlformats.org/officeDocument/2006/relationships" xmlns:p="http://schemas.openxmlformats.org/presentationml/2006/main" xmlns:m="http://schemas.openxmlformats.org/officeDocument/2006/math" xmlns:a14="http://schemas.microsoft.com/office/drawing/2010/main" showMasterSp="1" showMasterPhAnim="1">
+  <p:cSld>
+    <p:spTree>
+      <p:nvGrpSpPr>
+        <p:cNvPr id="1" name=""/>
+        <p:cNvGrpSpPr/>
+        <p:nvPr/>
+      </p:nvGrpSpPr>
+      <p:grpSpPr>
+        <a:xfrm>
+          <a:off x="0" y="0"/>
+          <a:ext cx="0" cy="0"/>
+          <a:chOff x="0" y="0"/>
+          <a:chExt cx="0" cy="0"/>
+        </a:xfrm>
+      </p:grpSpPr>
+      <p:sp>
+        <p:nvSpPr>
+          <p:cNvPr id="498" name="Shape 498"/>
+          <p:cNvSpPr/>
+          <p:nvPr>
+            <p:ph type="sldImg"/>
+          </p:nvPr>
+        </p:nvSpPr>
+        <p:spPr>
+          <a:prstGeom prst="rect">
+            <a:avLst/>
+          </a:prstGeom>
+        </p:spPr>
+        <p:txBody>
+          <a:bodyPr/>
+          <a:lstStyle/>
+          <a:p>
+            <a:pPr/>
+          </a:p>
+        </p:txBody>
+      </p:sp>
+      <p:sp>
+        <p:nvSpPr>
+          <p:cNvPr id="499" name="Shape 499"/>
+          <p:cNvSpPr/>
+          <p:nvPr>
+            <p:ph type="body" sz="quarter" idx="1"/>
+          </p:nvPr>
+        </p:nvSpPr>
+        <p:spPr>
+          <a:prstGeom prst="rect">
+            <a:avLst/>
+          </a:prstGeom>
+        </p:spPr>
+        <p:txBody>
+          <a:bodyPr/>
+          <a:lstStyle/>
+          <a:p>
+            <a:pPr defTabSz="584200">
+              <a:lnSpc>
+                <a:spcPct val="100000"/>
+              </a:lnSpc>
+              <a:defRPr sz="1900">
+                <a:solidFill>
+                  <a:srgbClr val="5A5F5E"/>
+                </a:solidFill>
+                <a:latin typeface="Monaco"/>
+                <a:ea typeface="Monaco"/>
+                <a:cs typeface="Monaco"/>
+                <a:sym typeface="Monaco"/>
+              </a:defRPr>
+            </a:pPr>
+            <a:r>
+              <a:t>1/ SELECT nom, prenom, inscription, current_date - inscription as jours FROM utilisateur;</a:t>
+            </a:r>
+          </a:p>
+          <a:p>
+            <a:pPr defTabSz="584200">
+              <a:lnSpc>
+                <a:spcPct val="100000"/>
+              </a:lnSpc>
+              <a:defRPr sz="1900">
+                <a:solidFill>
+                  <a:srgbClr val="5A5F5E"/>
+                </a:solidFill>
+                <a:latin typeface="Monaco"/>
+                <a:ea typeface="Monaco"/>
+                <a:cs typeface="Monaco"/>
+                <a:sym typeface="Monaco"/>
+              </a:defRPr>
+            </a:pPr>
+            <a:r>
+              <a:t>2/ SELECT nom, prenom, inscription, current_date - inscription as jours FROM utilisateur GROUP BY nom, prenom, inscription HAVING current_date - inscription &gt; 365 ORDER BY jours DESC;</a:t>
+            </a:r>
+          </a:p>
+          <a:p>
+            <a:pPr defTabSz="584200">
+              <a:lnSpc>
+                <a:spcPct val="100000"/>
+              </a:lnSpc>
+              <a:defRPr sz="1900">
+                <a:solidFill>
+                  <a:srgbClr val="5A5F5E"/>
+                </a:solidFill>
+                <a:latin typeface="Monaco"/>
+                <a:ea typeface="Monaco"/>
+                <a:cs typeface="Monaco"/>
+                <a:sym typeface="Monaco"/>
+              </a:defRPr>
+            </a:pPr>
+            <a:r>
+              <a:t>3/ SELECT string_agg(email, '; ') AS emails FROM utilisateur;</a:t>
+            </a:r>
+          </a:p>
+          <a:p>
+            <a:pPr defTabSz="584200">
+              <a:lnSpc>
+                <a:spcPct val="100000"/>
+              </a:lnSpc>
+              <a:defRPr sz="1900">
+                <a:solidFill>
+                  <a:srgbClr val="5A5F5E"/>
+                </a:solidFill>
+                <a:latin typeface="Monaco"/>
+                <a:ea typeface="Monaco"/>
+                <a:cs typeface="Monaco"/>
+                <a:sym typeface="Monaco"/>
+              </a:defRPr>
+            </a:pPr>
+            <a:r>
+              <a:t>4/ SELECT c.id, c.date, string_agg(p.nom, ', ') AS produits FROM commande c INNER JOIN contenucommande cc ON c.id = cc.id_commande INNER JOIN produit p on p.id = cc.id_produit GROUP BY c.id;</a:t>
+            </a:r>
+          </a:p>
+          <a:p>
+            <a:pPr defTabSz="584200">
+              <a:lnSpc>
+                <a:spcPct val="100000"/>
+              </a:lnSpc>
+              <a:defRPr sz="1900">
+                <a:solidFill>
+                  <a:srgbClr val="5A5F5E"/>
+                </a:solidFill>
+                <a:latin typeface="Monaco"/>
+                <a:ea typeface="Monaco"/>
+                <a:cs typeface="Monaco"/>
+                <a:sym typeface="Monaco"/>
+              </a:defRPr>
+            </a:pPr>
+            <a:r>
+              <a:t>5/ SELECT nom, prixht, prixht * 1.2 as prixttc FROM produit;</a:t>
+            </a:r>
+          </a:p>
+          <a:p>
+            <a:pPr defTabSz="584200">
+              <a:lnSpc>
+                <a:spcPct val="100000"/>
+              </a:lnSpc>
+              <a:defRPr sz="1900">
+                <a:solidFill>
+                  <a:srgbClr val="5A5F5E"/>
+                </a:solidFill>
+                <a:latin typeface="Monaco"/>
+                <a:ea typeface="Monaco"/>
+                <a:cs typeface="Monaco"/>
+                <a:sym typeface="Monaco"/>
+              </a:defRPr>
+            </a:pPr>
+            <a:r>
+              <a:t>6/ SELECT p.nom, SUM(cc.qte)  FROM produit p INNER JOIN contenucommande cc ON cc.id_produit = p.id GROUP BY p.nom;</a:t>
+            </a:r>
+          </a:p>
+          <a:p>
+            <a:pPr defTabSz="584200">
+              <a:lnSpc>
+                <a:spcPct val="100000"/>
+              </a:lnSpc>
+              <a:defRPr sz="1900">
+                <a:solidFill>
+                  <a:srgbClr val="5A5F5E"/>
+                </a:solidFill>
+                <a:latin typeface="Monaco"/>
+                <a:ea typeface="Monaco"/>
+                <a:cs typeface="Monaco"/>
+                <a:sym typeface="Monaco"/>
+              </a:defRPr>
+            </a:pPr>
+            <a:r>
+              <a:t>7/ SELECT u.nom, prenom, SUM(cc.qte * prixht) as montantHT, SUM((cc.qte * prixht) * 1.2) as montantTTC FROM utilisateur u</a:t>
+            </a:r>
+          </a:p>
+          <a:p>
+            <a:pPr defTabSz="584200">
+              <a:lnSpc>
+                <a:spcPct val="100000"/>
+              </a:lnSpc>
+              <a:defRPr sz="1900">
+                <a:solidFill>
+                  <a:srgbClr val="5A5F5E"/>
+                </a:solidFill>
+                <a:latin typeface="Monaco"/>
+                <a:ea typeface="Monaco"/>
+                <a:cs typeface="Monaco"/>
+                <a:sym typeface="Monaco"/>
+              </a:defRPr>
+            </a:pPr>
+            <a:r>
+              <a:t>INNER JOIN commande c ON u.id = c.id_utilisateur</a:t>
+            </a:r>
+          </a:p>
+          <a:p>
+            <a:pPr defTabSz="584200">
+              <a:lnSpc>
+                <a:spcPct val="100000"/>
+              </a:lnSpc>
+              <a:defRPr sz="1900">
+                <a:solidFill>
+                  <a:srgbClr val="5A5F5E"/>
+                </a:solidFill>
+                <a:latin typeface="Monaco"/>
+                <a:ea typeface="Monaco"/>
+                <a:cs typeface="Monaco"/>
+                <a:sym typeface="Monaco"/>
+              </a:defRPr>
+            </a:pPr>
+            <a:r>
+              <a:t>INNER JOIN contenucommande cc ON c.id = cc.id_commande</a:t>
+            </a:r>
+          </a:p>
+          <a:p>
+            <a:pPr defTabSz="584200">
+              <a:lnSpc>
+                <a:spcPct val="100000"/>
+              </a:lnSpc>
+              <a:defRPr sz="1900">
+                <a:solidFill>
+                  <a:srgbClr val="5A5F5E"/>
+                </a:solidFill>
+                <a:latin typeface="Monaco"/>
+                <a:ea typeface="Monaco"/>
+                <a:cs typeface="Monaco"/>
+                <a:sym typeface="Monaco"/>
+              </a:defRPr>
+            </a:pPr>
+            <a:r>
+              <a:t>INNER JOIN produit p on cc.id_produit = p.id</a:t>
+            </a:r>
+          </a:p>
+          <a:p>
+            <a:pPr defTabSz="584200">
+              <a:lnSpc>
+                <a:spcPct val="100000"/>
+              </a:lnSpc>
+              <a:defRPr sz="1900">
+                <a:solidFill>
+                  <a:srgbClr val="5A5F5E"/>
+                </a:solidFill>
+                <a:latin typeface="Monaco"/>
+                <a:ea typeface="Monaco"/>
+                <a:cs typeface="Monaco"/>
+                <a:sym typeface="Monaco"/>
+              </a:defRPr>
+            </a:pPr>
+            <a:r>
+              <a:t>GROUP BY u.nom, u.prenom, c.id;</a:t>
+            </a:r>
+          </a:p>
+          <a:p>
+            <a:pPr defTabSz="584200">
+              <a:lnSpc>
+                <a:spcPct val="100000"/>
+              </a:lnSpc>
+              <a:defRPr sz="1900">
+                <a:solidFill>
+                  <a:srgbClr val="5A5F5E"/>
+                </a:solidFill>
+                <a:latin typeface="Monaco"/>
+                <a:ea typeface="Monaco"/>
+                <a:cs typeface="Monaco"/>
+                <a:sym typeface="Monaco"/>
+              </a:defRPr>
+            </a:pPr>
+            <a:r>
+              <a:t>8/ SELECT nom, SUM(cc.qte) as ventes FROM contenucommande cc INNER JOIN produit p ON p.id = cc.id_produit GROUP BY nom ORDER BY ventes DESC;</a:t>
+            </a:r>
+          </a:p>
+          <a:p>
+            <a:pPr defTabSz="584200">
+              <a:lnSpc>
+                <a:spcPct val="100000"/>
+              </a:lnSpc>
+              <a:defRPr sz="1900">
+                <a:solidFill>
+                  <a:srgbClr val="5A5F5E"/>
+                </a:solidFill>
+                <a:latin typeface="Monaco"/>
+                <a:ea typeface="Monaco"/>
+                <a:cs typeface="Monaco"/>
+                <a:sym typeface="Monaco"/>
+              </a:defRPr>
+            </a:pPr>
+            <a:r>
+              <a:t>9/ SELECT u.nom, u.prenom, SUM(cc.qte) as qte FROM utilisateur u LEFT JOIN commande c ON c.id_utilisateur = u.id LEFT JOIN contenucommande cc ON cc.id_commande = c.id GROUP BY u.nom, u.prenom, u.id;</a:t>
+            </a:r>
+          </a:p>
+          <a:p>
+            <a:pPr defTabSz="584200">
+              <a:lnSpc>
+                <a:spcPct val="100000"/>
+              </a:lnSpc>
+              <a:defRPr sz="1900">
+                <a:solidFill>
+                  <a:srgbClr val="5A5F5E"/>
+                </a:solidFill>
+                <a:latin typeface="Monaco"/>
+                <a:ea typeface="Monaco"/>
+                <a:cs typeface="Monaco"/>
+                <a:sym typeface="Monaco"/>
+              </a:defRPr>
+            </a:pPr>
+            <a:r>
+              <a:t>10/ SELECT u.id, u.nom, u.prenom, sum(p.prixht * cc.qte) as depenses FROM utilisateur u LEFT JOIN commande c ON c.id_utilisateur = u.id LEFT JOIN contenucommande cc ON cc.id_commande = c.id LEFT JOIN produit p ON p.id = cc.id_produit GROUP BY u.id, u.nom, u.prenom;</a:t>
+            </a:r>
+          </a:p>
+          <a:p>
+            <a:pPr defTabSz="584200">
+              <a:lnSpc>
+                <a:spcPct val="100000"/>
+              </a:lnSpc>
+              <a:defRPr sz="1900">
+                <a:solidFill>
+                  <a:srgbClr val="5A5F5E"/>
+                </a:solidFill>
+                <a:latin typeface="Monaco"/>
+                <a:ea typeface="Monaco"/>
+                <a:cs typeface="Monaco"/>
+                <a:sym typeface="Monaco"/>
+              </a:defRPr>
+            </a:pPr>
+            <a:r>
+              <a:t>11/ SELECT c.id as commande, u.nom, u.prenom, sum(cc.qte * p.prixht) as montant FROM commande c LEFT JOIN contenucommande cc ON cc.id_commande = c.id LEFT JOIN produit p ON p.id = cc.id_produit LEFT JOIN utilisateur u ON u.id = c.id_utilisateur GROUP BY c.id, u.nom, u.prenom;</a:t>
+            </a:r>
+          </a:p>
+          <a:p>
+            <a:pPr defTabSz="584200">
+              <a:lnSpc>
+                <a:spcPct val="100000"/>
+              </a:lnSpc>
+              <a:defRPr sz="1900">
+                <a:solidFill>
+                  <a:srgbClr val="5A5F5E"/>
+                </a:solidFill>
+                <a:latin typeface="Monaco"/>
+                <a:ea typeface="Monaco"/>
+                <a:cs typeface="Monaco"/>
+                <a:sym typeface="Monaco"/>
+              </a:defRPr>
+            </a:pPr>
+            <a:r>
+              <a:t>12/ SELECT AVG(p.prixht * cc.qte) as moyenne FROM commande c INNER JOIN contenucommande cc ON cc.id_commande = c.id INNER JOIN produit p ON p.id = cc.id_produit;</a:t>
+            </a:r>
+          </a:p>
+          <a:p>
+            <a:pPr defTabSz="584200">
+              <a:lnSpc>
+                <a:spcPct val="100000"/>
+              </a:lnSpc>
+              <a:defRPr sz="1900">
+                <a:solidFill>
+                  <a:srgbClr val="5A5F5E"/>
+                </a:solidFill>
+                <a:latin typeface="Monaco"/>
+                <a:ea typeface="Monaco"/>
+                <a:cs typeface="Monaco"/>
+                <a:sym typeface="Monaco"/>
+              </a:defRPr>
+            </a:pPr>
+            <a:r>
+              <a:t>13/ SELECT u.nom, u.prenom, sum(p.prixht * cc.qte) / count(distinct(c.id)) as moyenne FROM utilisateur u INNER JOIN commande c ON c.id_utilisateur = u.id INNER JOIN contenucommande cc ON cc.id_commande = c.id INNER JOIN produit p ON p.id = cc.id_produit GROUP BY u.nom, u.prenom;</a:t>
+            </a:r>
+          </a:p>
+          <a:p>
+            <a:pPr defTabSz="584200">
+              <a:lnSpc>
+                <a:spcPct val="100000"/>
+              </a:lnSpc>
+              <a:defRPr sz="1900">
+                <a:solidFill>
+                  <a:srgbClr val="5A5F5E"/>
+                </a:solidFill>
+                <a:latin typeface="Monaco"/>
+                <a:ea typeface="Monaco"/>
+                <a:cs typeface="Monaco"/>
+                <a:sym typeface="Monaco"/>
+              </a:defRPr>
+            </a:pPr>
+            <a:r>
+              <a:t>14/ SELECT MIN(prixht), MAX(prixht), MAX(prixht) - MIN(prixht) AS ecart FROM produit;</a:t>
+            </a:r>
+          </a:p>
+          <a:p>
+            <a:pPr defTabSz="584200">
+              <a:lnSpc>
+                <a:spcPct val="100000"/>
+              </a:lnSpc>
+              <a:defRPr sz="1900">
+                <a:solidFill>
+                  <a:srgbClr val="5A5F5E"/>
+                </a:solidFill>
+                <a:latin typeface="Monaco"/>
+                <a:ea typeface="Monaco"/>
+                <a:cs typeface="Monaco"/>
+                <a:sym typeface="Monaco"/>
+              </a:defRPr>
+            </a:pPr>
+            <a:r>
+              <a:t>15/ SELECT nom, prixht, qte, prixht * qte AS CA FROM produit;</a:t>
+            </a:r>
+          </a:p>
+          <a:p>
+            <a:pPr defTabSz="584200">
+              <a:lnSpc>
+                <a:spcPct val="100000"/>
+              </a:lnSpc>
+              <a:defRPr sz="1900">
+                <a:solidFill>
+                  <a:srgbClr val="5A5F5E"/>
+                </a:solidFill>
+                <a:latin typeface="Monaco"/>
+                <a:ea typeface="Monaco"/>
+                <a:cs typeface="Monaco"/>
+                <a:sym typeface="Monaco"/>
+              </a:defRPr>
+            </a:pPr>
+            <a:r>
+              <a:t>16/ SELECT SUM(prixht * qte) AS CA FROM produit;</a:t>
+            </a:r>
+          </a:p>
+          <a:p>
+            <a:pPr defTabSz="584200">
+              <a:lnSpc>
+                <a:spcPct val="100000"/>
+              </a:lnSpc>
+              <a:defRPr sz="1900">
+                <a:solidFill>
+                  <a:srgbClr val="5A5F5E"/>
+                </a:solidFill>
+                <a:latin typeface="Monaco"/>
+                <a:ea typeface="Monaco"/>
+                <a:cs typeface="Monaco"/>
+                <a:sym typeface="Monaco"/>
+              </a:defRPr>
+            </a:pPr>
+            <a:r>
+              <a:t>17/ SELECT SUM(cc.qte * p.prixht) AS ca FROM contenucommande cc INNER JOIN produit p ON cc.id_produit = p.id;</a:t>
+            </a:r>
+          </a:p>
+          <a:p>
+            <a:pPr defTabSz="584200">
+              <a:lnSpc>
+                <a:spcPct val="100000"/>
+              </a:lnSpc>
+              <a:defRPr sz="1900">
+                <a:solidFill>
+                  <a:srgbClr val="5A5F5E"/>
+                </a:solidFill>
+                <a:latin typeface="Monaco"/>
+                <a:ea typeface="Monaco"/>
+                <a:cs typeface="Monaco"/>
+                <a:sym typeface="Monaco"/>
+              </a:defRPr>
+            </a:pPr>
+            <a:r>
+              <a:t>18/ SELECT extract(month from inscription) AS mois, COUNT(id) AS nb from utilisateur u group by extract(month from inscription) ORDER BY mois;</a:t>
+            </a:r>
+          </a:p>
+        </p:txBody>
+      </p:sp>
+    </p:spTree>
+  </p:cSld>
+  <p:clrMapOvr>
+    <a:masterClrMapping/>
+  </p:clrMapOvr>
+</p:notes>
+</file>
+
+<file path=ppt/notesSlides/notesSlide28.xml><?xml version="1.0" encoding="utf-8"?>
+<p:notes xmlns:a="http://schemas.openxmlformats.org/drawingml/2006/main" xmlns:r="http://schemas.openxmlformats.org/officeDocument/2006/relationships" xmlns:p="http://schemas.openxmlformats.org/presentationml/2006/main" xmlns:m="http://schemas.openxmlformats.org/officeDocument/2006/math" xmlns:a14="http://schemas.microsoft.com/office/drawing/2010/main" showMasterSp="1" showMasterPhAnim="1">
+  <p:cSld>
+    <p:spTree>
+      <p:nvGrpSpPr>
+        <p:cNvPr id="1" name=""/>
+        <p:cNvGrpSpPr/>
+        <p:nvPr/>
+      </p:nvGrpSpPr>
+      <p:grpSpPr>
+        <a:xfrm>
+          <a:off x="0" y="0"/>
+          <a:ext cx="0" cy="0"/>
+          <a:chOff x="0" y="0"/>
+          <a:chExt cx="0" cy="0"/>
+        </a:xfrm>
+      </p:grpSpPr>
+      <p:sp>
+        <p:nvSpPr>
+          <p:cNvPr id="512" name="Shape 512"/>
+          <p:cNvSpPr/>
+          <p:nvPr>
+            <p:ph type="sldImg"/>
+          </p:nvPr>
+        </p:nvSpPr>
+        <p:spPr>
+          <a:prstGeom prst="rect">
+            <a:avLst/>
+          </a:prstGeom>
+        </p:spPr>
+        <p:txBody>
+          <a:bodyPr/>
+          <a:lstStyle/>
+          <a:p>
+            <a:pPr/>
+          </a:p>
+        </p:txBody>
+      </p:sp>
+      <p:sp>
+        <p:nvSpPr>
+          <p:cNvPr id="513" name="Shape 513"/>
+          <p:cNvSpPr/>
+          <p:nvPr>
+            <p:ph type="body" sz="quarter" idx="1"/>
+          </p:nvPr>
+        </p:nvSpPr>
+        <p:spPr>
+          <a:prstGeom prst="rect">
+            <a:avLst/>
+          </a:prstGeom>
+        </p:spPr>
+        <p:txBody>
+          <a:bodyPr/>
+          <a:lstStyle>
+            <a:lvl1pPr>
+              <a:defRPr u="sng">
+                <a:hlinkClick r:id="rId3" invalidUrl="" action="" tgtFrame="" tooltip="" history="1" highlightClick="0" endSnd="0"/>
+              </a:defRPr>
+            </a:lvl1pPr>
+          </a:lstStyle>
+          <a:p>
+            <a:pPr>
+              <a:defRPr u="none"/>
+            </a:pPr>
+            <a:r>
+              <a:rPr u="sng">
+                <a:hlinkClick r:id="rId3" invalidUrl="" action="" tgtFrame="" tooltip="" history="1" highlightClick="0" endSnd="0"/>
+              </a:rPr>
+              <a:t>https://www.postgresql.org/docs/9.1/sql-altertable.html</a:t>
+            </a:r>
+          </a:p>
+        </p:txBody>
+      </p:sp>
+    </p:spTree>
+  </p:cSld>
+  <p:clrMapOvr>
+    <a:masterClrMapping/>
+  </p:clrMapOvr>
+</p:notes>
+</file>
+
+<file path=ppt/notesSlides/notesSlide29.xml><?xml version="1.0" encoding="utf-8"?>
+<p:notes xmlns:a="http://schemas.openxmlformats.org/drawingml/2006/main" xmlns:r="http://schemas.openxmlformats.org/officeDocument/2006/relationships" xmlns:p="http://schemas.openxmlformats.org/presentationml/2006/main" xmlns:m="http://schemas.openxmlformats.org/officeDocument/2006/math" xmlns:a14="http://schemas.microsoft.com/office/drawing/2010/main" showMasterSp="1" showMasterPhAnim="1">
+  <p:cSld>
+    <p:spTree>
+      <p:nvGrpSpPr>
+        <p:cNvPr id="1" name=""/>
+        <p:cNvGrpSpPr/>
+        <p:nvPr/>
+      </p:nvGrpSpPr>
+      <p:grpSpPr>
+        <a:xfrm>
+          <a:off x="0" y="0"/>
+          <a:ext cx="0" cy="0"/>
+          <a:chOff x="0" y="0"/>
+          <a:chExt cx="0" cy="0"/>
+        </a:xfrm>
+      </p:grpSpPr>
+      <p:sp>
+        <p:nvSpPr>
+          <p:cNvPr id="522" name="Shape 522"/>
+          <p:cNvSpPr/>
+          <p:nvPr>
+            <p:ph type="sldImg"/>
+          </p:nvPr>
+        </p:nvSpPr>
+        <p:spPr>
+          <a:prstGeom prst="rect">
+            <a:avLst/>
+          </a:prstGeom>
+        </p:spPr>
+        <p:txBody>
+          <a:bodyPr/>
+          <a:lstStyle/>
+          <a:p>
+            <a:pPr/>
+          </a:p>
+        </p:txBody>
+      </p:sp>
+      <p:sp>
+        <p:nvSpPr>
+          <p:cNvPr id="523" name="Shape 523"/>
+          <p:cNvSpPr/>
+          <p:nvPr>
+            <p:ph type="body" sz="quarter" idx="1"/>
+          </p:nvPr>
+        </p:nvSpPr>
+        <p:spPr>
+          <a:prstGeom prst="rect">
+            <a:avLst/>
+          </a:prstGeom>
+        </p:spPr>
+        <p:txBody>
+          <a:bodyPr/>
+          <a:lstStyle/>
+          <a:p>
+            <a:pPr/>
+            <a:r>
+              <a:rPr u="sng">
+                <a:hlinkClick r:id="rId3" invalidUrl="" action="" tgtFrame="" tooltip="" history="1" highlightClick="0" endSnd="0"/>
+              </a:rPr>
+              <a:t>https://www.postgresql.org/docs/9.1/sql-update.html</a:t>
+            </a:r>
+          </a:p>
+          <a:p>
+            <a:pPr/>
+            <a:r>
+              <a:t>https://www.postgresql.org/docs/10/sql-delete.html</a:t>
+            </a:r>
+          </a:p>
+        </p:txBody>
+      </p:sp>
+    </p:spTree>
+  </p:cSld>
+  <p:clrMapOvr>
+    <a:masterClrMapping/>
+  </p:clrMapOvr>
+</p:notes>
+</file>
+
 <file path=ppt/notesSlides/notesSlide3.xml><?xml version="1.0" encoding="utf-8"?>
 <p:notes xmlns:a="http://schemas.openxmlformats.org/drawingml/2006/main" xmlns:r="http://schemas.openxmlformats.org/officeDocument/2006/relationships" xmlns:p="http://schemas.openxmlformats.org/presentationml/2006/main" xmlns:m="http://schemas.openxmlformats.org/officeDocument/2006/math" xmlns:a14="http://schemas.microsoft.com/office/drawing/2010/main" showMasterSp="1" showMasterPhAnim="1">
   <p:cSld>
@@ -2546,6 +3247,537 @@
             <a:pPr/>
             <a:r>
               <a:t>https://gist.github.com/apolloclark/ea5466d5929e63043dcf</a:t>
+            </a:r>
+          </a:p>
+        </p:txBody>
+      </p:sp>
+    </p:spTree>
+  </p:cSld>
+  <p:clrMapOvr>
+    <a:masterClrMapping/>
+  </p:clrMapOvr>
+</p:notes>
+</file>
+
+<file path=ppt/notesSlides/notesSlide30.xml><?xml version="1.0" encoding="utf-8"?>
+<p:notes xmlns:a="http://schemas.openxmlformats.org/drawingml/2006/main" xmlns:r="http://schemas.openxmlformats.org/officeDocument/2006/relationships" xmlns:p="http://schemas.openxmlformats.org/presentationml/2006/main" xmlns:m="http://schemas.openxmlformats.org/officeDocument/2006/math" xmlns:a14="http://schemas.microsoft.com/office/drawing/2010/main" showMasterSp="1" showMasterPhAnim="1">
+  <p:cSld>
+    <p:spTree>
+      <p:nvGrpSpPr>
+        <p:cNvPr id="1" name=""/>
+        <p:cNvGrpSpPr/>
+        <p:nvPr/>
+      </p:nvGrpSpPr>
+      <p:grpSpPr>
+        <a:xfrm>
+          <a:off x="0" y="0"/>
+          <a:ext cx="0" cy="0"/>
+          <a:chOff x="0" y="0"/>
+          <a:chExt cx="0" cy="0"/>
+        </a:xfrm>
+      </p:grpSpPr>
+      <p:sp>
+        <p:nvSpPr>
+          <p:cNvPr id="529" name="Shape 529"/>
+          <p:cNvSpPr/>
+          <p:nvPr>
+            <p:ph type="sldImg"/>
+          </p:nvPr>
+        </p:nvSpPr>
+        <p:spPr>
+          <a:prstGeom prst="rect">
+            <a:avLst/>
+          </a:prstGeom>
+        </p:spPr>
+        <p:txBody>
+          <a:bodyPr/>
+          <a:lstStyle/>
+          <a:p>
+            <a:pPr/>
+          </a:p>
+        </p:txBody>
+      </p:sp>
+      <p:sp>
+        <p:nvSpPr>
+          <p:cNvPr id="530" name="Shape 530"/>
+          <p:cNvSpPr/>
+          <p:nvPr>
+            <p:ph type="body" sz="quarter" idx="1"/>
+          </p:nvPr>
+        </p:nvSpPr>
+        <p:spPr>
+          <a:prstGeom prst="rect">
+            <a:avLst/>
+          </a:prstGeom>
+        </p:spPr>
+        <p:txBody>
+          <a:bodyPr/>
+          <a:lstStyle/>
+          <a:p>
+            <a:pPr defTabSz="584200">
+              <a:lnSpc>
+                <a:spcPct val="100000"/>
+              </a:lnSpc>
+              <a:defRPr sz="1900">
+                <a:solidFill>
+                  <a:srgbClr val="5A5F5E"/>
+                </a:solidFill>
+                <a:latin typeface="Monaco"/>
+                <a:ea typeface="Monaco"/>
+                <a:cs typeface="Monaco"/>
+                <a:sym typeface="Monaco"/>
+              </a:defRPr>
+            </a:pPr>
+            <a:r>
+              <a:t>1/ ALTER TABLE produit ADD prixventeht real;</a:t>
+            </a:r>
+          </a:p>
+          <a:p>
+            <a:pPr defTabSz="584200">
+              <a:lnSpc>
+                <a:spcPct val="100000"/>
+              </a:lnSpc>
+              <a:defRPr sz="1900">
+                <a:solidFill>
+                  <a:srgbClr val="5A5F5E"/>
+                </a:solidFill>
+                <a:latin typeface="Monaco"/>
+                <a:ea typeface="Monaco"/>
+                <a:cs typeface="Monaco"/>
+                <a:sym typeface="Monaco"/>
+              </a:defRPr>
+            </a:pPr>
+            <a:r>
+              <a:t>2/</a:t>
+            </a:r>
+          </a:p>
+          <a:p>
+            <a:pPr defTabSz="584200">
+              <a:lnSpc>
+                <a:spcPct val="100000"/>
+              </a:lnSpc>
+              <a:defRPr sz="1900">
+                <a:solidFill>
+                  <a:srgbClr val="5A5F5E"/>
+                </a:solidFill>
+                <a:latin typeface="Monaco"/>
+                <a:ea typeface="Monaco"/>
+                <a:cs typeface="Monaco"/>
+                <a:sym typeface="Monaco"/>
+              </a:defRPr>
+            </a:pPr>
+            <a:r>
+              <a:t>UPDATE produit SET prixventeht = 120 WHERE id = 1 OR id = 2;</a:t>
+            </a:r>
+          </a:p>
+          <a:p>
+            <a:pPr defTabSz="584200">
+              <a:lnSpc>
+                <a:spcPct val="100000"/>
+              </a:lnSpc>
+              <a:defRPr sz="1900">
+                <a:solidFill>
+                  <a:srgbClr val="5A5F5E"/>
+                </a:solidFill>
+                <a:latin typeface="Monaco"/>
+                <a:ea typeface="Monaco"/>
+                <a:cs typeface="Monaco"/>
+                <a:sym typeface="Monaco"/>
+              </a:defRPr>
+            </a:pPr>
+            <a:r>
+              <a:t>UPDATE produit SET prixventeht = 15 WHERE id = 3;</a:t>
+            </a:r>
+          </a:p>
+          <a:p>
+            <a:pPr defTabSz="584200">
+              <a:lnSpc>
+                <a:spcPct val="100000"/>
+              </a:lnSpc>
+              <a:defRPr sz="1900">
+                <a:solidFill>
+                  <a:srgbClr val="5A5F5E"/>
+                </a:solidFill>
+                <a:latin typeface="Monaco"/>
+                <a:ea typeface="Monaco"/>
+                <a:cs typeface="Monaco"/>
+                <a:sym typeface="Monaco"/>
+              </a:defRPr>
+            </a:pPr>
+            <a:r>
+              <a:t>UPDATE produit SET prixventeht = 30 WHERE id = 4;</a:t>
+            </a:r>
+          </a:p>
+          <a:p>
+            <a:pPr defTabSz="584200">
+              <a:lnSpc>
+                <a:spcPct val="100000"/>
+              </a:lnSpc>
+              <a:defRPr sz="1900">
+                <a:solidFill>
+                  <a:srgbClr val="5A5F5E"/>
+                </a:solidFill>
+                <a:latin typeface="Monaco"/>
+                <a:ea typeface="Monaco"/>
+                <a:cs typeface="Monaco"/>
+                <a:sym typeface="Monaco"/>
+              </a:defRPr>
+            </a:pPr>
+            <a:r>
+              <a:t>UPDATE produit SET prixventeht = 70 WHERE id = 5;</a:t>
+            </a:r>
+          </a:p>
+        </p:txBody>
+      </p:sp>
+    </p:spTree>
+  </p:cSld>
+  <p:clrMapOvr>
+    <a:masterClrMapping/>
+  </p:clrMapOvr>
+</p:notes>
+</file>
+
+<file path=ppt/notesSlides/notesSlide31.xml><?xml version="1.0" encoding="utf-8"?>
+<p:notes xmlns:a="http://schemas.openxmlformats.org/drawingml/2006/main" xmlns:r="http://schemas.openxmlformats.org/officeDocument/2006/relationships" xmlns:p="http://schemas.openxmlformats.org/presentationml/2006/main" xmlns:m="http://schemas.openxmlformats.org/officeDocument/2006/math" xmlns:a14="http://schemas.microsoft.com/office/drawing/2010/main" showMasterSp="1" showMasterPhAnim="1">
+  <p:cSld>
+    <p:spTree>
+      <p:nvGrpSpPr>
+        <p:cNvPr id="1" name=""/>
+        <p:cNvGrpSpPr/>
+        <p:nvPr/>
+      </p:nvGrpSpPr>
+      <p:grpSpPr>
+        <a:xfrm>
+          <a:off x="0" y="0"/>
+          <a:ext cx="0" cy="0"/>
+          <a:chOff x="0" y="0"/>
+          <a:chExt cx="0" cy="0"/>
+        </a:xfrm>
+      </p:grpSpPr>
+      <p:sp>
+        <p:nvSpPr>
+          <p:cNvPr id="535" name="Shape 535"/>
+          <p:cNvSpPr/>
+          <p:nvPr>
+            <p:ph type="sldImg"/>
+          </p:nvPr>
+        </p:nvSpPr>
+        <p:spPr>
+          <a:prstGeom prst="rect">
+            <a:avLst/>
+          </a:prstGeom>
+        </p:spPr>
+        <p:txBody>
+          <a:bodyPr/>
+          <a:lstStyle/>
+          <a:p>
+            <a:pPr/>
+          </a:p>
+        </p:txBody>
+      </p:sp>
+      <p:sp>
+        <p:nvSpPr>
+          <p:cNvPr id="536" name="Shape 536"/>
+          <p:cNvSpPr/>
+          <p:nvPr>
+            <p:ph type="body" sz="quarter" idx="1"/>
+          </p:nvPr>
+        </p:nvSpPr>
+        <p:spPr>
+          <a:prstGeom prst="rect">
+            <a:avLst/>
+          </a:prstGeom>
+        </p:spPr>
+        <p:txBody>
+          <a:bodyPr/>
+          <a:lstStyle/>
+          <a:p>
+            <a:pPr defTabSz="584200">
+              <a:lnSpc>
+                <a:spcPct val="100000"/>
+              </a:lnSpc>
+              <a:defRPr sz="1900">
+                <a:solidFill>
+                  <a:srgbClr val="5A5F5E"/>
+                </a:solidFill>
+                <a:latin typeface="Monaco"/>
+                <a:ea typeface="Monaco"/>
+                <a:cs typeface="Monaco"/>
+                <a:sym typeface="Monaco"/>
+              </a:defRPr>
+            </a:pPr>
+            <a:r>
+              <a:t>1/ SELECT id, nom, prixventeht - prixht AS marge FROM produit ORDER BY prixventeht - prixht;</a:t>
+            </a:r>
+          </a:p>
+          <a:p>
+            <a:pPr defTabSz="584200">
+              <a:lnSpc>
+                <a:spcPct val="100000"/>
+              </a:lnSpc>
+              <a:defRPr sz="1900">
+                <a:solidFill>
+                  <a:srgbClr val="5A5F5E"/>
+                </a:solidFill>
+                <a:latin typeface="Monaco"/>
+                <a:ea typeface="Monaco"/>
+                <a:cs typeface="Monaco"/>
+                <a:sym typeface="Monaco"/>
+              </a:defRPr>
+            </a:pPr>
+            <a:r>
+              <a:t>2/ SELECT p.id, p.nom, SUM(prixventeht - prixht) AS marge_unitaire, SUM(cc.qte) AS qte_vendu, SUM((p.prixventeht - p.prixht) * cc.qte) AS marge_totale FROM produit p LEFT JOIN contenucommande cc ON p.id = cc.id_produit GROUP BY p.id, p.nom ORDER BY SUM((p.prixventeht - p.prixht) * cc.qte);</a:t>
+            </a:r>
+          </a:p>
+        </p:txBody>
+      </p:sp>
+    </p:spTree>
+  </p:cSld>
+  <p:clrMapOvr>
+    <a:masterClrMapping/>
+  </p:clrMapOvr>
+</p:notes>
+</file>
+
+<file path=ppt/notesSlides/notesSlide32.xml><?xml version="1.0" encoding="utf-8"?>
+<p:notes xmlns:a="http://schemas.openxmlformats.org/drawingml/2006/main" xmlns:r="http://schemas.openxmlformats.org/officeDocument/2006/relationships" xmlns:p="http://schemas.openxmlformats.org/presentationml/2006/main" xmlns:m="http://schemas.openxmlformats.org/officeDocument/2006/math" xmlns:a14="http://schemas.microsoft.com/office/drawing/2010/main" showMasterSp="1" showMasterPhAnim="1">
+  <p:cSld>
+    <p:spTree>
+      <p:nvGrpSpPr>
+        <p:cNvPr id="1" name=""/>
+        <p:cNvGrpSpPr/>
+        <p:nvPr/>
+      </p:nvGrpSpPr>
+      <p:grpSpPr>
+        <a:xfrm>
+          <a:off x="0" y="0"/>
+          <a:ext cx="0" cy="0"/>
+          <a:chOff x="0" y="0"/>
+          <a:chExt cx="0" cy="0"/>
+        </a:xfrm>
+      </p:grpSpPr>
+      <p:sp>
+        <p:nvSpPr>
+          <p:cNvPr id="571" name="Shape 571"/>
+          <p:cNvSpPr/>
+          <p:nvPr>
+            <p:ph type="sldImg"/>
+          </p:nvPr>
+        </p:nvSpPr>
+        <p:spPr>
+          <a:prstGeom prst="rect">
+            <a:avLst/>
+          </a:prstGeom>
+        </p:spPr>
+        <p:txBody>
+          <a:bodyPr/>
+          <a:lstStyle/>
+          <a:p>
+            <a:pPr/>
+          </a:p>
+        </p:txBody>
+      </p:sp>
+      <p:sp>
+        <p:nvSpPr>
+          <p:cNvPr id="572" name="Shape 572"/>
+          <p:cNvSpPr/>
+          <p:nvPr>
+            <p:ph type="body" sz="quarter" idx="1"/>
+          </p:nvPr>
+        </p:nvSpPr>
+        <p:spPr>
+          <a:prstGeom prst="rect">
+            <a:avLst/>
+          </a:prstGeom>
+        </p:spPr>
+        <p:txBody>
+          <a:bodyPr/>
+          <a:lstStyle/>
+          <a:p>
+            <a:pPr defTabSz="584200">
+              <a:lnSpc>
+                <a:spcPct val="100000"/>
+              </a:lnSpc>
+              <a:defRPr sz="1900" u="sng">
+                <a:solidFill>
+                  <a:srgbClr val="5A5F5E"/>
+                </a:solidFill>
+                <a:latin typeface="Monaco"/>
+                <a:ea typeface="Monaco"/>
+                <a:cs typeface="Monaco"/>
+                <a:sym typeface="Monaco"/>
+              </a:defRPr>
+            </a:pPr>
+            <a:r>
+              <a:t>Création de la fonction :</a:t>
+            </a:r>
+          </a:p>
+          <a:p>
+            <a:pPr defTabSz="584200">
+              <a:lnSpc>
+                <a:spcPct val="100000"/>
+              </a:lnSpc>
+              <a:defRPr sz="1900">
+                <a:solidFill>
+                  <a:srgbClr val="5A5F5E"/>
+                </a:solidFill>
+                <a:latin typeface="Monaco"/>
+                <a:ea typeface="Monaco"/>
+                <a:cs typeface="Monaco"/>
+                <a:sym typeface="Monaco"/>
+              </a:defRPr>
+            </a:pPr>
+            <a:r>
+              <a:t>CREATE FUNCTION test_trigger() RETURNS TRIGGER AS $test_trigger$</a:t>
+            </a:r>
+          </a:p>
+          <a:p>
+            <a:pPr defTabSz="584200">
+              <a:lnSpc>
+                <a:spcPct val="100000"/>
+              </a:lnSpc>
+              <a:defRPr sz="1900">
+                <a:solidFill>
+                  <a:srgbClr val="5A5F5E"/>
+                </a:solidFill>
+                <a:latin typeface="Monaco"/>
+                <a:ea typeface="Monaco"/>
+                <a:cs typeface="Monaco"/>
+                <a:sym typeface="Monaco"/>
+              </a:defRPr>
+            </a:pPr>
+            <a:r>
+              <a:t>BEGIN</a:t>
+            </a:r>
+          </a:p>
+          <a:p>
+            <a:pPr defTabSz="584200">
+              <a:lnSpc>
+                <a:spcPct val="100000"/>
+              </a:lnSpc>
+              <a:defRPr sz="1900">
+                <a:solidFill>
+                  <a:srgbClr val="5A5F5E"/>
+                </a:solidFill>
+                <a:latin typeface="Monaco"/>
+                <a:ea typeface="Monaco"/>
+                <a:cs typeface="Monaco"/>
+                <a:sym typeface="Monaco"/>
+              </a:defRPr>
+            </a:pPr>
+            <a:r>
+              <a:t>UPDATE produit SET qte = qte - new.qte WHERE id = new.id_produit;</a:t>
+            </a:r>
+          </a:p>
+          <a:p>
+            <a:pPr defTabSz="584200">
+              <a:lnSpc>
+                <a:spcPct val="100000"/>
+              </a:lnSpc>
+              <a:defRPr sz="1900">
+                <a:solidFill>
+                  <a:srgbClr val="5A5F5E"/>
+                </a:solidFill>
+                <a:latin typeface="Monaco"/>
+                <a:ea typeface="Monaco"/>
+                <a:cs typeface="Monaco"/>
+                <a:sym typeface="Monaco"/>
+              </a:defRPr>
+            </a:pPr>
+            <a:r>
+              <a:t>RETURN NEW;</a:t>
+            </a:r>
+          </a:p>
+          <a:p>
+            <a:pPr defTabSz="584200">
+              <a:lnSpc>
+                <a:spcPct val="100000"/>
+              </a:lnSpc>
+              <a:defRPr sz="1900">
+                <a:solidFill>
+                  <a:srgbClr val="5A5F5E"/>
+                </a:solidFill>
+                <a:latin typeface="Monaco"/>
+                <a:ea typeface="Monaco"/>
+                <a:cs typeface="Monaco"/>
+                <a:sym typeface="Monaco"/>
+              </a:defRPr>
+            </a:pPr>
+            <a:r>
+              <a:t>END;</a:t>
+            </a:r>
+          </a:p>
+          <a:p>
+            <a:pPr defTabSz="584200">
+              <a:lnSpc>
+                <a:spcPct val="100000"/>
+              </a:lnSpc>
+              <a:defRPr sz="1900">
+                <a:solidFill>
+                  <a:srgbClr val="5A5F5E"/>
+                </a:solidFill>
+                <a:latin typeface="Monaco"/>
+                <a:ea typeface="Monaco"/>
+                <a:cs typeface="Monaco"/>
+                <a:sym typeface="Monaco"/>
+              </a:defRPr>
+            </a:pPr>
+            <a:r>
+              <a:t>$test_trigger$ LANGUAGE plpgsql;</a:t>
+            </a:r>
+          </a:p>
+          <a:p>
+            <a:pPr defTabSz="584200">
+              <a:lnSpc>
+                <a:spcPct val="100000"/>
+              </a:lnSpc>
+              <a:defRPr sz="1900">
+                <a:solidFill>
+                  <a:srgbClr val="5A5F5E"/>
+                </a:solidFill>
+                <a:latin typeface="Monaco"/>
+                <a:ea typeface="Monaco"/>
+                <a:cs typeface="Monaco"/>
+                <a:sym typeface="Monaco"/>
+              </a:defRPr>
+            </a:pPr>
+          </a:p>
+          <a:p>
+            <a:pPr defTabSz="584200">
+              <a:lnSpc>
+                <a:spcPct val="100000"/>
+              </a:lnSpc>
+              <a:defRPr sz="1900" u="sng">
+                <a:solidFill>
+                  <a:srgbClr val="5A5F5E"/>
+                </a:solidFill>
+                <a:latin typeface="Monaco"/>
+                <a:ea typeface="Monaco"/>
+                <a:cs typeface="Monaco"/>
+                <a:sym typeface="Monaco"/>
+              </a:defRPr>
+            </a:pPr>
+            <a:r>
+              <a:t>Création Trigger :</a:t>
+            </a:r>
+          </a:p>
+          <a:p>
+            <a:pPr defTabSz="584200">
+              <a:lnSpc>
+                <a:spcPct val="100000"/>
+              </a:lnSpc>
+              <a:defRPr sz="1900">
+                <a:solidFill>
+                  <a:srgbClr val="5A5F5E"/>
+                </a:solidFill>
+                <a:latin typeface="Monaco"/>
+                <a:ea typeface="Monaco"/>
+                <a:cs typeface="Monaco"/>
+                <a:sym typeface="Monaco"/>
+              </a:defRPr>
+            </a:pPr>
+            <a:r>
+              <a:t>CREATE TRIGGER test_trigger AFTER INSERT ON contenucommande FOR EACH ROW EXECUTE PROCEDURE test_trigger();</a:t>
             </a:r>
           </a:p>
         </p:txBody>
@@ -7157,9 +8389,9 @@
       <p:bldP build="whole" bldLvl="1" animBg="1" rev="0" advAuto="0" spid="188" grpId="2"/>
       <p:bldP build="whole" bldLvl="1" animBg="1" rev="0" advAuto="0" spid="189" grpId="4"/>
       <p:bldP build="whole" bldLvl="1" animBg="1" rev="0" advAuto="0" spid="184" grpId="3"/>
+      <p:bldP build="whole" bldLvl="1" animBg="1" rev="0" advAuto="0" spid="182" grpId="1"/>
       <p:bldP build="whole" bldLvl="1" animBg="1" rev="0" advAuto="0" spid="186" grpId="5"/>
       <p:bldP build="whole" bldLvl="1" animBg="1" rev="0" advAuto="0" spid="190" grpId="6"/>
-      <p:bldP build="whole" bldLvl="1" animBg="1" rev="0" advAuto="0" spid="182" grpId="1"/>
     </p:bldLst>
   </p:timing>
 </p:sld>
@@ -7833,12 +9065,12 @@
       </p:par>
     </p:tnLst>
     <p:bldLst>
+      <p:bldP build="whole" bldLvl="1" animBg="1" rev="0" advAuto="0" spid="198" grpId="6"/>
+      <p:bldP build="whole" bldLvl="1" animBg="1" rev="0" advAuto="0" spid="196" grpId="4"/>
+      <p:bldP build="whole" bldLvl="1" animBg="1" rev="0" advAuto="0" spid="197" grpId="2"/>
+      <p:bldP build="whole" bldLvl="1" animBg="1" rev="0" advAuto="0" spid="194" grpId="1"/>
+      <p:bldP build="whole" bldLvl="1" animBg="1" rev="0" advAuto="0" spid="195" grpId="3"/>
       <p:bldP build="whole" bldLvl="1" animBg="1" rev="0" advAuto="0" spid="196" grpId="5"/>
-      <p:bldP build="whole" bldLvl="1" animBg="1" rev="0" advAuto="0" spid="198" grpId="6"/>
-      <p:bldP build="whole" bldLvl="1" animBg="1" rev="0" advAuto="0" spid="195" grpId="3"/>
-      <p:bldP build="whole" bldLvl="1" animBg="1" rev="0" advAuto="0" spid="196" grpId="4"/>
-      <p:bldP build="whole" bldLvl="1" animBg="1" rev="0" advAuto="0" spid="194" grpId="1"/>
-      <p:bldP build="whole" bldLvl="1" animBg="1" rev="0" advAuto="0" spid="197" grpId="2"/>
     </p:bldLst>
   </p:timing>
 </p:sld>
@@ -9433,11 +10665,11 @@
       </p:par>
     </p:tnLst>
     <p:bldLst>
-      <p:bldP build="whole" bldLvl="1" animBg="1" rev="0" advAuto="0" spid="208" grpId="2"/>
       <p:bldP build="whole" bldLvl="1" animBg="1" rev="0" advAuto="0" spid="210" grpId="4"/>
-      <p:bldP build="whole" bldLvl="1" animBg="1" rev="0" advAuto="0" spid="209" grpId="3"/>
       <p:bldP build="whole" bldLvl="1" animBg="1" rev="0" advAuto="0" spid="211" grpId="5"/>
       <p:bldP build="whole" bldLvl="1" animBg="1" rev="0" advAuto="0" spid="208" grpId="1"/>
+      <p:bldP build="whole" bldLvl="1" animBg="1" rev="0" advAuto="0" spid="208" grpId="2"/>
+      <p:bldP build="whole" bldLvl="1" animBg="1" rev="0" advAuto="0" spid="209" grpId="3"/>
     </p:bldLst>
   </p:timing>
 </p:sld>
@@ -10384,9 +11616,9 @@
       </p:par>
     </p:tnLst>
     <p:bldLst>
+      <p:bldP build="whole" bldLvl="1" animBg="1" rev="0" advAuto="0" spid="217" grpId="1"/>
+      <p:bldP build="whole" bldLvl="1" animBg="1" rev="0" advAuto="0" spid="218" grpId="2"/>
       <p:bldP build="whole" bldLvl="1" animBg="1" rev="0" advAuto="0" spid="219" grpId="3"/>
-      <p:bldP build="whole" bldLvl="1" animBg="1" rev="0" advAuto="0" spid="218" grpId="2"/>
-      <p:bldP build="whole" bldLvl="1" animBg="1" rev="0" advAuto="0" spid="217" grpId="1"/>
     </p:bldLst>
   </p:timing>
 </p:sld>
@@ -11382,12 +12614,12 @@
       </p:par>
     </p:tnLst>
     <p:bldLst>
+      <p:bldP build="whole" bldLvl="1" animBg="1" rev="0" advAuto="0" spid="230" grpId="1"/>
       <p:bldP build="whole" bldLvl="1" animBg="1" rev="0" advAuto="0" spid="231" grpId="2"/>
+      <p:bldP build="whole" bldLvl="1" animBg="1" rev="0" advAuto="0" spid="233" grpId="3"/>
+      <p:bldP build="whole" bldLvl="1" animBg="1" rev="0" advAuto="0" spid="234" grpId="9"/>
       <p:bldP build="whole" bldLvl="1" animBg="1" rev="0" advAuto="0" spid="228" grpId="4"/>
-      <p:bldP build="whole" bldLvl="1" animBg="1" rev="0" advAuto="0" spid="234" grpId="9"/>
       <p:bldP build="whole" bldLvl="1" animBg="1" rev="0" advAuto="0" spid="229" grpId="5"/>
-      <p:bldP build="whole" bldLvl="1" animBg="1" rev="0" advAuto="0" spid="233" grpId="3"/>
-      <p:bldP build="whole" bldLvl="1" animBg="1" rev="0" advAuto="0" spid="230" grpId="1"/>
     </p:bldLst>
   </p:timing>
 </p:sld>
@@ -14124,16 +15356,16 @@
       </p:par>
     </p:tnLst>
     <p:bldLst>
+      <p:bldP build="whole" bldLvl="1" animBg="1" rev="0" advAuto="0" spid="247" grpId="4"/>
+      <p:bldP build="whole" bldLvl="1" animBg="1" rev="0" advAuto="0" spid="251" grpId="5"/>
       <p:bldP build="whole" bldLvl="1" animBg="1" rev="0" advAuto="0" spid="246" grpId="2"/>
+      <p:bldP build="whole" bldLvl="1" animBg="1" rev="0" advAuto="0" spid="246" grpId="3"/>
+      <p:bldP build="whole" bldLvl="1" animBg="1" rev="0" advAuto="0" spid="249" grpId="6"/>
+      <p:bldP build="whole" bldLvl="1" animBg="1" rev="0" advAuto="0" spid="244" grpId="1"/>
       <p:bldP build="whole" bldLvl="1" animBg="1" rev="0" advAuto="0" spid="249" grpId="7"/>
+      <p:bldP build="whole" bldLvl="1" animBg="1" rev="0" advAuto="0" spid="252" grpId="10"/>
       <p:bldP build="whole" bldLvl="1" animBg="1" rev="0" advAuto="0" spid="250" grpId="8"/>
-      <p:bldP build="whole" bldLvl="1" animBg="1" rev="0" advAuto="0" spid="247" grpId="4"/>
       <p:bldP build="whole" bldLvl="1" animBg="1" rev="0" advAuto="0" spid="250" grpId="9"/>
-      <p:bldP build="whole" bldLvl="1" animBg="1" rev="0" advAuto="0" spid="244" grpId="1"/>
-      <p:bldP build="whole" bldLvl="1" animBg="1" rev="0" advAuto="0" spid="252" grpId="10"/>
-      <p:bldP build="whole" bldLvl="1" animBg="1" rev="0" advAuto="0" spid="251" grpId="5"/>
-      <p:bldP build="whole" bldLvl="1" animBg="1" rev="0" advAuto="0" spid="249" grpId="6"/>
-      <p:bldP build="whole" bldLvl="1" animBg="1" rev="0" advAuto="0" spid="246" grpId="3"/>
     </p:bldLst>
   </p:timing>
 </p:sld>
@@ -14500,8 +15732,8 @@
       </p:par>
     </p:tnLst>
     <p:bldLst>
+      <p:bldP build="whole" bldLvl="1" animBg="1" rev="0" advAuto="0" spid="124" grpId="2"/>
       <p:bldP build="whole" bldLvl="1" animBg="1" rev="0" advAuto="0" spid="123" grpId="1"/>
-      <p:bldP build="whole" bldLvl="1" animBg="1" rev="0" advAuto="0" spid="124" grpId="2"/>
     </p:bldLst>
   </p:timing>
 </p:sld>
@@ -17583,13 +18815,13 @@
       </p:par>
     </p:tnLst>
     <p:bldLst>
+      <p:bldP build="whole" bldLvl="1" animBg="1" rev="0" advAuto="0" spid="263" grpId="2"/>
+      <p:bldP build="whole" bldLvl="1" animBg="1" rev="0" advAuto="0" spid="267" grpId="5"/>
       <p:bldP build="whole" bldLvl="1" animBg="1" rev="0" advAuto="0" spid="265" grpId="3"/>
-      <p:bldP build="whole" bldLvl="1" animBg="1" rev="0" advAuto="0" spid="267" grpId="5"/>
       <p:bldP build="whole" bldLvl="1" animBg="1" rev="0" advAuto="0" spid="267" grpId="6"/>
       <p:bldP build="whole" bldLvl="1" animBg="1" rev="0" advAuto="0" spid="268" grpId="7"/>
+      <p:bldP build="whole" bldLvl="1" animBg="1" rev="0" advAuto="0" spid="270" grpId="1"/>
       <p:bldP build="whole" bldLvl="1" animBg="1" rev="0" advAuto="0" spid="269" grpId="4"/>
-      <p:bldP build="whole" bldLvl="1" animBg="1" rev="0" advAuto="0" spid="263" grpId="2"/>
-      <p:bldP build="whole" bldLvl="1" animBg="1" rev="0" advAuto="0" spid="270" grpId="1"/>
     </p:bldLst>
   </p:timing>
 </p:sld>
@@ -18393,12 +19625,12 @@
       </p:par>
     </p:tnLst>
     <p:bldLst>
+      <p:bldP build="whole" bldLvl="1" animBg="1" rev="0" advAuto="0" spid="279" grpId="4"/>
+      <p:bldP build="whole" bldLvl="1" animBg="1" rev="0" advAuto="0" spid="277" grpId="2"/>
       <p:bldP build="whole" bldLvl="1" animBg="1" rev="0" advAuto="0" spid="281" grpId="3"/>
-      <p:bldP build="whole" bldLvl="1" animBg="1" rev="0" advAuto="0" spid="277" grpId="2"/>
+      <p:bldP build="whole" bldLvl="1" animBg="1" rev="0" advAuto="0" spid="279" grpId="5"/>
+      <p:bldP build="whole" bldLvl="1" animBg="1" rev="0" advAuto="0" spid="280" grpId="6"/>
       <p:bldP build="whole" bldLvl="1" animBg="1" rev="0" advAuto="0" spid="275" grpId="1"/>
-      <p:bldP build="whole" bldLvl="1" animBg="1" rev="0" advAuto="0" spid="280" grpId="6"/>
-      <p:bldP build="whole" bldLvl="1" animBg="1" rev="0" advAuto="0" spid="279" grpId="4"/>
-      <p:bldP build="whole" bldLvl="1" animBg="1" rev="0" advAuto="0" spid="279" grpId="5"/>
     </p:bldLst>
   </p:timing>
 </p:sld>
@@ -19321,13 +20553,13 @@
       </p:par>
     </p:tnLst>
     <p:bldLst>
+      <p:bldP build="whole" bldLvl="1" animBg="1" rev="0" advAuto="0" spid="292" grpId="3"/>
+      <p:bldP build="whole" bldLvl="1" animBg="1" rev="0" advAuto="0" spid="293" grpId="7"/>
+      <p:bldP build="whole" bldLvl="1" animBg="1" rev="0" advAuto="0" spid="291" grpId="6"/>
+      <p:bldP build="whole" bldLvl="1" animBg="1" rev="0" advAuto="0" spid="286" grpId="1"/>
       <p:bldP build="whole" bldLvl="1" animBg="1" rev="0" advAuto="0" spid="288" grpId="2"/>
       <p:bldP build="whole" bldLvl="1" animBg="1" rev="0" advAuto="0" spid="290" grpId="4"/>
       <p:bldP build="whole" bldLvl="1" animBg="1" rev="0" advAuto="0" spid="290" grpId="5"/>
-      <p:bldP build="whole" bldLvl="1" animBg="1" rev="0" advAuto="0" spid="286" grpId="1"/>
-      <p:bldP build="whole" bldLvl="1" animBg="1" rev="0" advAuto="0" spid="291" grpId="6"/>
-      <p:bldP build="whole" bldLvl="1" animBg="1" rev="0" advAuto="0" spid="293" grpId="7"/>
-      <p:bldP build="whole" bldLvl="1" animBg="1" rev="0" advAuto="0" spid="292" grpId="3"/>
     </p:bldLst>
   </p:timing>
 </p:sld>
@@ -19837,9 +21069,9 @@
       </p:par>
     </p:tnLst>
     <p:bldLst>
-      <p:bldP build="whole" bldLvl="1" animBg="1" rev="0" advAuto="0" spid="302" grpId="3"/>
       <p:bldP build="whole" bldLvl="1" animBg="1" rev="0" advAuto="0" spid="299" grpId="1"/>
       <p:bldP build="whole" bldLvl="1" animBg="1" rev="0" advAuto="0" spid="300" grpId="2"/>
+      <p:bldP build="whole" bldLvl="1" animBg="1" rev="0" advAuto="0" spid="302" grpId="3"/>
     </p:bldLst>
   </p:timing>
 </p:sld>
@@ -21039,9 +22271,9 @@
       </p:par>
     </p:tnLst>
     <p:bldLst>
+      <p:bldP build="whole" bldLvl="1" animBg="1" rev="0" advAuto="0" spid="317" grpId="3"/>
       <p:bldP build="whole" bldLvl="1" animBg="1" rev="0" advAuto="0" spid="314" grpId="1"/>
       <p:bldP build="whole" bldLvl="1" animBg="1" rev="0" advAuto="0" spid="315" grpId="2"/>
-      <p:bldP build="whole" bldLvl="1" animBg="1" rev="0" advAuto="0" spid="317" grpId="3"/>
     </p:bldLst>
   </p:timing>
 </p:sld>
@@ -22750,10 +23982,10 @@
       </p:par>
     </p:tnLst>
     <p:bldLst>
+      <p:bldP build="whole" bldLvl="1" animBg="1" rev="0" advAuto="0" spid="130" grpId="3"/>
       <p:bldP build="whole" bldLvl="1" animBg="1" rev="0" advAuto="0" spid="129" grpId="2"/>
-      <p:bldP build="whole" bldLvl="1" animBg="1" rev="0" advAuto="0" spid="130" grpId="3"/>
+      <p:bldP build="whole" bldLvl="1" animBg="1" rev="0" advAuto="0" spid="128" grpId="1"/>
       <p:bldP build="whole" bldLvl="1" animBg="1" rev="0" advAuto="0" spid="131" grpId="4"/>
-      <p:bldP build="whole" bldLvl="1" animBg="1" rev="0" advAuto="0" spid="128" grpId="1"/>
       <p:bldP build="whole" bldLvl="1" animBg="1" rev="0" advAuto="0" spid="133" grpId="5"/>
     </p:bldLst>
   </p:timing>
@@ -23773,9 +25005,9 @@
       </p:par>
     </p:tnLst>
     <p:bldLst>
+      <p:bldP build="whole" bldLvl="1" animBg="1" rev="0" advAuto="0" spid="332" grpId="2"/>
       <p:bldP build="whole" bldLvl="1" animBg="1" rev="0" advAuto="0" spid="334" grpId="3"/>
       <p:bldP build="whole" bldLvl="1" animBg="1" rev="0" advAuto="0" spid="331" grpId="1"/>
-      <p:bldP build="whole" bldLvl="1" animBg="1" rev="0" advAuto="0" spid="332" grpId="2"/>
     </p:bldLst>
   </p:timing>
 </p:sld>
@@ -27247,9 +28479,9 @@
       </p:par>
     </p:tnLst>
     <p:bldLst>
+      <p:bldP build="whole" bldLvl="1" animBg="1" rev="0" advAuto="0" spid="386" grpId="2"/>
       <p:bldP build="whole" bldLvl="1" animBg="1" rev="0" advAuto="0" spid="388" grpId="4"/>
       <p:bldP build="whole" bldLvl="1" animBg="1" rev="0" advAuto="0" spid="387" grpId="3"/>
-      <p:bldP build="whole" bldLvl="1" animBg="1" rev="0" advAuto="0" spid="386" grpId="2"/>
     </p:bldLst>
   </p:timing>
 </p:sld>
@@ -30612,16 +31844,16 @@
       </p:par>
     </p:tnLst>
     <p:bldLst>
+      <p:bldP build="whole" bldLvl="1" animBg="1" rev="0" advAuto="0" spid="397" grpId="1"/>
+      <p:bldP build="whole" bldLvl="1" animBg="1" rev="0" advAuto="0" spid="395" grpId="5"/>
+      <p:bldP build="whole" bldLvl="1" animBg="1" rev="0" advAuto="0" spid="404" grpId="8"/>
+      <p:bldP build="whole" bldLvl="1" animBg="1" rev="0" advAuto="0" spid="401" grpId="2"/>
+      <p:bldP build="whole" bldLvl="1" animBg="1" rev="0" advAuto="0" spid="400" grpId="7"/>
+      <p:bldP build="whole" bldLvl="1" animBg="1" rev="0" advAuto="0" spid="394" grpId="3"/>
       <p:bldP build="whole" bldLvl="1" animBg="1" rev="0" advAuto="0" spid="403" grpId="4"/>
-      <p:bldP build="whole" bldLvl="1" animBg="1" rev="0" advAuto="0" spid="401" grpId="2"/>
       <p:bldP build="whole" bldLvl="1" animBg="1" rev="0" advAuto="0" spid="398" grpId="6"/>
       <p:bldP build="whole" bldLvl="1" animBg="1" rev="0" advAuto="0" spid="402" grpId="10"/>
-      <p:bldP build="whole" bldLvl="1" animBg="1" rev="0" advAuto="0" spid="395" grpId="5"/>
-      <p:bldP build="whole" bldLvl="1" animBg="1" rev="0" advAuto="0" spid="394" grpId="3"/>
-      <p:bldP build="whole" bldLvl="1" animBg="1" rev="0" advAuto="0" spid="400" grpId="7"/>
       <p:bldP build="whole" bldLvl="1" animBg="1" rev="0" advAuto="0" spid="401" grpId="9"/>
-      <p:bldP build="whole" bldLvl="1" animBg="1" rev="0" advAuto="0" spid="397" grpId="1"/>
-      <p:bldP build="whole" bldLvl="1" animBg="1" rev="0" advAuto="0" spid="404" grpId="8"/>
     </p:bldLst>
   </p:timing>
 </p:sld>
@@ -32274,12 +33506,12 @@
       </p:par>
     </p:tnLst>
     <p:bldLst>
+      <p:bldP build="whole" bldLvl="1" animBg="1" rev="0" advAuto="0" spid="137" grpId="3"/>
+      <p:bldP build="whole" bldLvl="1" animBg="1" rev="0" advAuto="0" spid="140" grpId="7"/>
       <p:bldP build="whole" bldLvl="1" animBg="1" rev="0" advAuto="0" spid="139" grpId="2"/>
+      <p:bldP build="whole" bldLvl="1" animBg="1" rev="0" advAuto="0" spid="138" grpId="6"/>
       <p:bldP build="whole" bldLvl="1" animBg="1" rev="0" advAuto="0" spid="137" grpId="1"/>
-      <p:bldP build="whole" bldLvl="1" animBg="1" rev="0" advAuto="0" spid="137" grpId="3"/>
       <p:bldP build="whole" bldLvl="1" animBg="1" rev="0" advAuto="0" spid="139" grpId="4"/>
-      <p:bldP build="whole" bldLvl="1" animBg="1" rev="0" advAuto="0" spid="138" grpId="6"/>
-      <p:bldP build="whole" bldLvl="1" animBg="1" rev="0" advAuto="0" spid="140" grpId="7"/>
     </p:bldLst>
   </p:timing>
 </p:sld>
@@ -33019,12 +34251,12 @@
       </p:par>
     </p:tnLst>
     <p:bldLst>
+      <p:bldP build="whole" bldLvl="1" animBg="1" rev="0" advAuto="0" spid="410" grpId="4"/>
+      <p:bldP build="whole" bldLvl="1" animBg="1" rev="0" advAuto="0" spid="411" grpId="3"/>
+      <p:bldP build="whole" bldLvl="1" animBg="1" rev="0" advAuto="0" spid="413" grpId="1"/>
       <p:bldP build="whole" bldLvl="1" animBg="1" rev="0" advAuto="0" spid="410" grpId="5"/>
       <p:bldP build="whole" bldLvl="1" animBg="1" rev="0" advAuto="0" spid="412" grpId="6"/>
-      <p:bldP build="whole" bldLvl="1" animBg="1" rev="0" advAuto="0" spid="413" grpId="1"/>
       <p:bldP build="whole" bldLvl="1" animBg="1" rev="0" advAuto="0" spid="415" grpId="2"/>
-      <p:bldP build="whole" bldLvl="1" animBg="1" rev="0" advAuto="0" spid="410" grpId="4"/>
-      <p:bldP build="whole" bldLvl="1" animBg="1" rev="0" advAuto="0" spid="411" grpId="3"/>
     </p:bldLst>
   </p:timing>
 </p:sld>
@@ -39423,10 +40655,10 @@
       </p:par>
     </p:tnLst>
     <p:bldLst>
+      <p:bldP build="whole" bldLvl="1" animBg="1" rev="0" advAuto="0" spid="146" grpId="7"/>
       <p:bldP build="whole" bldLvl="1" animBg="1" rev="0" advAuto="0" spid="147" grpId="5"/>
       <p:bldP build="whole" bldLvl="1" animBg="1" rev="0" advAuto="0" spid="147" grpId="6"/>
       <p:bldP build="whole" bldLvl="1" animBg="1" rev="0" advAuto="0" spid="145" grpId="1"/>
-      <p:bldP build="whole" bldLvl="1" animBg="1" rev="0" advAuto="0" spid="146" grpId="7"/>
     </p:bldLst>
   </p:timing>
 </p:sld>
@@ -41076,10 +42308,10 @@
       </p:par>
     </p:tnLst>
     <p:bldLst>
+      <p:bldP build="whole" bldLvl="1" animBg="1" rev="0" advAuto="0" spid="483" grpId="6"/>
+      <p:bldP build="whole" bldLvl="1" animBg="1" rev="0" advAuto="0" spid="485" grpId="5"/>
       <p:bldP build="whole" bldLvl="1" animBg="1" rev="0" advAuto="0" spid="484" grpId="1"/>
-      <p:bldP build="whole" bldLvl="1" animBg="1" rev="0" advAuto="0" spid="483" grpId="6"/>
       <p:bldP build="whole" bldLvl="1" animBg="1" rev="0" advAuto="0" spid="484" grpId="4"/>
-      <p:bldP build="whole" bldLvl="1" animBg="1" rev="0" advAuto="0" spid="485" grpId="5"/>
       <p:bldP build="whole" bldLvl="1" animBg="1" rev="0" advAuto="0" spid="485" grpId="2"/>
     </p:bldLst>
   </p:timing>
@@ -42185,6 +43417,3679 @@
 </p:sld>
 </file>
 
+<file path=ppt/slides/slide54.xml><?xml version="1.0" encoding="utf-8"?>
+<p:sld xmlns:a="http://schemas.openxmlformats.org/drawingml/2006/main" xmlns:r="http://schemas.openxmlformats.org/officeDocument/2006/relationships" xmlns:p="http://schemas.openxmlformats.org/presentationml/2006/main" xmlns:m="http://schemas.openxmlformats.org/officeDocument/2006/math" xmlns:a14="http://schemas.microsoft.com/office/drawing/2010/main" showMasterSp="1" showMasterPhAnim="1">
+  <p:cSld>
+    <p:spTree>
+      <p:nvGrpSpPr>
+        <p:cNvPr id="1" name=""/>
+        <p:cNvGrpSpPr/>
+        <p:nvPr/>
+      </p:nvGrpSpPr>
+      <p:grpSpPr>
+        <a:xfrm>
+          <a:off x="0" y="0"/>
+          <a:ext cx="0" cy="0"/>
+          <a:chOff x="0" y="0"/>
+          <a:chExt cx="0" cy="0"/>
+        </a:xfrm>
+      </p:grpSpPr>
+      <p:sp>
+        <p:nvSpPr>
+          <p:cNvPr id="501" name="Requêtage SQL"/>
+          <p:cNvSpPr txBox="1"/>
+          <p:nvPr/>
+        </p:nvSpPr>
+        <p:spPr>
+          <a:xfrm>
+            <a:off x="1270000" y="-12700"/>
+            <a:ext cx="10464800" cy="1282700"/>
+          </a:xfrm>
+          <a:prstGeom prst="rect">
+            <a:avLst/>
+          </a:prstGeom>
+          <a:ln w="12700">
+            <a:miter lim="400000"/>
+          </a:ln>
+          <a:extLst>
+            <a:ext uri="{C572A759-6A51-4108-AA02-DFA0A04FC94B}">
+              <ma14:wrappingTextBoxFlag xmlns:ma14="http://schemas.microsoft.com/office/mac/drawingml/2011/main" val="1"/>
+            </a:ext>
+          </a:extLst>
+        </p:spPr>
+        <p:txBody>
+          <a:bodyPr lIns="50800" tIns="50800" rIns="50800" bIns="50800" anchor="ctr">
+            <a:normAutofit fontScale="100000" lnSpcReduction="0"/>
+          </a:bodyPr>
+          <a:lstStyle>
+            <a:lvl1pPr>
+              <a:defRPr sz="2600"/>
+            </a:lvl1pPr>
+          </a:lstStyle>
+          <a:p>
+            <a:pPr/>
+            <a:r>
+              <a:t>Requêtage SQL</a:t>
+            </a:r>
+          </a:p>
+        </p:txBody>
+      </p:sp>
+      <p:sp>
+        <p:nvSpPr>
+          <p:cNvPr id="502" name="Modifier la structure d’une table"/>
+          <p:cNvSpPr txBox="1"/>
+          <p:nvPr/>
+        </p:nvSpPr>
+        <p:spPr>
+          <a:xfrm>
+            <a:off x="3561742" y="1499828"/>
+            <a:ext cx="5881316" cy="622301"/>
+          </a:xfrm>
+          <a:prstGeom prst="rect">
+            <a:avLst/>
+          </a:prstGeom>
+          <a:ln w="12700">
+            <a:miter lim="400000"/>
+          </a:ln>
+          <a:extLst>
+            <a:ext uri="{C572A759-6A51-4108-AA02-DFA0A04FC94B}">
+              <ma14:wrappingTextBoxFlag xmlns:ma14="http://schemas.microsoft.com/office/mac/drawingml/2011/main" val="1"/>
+            </a:ext>
+          </a:extLst>
+        </p:spPr>
+        <p:txBody>
+          <a:bodyPr wrap="none" lIns="50800" tIns="50800" rIns="50800" bIns="50800" anchor="ctr">
+            <a:spAutoFit/>
+          </a:bodyPr>
+          <a:lstStyle>
+            <a:lvl1pPr algn="l"/>
+          </a:lstStyle>
+          <a:p>
+            <a:pPr/>
+            <a:r>
+              <a:t>Modifier la structure d’une table</a:t>
+            </a:r>
+          </a:p>
+        </p:txBody>
+      </p:sp>
+      <p:sp>
+        <p:nvSpPr>
+          <p:cNvPr id="503" name="ALTER TABLE [table] [action];"/>
+          <p:cNvSpPr txBox="1"/>
+          <p:nvPr/>
+        </p:nvSpPr>
+        <p:spPr>
+          <a:xfrm>
+            <a:off x="427869" y="2629881"/>
+            <a:ext cx="12149062" cy="541810"/>
+          </a:xfrm>
+          <a:prstGeom prst="rect">
+            <a:avLst/>
+          </a:prstGeom>
+          <a:ln w="12700">
+            <a:miter lim="400000"/>
+          </a:ln>
+          <a:extLst>
+            <a:ext uri="{C572A759-6A51-4108-AA02-DFA0A04FC94B}">
+              <ma14:wrappingTextBoxFlag xmlns:ma14="http://schemas.microsoft.com/office/mac/drawingml/2011/main" val="1"/>
+            </a:ext>
+          </a:extLst>
+        </p:spPr>
+        <p:txBody>
+          <a:bodyPr lIns="50800" tIns="50800" rIns="50800" bIns="50800" anchor="b">
+            <a:spAutoFit/>
+          </a:bodyPr>
+          <a:lstStyle>
+            <a:lvl1pPr algn="l">
+              <a:defRPr sz="2800">
+                <a:solidFill>
+                  <a:srgbClr val="5A5F5E"/>
+                </a:solidFill>
+                <a:latin typeface="Monaco"/>
+                <a:ea typeface="Monaco"/>
+                <a:cs typeface="Monaco"/>
+                <a:sym typeface="Monaco"/>
+              </a:defRPr>
+            </a:lvl1pPr>
+          </a:lstStyle>
+          <a:p>
+            <a:pPr/>
+            <a:r>
+              <a:t>ALTER TABLE [table] [action];</a:t>
+            </a:r>
+          </a:p>
+        </p:txBody>
+      </p:sp>
+      <p:sp>
+        <p:nvSpPr>
+          <p:cNvPr id="504" name="Renommer une table"/>
+          <p:cNvSpPr txBox="1"/>
+          <p:nvPr/>
+        </p:nvSpPr>
+        <p:spPr>
+          <a:xfrm>
+            <a:off x="438170" y="2567717"/>
+            <a:ext cx="3929063" cy="622301"/>
+          </a:xfrm>
+          <a:prstGeom prst="rect">
+            <a:avLst/>
+          </a:prstGeom>
+          <a:ln w="12700">
+            <a:miter lim="400000"/>
+          </a:ln>
+          <a:extLst>
+            <a:ext uri="{C572A759-6A51-4108-AA02-DFA0A04FC94B}">
+              <ma14:wrappingTextBoxFlag xmlns:ma14="http://schemas.microsoft.com/office/mac/drawingml/2011/main" val="1"/>
+            </a:ext>
+          </a:extLst>
+        </p:spPr>
+        <p:txBody>
+          <a:bodyPr wrap="none" lIns="50800" tIns="50800" rIns="50800" bIns="50800" anchor="ctr">
+            <a:spAutoFit/>
+          </a:bodyPr>
+          <a:lstStyle>
+            <a:lvl1pPr algn="l"/>
+          </a:lstStyle>
+          <a:p>
+            <a:pPr/>
+            <a:r>
+              <a:t>Renommer une table</a:t>
+            </a:r>
+          </a:p>
+        </p:txBody>
+      </p:sp>
+      <p:sp>
+        <p:nvSpPr>
+          <p:cNvPr id="505" name="ALTER TABLE [table] RENAME TO [nom];"/>
+          <p:cNvSpPr txBox="1"/>
+          <p:nvPr/>
+        </p:nvSpPr>
+        <p:spPr>
+          <a:xfrm>
+            <a:off x="427869" y="3078977"/>
+            <a:ext cx="12149062" cy="541810"/>
+          </a:xfrm>
+          <a:prstGeom prst="rect">
+            <a:avLst/>
+          </a:prstGeom>
+          <a:ln w="12700">
+            <a:miter lim="400000"/>
+          </a:ln>
+          <a:extLst>
+            <a:ext uri="{C572A759-6A51-4108-AA02-DFA0A04FC94B}">
+              <ma14:wrappingTextBoxFlag xmlns:ma14="http://schemas.microsoft.com/office/mac/drawingml/2011/main" val="1"/>
+            </a:ext>
+          </a:extLst>
+        </p:spPr>
+        <p:txBody>
+          <a:bodyPr lIns="50800" tIns="50800" rIns="50800" bIns="50800" anchor="b">
+            <a:spAutoFit/>
+          </a:bodyPr>
+          <a:lstStyle>
+            <a:lvl1pPr algn="l">
+              <a:defRPr sz="2800">
+                <a:solidFill>
+                  <a:srgbClr val="5A5F5E"/>
+                </a:solidFill>
+                <a:latin typeface="Monaco"/>
+                <a:ea typeface="Monaco"/>
+                <a:cs typeface="Monaco"/>
+                <a:sym typeface="Monaco"/>
+              </a:defRPr>
+            </a:lvl1pPr>
+          </a:lstStyle>
+          <a:p>
+            <a:pPr/>
+            <a:r>
+              <a:t>ALTER TABLE [table] RENAME TO [nom];</a:t>
+            </a:r>
+          </a:p>
+        </p:txBody>
+      </p:sp>
+      <p:sp>
+        <p:nvSpPr>
+          <p:cNvPr id="506" name="Renommer une colonne"/>
+          <p:cNvSpPr txBox="1"/>
+          <p:nvPr/>
+        </p:nvSpPr>
+        <p:spPr>
+          <a:xfrm>
+            <a:off x="438170" y="3837717"/>
+            <a:ext cx="4504359" cy="622301"/>
+          </a:xfrm>
+          <a:prstGeom prst="rect">
+            <a:avLst/>
+          </a:prstGeom>
+          <a:ln w="12700">
+            <a:miter lim="400000"/>
+          </a:ln>
+          <a:extLst>
+            <a:ext uri="{C572A759-6A51-4108-AA02-DFA0A04FC94B}">
+              <ma14:wrappingTextBoxFlag xmlns:ma14="http://schemas.microsoft.com/office/mac/drawingml/2011/main" val="1"/>
+            </a:ext>
+          </a:extLst>
+        </p:spPr>
+        <p:txBody>
+          <a:bodyPr wrap="none" lIns="50800" tIns="50800" rIns="50800" bIns="50800" anchor="ctr">
+            <a:spAutoFit/>
+          </a:bodyPr>
+          <a:lstStyle>
+            <a:lvl1pPr algn="l"/>
+          </a:lstStyle>
+          <a:p>
+            <a:pPr/>
+            <a:r>
+              <a:t>Renommer une colonne</a:t>
+            </a:r>
+          </a:p>
+        </p:txBody>
+      </p:sp>
+      <p:sp>
+        <p:nvSpPr>
+          <p:cNvPr id="507" name="ALTER TABLE [table] RENAME [colonne] TO [nom];"/>
+          <p:cNvSpPr txBox="1"/>
+          <p:nvPr/>
+        </p:nvSpPr>
+        <p:spPr>
+          <a:xfrm>
+            <a:off x="427869" y="4348977"/>
+            <a:ext cx="12149062" cy="541810"/>
+          </a:xfrm>
+          <a:prstGeom prst="rect">
+            <a:avLst/>
+          </a:prstGeom>
+          <a:ln w="12700">
+            <a:miter lim="400000"/>
+          </a:ln>
+          <a:extLst>
+            <a:ext uri="{C572A759-6A51-4108-AA02-DFA0A04FC94B}">
+              <ma14:wrappingTextBoxFlag xmlns:ma14="http://schemas.microsoft.com/office/mac/drawingml/2011/main" val="1"/>
+            </a:ext>
+          </a:extLst>
+        </p:spPr>
+        <p:txBody>
+          <a:bodyPr lIns="50800" tIns="50800" rIns="50800" bIns="50800" anchor="b">
+            <a:spAutoFit/>
+          </a:bodyPr>
+          <a:lstStyle>
+            <a:lvl1pPr algn="l">
+              <a:defRPr sz="2800">
+                <a:solidFill>
+                  <a:srgbClr val="5A5F5E"/>
+                </a:solidFill>
+                <a:latin typeface="Monaco"/>
+                <a:ea typeface="Monaco"/>
+                <a:cs typeface="Monaco"/>
+                <a:sym typeface="Monaco"/>
+              </a:defRPr>
+            </a:lvl1pPr>
+          </a:lstStyle>
+          <a:p>
+            <a:pPr/>
+            <a:r>
+              <a:t>ALTER TABLE [table] RENAME [colonne] TO [nom];</a:t>
+            </a:r>
+          </a:p>
+        </p:txBody>
+      </p:sp>
+      <p:sp>
+        <p:nvSpPr>
+          <p:cNvPr id="508" name="Ajouter une colonne"/>
+          <p:cNvSpPr txBox="1"/>
+          <p:nvPr/>
+        </p:nvSpPr>
+        <p:spPr>
+          <a:xfrm>
+            <a:off x="438170" y="5107717"/>
+            <a:ext cx="3847134" cy="622301"/>
+          </a:xfrm>
+          <a:prstGeom prst="rect">
+            <a:avLst/>
+          </a:prstGeom>
+          <a:ln w="12700">
+            <a:miter lim="400000"/>
+          </a:ln>
+          <a:extLst>
+            <a:ext uri="{C572A759-6A51-4108-AA02-DFA0A04FC94B}">
+              <ma14:wrappingTextBoxFlag xmlns:ma14="http://schemas.microsoft.com/office/mac/drawingml/2011/main" val="1"/>
+            </a:ext>
+          </a:extLst>
+        </p:spPr>
+        <p:txBody>
+          <a:bodyPr wrap="none" lIns="50800" tIns="50800" rIns="50800" bIns="50800" anchor="ctr">
+            <a:spAutoFit/>
+          </a:bodyPr>
+          <a:lstStyle>
+            <a:lvl1pPr algn="l"/>
+          </a:lstStyle>
+          <a:p>
+            <a:pPr/>
+            <a:r>
+              <a:t>Ajouter une colonne</a:t>
+            </a:r>
+          </a:p>
+        </p:txBody>
+      </p:sp>
+      <p:sp>
+        <p:nvSpPr>
+          <p:cNvPr id="509" name="ALTER TABLE [table] ADD [colonne] [type] [contraintes];"/>
+          <p:cNvSpPr txBox="1"/>
+          <p:nvPr/>
+        </p:nvSpPr>
+        <p:spPr>
+          <a:xfrm>
+            <a:off x="427869" y="5618977"/>
+            <a:ext cx="12149062" cy="541810"/>
+          </a:xfrm>
+          <a:prstGeom prst="rect">
+            <a:avLst/>
+          </a:prstGeom>
+          <a:ln w="12700">
+            <a:miter lim="400000"/>
+          </a:ln>
+          <a:extLst>
+            <a:ext uri="{C572A759-6A51-4108-AA02-DFA0A04FC94B}">
+              <ma14:wrappingTextBoxFlag xmlns:ma14="http://schemas.microsoft.com/office/mac/drawingml/2011/main" val="1"/>
+            </a:ext>
+          </a:extLst>
+        </p:spPr>
+        <p:txBody>
+          <a:bodyPr lIns="50800" tIns="50800" rIns="50800" bIns="50800" anchor="b">
+            <a:spAutoFit/>
+          </a:bodyPr>
+          <a:lstStyle>
+            <a:lvl1pPr algn="l">
+              <a:defRPr sz="2800">
+                <a:solidFill>
+                  <a:srgbClr val="5A5F5E"/>
+                </a:solidFill>
+                <a:latin typeface="Monaco"/>
+                <a:ea typeface="Monaco"/>
+                <a:cs typeface="Monaco"/>
+                <a:sym typeface="Monaco"/>
+              </a:defRPr>
+            </a:lvl1pPr>
+          </a:lstStyle>
+          <a:p>
+            <a:pPr/>
+            <a:r>
+              <a:t>ALTER TABLE [table] ADD [colonne] [type] [contraintes];</a:t>
+            </a:r>
+          </a:p>
+        </p:txBody>
+      </p:sp>
+      <p:sp>
+        <p:nvSpPr>
+          <p:cNvPr id="510" name="Supprimer une colonne"/>
+          <p:cNvSpPr txBox="1"/>
+          <p:nvPr/>
+        </p:nvSpPr>
+        <p:spPr>
+          <a:xfrm>
+            <a:off x="438170" y="6377717"/>
+            <a:ext cx="4353224" cy="622301"/>
+          </a:xfrm>
+          <a:prstGeom prst="rect">
+            <a:avLst/>
+          </a:prstGeom>
+          <a:ln w="12700">
+            <a:miter lim="400000"/>
+          </a:ln>
+          <a:extLst>
+            <a:ext uri="{C572A759-6A51-4108-AA02-DFA0A04FC94B}">
+              <ma14:wrappingTextBoxFlag xmlns:ma14="http://schemas.microsoft.com/office/mac/drawingml/2011/main" val="1"/>
+            </a:ext>
+          </a:extLst>
+        </p:spPr>
+        <p:txBody>
+          <a:bodyPr wrap="none" lIns="50800" tIns="50800" rIns="50800" bIns="50800" anchor="ctr">
+            <a:spAutoFit/>
+          </a:bodyPr>
+          <a:lstStyle>
+            <a:lvl1pPr algn="l"/>
+          </a:lstStyle>
+          <a:p>
+            <a:pPr/>
+            <a:r>
+              <a:t>Supprimer une colonne</a:t>
+            </a:r>
+          </a:p>
+        </p:txBody>
+      </p:sp>
+      <p:sp>
+        <p:nvSpPr>
+          <p:cNvPr id="511" name="ALTER TABLE [table] DROP [colonne];"/>
+          <p:cNvSpPr txBox="1"/>
+          <p:nvPr/>
+        </p:nvSpPr>
+        <p:spPr>
+          <a:xfrm>
+            <a:off x="427869" y="6888977"/>
+            <a:ext cx="12149062" cy="541810"/>
+          </a:xfrm>
+          <a:prstGeom prst="rect">
+            <a:avLst/>
+          </a:prstGeom>
+          <a:ln w="12700">
+            <a:miter lim="400000"/>
+          </a:ln>
+          <a:extLst>
+            <a:ext uri="{C572A759-6A51-4108-AA02-DFA0A04FC94B}">
+              <ma14:wrappingTextBoxFlag xmlns:ma14="http://schemas.microsoft.com/office/mac/drawingml/2011/main" val="1"/>
+            </a:ext>
+          </a:extLst>
+        </p:spPr>
+        <p:txBody>
+          <a:bodyPr lIns="50800" tIns="50800" rIns="50800" bIns="50800" anchor="b">
+            <a:spAutoFit/>
+          </a:bodyPr>
+          <a:lstStyle>
+            <a:lvl1pPr algn="l">
+              <a:defRPr sz="2800">
+                <a:solidFill>
+                  <a:srgbClr val="5A5F5E"/>
+                </a:solidFill>
+                <a:latin typeface="Monaco"/>
+                <a:ea typeface="Monaco"/>
+                <a:cs typeface="Monaco"/>
+                <a:sym typeface="Monaco"/>
+              </a:defRPr>
+            </a:lvl1pPr>
+          </a:lstStyle>
+          <a:p>
+            <a:pPr/>
+            <a:r>
+              <a:t>ALTER TABLE [table] DROP [colonne];</a:t>
+            </a:r>
+          </a:p>
+        </p:txBody>
+      </p:sp>
+    </p:spTree>
+  </p:cSld>
+  <p:clrMapOvr>
+    <a:masterClrMapping/>
+  </p:clrMapOvr>
+  <p:transition xmlns:p14="http://schemas.microsoft.com/office/powerpoint/2010/main" spd="med" advClick="1"/>
+  <p:timing>
+    <p:tnLst>
+      <p:par>
+        <p:cTn id="1" nodeType="tmRoot" restart="never" dur="indefinite" fill="hold">
+          <p:childTnLst>
+            <p:seq concurrent="1" prevAc="none" nextAc="seek">
+              <p:cTn id="2" nodeType="mainSeq" dur="indefinite" fill="hold">
+                <p:childTnLst>
+                  <p:par>
+                    <p:cTn id="3" fill="hold">
+                      <p:stCondLst>
+                        <p:cond delay="indefinite"/>
+                      </p:stCondLst>
+                      <p:childTnLst>
+                        <p:par>
+                          <p:cTn id="4" fill="hold">
+                            <p:stCondLst>
+                              <p:cond delay="0"/>
+                            </p:stCondLst>
+                            <p:childTnLst>
+                              <p:par>
+                                <p:cTn id="5" presetClass="emph" nodeType="clickEffect" presetID="9" grpId="1" fill="hold">
+                                  <p:stCondLst>
+                                    <p:cond delay="0"/>
+                                  </p:stCondLst>
+                                  <p:childTnLst>
+                                    <p:set>
+                                      <p:cBhvr>
+                                        <p:cTn id="6" dur="indefinite" fill="hold"/>
+                                        <p:tgtEl>
+                                          <p:spTgt spid="503"/>
+                                        </p:tgtEl>
+                                        <p:attrNameLst>
+                                          <p:attrName>style.opacity</p:attrName>
+                                        </p:attrNameLst>
+                                      </p:cBhvr>
+                                      <p:to>
+                                        <p:strVal val="0.00"/>
+                                      </p:to>
+                                    </p:set>
+                                    <p:animEffect filter="image" prLst="opacity: 0.00; ">
+                                      <p:cBhvr>
+                                        <p:cTn id="7" dur="indefinite" fill="hold"/>
+                                        <p:tgtEl>
+                                          <p:spTgt spid="503"/>
+                                        </p:tgtEl>
+                                      </p:cBhvr>
+                                    </p:animEffect>
+                                  </p:childTnLst>
+                                </p:cTn>
+                              </p:par>
+                            </p:childTnLst>
+                          </p:cTn>
+                        </p:par>
+                        <p:par>
+                          <p:cTn id="8" fill="hold">
+                            <p:stCondLst>
+                              <p:cond delay="300"/>
+                            </p:stCondLst>
+                            <p:childTnLst>
+                              <p:par>
+                                <p:cTn id="9" presetClass="entr" nodeType="afterEffect" presetID="9" grpId="2" fill="hold">
+                                  <p:stCondLst>
+                                    <p:cond delay="0"/>
+                                  </p:stCondLst>
+                                  <p:iterate type="el" backwards="0">
+                                    <p:tmAbs val="0"/>
+                                  </p:iterate>
+                                  <p:childTnLst>
+                                    <p:set>
+                                      <p:cBhvr>
+                                        <p:cTn id="10" fill="hold"/>
+                                        <p:tgtEl>
+                                          <p:spTgt spid="504"/>
+                                        </p:tgtEl>
+                                        <p:attrNameLst>
+                                          <p:attrName>style.visibility</p:attrName>
+                                        </p:attrNameLst>
+                                      </p:cBhvr>
+                                      <p:to>
+                                        <p:strVal val="visible"/>
+                                      </p:to>
+                                    </p:set>
+                                    <p:animEffect filter="dissolve" transition="in">
+                                      <p:cBhvr>
+                                        <p:cTn id="11" dur="300"/>
+                                        <p:tgtEl>
+                                          <p:spTgt spid="504"/>
+                                        </p:tgtEl>
+                                      </p:cBhvr>
+                                    </p:animEffect>
+                                  </p:childTnLst>
+                                </p:cTn>
+                              </p:par>
+                            </p:childTnLst>
+                          </p:cTn>
+                        </p:par>
+                        <p:par>
+                          <p:cTn id="12" fill="hold">
+                            <p:stCondLst>
+                              <p:cond delay="600"/>
+                            </p:stCondLst>
+                            <p:childTnLst>
+                              <p:par>
+                                <p:cTn id="13" presetClass="entr" nodeType="afterEffect" presetID="9" grpId="3" fill="hold">
+                                  <p:stCondLst>
+                                    <p:cond delay="0"/>
+                                  </p:stCondLst>
+                                  <p:iterate type="el" backwards="0">
+                                    <p:tmAbs val="0"/>
+                                  </p:iterate>
+                                  <p:childTnLst>
+                                    <p:set>
+                                      <p:cBhvr>
+                                        <p:cTn id="14" fill="hold"/>
+                                        <p:tgtEl>
+                                          <p:spTgt spid="505"/>
+                                        </p:tgtEl>
+                                        <p:attrNameLst>
+                                          <p:attrName>style.visibility</p:attrName>
+                                        </p:attrNameLst>
+                                      </p:cBhvr>
+                                      <p:to>
+                                        <p:strVal val="visible"/>
+                                      </p:to>
+                                    </p:set>
+                                    <p:animEffect filter="dissolve" transition="in">
+                                      <p:cBhvr>
+                                        <p:cTn id="15" dur="300"/>
+                                        <p:tgtEl>
+                                          <p:spTgt spid="505"/>
+                                        </p:tgtEl>
+                                      </p:cBhvr>
+                                    </p:animEffect>
+                                  </p:childTnLst>
+                                </p:cTn>
+                              </p:par>
+                            </p:childTnLst>
+                          </p:cTn>
+                        </p:par>
+                        <p:par>
+                          <p:cTn id="16" fill="hold">
+                            <p:stCondLst>
+                              <p:cond delay="900"/>
+                            </p:stCondLst>
+                            <p:childTnLst>
+                              <p:par>
+                                <p:cTn id="17" presetClass="entr" nodeType="afterEffect" presetID="9" grpId="4" fill="hold">
+                                  <p:stCondLst>
+                                    <p:cond delay="0"/>
+                                  </p:stCondLst>
+                                  <p:iterate type="el" backwards="0">
+                                    <p:tmAbs val="0"/>
+                                  </p:iterate>
+                                  <p:childTnLst>
+                                    <p:set>
+                                      <p:cBhvr>
+                                        <p:cTn id="18" fill="hold"/>
+                                        <p:tgtEl>
+                                          <p:spTgt spid="506"/>
+                                        </p:tgtEl>
+                                        <p:attrNameLst>
+                                          <p:attrName>style.visibility</p:attrName>
+                                        </p:attrNameLst>
+                                      </p:cBhvr>
+                                      <p:to>
+                                        <p:strVal val="visible"/>
+                                      </p:to>
+                                    </p:set>
+                                    <p:animEffect filter="dissolve" transition="in">
+                                      <p:cBhvr>
+                                        <p:cTn id="19" dur="300"/>
+                                        <p:tgtEl>
+                                          <p:spTgt spid="506"/>
+                                        </p:tgtEl>
+                                      </p:cBhvr>
+                                    </p:animEffect>
+                                  </p:childTnLst>
+                                </p:cTn>
+                              </p:par>
+                            </p:childTnLst>
+                          </p:cTn>
+                        </p:par>
+                        <p:par>
+                          <p:cTn id="20" fill="hold">
+                            <p:stCondLst>
+                              <p:cond delay="1200"/>
+                            </p:stCondLst>
+                            <p:childTnLst>
+                              <p:par>
+                                <p:cTn id="21" presetClass="entr" nodeType="afterEffect" presetID="9" grpId="5" fill="hold">
+                                  <p:stCondLst>
+                                    <p:cond delay="0"/>
+                                  </p:stCondLst>
+                                  <p:iterate type="el" backwards="0">
+                                    <p:tmAbs val="0"/>
+                                  </p:iterate>
+                                  <p:childTnLst>
+                                    <p:set>
+                                      <p:cBhvr>
+                                        <p:cTn id="22" fill="hold"/>
+                                        <p:tgtEl>
+                                          <p:spTgt spid="507"/>
+                                        </p:tgtEl>
+                                        <p:attrNameLst>
+                                          <p:attrName>style.visibility</p:attrName>
+                                        </p:attrNameLst>
+                                      </p:cBhvr>
+                                      <p:to>
+                                        <p:strVal val="visible"/>
+                                      </p:to>
+                                    </p:set>
+                                    <p:animEffect filter="dissolve" transition="in">
+                                      <p:cBhvr>
+                                        <p:cTn id="23" dur="300"/>
+                                        <p:tgtEl>
+                                          <p:spTgt spid="507"/>
+                                        </p:tgtEl>
+                                      </p:cBhvr>
+                                    </p:animEffect>
+                                  </p:childTnLst>
+                                </p:cTn>
+                              </p:par>
+                            </p:childTnLst>
+                          </p:cTn>
+                        </p:par>
+                        <p:par>
+                          <p:cTn id="24" fill="hold">
+                            <p:stCondLst>
+                              <p:cond delay="1500"/>
+                            </p:stCondLst>
+                            <p:childTnLst>
+                              <p:par>
+                                <p:cTn id="25" presetClass="entr" nodeType="afterEffect" presetID="9" grpId="6" fill="hold">
+                                  <p:stCondLst>
+                                    <p:cond delay="0"/>
+                                  </p:stCondLst>
+                                  <p:iterate type="el" backwards="0">
+                                    <p:tmAbs val="0"/>
+                                  </p:iterate>
+                                  <p:childTnLst>
+                                    <p:set>
+                                      <p:cBhvr>
+                                        <p:cTn id="26" fill="hold"/>
+                                        <p:tgtEl>
+                                          <p:spTgt spid="508"/>
+                                        </p:tgtEl>
+                                        <p:attrNameLst>
+                                          <p:attrName>style.visibility</p:attrName>
+                                        </p:attrNameLst>
+                                      </p:cBhvr>
+                                      <p:to>
+                                        <p:strVal val="visible"/>
+                                      </p:to>
+                                    </p:set>
+                                    <p:animEffect filter="dissolve" transition="in">
+                                      <p:cBhvr>
+                                        <p:cTn id="27" dur="300"/>
+                                        <p:tgtEl>
+                                          <p:spTgt spid="508"/>
+                                        </p:tgtEl>
+                                      </p:cBhvr>
+                                    </p:animEffect>
+                                  </p:childTnLst>
+                                </p:cTn>
+                              </p:par>
+                            </p:childTnLst>
+                          </p:cTn>
+                        </p:par>
+                        <p:par>
+                          <p:cTn id="28" fill="hold">
+                            <p:stCondLst>
+                              <p:cond delay="1800"/>
+                            </p:stCondLst>
+                            <p:childTnLst>
+                              <p:par>
+                                <p:cTn id="29" presetClass="entr" nodeType="afterEffect" presetID="9" grpId="7" fill="hold">
+                                  <p:stCondLst>
+                                    <p:cond delay="0"/>
+                                  </p:stCondLst>
+                                  <p:iterate type="el" backwards="0">
+                                    <p:tmAbs val="0"/>
+                                  </p:iterate>
+                                  <p:childTnLst>
+                                    <p:set>
+                                      <p:cBhvr>
+                                        <p:cTn id="30" fill="hold"/>
+                                        <p:tgtEl>
+                                          <p:spTgt spid="509"/>
+                                        </p:tgtEl>
+                                        <p:attrNameLst>
+                                          <p:attrName>style.visibility</p:attrName>
+                                        </p:attrNameLst>
+                                      </p:cBhvr>
+                                      <p:to>
+                                        <p:strVal val="visible"/>
+                                      </p:to>
+                                    </p:set>
+                                    <p:animEffect filter="dissolve" transition="in">
+                                      <p:cBhvr>
+                                        <p:cTn id="31" dur="300"/>
+                                        <p:tgtEl>
+                                          <p:spTgt spid="509"/>
+                                        </p:tgtEl>
+                                      </p:cBhvr>
+                                    </p:animEffect>
+                                  </p:childTnLst>
+                                </p:cTn>
+                              </p:par>
+                            </p:childTnLst>
+                          </p:cTn>
+                        </p:par>
+                        <p:par>
+                          <p:cTn id="32" fill="hold">
+                            <p:stCondLst>
+                              <p:cond delay="2100"/>
+                            </p:stCondLst>
+                            <p:childTnLst>
+                              <p:par>
+                                <p:cTn id="33" presetClass="entr" nodeType="afterEffect" presetID="9" grpId="8" fill="hold">
+                                  <p:stCondLst>
+                                    <p:cond delay="0"/>
+                                  </p:stCondLst>
+                                  <p:iterate type="el" backwards="0">
+                                    <p:tmAbs val="0"/>
+                                  </p:iterate>
+                                  <p:childTnLst>
+                                    <p:set>
+                                      <p:cBhvr>
+                                        <p:cTn id="34" fill="hold"/>
+                                        <p:tgtEl>
+                                          <p:spTgt spid="510"/>
+                                        </p:tgtEl>
+                                        <p:attrNameLst>
+                                          <p:attrName>style.visibility</p:attrName>
+                                        </p:attrNameLst>
+                                      </p:cBhvr>
+                                      <p:to>
+                                        <p:strVal val="visible"/>
+                                      </p:to>
+                                    </p:set>
+                                    <p:animEffect filter="dissolve" transition="in">
+                                      <p:cBhvr>
+                                        <p:cTn id="35" dur="300"/>
+                                        <p:tgtEl>
+                                          <p:spTgt spid="510"/>
+                                        </p:tgtEl>
+                                      </p:cBhvr>
+                                    </p:animEffect>
+                                  </p:childTnLst>
+                                </p:cTn>
+                              </p:par>
+                            </p:childTnLst>
+                          </p:cTn>
+                        </p:par>
+                        <p:par>
+                          <p:cTn id="36" fill="hold">
+                            <p:stCondLst>
+                              <p:cond delay="2400"/>
+                            </p:stCondLst>
+                            <p:childTnLst>
+                              <p:par>
+                                <p:cTn id="37" presetClass="entr" nodeType="afterEffect" presetID="9" grpId="9" fill="hold">
+                                  <p:stCondLst>
+                                    <p:cond delay="0"/>
+                                  </p:stCondLst>
+                                  <p:iterate type="el" backwards="0">
+                                    <p:tmAbs val="0"/>
+                                  </p:iterate>
+                                  <p:childTnLst>
+                                    <p:set>
+                                      <p:cBhvr>
+                                        <p:cTn id="38" fill="hold"/>
+                                        <p:tgtEl>
+                                          <p:spTgt spid="511"/>
+                                        </p:tgtEl>
+                                        <p:attrNameLst>
+                                          <p:attrName>style.visibility</p:attrName>
+                                        </p:attrNameLst>
+                                      </p:cBhvr>
+                                      <p:to>
+                                        <p:strVal val="visible"/>
+                                      </p:to>
+                                    </p:set>
+                                    <p:animEffect filter="dissolve" transition="in">
+                                      <p:cBhvr>
+                                        <p:cTn id="39" dur="300"/>
+                                        <p:tgtEl>
+                                          <p:spTgt spid="511"/>
+                                        </p:tgtEl>
+                                      </p:cBhvr>
+                                    </p:animEffect>
+                                  </p:childTnLst>
+                                </p:cTn>
+                              </p:par>
+                            </p:childTnLst>
+                          </p:cTn>
+                        </p:par>
+                      </p:childTnLst>
+                    </p:cTn>
+                  </p:par>
+                </p:childTnLst>
+              </p:cTn>
+              <p:prevCondLst>
+                <p:cond evt="onPrev">
+                  <p:tgtEl>
+                    <p:sldTgt/>
+                  </p:tgtEl>
+                </p:cond>
+              </p:prevCondLst>
+              <p:nextCondLst>
+                <p:cond evt="onNext">
+                  <p:tgtEl>
+                    <p:sldTgt/>
+                  </p:tgtEl>
+                </p:cond>
+              </p:nextCondLst>
+            </p:seq>
+          </p:childTnLst>
+        </p:cTn>
+      </p:par>
+    </p:tnLst>
+    <p:bldLst>
+      <p:bldP build="whole" bldLvl="1" animBg="1" rev="0" advAuto="0" spid="510" grpId="8"/>
+      <p:bldP build="whole" bldLvl="1" animBg="1" rev="0" advAuto="0" spid="503" grpId="1"/>
+      <p:bldP build="whole" bldLvl="1" animBg="1" rev="0" advAuto="0" spid="506" grpId="4"/>
+      <p:bldP build="whole" bldLvl="1" animBg="1" rev="0" advAuto="0" spid="511" grpId="9"/>
+      <p:bldP build="whole" bldLvl="1" animBg="1" rev="0" advAuto="0" spid="504" grpId="2"/>
+      <p:bldP build="whole" bldLvl="1" animBg="1" rev="0" advAuto="0" spid="507" grpId="5"/>
+      <p:bldP build="whole" bldLvl="1" animBg="1" rev="0" advAuto="0" spid="508" grpId="6"/>
+      <p:bldP build="whole" bldLvl="1" animBg="1" rev="0" advAuto="0" spid="505" grpId="3"/>
+      <p:bldP build="whole" bldLvl="1" animBg="1" rev="0" advAuto="0" spid="509" grpId="7"/>
+    </p:bldLst>
+  </p:timing>
+</p:sld>
+</file>
+
+<file path=ppt/slides/slide55.xml><?xml version="1.0" encoding="utf-8"?>
+<p:sld xmlns:a="http://schemas.openxmlformats.org/drawingml/2006/main" xmlns:r="http://schemas.openxmlformats.org/officeDocument/2006/relationships" xmlns:p="http://schemas.openxmlformats.org/presentationml/2006/main" xmlns:m="http://schemas.openxmlformats.org/officeDocument/2006/math" xmlns:a14="http://schemas.microsoft.com/office/drawing/2010/main" showMasterSp="1" showMasterPhAnim="1">
+  <p:cSld>
+    <p:spTree>
+      <p:nvGrpSpPr>
+        <p:cNvPr id="1" name=""/>
+        <p:cNvGrpSpPr/>
+        <p:nvPr/>
+      </p:nvGrpSpPr>
+      <p:grpSpPr>
+        <a:xfrm>
+          <a:off x="0" y="0"/>
+          <a:ext cx="0" cy="0"/>
+          <a:chOff x="0" y="0"/>
+          <a:chExt cx="0" cy="0"/>
+        </a:xfrm>
+      </p:grpSpPr>
+      <p:sp>
+        <p:nvSpPr>
+          <p:cNvPr id="515" name="Requêtage SQL"/>
+          <p:cNvSpPr txBox="1"/>
+          <p:nvPr/>
+        </p:nvSpPr>
+        <p:spPr>
+          <a:xfrm>
+            <a:off x="1270000" y="-12700"/>
+            <a:ext cx="10464800" cy="1282700"/>
+          </a:xfrm>
+          <a:prstGeom prst="rect">
+            <a:avLst/>
+          </a:prstGeom>
+          <a:ln w="12700">
+            <a:miter lim="400000"/>
+          </a:ln>
+          <a:extLst>
+            <a:ext uri="{C572A759-6A51-4108-AA02-DFA0A04FC94B}">
+              <ma14:wrappingTextBoxFlag xmlns:ma14="http://schemas.microsoft.com/office/mac/drawingml/2011/main" val="1"/>
+            </a:ext>
+          </a:extLst>
+        </p:spPr>
+        <p:txBody>
+          <a:bodyPr lIns="50800" tIns="50800" rIns="50800" bIns="50800" anchor="ctr">
+            <a:normAutofit fontScale="100000" lnSpcReduction="0"/>
+          </a:bodyPr>
+          <a:lstStyle>
+            <a:lvl1pPr>
+              <a:defRPr sz="2600"/>
+            </a:lvl1pPr>
+          </a:lstStyle>
+          <a:p>
+            <a:pPr/>
+            <a:r>
+              <a:t>Requêtage SQL</a:t>
+            </a:r>
+          </a:p>
+        </p:txBody>
+      </p:sp>
+      <p:sp>
+        <p:nvSpPr>
+          <p:cNvPr id="516" name="Modifier un enregistrement"/>
+          <p:cNvSpPr txBox="1"/>
+          <p:nvPr/>
+        </p:nvSpPr>
+        <p:spPr>
+          <a:xfrm>
+            <a:off x="3987018" y="1499828"/>
+            <a:ext cx="5030764" cy="622301"/>
+          </a:xfrm>
+          <a:prstGeom prst="rect">
+            <a:avLst/>
+          </a:prstGeom>
+          <a:ln w="12700">
+            <a:miter lim="400000"/>
+          </a:ln>
+          <a:extLst>
+            <a:ext uri="{C572A759-6A51-4108-AA02-DFA0A04FC94B}">
+              <ma14:wrappingTextBoxFlag xmlns:ma14="http://schemas.microsoft.com/office/mac/drawingml/2011/main" val="1"/>
+            </a:ext>
+          </a:extLst>
+        </p:spPr>
+        <p:txBody>
+          <a:bodyPr wrap="none" lIns="50800" tIns="50800" rIns="50800" bIns="50800" anchor="ctr">
+            <a:spAutoFit/>
+          </a:bodyPr>
+          <a:lstStyle/>
+          <a:p>
+            <a:pPr/>
+            <a:r>
+              <a:t>Modifier un enregistrement</a:t>
+            </a:r>
+          </a:p>
+        </p:txBody>
+      </p:sp>
+      <p:sp>
+        <p:nvSpPr>
+          <p:cNvPr id="517" name="UPDATE [table]…"/>
+          <p:cNvSpPr txBox="1"/>
+          <p:nvPr/>
+        </p:nvSpPr>
+        <p:spPr>
+          <a:xfrm>
+            <a:off x="427869" y="2363182"/>
+            <a:ext cx="12149062" cy="1951509"/>
+          </a:xfrm>
+          <a:prstGeom prst="rect">
+            <a:avLst/>
+          </a:prstGeom>
+          <a:ln w="12700">
+            <a:miter lim="400000"/>
+          </a:ln>
+          <a:extLst>
+            <a:ext uri="{C572A759-6A51-4108-AA02-DFA0A04FC94B}">
+              <ma14:wrappingTextBoxFlag xmlns:ma14="http://schemas.microsoft.com/office/mac/drawingml/2011/main" val="1"/>
+            </a:ext>
+          </a:extLst>
+        </p:spPr>
+        <p:txBody>
+          <a:bodyPr lIns="50800" tIns="50800" rIns="50800" bIns="50800" anchor="b">
+            <a:spAutoFit/>
+          </a:bodyPr>
+          <a:lstStyle/>
+          <a:p>
+            <a:pPr algn="l">
+              <a:defRPr sz="2800">
+                <a:solidFill>
+                  <a:srgbClr val="5A5F5E"/>
+                </a:solidFill>
+                <a:latin typeface="Monaco"/>
+                <a:ea typeface="Monaco"/>
+                <a:cs typeface="Monaco"/>
+                <a:sym typeface="Monaco"/>
+              </a:defRPr>
+            </a:pPr>
+            <a:r>
+              <a:t>UPDATE [table]</a:t>
+            </a:r>
+          </a:p>
+          <a:p>
+            <a:pPr algn="l">
+              <a:defRPr sz="2800">
+                <a:solidFill>
+                  <a:srgbClr val="5A5F5E"/>
+                </a:solidFill>
+                <a:latin typeface="Monaco"/>
+                <a:ea typeface="Monaco"/>
+                <a:cs typeface="Monaco"/>
+                <a:sym typeface="Monaco"/>
+              </a:defRPr>
+            </a:pPr>
+            <a:r>
+              <a:t>SET [colonne1] = [valeur1], [colonne2] = [valeur2]</a:t>
+            </a:r>
+          </a:p>
+          <a:p>
+            <a:pPr algn="l">
+              <a:defRPr sz="2800">
+                <a:solidFill>
+                  <a:srgbClr val="5A5F5E"/>
+                </a:solidFill>
+                <a:latin typeface="Monaco"/>
+                <a:ea typeface="Monaco"/>
+                <a:cs typeface="Monaco"/>
+                <a:sym typeface="Monaco"/>
+              </a:defRPr>
+            </a:pPr>
+            <a:r>
+              <a:rPr>
+                <a:solidFill>
+                  <a:srgbClr val="808785"/>
+                </a:solidFill>
+              </a:rPr>
+              <a:t>WHERE [colonne3] = [valeur3]</a:t>
+            </a:r>
+            <a:endParaRPr>
+              <a:solidFill>
+                <a:srgbClr val="808785"/>
+              </a:solidFill>
+            </a:endParaRPr>
+          </a:p>
+          <a:p>
+            <a:pPr algn="l">
+              <a:defRPr sz="2800">
+                <a:solidFill>
+                  <a:srgbClr val="5A5F5E"/>
+                </a:solidFill>
+                <a:latin typeface="Monaco"/>
+                <a:ea typeface="Monaco"/>
+                <a:cs typeface="Monaco"/>
+                <a:sym typeface="Monaco"/>
+              </a:defRPr>
+            </a:pPr>
+            <a:r>
+              <a:rPr>
+                <a:solidFill>
+                  <a:srgbClr val="808785"/>
+                </a:solidFill>
+              </a:rPr>
+              <a:t>AND [colonne4] = [valeur4]</a:t>
+            </a:r>
+            <a:r>
+              <a:t>;</a:t>
+            </a:r>
+          </a:p>
+        </p:txBody>
+      </p:sp>
+      <p:sp>
+        <p:nvSpPr>
+          <p:cNvPr id="518" name="UPDATE user…"/>
+          <p:cNvSpPr txBox="1"/>
+          <p:nvPr/>
+        </p:nvSpPr>
+        <p:spPr>
+          <a:xfrm>
+            <a:off x="427869" y="2363182"/>
+            <a:ext cx="12149062" cy="1481609"/>
+          </a:xfrm>
+          <a:prstGeom prst="rect">
+            <a:avLst/>
+          </a:prstGeom>
+          <a:ln w="12700">
+            <a:miter lim="400000"/>
+          </a:ln>
+          <a:extLst>
+            <a:ext uri="{C572A759-6A51-4108-AA02-DFA0A04FC94B}">
+              <ma14:wrappingTextBoxFlag xmlns:ma14="http://schemas.microsoft.com/office/mac/drawingml/2011/main" val="1"/>
+            </a:ext>
+          </a:extLst>
+        </p:spPr>
+        <p:txBody>
+          <a:bodyPr lIns="50800" tIns="50800" rIns="50800" bIns="50800" anchor="b">
+            <a:spAutoFit/>
+          </a:bodyPr>
+          <a:lstStyle/>
+          <a:p>
+            <a:pPr algn="l">
+              <a:defRPr sz="2800">
+                <a:solidFill>
+                  <a:srgbClr val="5A5F5E"/>
+                </a:solidFill>
+                <a:latin typeface="Monaco"/>
+                <a:ea typeface="Monaco"/>
+                <a:cs typeface="Monaco"/>
+                <a:sym typeface="Monaco"/>
+              </a:defRPr>
+            </a:pPr>
+            <a:r>
+              <a:t>UPDATE user</a:t>
+            </a:r>
+          </a:p>
+          <a:p>
+            <a:pPr algn="l">
+              <a:defRPr sz="2800">
+                <a:solidFill>
+                  <a:srgbClr val="5A5F5E"/>
+                </a:solidFill>
+                <a:latin typeface="Monaco"/>
+                <a:ea typeface="Monaco"/>
+                <a:cs typeface="Monaco"/>
+                <a:sym typeface="Monaco"/>
+              </a:defRPr>
+            </a:pPr>
+            <a:r>
+              <a:t>SET nom = 'Coualan'</a:t>
+            </a:r>
+          </a:p>
+          <a:p>
+            <a:pPr algn="l">
+              <a:defRPr sz="2800">
+                <a:solidFill>
+                  <a:srgbClr val="5A5F5E"/>
+                </a:solidFill>
+                <a:latin typeface="Monaco"/>
+                <a:ea typeface="Monaco"/>
+                <a:cs typeface="Monaco"/>
+                <a:sym typeface="Monaco"/>
+              </a:defRPr>
+            </a:pPr>
+            <a:r>
+              <a:t>WHERE id = 8;</a:t>
+            </a:r>
+          </a:p>
+        </p:txBody>
+      </p:sp>
+      <p:sp>
+        <p:nvSpPr>
+          <p:cNvPr id="519" name="Supprimer un enregistrement"/>
+          <p:cNvSpPr txBox="1"/>
+          <p:nvPr/>
+        </p:nvSpPr>
+        <p:spPr>
+          <a:xfrm>
+            <a:off x="3804964" y="4547827"/>
+            <a:ext cx="5394872" cy="622301"/>
+          </a:xfrm>
+          <a:prstGeom prst="rect">
+            <a:avLst/>
+          </a:prstGeom>
+          <a:ln w="12700">
+            <a:miter lim="400000"/>
+          </a:ln>
+          <a:extLst>
+            <a:ext uri="{C572A759-6A51-4108-AA02-DFA0A04FC94B}">
+              <ma14:wrappingTextBoxFlag xmlns:ma14="http://schemas.microsoft.com/office/mac/drawingml/2011/main" val="1"/>
+            </a:ext>
+          </a:extLst>
+        </p:spPr>
+        <p:txBody>
+          <a:bodyPr wrap="none" lIns="50800" tIns="50800" rIns="50800" bIns="50800" anchor="ctr">
+            <a:spAutoFit/>
+          </a:bodyPr>
+          <a:lstStyle/>
+          <a:p>
+            <a:pPr/>
+            <a:r>
+              <a:t>Supprimer un enregistrement</a:t>
+            </a:r>
+          </a:p>
+        </p:txBody>
+      </p:sp>
+      <p:sp>
+        <p:nvSpPr>
+          <p:cNvPr id="520" name="DELETE FROM [table]…"/>
+          <p:cNvSpPr txBox="1"/>
+          <p:nvPr/>
+        </p:nvSpPr>
+        <p:spPr>
+          <a:xfrm>
+            <a:off x="427869" y="5627082"/>
+            <a:ext cx="12149062" cy="1481609"/>
+          </a:xfrm>
+          <a:prstGeom prst="rect">
+            <a:avLst/>
+          </a:prstGeom>
+          <a:ln w="12700">
+            <a:miter lim="400000"/>
+          </a:ln>
+          <a:extLst>
+            <a:ext uri="{C572A759-6A51-4108-AA02-DFA0A04FC94B}">
+              <ma14:wrappingTextBoxFlag xmlns:ma14="http://schemas.microsoft.com/office/mac/drawingml/2011/main" val="1"/>
+            </a:ext>
+          </a:extLst>
+        </p:spPr>
+        <p:txBody>
+          <a:bodyPr lIns="50800" tIns="50800" rIns="50800" bIns="50800" anchor="b">
+            <a:spAutoFit/>
+          </a:bodyPr>
+          <a:lstStyle/>
+          <a:p>
+            <a:pPr algn="l">
+              <a:defRPr sz="2800">
+                <a:solidFill>
+                  <a:srgbClr val="5A5F5E"/>
+                </a:solidFill>
+                <a:latin typeface="Monaco"/>
+                <a:ea typeface="Monaco"/>
+                <a:cs typeface="Monaco"/>
+                <a:sym typeface="Monaco"/>
+              </a:defRPr>
+            </a:pPr>
+            <a:r>
+              <a:t>DELETE FROM [table]</a:t>
+            </a:r>
+          </a:p>
+          <a:p>
+            <a:pPr algn="l">
+              <a:defRPr sz="2800">
+                <a:solidFill>
+                  <a:srgbClr val="5A5F5E"/>
+                </a:solidFill>
+                <a:latin typeface="Monaco"/>
+                <a:ea typeface="Monaco"/>
+                <a:cs typeface="Monaco"/>
+                <a:sym typeface="Monaco"/>
+              </a:defRPr>
+            </a:pPr>
+            <a:r>
+              <a:t>WHERE [colonne1] = [valeur1]</a:t>
+            </a:r>
+          </a:p>
+          <a:p>
+            <a:pPr algn="l">
+              <a:defRPr sz="2800">
+                <a:solidFill>
+                  <a:srgbClr val="5A5F5E"/>
+                </a:solidFill>
+                <a:latin typeface="Monaco"/>
+                <a:ea typeface="Monaco"/>
+                <a:cs typeface="Monaco"/>
+                <a:sym typeface="Monaco"/>
+              </a:defRPr>
+            </a:pPr>
+            <a:r>
+              <a:rPr>
+                <a:solidFill>
+                  <a:srgbClr val="808785"/>
+                </a:solidFill>
+              </a:rPr>
+              <a:t>AND [colonne2] = [valeur2]</a:t>
+            </a:r>
+            <a:r>
+              <a:t>;</a:t>
+            </a:r>
+          </a:p>
+        </p:txBody>
+      </p:sp>
+      <p:sp>
+        <p:nvSpPr>
+          <p:cNvPr id="521" name="DELETE FROM user…"/>
+          <p:cNvSpPr txBox="1"/>
+          <p:nvPr/>
+        </p:nvSpPr>
+        <p:spPr>
+          <a:xfrm>
+            <a:off x="427869" y="5627082"/>
+            <a:ext cx="12149062" cy="1011709"/>
+          </a:xfrm>
+          <a:prstGeom prst="rect">
+            <a:avLst/>
+          </a:prstGeom>
+          <a:ln w="12700">
+            <a:miter lim="400000"/>
+          </a:ln>
+          <a:extLst>
+            <a:ext uri="{C572A759-6A51-4108-AA02-DFA0A04FC94B}">
+              <ma14:wrappingTextBoxFlag xmlns:ma14="http://schemas.microsoft.com/office/mac/drawingml/2011/main" val="1"/>
+            </a:ext>
+          </a:extLst>
+        </p:spPr>
+        <p:txBody>
+          <a:bodyPr lIns="50800" tIns="50800" rIns="50800" bIns="50800" anchor="b">
+            <a:spAutoFit/>
+          </a:bodyPr>
+          <a:lstStyle/>
+          <a:p>
+            <a:pPr algn="l">
+              <a:defRPr sz="2800">
+                <a:solidFill>
+                  <a:srgbClr val="5A5F5E"/>
+                </a:solidFill>
+                <a:latin typeface="Monaco"/>
+                <a:ea typeface="Monaco"/>
+                <a:cs typeface="Monaco"/>
+                <a:sym typeface="Monaco"/>
+              </a:defRPr>
+            </a:pPr>
+            <a:r>
+              <a:t>DELETE FROM user</a:t>
+            </a:r>
+          </a:p>
+          <a:p>
+            <a:pPr algn="l">
+              <a:defRPr sz="2800">
+                <a:solidFill>
+                  <a:srgbClr val="5A5F5E"/>
+                </a:solidFill>
+                <a:latin typeface="Monaco"/>
+                <a:ea typeface="Monaco"/>
+                <a:cs typeface="Monaco"/>
+                <a:sym typeface="Monaco"/>
+              </a:defRPr>
+            </a:pPr>
+            <a:r>
+              <a:t>WHERE disabled = 1;</a:t>
+            </a:r>
+          </a:p>
+        </p:txBody>
+      </p:sp>
+    </p:spTree>
+  </p:cSld>
+  <p:clrMapOvr>
+    <a:masterClrMapping/>
+  </p:clrMapOvr>
+  <p:transition xmlns:p14="http://schemas.microsoft.com/office/powerpoint/2010/main" spd="med" advClick="1"/>
+  <p:timing>
+    <p:tnLst>
+      <p:par>
+        <p:cTn id="1" nodeType="tmRoot" restart="never" dur="indefinite" fill="hold">
+          <p:childTnLst>
+            <p:seq concurrent="1" prevAc="none" nextAc="seek">
+              <p:cTn id="2" nodeType="mainSeq" dur="indefinite" fill="hold">
+                <p:childTnLst>
+                  <p:par>
+                    <p:cTn id="3" fill="hold">
+                      <p:stCondLst>
+                        <p:cond delay="indefinite"/>
+                      </p:stCondLst>
+                      <p:childTnLst>
+                        <p:par>
+                          <p:cTn id="4" fill="hold">
+                            <p:stCondLst>
+                              <p:cond delay="0"/>
+                            </p:stCondLst>
+                            <p:childTnLst>
+                              <p:par>
+                                <p:cTn id="5" presetClass="emph" nodeType="clickEffect" presetID="9" grpId="1" fill="hold">
+                                  <p:stCondLst>
+                                    <p:cond delay="0"/>
+                                  </p:stCondLst>
+                                  <p:childTnLst>
+                                    <p:set>
+                                      <p:cBhvr>
+                                        <p:cTn id="6" dur="indefinite" fill="hold"/>
+                                        <p:tgtEl>
+                                          <p:spTgt spid="517"/>
+                                        </p:tgtEl>
+                                        <p:attrNameLst>
+                                          <p:attrName>style.opacity</p:attrName>
+                                        </p:attrNameLst>
+                                      </p:cBhvr>
+                                      <p:to>
+                                        <p:strVal val="0.00"/>
+                                      </p:to>
+                                    </p:set>
+                                    <p:animEffect filter="image" prLst="opacity: 0.00; ">
+                                      <p:cBhvr>
+                                        <p:cTn id="7" dur="indefinite" fill="hold"/>
+                                        <p:tgtEl>
+                                          <p:spTgt spid="517"/>
+                                        </p:tgtEl>
+                                      </p:cBhvr>
+                                    </p:animEffect>
+                                  </p:childTnLst>
+                                </p:cTn>
+                              </p:par>
+                            </p:childTnLst>
+                          </p:cTn>
+                        </p:par>
+                        <p:par>
+                          <p:cTn id="8" fill="hold">
+                            <p:stCondLst>
+                              <p:cond delay="300"/>
+                            </p:stCondLst>
+                            <p:childTnLst>
+                              <p:par>
+                                <p:cTn id="9" presetClass="entr" nodeType="afterEffect" presetID="9" grpId="2" fill="hold">
+                                  <p:stCondLst>
+                                    <p:cond delay="0"/>
+                                  </p:stCondLst>
+                                  <p:iterate type="el" backwards="0">
+                                    <p:tmAbs val="0"/>
+                                  </p:iterate>
+                                  <p:childTnLst>
+                                    <p:set>
+                                      <p:cBhvr>
+                                        <p:cTn id="10" fill="hold"/>
+                                        <p:tgtEl>
+                                          <p:spTgt spid="518"/>
+                                        </p:tgtEl>
+                                        <p:attrNameLst>
+                                          <p:attrName>style.visibility</p:attrName>
+                                        </p:attrNameLst>
+                                      </p:cBhvr>
+                                      <p:to>
+                                        <p:strVal val="visible"/>
+                                      </p:to>
+                                    </p:set>
+                                    <p:animEffect filter="dissolve" transition="in">
+                                      <p:cBhvr>
+                                        <p:cTn id="11" dur="300"/>
+                                        <p:tgtEl>
+                                          <p:spTgt spid="518"/>
+                                        </p:tgtEl>
+                                      </p:cBhvr>
+                                    </p:animEffect>
+                                  </p:childTnLst>
+                                </p:cTn>
+                              </p:par>
+                            </p:childTnLst>
+                          </p:cTn>
+                        </p:par>
+                      </p:childTnLst>
+                    </p:cTn>
+                  </p:par>
+                  <p:par>
+                    <p:cTn id="12" fill="hold">
+                      <p:stCondLst>
+                        <p:cond delay="indefinite"/>
+                      </p:stCondLst>
+                      <p:childTnLst>
+                        <p:par>
+                          <p:cTn id="13" fill="hold">
+                            <p:stCondLst>
+                              <p:cond delay="0"/>
+                            </p:stCondLst>
+                            <p:childTnLst>
+                              <p:par>
+                                <p:cTn id="14" presetClass="entr" nodeType="clickEffect" presetID="9" grpId="3" fill="hold">
+                                  <p:stCondLst>
+                                    <p:cond delay="0"/>
+                                  </p:stCondLst>
+                                  <p:iterate type="el" backwards="0">
+                                    <p:tmAbs val="0"/>
+                                  </p:iterate>
+                                  <p:childTnLst>
+                                    <p:set>
+                                      <p:cBhvr>
+                                        <p:cTn id="15" fill="hold"/>
+                                        <p:tgtEl>
+                                          <p:spTgt spid="519"/>
+                                        </p:tgtEl>
+                                        <p:attrNameLst>
+                                          <p:attrName>style.visibility</p:attrName>
+                                        </p:attrNameLst>
+                                      </p:cBhvr>
+                                      <p:to>
+                                        <p:strVal val="visible"/>
+                                      </p:to>
+                                    </p:set>
+                                    <p:animEffect filter="dissolve" transition="in">
+                                      <p:cBhvr>
+                                        <p:cTn id="16" dur="300"/>
+                                        <p:tgtEl>
+                                          <p:spTgt spid="519"/>
+                                        </p:tgtEl>
+                                      </p:cBhvr>
+                                    </p:animEffect>
+                                  </p:childTnLst>
+                                </p:cTn>
+                              </p:par>
+                            </p:childTnLst>
+                          </p:cTn>
+                        </p:par>
+                        <p:par>
+                          <p:cTn id="17" fill="hold">
+                            <p:stCondLst>
+                              <p:cond delay="300"/>
+                            </p:stCondLst>
+                            <p:childTnLst>
+                              <p:par>
+                                <p:cTn id="18" presetClass="entr" nodeType="afterEffect" presetID="9" grpId="4" fill="hold">
+                                  <p:stCondLst>
+                                    <p:cond delay="0"/>
+                                  </p:stCondLst>
+                                  <p:iterate type="el" backwards="0">
+                                    <p:tmAbs val="0"/>
+                                  </p:iterate>
+                                  <p:childTnLst>
+                                    <p:set>
+                                      <p:cBhvr>
+                                        <p:cTn id="19" fill="hold"/>
+                                        <p:tgtEl>
+                                          <p:spTgt spid="520"/>
+                                        </p:tgtEl>
+                                        <p:attrNameLst>
+                                          <p:attrName>style.visibility</p:attrName>
+                                        </p:attrNameLst>
+                                      </p:cBhvr>
+                                      <p:to>
+                                        <p:strVal val="visible"/>
+                                      </p:to>
+                                    </p:set>
+                                    <p:animEffect filter="dissolve" transition="in">
+                                      <p:cBhvr>
+                                        <p:cTn id="20" dur="300"/>
+                                        <p:tgtEl>
+                                          <p:spTgt spid="520"/>
+                                        </p:tgtEl>
+                                      </p:cBhvr>
+                                    </p:animEffect>
+                                  </p:childTnLst>
+                                </p:cTn>
+                              </p:par>
+                            </p:childTnLst>
+                          </p:cTn>
+                        </p:par>
+                      </p:childTnLst>
+                    </p:cTn>
+                  </p:par>
+                  <p:par>
+                    <p:cTn id="21" fill="hold">
+                      <p:stCondLst>
+                        <p:cond delay="indefinite"/>
+                      </p:stCondLst>
+                      <p:childTnLst>
+                        <p:par>
+                          <p:cTn id="22" fill="hold">
+                            <p:stCondLst>
+                              <p:cond delay="0"/>
+                            </p:stCondLst>
+                            <p:childTnLst>
+                              <p:par>
+                                <p:cTn id="23" presetClass="emph" nodeType="clickEffect" presetID="9" grpId="5" fill="hold">
+                                  <p:stCondLst>
+                                    <p:cond delay="0"/>
+                                  </p:stCondLst>
+                                  <p:childTnLst>
+                                    <p:set>
+                                      <p:cBhvr>
+                                        <p:cTn id="24" dur="indefinite" fill="hold"/>
+                                        <p:tgtEl>
+                                          <p:spTgt spid="520"/>
+                                        </p:tgtEl>
+                                        <p:attrNameLst>
+                                          <p:attrName>style.opacity</p:attrName>
+                                        </p:attrNameLst>
+                                      </p:cBhvr>
+                                      <p:to>
+                                        <p:strVal val="0.00"/>
+                                      </p:to>
+                                    </p:set>
+                                    <p:animEffect filter="image" prLst="opacity: 0.00; ">
+                                      <p:cBhvr>
+                                        <p:cTn id="25" dur="indefinite" fill="hold"/>
+                                        <p:tgtEl>
+                                          <p:spTgt spid="520"/>
+                                        </p:tgtEl>
+                                      </p:cBhvr>
+                                    </p:animEffect>
+                                  </p:childTnLst>
+                                </p:cTn>
+                              </p:par>
+                            </p:childTnLst>
+                          </p:cTn>
+                        </p:par>
+                        <p:par>
+                          <p:cTn id="26" fill="hold">
+                            <p:stCondLst>
+                              <p:cond delay="300"/>
+                            </p:stCondLst>
+                            <p:childTnLst>
+                              <p:par>
+                                <p:cTn id="27" presetClass="entr" nodeType="afterEffect" presetID="9" grpId="6" fill="hold">
+                                  <p:stCondLst>
+                                    <p:cond delay="0"/>
+                                  </p:stCondLst>
+                                  <p:iterate type="el" backwards="0">
+                                    <p:tmAbs val="0"/>
+                                  </p:iterate>
+                                  <p:childTnLst>
+                                    <p:set>
+                                      <p:cBhvr>
+                                        <p:cTn id="28" fill="hold"/>
+                                        <p:tgtEl>
+                                          <p:spTgt spid="521"/>
+                                        </p:tgtEl>
+                                        <p:attrNameLst>
+                                          <p:attrName>style.visibility</p:attrName>
+                                        </p:attrNameLst>
+                                      </p:cBhvr>
+                                      <p:to>
+                                        <p:strVal val="visible"/>
+                                      </p:to>
+                                    </p:set>
+                                    <p:animEffect filter="dissolve" transition="in">
+                                      <p:cBhvr>
+                                        <p:cTn id="29" dur="300"/>
+                                        <p:tgtEl>
+                                          <p:spTgt spid="521"/>
+                                        </p:tgtEl>
+                                      </p:cBhvr>
+                                    </p:animEffect>
+                                  </p:childTnLst>
+                                </p:cTn>
+                              </p:par>
+                            </p:childTnLst>
+                          </p:cTn>
+                        </p:par>
+                      </p:childTnLst>
+                    </p:cTn>
+                  </p:par>
+                </p:childTnLst>
+              </p:cTn>
+              <p:prevCondLst>
+                <p:cond evt="onPrev">
+                  <p:tgtEl>
+                    <p:sldTgt/>
+                  </p:tgtEl>
+                </p:cond>
+              </p:prevCondLst>
+              <p:nextCondLst>
+                <p:cond evt="onNext">
+                  <p:tgtEl>
+                    <p:sldTgt/>
+                  </p:tgtEl>
+                </p:cond>
+              </p:nextCondLst>
+            </p:seq>
+          </p:childTnLst>
+        </p:cTn>
+      </p:par>
+    </p:tnLst>
+    <p:bldLst>
+      <p:bldP build="whole" bldLvl="1" animBg="1" rev="0" advAuto="0" spid="520" grpId="4"/>
+      <p:bldP build="whole" bldLvl="1" animBg="1" rev="0" advAuto="0" spid="520" grpId="5"/>
+      <p:bldP build="whole" bldLvl="1" animBg="1" rev="0" advAuto="0" spid="521" grpId="6"/>
+      <p:bldP build="whole" bldLvl="1" animBg="1" rev="0" advAuto="0" spid="518" grpId="2"/>
+      <p:bldP build="whole" bldLvl="1" animBg="1" rev="0" advAuto="0" spid="517" grpId="1"/>
+      <p:bldP build="whole" bldLvl="1" animBg="1" rev="0" advAuto="0" spid="519" grpId="3"/>
+    </p:bldLst>
+  </p:timing>
+</p:sld>
+</file>
+
+<file path=ppt/slides/slide56.xml><?xml version="1.0" encoding="utf-8"?>
+<p:sld xmlns:a="http://schemas.openxmlformats.org/drawingml/2006/main" xmlns:r="http://schemas.openxmlformats.org/officeDocument/2006/relationships" xmlns:p="http://schemas.openxmlformats.org/presentationml/2006/main" xmlns:m="http://schemas.openxmlformats.org/officeDocument/2006/math" xmlns:a14="http://schemas.microsoft.com/office/drawing/2010/main" showMasterSp="1" showMasterPhAnim="1">
+  <p:cSld>
+    <p:spTree>
+      <p:nvGrpSpPr>
+        <p:cNvPr id="1" name=""/>
+        <p:cNvGrpSpPr/>
+        <p:nvPr/>
+      </p:nvGrpSpPr>
+      <p:grpSpPr>
+        <a:xfrm>
+          <a:off x="0" y="0"/>
+          <a:ext cx="0" cy="0"/>
+          <a:chOff x="0" y="0"/>
+          <a:chExt cx="0" cy="0"/>
+        </a:xfrm>
+      </p:grpSpPr>
+      <p:sp>
+        <p:nvSpPr>
+          <p:cNvPr id="525" name="Requêtage SQL"/>
+          <p:cNvSpPr txBox="1"/>
+          <p:nvPr/>
+        </p:nvSpPr>
+        <p:spPr>
+          <a:xfrm>
+            <a:off x="1270000" y="-12700"/>
+            <a:ext cx="10464800" cy="1282700"/>
+          </a:xfrm>
+          <a:prstGeom prst="rect">
+            <a:avLst/>
+          </a:prstGeom>
+          <a:ln w="12700">
+            <a:miter lim="400000"/>
+          </a:ln>
+          <a:extLst>
+            <a:ext uri="{C572A759-6A51-4108-AA02-DFA0A04FC94B}">
+              <ma14:wrappingTextBoxFlag xmlns:ma14="http://schemas.microsoft.com/office/mac/drawingml/2011/main" val="1"/>
+            </a:ext>
+          </a:extLst>
+        </p:spPr>
+        <p:txBody>
+          <a:bodyPr lIns="50800" tIns="50800" rIns="50800" bIns="50800" anchor="ctr">
+            <a:normAutofit fontScale="100000" lnSpcReduction="0"/>
+          </a:bodyPr>
+          <a:lstStyle>
+            <a:lvl1pPr>
+              <a:defRPr sz="2600"/>
+            </a:lvl1pPr>
+          </a:lstStyle>
+          <a:p>
+            <a:pPr/>
+            <a:r>
+              <a:t>Requêtage SQL</a:t>
+            </a:r>
+          </a:p>
+        </p:txBody>
+      </p:sp>
+      <p:sp>
+        <p:nvSpPr>
+          <p:cNvPr id="526" name="Modifier la table Produit pour y ajouter la colonne :…"/>
+          <p:cNvSpPr txBox="1"/>
+          <p:nvPr/>
+        </p:nvSpPr>
+        <p:spPr>
+          <a:xfrm>
+            <a:off x="508502" y="2627078"/>
+            <a:ext cx="9469488" cy="2209801"/>
+          </a:xfrm>
+          <a:prstGeom prst="rect">
+            <a:avLst/>
+          </a:prstGeom>
+          <a:ln w="12700">
+            <a:miter lim="400000"/>
+          </a:ln>
+          <a:extLst>
+            <a:ext uri="{C572A759-6A51-4108-AA02-DFA0A04FC94B}">
+              <ma14:wrappingTextBoxFlag xmlns:ma14="http://schemas.microsoft.com/office/mac/drawingml/2011/main" val="1"/>
+            </a:ext>
+          </a:extLst>
+        </p:spPr>
+        <p:txBody>
+          <a:bodyPr wrap="none" lIns="50800" tIns="50800" rIns="50800" bIns="50800" anchor="ctr">
+            <a:spAutoFit/>
+          </a:bodyPr>
+          <a:lstStyle/>
+          <a:p>
+            <a:pPr algn="l"/>
+            <a:r>
+              <a:t>Modifier la table Produit pour y ajouter la colonne :</a:t>
+            </a:r>
+          </a:p>
+          <a:p>
+            <a:pPr algn="l"/>
+            <a:r>
+              <a:t>- </a:t>
+            </a:r>
+            <a:r>
+              <a:rPr>
+                <a:latin typeface="Gill Sans SemiBold"/>
+                <a:ea typeface="Gill Sans SemiBold"/>
+                <a:cs typeface="Gill Sans SemiBold"/>
+                <a:sym typeface="Gill Sans SemiBold"/>
+              </a:rPr>
+              <a:t>prixventeht</a:t>
+            </a:r>
+            <a:r>
+              <a:t> de type </a:t>
+            </a:r>
+            <a:r>
+              <a:rPr>
+                <a:latin typeface="Gill Sans SemiBold"/>
+                <a:ea typeface="Gill Sans SemiBold"/>
+                <a:cs typeface="Gill Sans SemiBold"/>
+                <a:sym typeface="Gill Sans SemiBold"/>
+              </a:rPr>
+              <a:t>real</a:t>
+            </a:r>
+            <a:r>
+              <a:t>.</a:t>
+            </a:r>
+          </a:p>
+          <a:p>
+            <a:pPr algn="l"/>
+          </a:p>
+          <a:p>
+            <a:pPr algn="l"/>
+            <a:r>
+              <a:t>Ajoutez ensuite les données manquantes :</a:t>
+            </a:r>
+          </a:p>
+        </p:txBody>
+      </p:sp>
+      <p:graphicFrame>
+        <p:nvGraphicFramePr>
+          <p:cNvPr id="527" name="Tableau"/>
+          <p:cNvGraphicFramePr/>
+          <p:nvPr/>
+        </p:nvGraphicFramePr>
+        <p:xfrm>
+          <a:off x="535434" y="5307115"/>
+          <a:ext cx="11468101" cy="8216901"/>
+        </p:xfrm>
+        <a:graphic xmlns:a="http://schemas.openxmlformats.org/drawingml/2006/main">
+          <a:graphicData uri="http://schemas.openxmlformats.org/drawingml/2006/table">
+            <a:tbl>
+              <a:tblPr firstCol="0" firstRow="0" lastCol="0" lastRow="0" bandCol="0" bandRow="1" rtl="0">
+                <a:tableStyleId>{CF821DB8-F4EB-4A41-A1BA-3FCAFE7338EE}</a:tableStyleId>
+              </a:tblPr>
+              <a:tblGrid>
+                <a:gridCol w="666214"/>
+                <a:gridCol w="882951"/>
+                <a:gridCol w="3720069"/>
+              </a:tblGrid>
+              <a:tr h="546100">
+                <a:tc>
+                  <a:txBody>
+                    <a:bodyPr/>
+                    <a:lstStyle/>
+                    <a:p>
+                      <a:pPr algn="l">
+                        <a:defRPr>
+                          <a:solidFill>
+                            <a:srgbClr val="000000"/>
+                          </a:solidFill>
+                        </a:defRPr>
+                      </a:pPr>
+                      <a:r>
+                        <a:rPr sz="3000">
+                          <a:solidFill>
+                            <a:srgbClr val="5A5F5E"/>
+                          </a:solidFill>
+                          <a:latin typeface="Gill Sans SemiBold"/>
+                          <a:ea typeface="Gill Sans SemiBold"/>
+                          <a:cs typeface="Gill Sans SemiBold"/>
+                          <a:sym typeface="Gill Sans SemiBold"/>
+                        </a:rPr>
+                        <a:t>id</a:t>
+                      </a:r>
+                    </a:p>
+                  </a:txBody>
+                  <a:tcPr marL="50800" marR="50800" marT="50800" marB="50800" anchor="t" anchorCtr="0" horzOverflow="overflow">
+                    <a:lnL w="12700">
+                      <a:solidFill>
+                        <a:srgbClr val="5A5F5E"/>
+                      </a:solidFill>
+                      <a:miter lim="400000"/>
+                    </a:lnL>
+                    <a:lnR w="12700">
+                      <a:solidFill>
+                        <a:srgbClr val="5A5F5E"/>
+                      </a:solidFill>
+                      <a:miter lim="400000"/>
+                    </a:lnR>
+                    <a:lnT w="12700">
+                      <a:solidFill>
+                        <a:srgbClr val="5A5F5E"/>
+                      </a:solidFill>
+                      <a:miter lim="400000"/>
+                    </a:lnT>
+                    <a:lnB w="12700">
+                      <a:solidFill>
+                        <a:srgbClr val="5A5F5E"/>
+                      </a:solidFill>
+                      <a:miter lim="400000"/>
+                    </a:lnB>
+                    <a:solidFill>
+                      <a:srgbClr val="B4B4B4"/>
+                    </a:solidFill>
+                  </a:tcPr>
+                </a:tc>
+                <a:tc>
+                  <a:txBody>
+                    <a:bodyPr/>
+                    <a:lstStyle/>
+                    <a:p>
+                      <a:pPr>
+                        <a:defRPr>
+                          <a:solidFill>
+                            <a:srgbClr val="000000"/>
+                          </a:solidFill>
+                        </a:defRPr>
+                      </a:pPr>
+                      <a:r>
+                        <a:rPr sz="3000">
+                          <a:solidFill>
+                            <a:srgbClr val="5A5F5E"/>
+                          </a:solidFill>
+                          <a:latin typeface="Gill Sans SemiBold"/>
+                          <a:ea typeface="Gill Sans SemiBold"/>
+                          <a:cs typeface="Gill Sans SemiBold"/>
+                          <a:sym typeface="Gill Sans SemiBold"/>
+                        </a:rPr>
+                        <a:t>…</a:t>
+                      </a:r>
+                    </a:p>
+                  </a:txBody>
+                  <a:tcPr marL="50800" marR="50800" marT="50800" marB="50800" anchor="t" anchorCtr="0" horzOverflow="overflow">
+                    <a:lnL w="12700">
+                      <a:solidFill>
+                        <a:srgbClr val="5A5F5E"/>
+                      </a:solidFill>
+                      <a:miter lim="400000"/>
+                    </a:lnL>
+                    <a:lnR w="12700">
+                      <a:solidFill>
+                        <a:srgbClr val="5A5F5E"/>
+                      </a:solidFill>
+                      <a:miter lim="400000"/>
+                    </a:lnR>
+                    <a:lnT w="12700">
+                      <a:solidFill>
+                        <a:srgbClr val="5A5F5E"/>
+                      </a:solidFill>
+                      <a:miter lim="400000"/>
+                    </a:lnT>
+                    <a:lnB w="12700">
+                      <a:solidFill>
+                        <a:srgbClr val="5A5F5E"/>
+                      </a:solidFill>
+                      <a:miter lim="400000"/>
+                    </a:lnB>
+                    <a:solidFill>
+                      <a:srgbClr val="B4B4B4"/>
+                    </a:solidFill>
+                  </a:tcPr>
+                </a:tc>
+                <a:tc>
+                  <a:txBody>
+                    <a:bodyPr/>
+                    <a:lstStyle/>
+                    <a:p>
+                      <a:pPr algn="l">
+                        <a:defRPr>
+                          <a:solidFill>
+                            <a:srgbClr val="000000"/>
+                          </a:solidFill>
+                        </a:defRPr>
+                      </a:pPr>
+                      <a:r>
+                        <a:rPr sz="3000">
+                          <a:solidFill>
+                            <a:srgbClr val="5A5F5E"/>
+                          </a:solidFill>
+                          <a:latin typeface="Gill Sans SemiBold"/>
+                          <a:ea typeface="Gill Sans SemiBold"/>
+                          <a:cs typeface="Gill Sans SemiBold"/>
+                          <a:sym typeface="Gill Sans SemiBold"/>
+                        </a:rPr>
+                        <a:t>prixventeht</a:t>
+                      </a:r>
+                    </a:p>
+                  </a:txBody>
+                  <a:tcPr marL="50800" marR="50800" marT="50800" marB="50800" anchor="t" anchorCtr="0" horzOverflow="overflow">
+                    <a:lnL w="12700">
+                      <a:solidFill>
+                        <a:srgbClr val="5A5F5E"/>
+                      </a:solidFill>
+                      <a:miter lim="400000"/>
+                    </a:lnL>
+                    <a:lnR w="12700">
+                      <a:solidFill>
+                        <a:srgbClr val="5A5F5E"/>
+                      </a:solidFill>
+                      <a:miter lim="400000"/>
+                    </a:lnR>
+                    <a:lnT w="12700">
+                      <a:solidFill>
+                        <a:srgbClr val="5A5F5E"/>
+                      </a:solidFill>
+                      <a:miter lim="400000"/>
+                    </a:lnT>
+                    <a:lnB w="12700">
+                      <a:solidFill>
+                        <a:srgbClr val="5A5F5E"/>
+                      </a:solidFill>
+                      <a:miter lim="400000"/>
+                    </a:lnB>
+                    <a:solidFill>
+                      <a:srgbClr val="B4B4B4"/>
+                    </a:solidFill>
+                  </a:tcPr>
+                </a:tc>
+              </a:tr>
+              <a:tr h="546100">
+                <a:tc>
+                  <a:txBody>
+                    <a:bodyPr/>
+                    <a:lstStyle/>
+                    <a:p>
+                      <a:pPr algn="l">
+                        <a:defRPr>
+                          <a:solidFill>
+                            <a:srgbClr val="000000"/>
+                          </a:solidFill>
+                        </a:defRPr>
+                      </a:pPr>
+                      <a:r>
+                        <a:rPr sz="3000">
+                          <a:solidFill>
+                            <a:srgbClr val="5A5F5E"/>
+                          </a:solidFill>
+                        </a:rPr>
+                        <a:t>1</a:t>
+                      </a:r>
+                    </a:p>
+                  </a:txBody>
+                  <a:tcPr marL="50800" marR="50800" marT="50800" marB="50800" anchor="t" anchorCtr="0" horzOverflow="overflow">
+                    <a:lnL w="12700">
+                      <a:solidFill>
+                        <a:srgbClr val="5A5F5E"/>
+                      </a:solidFill>
+                      <a:miter lim="400000"/>
+                    </a:lnL>
+                    <a:lnR w="12700">
+                      <a:solidFill>
+                        <a:srgbClr val="5A5F5E"/>
+                      </a:solidFill>
+                      <a:miter lim="400000"/>
+                    </a:lnR>
+                    <a:lnT w="12700">
+                      <a:solidFill>
+                        <a:srgbClr val="5A5F5E"/>
+                      </a:solidFill>
+                      <a:miter lim="400000"/>
+                    </a:lnT>
+                    <a:lnB w="0">
+                      <a:miter lim="400000"/>
+                    </a:lnB>
+                  </a:tcPr>
+                </a:tc>
+                <a:tc>
+                  <a:txBody>
+                    <a:bodyPr/>
+                    <a:lstStyle/>
+                    <a:p>
+                      <a:pPr algn="l">
+                        <a:defRPr sz="3000"/>
+                      </a:pPr>
+                    </a:p>
+                  </a:txBody>
+                  <a:tcPr marL="50800" marR="50800" marT="50800" marB="50800" anchor="t" anchorCtr="0" horzOverflow="overflow">
+                    <a:lnL w="12700">
+                      <a:solidFill>
+                        <a:srgbClr val="5A5F5E"/>
+                      </a:solidFill>
+                      <a:miter lim="400000"/>
+                    </a:lnL>
+                    <a:lnR w="12700">
+                      <a:solidFill>
+                        <a:srgbClr val="5A5F5E"/>
+                      </a:solidFill>
+                      <a:miter lim="400000"/>
+                    </a:lnR>
+                    <a:lnT w="12700">
+                      <a:solidFill>
+                        <a:srgbClr val="5A5F5E"/>
+                      </a:solidFill>
+                      <a:miter lim="400000"/>
+                    </a:lnT>
+                    <a:lnB w="0">
+                      <a:miter lim="400000"/>
+                    </a:lnB>
+                  </a:tcPr>
+                </a:tc>
+                <a:tc>
+                  <a:txBody>
+                    <a:bodyPr/>
+                    <a:lstStyle/>
+                    <a:p>
+                      <a:pPr algn="l">
+                        <a:defRPr>
+                          <a:solidFill>
+                            <a:srgbClr val="000000"/>
+                          </a:solidFill>
+                        </a:defRPr>
+                      </a:pPr>
+                      <a:r>
+                        <a:rPr sz="3000">
+                          <a:solidFill>
+                            <a:srgbClr val="5A5F5E"/>
+                          </a:solidFill>
+                        </a:rPr>
+                        <a:t>120</a:t>
+                      </a:r>
+                    </a:p>
+                  </a:txBody>
+                  <a:tcPr marL="50800" marR="50800" marT="50800" marB="50800" anchor="t" anchorCtr="0" horzOverflow="overflow">
+                    <a:lnL w="12700">
+                      <a:solidFill>
+                        <a:srgbClr val="5A5F5E"/>
+                      </a:solidFill>
+                      <a:miter lim="400000"/>
+                    </a:lnL>
+                    <a:lnR w="12700">
+                      <a:solidFill>
+                        <a:srgbClr val="5A5F5E"/>
+                      </a:solidFill>
+                      <a:miter lim="400000"/>
+                    </a:lnR>
+                    <a:lnT w="12700">
+                      <a:solidFill>
+                        <a:srgbClr val="5A5F5E"/>
+                      </a:solidFill>
+                      <a:miter lim="400000"/>
+                    </a:lnT>
+                    <a:lnB w="0">
+                      <a:miter lim="400000"/>
+                    </a:lnB>
+                  </a:tcPr>
+                </a:tc>
+              </a:tr>
+              <a:tr h="546100">
+                <a:tc>
+                  <a:txBody>
+                    <a:bodyPr/>
+                    <a:lstStyle/>
+                    <a:p>
+                      <a:pPr algn="l">
+                        <a:defRPr>
+                          <a:solidFill>
+                            <a:srgbClr val="000000"/>
+                          </a:solidFill>
+                        </a:defRPr>
+                      </a:pPr>
+                      <a:r>
+                        <a:rPr sz="3000">
+                          <a:solidFill>
+                            <a:srgbClr val="5A5F5E"/>
+                          </a:solidFill>
+                        </a:rPr>
+                        <a:t>2</a:t>
+                      </a:r>
+                    </a:p>
+                  </a:txBody>
+                  <a:tcPr marL="50800" marR="50800" marT="50800" marB="50800" anchor="t" anchorCtr="0" horzOverflow="overflow">
+                    <a:lnL w="12700">
+                      <a:solidFill>
+                        <a:srgbClr val="5A5F5E"/>
+                      </a:solidFill>
+                      <a:miter lim="400000"/>
+                    </a:lnL>
+                    <a:lnR w="12700">
+                      <a:solidFill>
+                        <a:srgbClr val="5A5F5E"/>
+                      </a:solidFill>
+                      <a:miter lim="400000"/>
+                    </a:lnR>
+                    <a:lnT w="0">
+                      <a:miter lim="400000"/>
+                    </a:lnT>
+                    <a:lnB w="0">
+                      <a:miter lim="400000"/>
+                    </a:lnB>
+                  </a:tcPr>
+                </a:tc>
+                <a:tc>
+                  <a:txBody>
+                    <a:bodyPr/>
+                    <a:lstStyle/>
+                    <a:p>
+                      <a:pPr algn="l">
+                        <a:defRPr sz="3000"/>
+                      </a:pPr>
+                    </a:p>
+                  </a:txBody>
+                  <a:tcPr marL="50800" marR="50800" marT="50800" marB="50800" anchor="t" anchorCtr="0" horzOverflow="overflow">
+                    <a:lnL w="12700">
+                      <a:solidFill>
+                        <a:srgbClr val="5A5F5E"/>
+                      </a:solidFill>
+                      <a:miter lim="400000"/>
+                    </a:lnL>
+                    <a:lnR w="12700">
+                      <a:solidFill>
+                        <a:srgbClr val="5A5F5E"/>
+                      </a:solidFill>
+                      <a:miter lim="400000"/>
+                    </a:lnR>
+                    <a:lnT w="0">
+                      <a:miter lim="400000"/>
+                    </a:lnT>
+                    <a:lnB w="0">
+                      <a:miter lim="400000"/>
+                    </a:lnB>
+                  </a:tcPr>
+                </a:tc>
+                <a:tc>
+                  <a:txBody>
+                    <a:bodyPr/>
+                    <a:lstStyle/>
+                    <a:p>
+                      <a:pPr algn="l">
+                        <a:defRPr>
+                          <a:solidFill>
+                            <a:srgbClr val="000000"/>
+                          </a:solidFill>
+                        </a:defRPr>
+                      </a:pPr>
+                      <a:r>
+                        <a:rPr sz="3000">
+                          <a:solidFill>
+                            <a:srgbClr val="5A5F5E"/>
+                          </a:solidFill>
+                        </a:rPr>
+                        <a:t>120</a:t>
+                      </a:r>
+                    </a:p>
+                  </a:txBody>
+                  <a:tcPr marL="50800" marR="50800" marT="50800" marB="50800" anchor="t" anchorCtr="0" horzOverflow="overflow">
+                    <a:lnL w="12700">
+                      <a:solidFill>
+                        <a:srgbClr val="5A5F5E"/>
+                      </a:solidFill>
+                      <a:miter lim="400000"/>
+                    </a:lnL>
+                    <a:lnR w="12700">
+                      <a:solidFill>
+                        <a:srgbClr val="5A5F5E"/>
+                      </a:solidFill>
+                      <a:miter lim="400000"/>
+                    </a:lnR>
+                    <a:lnT w="0">
+                      <a:miter lim="400000"/>
+                    </a:lnT>
+                    <a:lnB w="0">
+                      <a:miter lim="400000"/>
+                    </a:lnB>
+                  </a:tcPr>
+                </a:tc>
+              </a:tr>
+              <a:tr h="546100">
+                <a:tc>
+                  <a:txBody>
+                    <a:bodyPr/>
+                    <a:lstStyle/>
+                    <a:p>
+                      <a:pPr algn="l">
+                        <a:defRPr>
+                          <a:solidFill>
+                            <a:srgbClr val="000000"/>
+                          </a:solidFill>
+                        </a:defRPr>
+                      </a:pPr>
+                      <a:r>
+                        <a:rPr sz="3000">
+                          <a:solidFill>
+                            <a:srgbClr val="5A5F5E"/>
+                          </a:solidFill>
+                        </a:rPr>
+                        <a:t>3</a:t>
+                      </a:r>
+                    </a:p>
+                  </a:txBody>
+                  <a:tcPr marL="50800" marR="50800" marT="50800" marB="50800" anchor="t" anchorCtr="0" horzOverflow="overflow">
+                    <a:lnL w="12700">
+                      <a:solidFill>
+                        <a:srgbClr val="5A5F5E"/>
+                      </a:solidFill>
+                      <a:miter lim="400000"/>
+                    </a:lnL>
+                    <a:lnR w="12700">
+                      <a:solidFill>
+                        <a:srgbClr val="5A5F5E"/>
+                      </a:solidFill>
+                      <a:miter lim="400000"/>
+                    </a:lnR>
+                    <a:lnT w="0">
+                      <a:miter lim="400000"/>
+                    </a:lnT>
+                    <a:lnB w="0">
+                      <a:miter lim="400000"/>
+                    </a:lnB>
+                  </a:tcPr>
+                </a:tc>
+                <a:tc>
+                  <a:txBody>
+                    <a:bodyPr/>
+                    <a:lstStyle/>
+                    <a:p>
+                      <a:pPr algn="l">
+                        <a:defRPr sz="3000"/>
+                      </a:pPr>
+                    </a:p>
+                  </a:txBody>
+                  <a:tcPr marL="50800" marR="50800" marT="50800" marB="50800" anchor="t" anchorCtr="0" horzOverflow="overflow">
+                    <a:lnL w="12700">
+                      <a:solidFill>
+                        <a:srgbClr val="5A5F5E"/>
+                      </a:solidFill>
+                      <a:miter lim="400000"/>
+                    </a:lnL>
+                    <a:lnR w="12700">
+                      <a:solidFill>
+                        <a:srgbClr val="5A5F5E"/>
+                      </a:solidFill>
+                      <a:miter lim="400000"/>
+                    </a:lnR>
+                    <a:lnT w="0">
+                      <a:miter lim="400000"/>
+                    </a:lnT>
+                    <a:lnB w="0">
+                      <a:miter lim="400000"/>
+                    </a:lnB>
+                  </a:tcPr>
+                </a:tc>
+                <a:tc>
+                  <a:txBody>
+                    <a:bodyPr/>
+                    <a:lstStyle/>
+                    <a:p>
+                      <a:pPr algn="l">
+                        <a:defRPr>
+                          <a:solidFill>
+                            <a:srgbClr val="000000"/>
+                          </a:solidFill>
+                        </a:defRPr>
+                      </a:pPr>
+                      <a:r>
+                        <a:rPr sz="3000">
+                          <a:solidFill>
+                            <a:srgbClr val="5A5F5E"/>
+                          </a:solidFill>
+                        </a:rPr>
+                        <a:t>15</a:t>
+                      </a:r>
+                    </a:p>
+                  </a:txBody>
+                  <a:tcPr marL="50800" marR="50800" marT="50800" marB="50800" anchor="t" anchorCtr="0" horzOverflow="overflow">
+                    <a:lnL w="12700">
+                      <a:solidFill>
+                        <a:srgbClr val="5A5F5E"/>
+                      </a:solidFill>
+                      <a:miter lim="400000"/>
+                    </a:lnL>
+                    <a:lnR w="12700">
+                      <a:solidFill>
+                        <a:srgbClr val="5A5F5E"/>
+                      </a:solidFill>
+                      <a:miter lim="400000"/>
+                    </a:lnR>
+                    <a:lnT w="0">
+                      <a:miter lim="400000"/>
+                    </a:lnT>
+                    <a:lnB w="0">
+                      <a:miter lim="400000"/>
+                    </a:lnB>
+                  </a:tcPr>
+                </a:tc>
+              </a:tr>
+              <a:tr h="546100">
+                <a:tc>
+                  <a:txBody>
+                    <a:bodyPr/>
+                    <a:lstStyle/>
+                    <a:p>
+                      <a:pPr algn="l">
+                        <a:defRPr>
+                          <a:solidFill>
+                            <a:srgbClr val="000000"/>
+                          </a:solidFill>
+                        </a:defRPr>
+                      </a:pPr>
+                      <a:r>
+                        <a:rPr sz="3000">
+                          <a:solidFill>
+                            <a:srgbClr val="5A5F5E"/>
+                          </a:solidFill>
+                        </a:rPr>
+                        <a:t>4</a:t>
+                      </a:r>
+                    </a:p>
+                  </a:txBody>
+                  <a:tcPr marL="50800" marR="50800" marT="50800" marB="50800" anchor="t" anchorCtr="0" horzOverflow="overflow">
+                    <a:lnL w="12700">
+                      <a:solidFill>
+                        <a:srgbClr val="5A5F5E"/>
+                      </a:solidFill>
+                      <a:miter lim="400000"/>
+                    </a:lnL>
+                    <a:lnR w="12700">
+                      <a:solidFill>
+                        <a:srgbClr val="5A5F5E"/>
+                      </a:solidFill>
+                      <a:miter lim="400000"/>
+                    </a:lnR>
+                    <a:lnT w="0">
+                      <a:miter lim="400000"/>
+                    </a:lnT>
+                    <a:lnB w="0">
+                      <a:miter lim="400000"/>
+                    </a:lnB>
+                  </a:tcPr>
+                </a:tc>
+                <a:tc>
+                  <a:txBody>
+                    <a:bodyPr/>
+                    <a:lstStyle/>
+                    <a:p>
+                      <a:pPr algn="l">
+                        <a:defRPr sz="3000"/>
+                      </a:pPr>
+                    </a:p>
+                  </a:txBody>
+                  <a:tcPr marL="50800" marR="50800" marT="50800" marB="50800" anchor="t" anchorCtr="0" horzOverflow="overflow">
+                    <a:lnL w="12700">
+                      <a:solidFill>
+                        <a:srgbClr val="5A5F5E"/>
+                      </a:solidFill>
+                      <a:miter lim="400000"/>
+                    </a:lnL>
+                    <a:lnR w="12700">
+                      <a:solidFill>
+                        <a:srgbClr val="5A5F5E"/>
+                      </a:solidFill>
+                      <a:miter lim="400000"/>
+                    </a:lnR>
+                    <a:lnT w="0">
+                      <a:miter lim="400000"/>
+                    </a:lnT>
+                    <a:lnB w="0">
+                      <a:miter lim="400000"/>
+                    </a:lnB>
+                  </a:tcPr>
+                </a:tc>
+                <a:tc>
+                  <a:txBody>
+                    <a:bodyPr/>
+                    <a:lstStyle/>
+                    <a:p>
+                      <a:pPr algn="l">
+                        <a:defRPr>
+                          <a:solidFill>
+                            <a:srgbClr val="000000"/>
+                          </a:solidFill>
+                        </a:defRPr>
+                      </a:pPr>
+                      <a:r>
+                        <a:rPr sz="3000">
+                          <a:solidFill>
+                            <a:srgbClr val="5A5F5E"/>
+                          </a:solidFill>
+                        </a:rPr>
+                        <a:t>30</a:t>
+                      </a:r>
+                    </a:p>
+                  </a:txBody>
+                  <a:tcPr marL="50800" marR="50800" marT="50800" marB="50800" anchor="t" anchorCtr="0" horzOverflow="overflow">
+                    <a:lnL w="12700">
+                      <a:solidFill>
+                        <a:srgbClr val="5A5F5E"/>
+                      </a:solidFill>
+                      <a:miter lim="400000"/>
+                    </a:lnL>
+                    <a:lnR w="12700">
+                      <a:solidFill>
+                        <a:srgbClr val="5A5F5E"/>
+                      </a:solidFill>
+                      <a:miter lim="400000"/>
+                    </a:lnR>
+                    <a:lnT w="0">
+                      <a:miter lim="400000"/>
+                    </a:lnT>
+                    <a:lnB w="0">
+                      <a:miter lim="400000"/>
+                    </a:lnB>
+                  </a:tcPr>
+                </a:tc>
+              </a:tr>
+              <a:tr h="546100">
+                <a:tc>
+                  <a:txBody>
+                    <a:bodyPr/>
+                    <a:lstStyle/>
+                    <a:p>
+                      <a:pPr algn="l">
+                        <a:defRPr>
+                          <a:solidFill>
+                            <a:srgbClr val="000000"/>
+                          </a:solidFill>
+                        </a:defRPr>
+                      </a:pPr>
+                      <a:r>
+                        <a:rPr sz="3000">
+                          <a:solidFill>
+                            <a:srgbClr val="5A5F5E"/>
+                          </a:solidFill>
+                        </a:rPr>
+                        <a:t>5</a:t>
+                      </a:r>
+                    </a:p>
+                  </a:txBody>
+                  <a:tcPr marL="50800" marR="50800" marT="50800" marB="50800" anchor="t" anchorCtr="0" horzOverflow="overflow">
+                    <a:lnL w="12700">
+                      <a:solidFill>
+                        <a:srgbClr val="5A5F5E"/>
+                      </a:solidFill>
+                      <a:miter lim="400000"/>
+                    </a:lnL>
+                    <a:lnR w="12700">
+                      <a:solidFill>
+                        <a:srgbClr val="5A5F5E"/>
+                      </a:solidFill>
+                      <a:miter lim="400000"/>
+                    </a:lnR>
+                    <a:lnT w="0">
+                      <a:miter lim="400000"/>
+                    </a:lnT>
+                    <a:lnB w="12700">
+                      <a:solidFill>
+                        <a:srgbClr val="5A5F5E"/>
+                      </a:solidFill>
+                      <a:miter lim="400000"/>
+                    </a:lnB>
+                  </a:tcPr>
+                </a:tc>
+                <a:tc>
+                  <a:txBody>
+                    <a:bodyPr/>
+                    <a:lstStyle/>
+                    <a:p>
+                      <a:pPr algn="l">
+                        <a:defRPr sz="3000"/>
+                      </a:pPr>
+                    </a:p>
+                  </a:txBody>
+                  <a:tcPr marL="50800" marR="50800" marT="50800" marB="50800" anchor="t" anchorCtr="0" horzOverflow="overflow">
+                    <a:lnL w="12700">
+                      <a:solidFill>
+                        <a:srgbClr val="5A5F5E"/>
+                      </a:solidFill>
+                      <a:miter lim="400000"/>
+                    </a:lnL>
+                    <a:lnR w="12700">
+                      <a:solidFill>
+                        <a:srgbClr val="5A5F5E"/>
+                      </a:solidFill>
+                      <a:miter lim="400000"/>
+                    </a:lnR>
+                    <a:lnT w="0">
+                      <a:miter lim="400000"/>
+                    </a:lnT>
+                    <a:lnB w="12700">
+                      <a:solidFill>
+                        <a:srgbClr val="5A5F5E"/>
+                      </a:solidFill>
+                      <a:miter lim="400000"/>
+                    </a:lnB>
+                  </a:tcPr>
+                </a:tc>
+                <a:tc>
+                  <a:txBody>
+                    <a:bodyPr/>
+                    <a:lstStyle/>
+                    <a:p>
+                      <a:pPr algn="l">
+                        <a:defRPr>
+                          <a:solidFill>
+                            <a:srgbClr val="000000"/>
+                          </a:solidFill>
+                        </a:defRPr>
+                      </a:pPr>
+                      <a:r>
+                        <a:rPr sz="3000">
+                          <a:solidFill>
+                            <a:srgbClr val="5A5F5E"/>
+                          </a:solidFill>
+                        </a:rPr>
+                        <a:t>70</a:t>
+                      </a:r>
+                    </a:p>
+                  </a:txBody>
+                  <a:tcPr marL="50800" marR="50800" marT="50800" marB="50800" anchor="t" anchorCtr="0" horzOverflow="overflow">
+                    <a:lnL w="12700">
+                      <a:solidFill>
+                        <a:srgbClr val="5A5F5E"/>
+                      </a:solidFill>
+                      <a:miter lim="400000"/>
+                    </a:lnL>
+                    <a:lnR w="12700">
+                      <a:solidFill>
+                        <a:srgbClr val="5A5F5E"/>
+                      </a:solidFill>
+                      <a:miter lim="400000"/>
+                    </a:lnR>
+                    <a:lnT w="0">
+                      <a:miter lim="400000"/>
+                    </a:lnT>
+                    <a:lnB w="12700">
+                      <a:solidFill>
+                        <a:srgbClr val="5A5F5E"/>
+                      </a:solidFill>
+                      <a:miter lim="400000"/>
+                    </a:lnB>
+                  </a:tcPr>
+                </a:tc>
+              </a:tr>
+            </a:tbl>
+          </a:graphicData>
+        </a:graphic>
+      </p:graphicFrame>
+      <p:sp>
+        <p:nvSpPr>
+          <p:cNvPr id="528" name="Un peu de pratique"/>
+          <p:cNvSpPr txBox="1"/>
+          <p:nvPr/>
+        </p:nvSpPr>
+        <p:spPr>
+          <a:xfrm>
+            <a:off x="4672930" y="1510389"/>
+            <a:ext cx="3658940" cy="622301"/>
+          </a:xfrm>
+          <a:prstGeom prst="rect">
+            <a:avLst/>
+          </a:prstGeom>
+          <a:ln w="12700">
+            <a:miter lim="400000"/>
+          </a:ln>
+          <a:extLst>
+            <a:ext uri="{C572A759-6A51-4108-AA02-DFA0A04FC94B}">
+              <ma14:wrappingTextBoxFlag xmlns:ma14="http://schemas.microsoft.com/office/mac/drawingml/2011/main" val="1"/>
+            </a:ext>
+          </a:extLst>
+        </p:spPr>
+        <p:txBody>
+          <a:bodyPr wrap="none" lIns="50800" tIns="50800" rIns="50800" bIns="50800" anchor="ctr">
+            <a:spAutoFit/>
+          </a:bodyPr>
+          <a:lstStyle>
+            <a:lvl1pPr algn="l"/>
+          </a:lstStyle>
+          <a:p>
+            <a:pPr/>
+            <a:r>
+              <a:t>Un peu de pratique</a:t>
+            </a:r>
+          </a:p>
+        </p:txBody>
+      </p:sp>
+    </p:spTree>
+  </p:cSld>
+  <p:clrMapOvr>
+    <a:masterClrMapping/>
+  </p:clrMapOvr>
+  <p:transition xmlns:p14="http://schemas.microsoft.com/office/powerpoint/2010/main" spd="med" advClick="1"/>
+</p:sld>
+</file>
+
+<file path=ppt/slides/slide57.xml><?xml version="1.0" encoding="utf-8"?>
+<p:sld xmlns:a="http://schemas.openxmlformats.org/drawingml/2006/main" xmlns:r="http://schemas.openxmlformats.org/officeDocument/2006/relationships" xmlns:p="http://schemas.openxmlformats.org/presentationml/2006/main" xmlns:m="http://schemas.openxmlformats.org/officeDocument/2006/math" xmlns:a14="http://schemas.microsoft.com/office/drawing/2010/main" showMasterSp="1" showMasterPhAnim="1">
+  <p:cSld>
+    <p:spTree>
+      <p:nvGrpSpPr>
+        <p:cNvPr id="1" name=""/>
+        <p:cNvGrpSpPr/>
+        <p:nvPr/>
+      </p:nvGrpSpPr>
+      <p:grpSpPr>
+        <a:xfrm>
+          <a:off x="0" y="0"/>
+          <a:ext cx="0" cy="0"/>
+          <a:chOff x="0" y="0"/>
+          <a:chExt cx="0" cy="0"/>
+        </a:xfrm>
+      </p:grpSpPr>
+      <p:sp>
+        <p:nvSpPr>
+          <p:cNvPr id="532" name="Requêtage SQL"/>
+          <p:cNvSpPr txBox="1"/>
+          <p:nvPr/>
+        </p:nvSpPr>
+        <p:spPr>
+          <a:xfrm>
+            <a:off x="1270000" y="-12700"/>
+            <a:ext cx="10464800" cy="1282700"/>
+          </a:xfrm>
+          <a:prstGeom prst="rect">
+            <a:avLst/>
+          </a:prstGeom>
+          <a:ln w="12700">
+            <a:miter lim="400000"/>
+          </a:ln>
+          <a:extLst>
+            <a:ext uri="{C572A759-6A51-4108-AA02-DFA0A04FC94B}">
+              <ma14:wrappingTextBoxFlag xmlns:ma14="http://schemas.microsoft.com/office/mac/drawingml/2011/main" val="1"/>
+            </a:ext>
+          </a:extLst>
+        </p:spPr>
+        <p:txBody>
+          <a:bodyPr lIns="50800" tIns="50800" rIns="50800" bIns="50800" anchor="ctr">
+            <a:normAutofit fontScale="100000" lnSpcReduction="0"/>
+          </a:bodyPr>
+          <a:lstStyle>
+            <a:lvl1pPr>
+              <a:defRPr sz="2600"/>
+            </a:lvl1pPr>
+          </a:lstStyle>
+          <a:p>
+            <a:pPr/>
+            <a:r>
+              <a:t>Requêtage SQL</a:t>
+            </a:r>
+          </a:p>
+        </p:txBody>
+      </p:sp>
+      <p:sp>
+        <p:nvSpPr>
+          <p:cNvPr id="533" name="Un peu de pratique"/>
+          <p:cNvSpPr txBox="1"/>
+          <p:nvPr/>
+        </p:nvSpPr>
+        <p:spPr>
+          <a:xfrm>
+            <a:off x="4672930" y="1732851"/>
+            <a:ext cx="3658940" cy="622301"/>
+          </a:xfrm>
+          <a:prstGeom prst="rect">
+            <a:avLst/>
+          </a:prstGeom>
+          <a:ln w="12700">
+            <a:miter lim="400000"/>
+          </a:ln>
+          <a:extLst>
+            <a:ext uri="{C572A759-6A51-4108-AA02-DFA0A04FC94B}">
+              <ma14:wrappingTextBoxFlag xmlns:ma14="http://schemas.microsoft.com/office/mac/drawingml/2011/main" val="1"/>
+            </a:ext>
+          </a:extLst>
+        </p:spPr>
+        <p:txBody>
+          <a:bodyPr wrap="none" lIns="50800" tIns="50800" rIns="50800" bIns="50800" anchor="ctr">
+            <a:spAutoFit/>
+          </a:bodyPr>
+          <a:lstStyle>
+            <a:lvl1pPr algn="l"/>
+          </a:lstStyle>
+          <a:p>
+            <a:pPr/>
+            <a:r>
+              <a:t>Un peu de pratique</a:t>
+            </a:r>
+          </a:p>
+        </p:txBody>
+      </p:sp>
+      <p:sp>
+        <p:nvSpPr>
+          <p:cNvPr id="534" name="http://bit.ly/postgresql-57"/>
+          <p:cNvSpPr txBox="1"/>
+          <p:nvPr/>
+        </p:nvSpPr>
+        <p:spPr>
+          <a:xfrm>
+            <a:off x="4095737" y="4552950"/>
+            <a:ext cx="4813326" cy="647701"/>
+          </a:xfrm>
+          <a:prstGeom prst="rect">
+            <a:avLst/>
+          </a:prstGeom>
+          <a:ln w="12700">
+            <a:miter lim="400000"/>
+          </a:ln>
+          <a:extLst>
+            <a:ext uri="{C572A759-6A51-4108-AA02-DFA0A04FC94B}">
+              <ma14:wrappingTextBoxFlag xmlns:ma14="http://schemas.microsoft.com/office/mac/drawingml/2011/main" val="1"/>
+            </a:ext>
+          </a:extLst>
+        </p:spPr>
+        <p:txBody>
+          <a:bodyPr wrap="none" lIns="50800" tIns="50800" rIns="50800" bIns="50800" anchor="ctr">
+            <a:spAutoFit/>
+          </a:bodyPr>
+          <a:lstStyle/>
+          <a:p>
+            <a:pPr/>
+            <a:r>
+              <a:t>http://bit.ly/</a:t>
+            </a:r>
+            <a:r>
+              <a:rPr>
+                <a:latin typeface="Gill Sans SemiBold"/>
+                <a:ea typeface="Gill Sans SemiBold"/>
+                <a:cs typeface="Gill Sans SemiBold"/>
+                <a:sym typeface="Gill Sans SemiBold"/>
+              </a:rPr>
+              <a:t>postgresql-57</a:t>
+            </a:r>
+          </a:p>
+        </p:txBody>
+      </p:sp>
+    </p:spTree>
+  </p:cSld>
+  <p:clrMapOvr>
+    <a:masterClrMapping/>
+  </p:clrMapOvr>
+  <p:transition xmlns:p14="http://schemas.microsoft.com/office/powerpoint/2010/main" spd="med" advClick="1"/>
+</p:sld>
+</file>
+
+<file path=ppt/slides/slide58.xml><?xml version="1.0" encoding="utf-8"?>
+<p:sld xmlns:a="http://schemas.openxmlformats.org/drawingml/2006/main" xmlns:r="http://schemas.openxmlformats.org/officeDocument/2006/relationships" xmlns:p="http://schemas.openxmlformats.org/presentationml/2006/main" xmlns:m="http://schemas.openxmlformats.org/officeDocument/2006/math" xmlns:a14="http://schemas.microsoft.com/office/drawing/2010/main" showMasterSp="1" showMasterPhAnim="1">
+  <p:cSld>
+    <p:spTree>
+      <p:nvGrpSpPr>
+        <p:cNvPr id="1" name=""/>
+        <p:cNvGrpSpPr/>
+        <p:nvPr/>
+      </p:nvGrpSpPr>
+      <p:grpSpPr>
+        <a:xfrm>
+          <a:off x="0" y="0"/>
+          <a:ext cx="0" cy="0"/>
+          <a:chOff x="0" y="0"/>
+          <a:chExt cx="0" cy="0"/>
+        </a:xfrm>
+      </p:grpSpPr>
+      <p:sp>
+        <p:nvSpPr>
+          <p:cNvPr id="538" name="Requêtage SQL"/>
+          <p:cNvSpPr txBox="1"/>
+          <p:nvPr/>
+        </p:nvSpPr>
+        <p:spPr>
+          <a:xfrm>
+            <a:off x="1270000" y="-12700"/>
+            <a:ext cx="10464800" cy="1282700"/>
+          </a:xfrm>
+          <a:prstGeom prst="rect">
+            <a:avLst/>
+          </a:prstGeom>
+          <a:ln w="12700">
+            <a:miter lim="400000"/>
+          </a:ln>
+          <a:extLst>
+            <a:ext uri="{C572A759-6A51-4108-AA02-DFA0A04FC94B}">
+              <ma14:wrappingTextBoxFlag xmlns:ma14="http://schemas.microsoft.com/office/mac/drawingml/2011/main" val="1"/>
+            </a:ext>
+          </a:extLst>
+        </p:spPr>
+        <p:txBody>
+          <a:bodyPr lIns="50800" tIns="50800" rIns="50800" bIns="50800" anchor="ctr">
+            <a:normAutofit fontScale="100000" lnSpcReduction="0"/>
+          </a:bodyPr>
+          <a:lstStyle>
+            <a:lvl1pPr>
+              <a:defRPr sz="2600"/>
+            </a:lvl1pPr>
+          </a:lstStyle>
+          <a:p>
+            <a:pPr/>
+            <a:r>
+              <a:t>Requêtage SQL</a:t>
+            </a:r>
+          </a:p>
+        </p:txBody>
+      </p:sp>
+      <p:sp>
+        <p:nvSpPr>
+          <p:cNvPr id="539" name="Les triggers"/>
+          <p:cNvSpPr txBox="1"/>
+          <p:nvPr/>
+        </p:nvSpPr>
+        <p:spPr>
+          <a:xfrm>
+            <a:off x="5419452" y="1528017"/>
+            <a:ext cx="2165896" cy="622301"/>
+          </a:xfrm>
+          <a:prstGeom prst="rect">
+            <a:avLst/>
+          </a:prstGeom>
+          <a:ln w="12700">
+            <a:miter lim="400000"/>
+          </a:ln>
+          <a:extLst>
+            <a:ext uri="{C572A759-6A51-4108-AA02-DFA0A04FC94B}">
+              <ma14:wrappingTextBoxFlag xmlns:ma14="http://schemas.microsoft.com/office/mac/drawingml/2011/main" val="1"/>
+            </a:ext>
+          </a:extLst>
+        </p:spPr>
+        <p:txBody>
+          <a:bodyPr wrap="none" lIns="50800" tIns="50800" rIns="50800" bIns="50800" anchor="ctr">
+            <a:spAutoFit/>
+          </a:bodyPr>
+          <a:lstStyle>
+            <a:lvl1pPr algn="l"/>
+          </a:lstStyle>
+          <a:p>
+            <a:pPr/>
+            <a:r>
+              <a:t>Les triggers</a:t>
+            </a:r>
+          </a:p>
+        </p:txBody>
+      </p:sp>
+      <p:sp>
+        <p:nvSpPr>
+          <p:cNvPr id="540" name="Callbacks au sein d’une base de données"/>
+          <p:cNvSpPr txBox="1"/>
+          <p:nvPr/>
+        </p:nvSpPr>
+        <p:spPr>
+          <a:xfrm>
+            <a:off x="514609" y="2895506"/>
+            <a:ext cx="7410079" cy="622301"/>
+          </a:xfrm>
+          <a:prstGeom prst="rect">
+            <a:avLst/>
+          </a:prstGeom>
+          <a:ln w="12700">
+            <a:miter lim="400000"/>
+          </a:ln>
+          <a:extLst>
+            <a:ext uri="{C572A759-6A51-4108-AA02-DFA0A04FC94B}">
+              <ma14:wrappingTextBoxFlag xmlns:ma14="http://schemas.microsoft.com/office/mac/drawingml/2011/main" val="1"/>
+            </a:ext>
+          </a:extLst>
+        </p:spPr>
+        <p:txBody>
+          <a:bodyPr wrap="none" lIns="50800" tIns="50800" rIns="50800" bIns="50800" anchor="ctr">
+            <a:spAutoFit/>
+          </a:bodyPr>
+          <a:lstStyle>
+            <a:lvl1pPr algn="l"/>
+          </a:lstStyle>
+          <a:p>
+            <a:pPr/>
+            <a:r>
+              <a:t>Callbacks au sein d’une base de données</a:t>
+            </a:r>
+          </a:p>
+        </p:txBody>
+      </p:sp>
+      <p:sp>
+        <p:nvSpPr>
+          <p:cNvPr id="541" name="S’exécute AVANT ou APRÈS une action :…"/>
+          <p:cNvSpPr txBox="1"/>
+          <p:nvPr/>
+        </p:nvSpPr>
+        <p:spPr>
+          <a:xfrm>
+            <a:off x="556893" y="4038599"/>
+            <a:ext cx="7658994" cy="2184401"/>
+          </a:xfrm>
+          <a:prstGeom prst="rect">
+            <a:avLst/>
+          </a:prstGeom>
+          <a:ln w="12700">
+            <a:miter lim="400000"/>
+          </a:ln>
+          <a:extLst>
+            <a:ext uri="{C572A759-6A51-4108-AA02-DFA0A04FC94B}">
+              <ma14:wrappingTextBoxFlag xmlns:ma14="http://schemas.microsoft.com/office/mac/drawingml/2011/main" val="1"/>
+            </a:ext>
+          </a:extLst>
+        </p:spPr>
+        <p:txBody>
+          <a:bodyPr wrap="none" lIns="50800" tIns="50800" rIns="50800" bIns="50800" anchor="ctr">
+            <a:spAutoFit/>
+          </a:bodyPr>
+          <a:lstStyle/>
+          <a:p>
+            <a:pPr algn="l"/>
+            <a:r>
+              <a:t>S’exécute AVANT ou APRÈS une action :</a:t>
+            </a:r>
+          </a:p>
+          <a:p>
+            <a:pPr marL="407504" indent="-407504" algn="l">
+              <a:buClr>
+                <a:srgbClr val="535353"/>
+              </a:buClr>
+              <a:buSzPct val="82000"/>
+              <a:buChar char="-"/>
+            </a:pPr>
+            <a:r>
+              <a:t>INSERT</a:t>
+            </a:r>
+          </a:p>
+          <a:p>
+            <a:pPr marL="407504" indent="-407504" algn="l">
+              <a:buClr>
+                <a:srgbClr val="535353"/>
+              </a:buClr>
+              <a:buSzPct val="82000"/>
+              <a:buChar char="-"/>
+            </a:pPr>
+            <a:r>
+              <a:t>UPDATE</a:t>
+            </a:r>
+          </a:p>
+          <a:p>
+            <a:pPr marL="407504" indent="-407504" algn="l">
+              <a:buClr>
+                <a:srgbClr val="535353"/>
+              </a:buClr>
+              <a:buSzPct val="82000"/>
+              <a:buChar char="-"/>
+            </a:pPr>
+            <a:r>
+              <a:t>DELETE</a:t>
+            </a:r>
+          </a:p>
+        </p:txBody>
+      </p:sp>
+      <p:sp>
+        <p:nvSpPr>
+          <p:cNvPr id="542" name="⚠️ Les triggers sont automatiquement supprimés lorsque la table à laquelle ils sont associés est supprimée"/>
+          <p:cNvSpPr txBox="1"/>
+          <p:nvPr/>
+        </p:nvSpPr>
+        <p:spPr>
+          <a:xfrm>
+            <a:off x="523727" y="7967928"/>
+            <a:ext cx="11562553" cy="977901"/>
+          </a:xfrm>
+          <a:prstGeom prst="rect">
+            <a:avLst/>
+          </a:prstGeom>
+          <a:ln w="12700">
+            <a:miter lim="400000"/>
+          </a:ln>
+          <a:extLst>
+            <a:ext uri="{C572A759-6A51-4108-AA02-DFA0A04FC94B}">
+              <ma14:wrappingTextBoxFlag xmlns:ma14="http://schemas.microsoft.com/office/mac/drawingml/2011/main" val="1"/>
+            </a:ext>
+          </a:extLst>
+        </p:spPr>
+        <p:txBody>
+          <a:bodyPr lIns="50800" tIns="50800" rIns="50800" bIns="50800" anchor="ctr">
+            <a:spAutoFit/>
+          </a:bodyPr>
+          <a:lstStyle>
+            <a:lvl1pPr algn="l">
+              <a:spcBef>
+                <a:spcPts val="3800"/>
+              </a:spcBef>
+              <a:defRPr sz="2800"/>
+            </a:lvl1pPr>
+          </a:lstStyle>
+          <a:p>
+            <a:pPr/>
+            <a:r>
+              <a:t>⚠️ Les triggers sont automatiquement supprimés lorsque la table à laquelle ils sont associés est supprimée</a:t>
+            </a:r>
+          </a:p>
+        </p:txBody>
+      </p:sp>
+      <p:sp>
+        <p:nvSpPr>
+          <p:cNvPr id="543" name="Un trigger est une fonction associée à une table"/>
+          <p:cNvSpPr txBox="1"/>
+          <p:nvPr/>
+        </p:nvSpPr>
+        <p:spPr>
+          <a:xfrm>
+            <a:off x="548803" y="6743793"/>
+            <a:ext cx="8680550" cy="622301"/>
+          </a:xfrm>
+          <a:prstGeom prst="rect">
+            <a:avLst/>
+          </a:prstGeom>
+          <a:ln w="12700">
+            <a:miter lim="400000"/>
+          </a:ln>
+          <a:extLst>
+            <a:ext uri="{C572A759-6A51-4108-AA02-DFA0A04FC94B}">
+              <ma14:wrappingTextBoxFlag xmlns:ma14="http://schemas.microsoft.com/office/mac/drawingml/2011/main" val="1"/>
+            </a:ext>
+          </a:extLst>
+        </p:spPr>
+        <p:txBody>
+          <a:bodyPr wrap="none" lIns="50800" tIns="50800" rIns="50800" bIns="50800" anchor="ctr">
+            <a:spAutoFit/>
+          </a:bodyPr>
+          <a:lstStyle/>
+          <a:p>
+            <a:pPr/>
+            <a:r>
+              <a:t>Un trigger est une </a:t>
+            </a:r>
+            <a:r>
+              <a:rPr u="sng"/>
+              <a:t>fonction</a:t>
+            </a:r>
+            <a:r>
+              <a:t> associée à une table</a:t>
+            </a:r>
+          </a:p>
+        </p:txBody>
+      </p:sp>
+    </p:spTree>
+  </p:cSld>
+  <p:clrMapOvr>
+    <a:masterClrMapping/>
+  </p:clrMapOvr>
+  <p:transition xmlns:p14="http://schemas.microsoft.com/office/powerpoint/2010/main" spd="med" advClick="1"/>
+  <p:timing>
+    <p:tnLst>
+      <p:par>
+        <p:cTn id="1" nodeType="tmRoot" restart="never" dur="indefinite" fill="hold">
+          <p:childTnLst>
+            <p:seq concurrent="1" prevAc="none" nextAc="seek">
+              <p:cTn id="2" nodeType="mainSeq" dur="indefinite" fill="hold">
+                <p:childTnLst>
+                  <p:par>
+                    <p:cTn id="3" fill="hold">
+                      <p:stCondLst>
+                        <p:cond delay="indefinite"/>
+                      </p:stCondLst>
+                      <p:childTnLst>
+                        <p:par>
+                          <p:cTn id="4" fill="hold">
+                            <p:stCondLst>
+                              <p:cond delay="0"/>
+                            </p:stCondLst>
+                            <p:childTnLst>
+                              <p:par>
+                                <p:cTn id="5" presetClass="entr" nodeType="clickEffect" presetID="9" grpId="1" fill="hold">
+                                  <p:stCondLst>
+                                    <p:cond delay="0"/>
+                                  </p:stCondLst>
+                                  <p:iterate type="el" backwards="0">
+                                    <p:tmAbs val="0"/>
+                                  </p:iterate>
+                                  <p:childTnLst>
+                                    <p:set>
+                                      <p:cBhvr>
+                                        <p:cTn id="6" fill="hold"/>
+                                        <p:tgtEl>
+                                          <p:spTgt spid="540"/>
+                                        </p:tgtEl>
+                                        <p:attrNameLst>
+                                          <p:attrName>style.visibility</p:attrName>
+                                        </p:attrNameLst>
+                                      </p:cBhvr>
+                                      <p:to>
+                                        <p:strVal val="visible"/>
+                                      </p:to>
+                                    </p:set>
+                                    <p:animEffect filter="dissolve" transition="in">
+                                      <p:cBhvr>
+                                        <p:cTn id="7" dur="300"/>
+                                        <p:tgtEl>
+                                          <p:spTgt spid="540"/>
+                                        </p:tgtEl>
+                                      </p:cBhvr>
+                                    </p:animEffect>
+                                  </p:childTnLst>
+                                </p:cTn>
+                              </p:par>
+                            </p:childTnLst>
+                          </p:cTn>
+                        </p:par>
+                      </p:childTnLst>
+                    </p:cTn>
+                  </p:par>
+                  <p:par>
+                    <p:cTn id="8" fill="hold">
+                      <p:stCondLst>
+                        <p:cond delay="indefinite"/>
+                      </p:stCondLst>
+                      <p:childTnLst>
+                        <p:par>
+                          <p:cTn id="9" fill="hold">
+                            <p:stCondLst>
+                              <p:cond delay="0"/>
+                            </p:stCondLst>
+                            <p:childTnLst>
+                              <p:par>
+                                <p:cTn id="10" presetClass="entr" nodeType="clickEffect" presetID="9" grpId="2" fill="hold">
+                                  <p:stCondLst>
+                                    <p:cond delay="0"/>
+                                  </p:stCondLst>
+                                  <p:iterate type="el" backwards="0">
+                                    <p:tmAbs val="0"/>
+                                  </p:iterate>
+                                  <p:childTnLst>
+                                    <p:set>
+                                      <p:cBhvr>
+                                        <p:cTn id="11" fill="hold"/>
+                                        <p:tgtEl>
+                                          <p:spTgt spid="541"/>
+                                        </p:tgtEl>
+                                        <p:attrNameLst>
+                                          <p:attrName>style.visibility</p:attrName>
+                                        </p:attrNameLst>
+                                      </p:cBhvr>
+                                      <p:to>
+                                        <p:strVal val="visible"/>
+                                      </p:to>
+                                    </p:set>
+                                    <p:animEffect filter="dissolve" transition="in">
+                                      <p:cBhvr>
+                                        <p:cTn id="12" dur="300"/>
+                                        <p:tgtEl>
+                                          <p:spTgt spid="541"/>
+                                        </p:tgtEl>
+                                      </p:cBhvr>
+                                    </p:animEffect>
+                                  </p:childTnLst>
+                                </p:cTn>
+                              </p:par>
+                            </p:childTnLst>
+                          </p:cTn>
+                        </p:par>
+                      </p:childTnLst>
+                    </p:cTn>
+                  </p:par>
+                  <p:par>
+                    <p:cTn id="13" fill="hold">
+                      <p:stCondLst>
+                        <p:cond delay="indefinite"/>
+                      </p:stCondLst>
+                      <p:childTnLst>
+                        <p:par>
+                          <p:cTn id="14" fill="hold">
+                            <p:stCondLst>
+                              <p:cond delay="0"/>
+                            </p:stCondLst>
+                            <p:childTnLst>
+                              <p:par>
+                                <p:cTn id="15" presetClass="entr" nodeType="clickEffect" presetID="9" grpId="3" fill="hold">
+                                  <p:stCondLst>
+                                    <p:cond delay="0"/>
+                                  </p:stCondLst>
+                                  <p:iterate type="el" backwards="0">
+                                    <p:tmAbs val="0"/>
+                                  </p:iterate>
+                                  <p:childTnLst>
+                                    <p:set>
+                                      <p:cBhvr>
+                                        <p:cTn id="16" fill="hold"/>
+                                        <p:tgtEl>
+                                          <p:spTgt spid="543"/>
+                                        </p:tgtEl>
+                                        <p:attrNameLst>
+                                          <p:attrName>style.visibility</p:attrName>
+                                        </p:attrNameLst>
+                                      </p:cBhvr>
+                                      <p:to>
+                                        <p:strVal val="visible"/>
+                                      </p:to>
+                                    </p:set>
+                                    <p:animEffect filter="dissolve" transition="in">
+                                      <p:cBhvr>
+                                        <p:cTn id="17" dur="300"/>
+                                        <p:tgtEl>
+                                          <p:spTgt spid="543"/>
+                                        </p:tgtEl>
+                                      </p:cBhvr>
+                                    </p:animEffect>
+                                  </p:childTnLst>
+                                </p:cTn>
+                              </p:par>
+                            </p:childTnLst>
+                          </p:cTn>
+                        </p:par>
+                      </p:childTnLst>
+                    </p:cTn>
+                  </p:par>
+                  <p:par>
+                    <p:cTn id="18" fill="hold">
+                      <p:stCondLst>
+                        <p:cond delay="indefinite"/>
+                      </p:stCondLst>
+                      <p:childTnLst>
+                        <p:par>
+                          <p:cTn id="19" fill="hold">
+                            <p:stCondLst>
+                              <p:cond delay="0"/>
+                            </p:stCondLst>
+                            <p:childTnLst>
+                              <p:par>
+                                <p:cTn id="20" presetClass="entr" nodeType="clickEffect" presetID="9" grpId="4" fill="hold">
+                                  <p:stCondLst>
+                                    <p:cond delay="0"/>
+                                  </p:stCondLst>
+                                  <p:iterate type="el" backwards="0">
+                                    <p:tmAbs val="0"/>
+                                  </p:iterate>
+                                  <p:childTnLst>
+                                    <p:set>
+                                      <p:cBhvr>
+                                        <p:cTn id="21" fill="hold"/>
+                                        <p:tgtEl>
+                                          <p:spTgt spid="542"/>
+                                        </p:tgtEl>
+                                        <p:attrNameLst>
+                                          <p:attrName>style.visibility</p:attrName>
+                                        </p:attrNameLst>
+                                      </p:cBhvr>
+                                      <p:to>
+                                        <p:strVal val="visible"/>
+                                      </p:to>
+                                    </p:set>
+                                    <p:animEffect filter="dissolve" transition="in">
+                                      <p:cBhvr>
+                                        <p:cTn id="22" dur="300"/>
+                                        <p:tgtEl>
+                                          <p:spTgt spid="542"/>
+                                        </p:tgtEl>
+                                      </p:cBhvr>
+                                    </p:animEffect>
+                                  </p:childTnLst>
+                                </p:cTn>
+                              </p:par>
+                            </p:childTnLst>
+                          </p:cTn>
+                        </p:par>
+                      </p:childTnLst>
+                    </p:cTn>
+                  </p:par>
+                </p:childTnLst>
+              </p:cTn>
+              <p:prevCondLst>
+                <p:cond evt="onPrev">
+                  <p:tgtEl>
+                    <p:sldTgt/>
+                  </p:tgtEl>
+                </p:cond>
+              </p:prevCondLst>
+              <p:nextCondLst>
+                <p:cond evt="onNext">
+                  <p:tgtEl>
+                    <p:sldTgt/>
+                  </p:tgtEl>
+                </p:cond>
+              </p:nextCondLst>
+            </p:seq>
+          </p:childTnLst>
+        </p:cTn>
+      </p:par>
+    </p:tnLst>
+    <p:bldLst>
+      <p:bldP build="whole" bldLvl="1" animBg="1" rev="0" advAuto="0" spid="543" grpId="3"/>
+      <p:bldP build="whole" bldLvl="1" animBg="1" rev="0" advAuto="0" spid="540" grpId="1"/>
+      <p:bldP build="whole" bldLvl="1" animBg="1" rev="0" advAuto="0" spid="542" grpId="4"/>
+      <p:bldP build="whole" bldLvl="1" animBg="1" rev="0" advAuto="0" spid="541" grpId="2"/>
+    </p:bldLst>
+  </p:timing>
+</p:sld>
+</file>
+
+<file path=ppt/slides/slide59.xml><?xml version="1.0" encoding="utf-8"?>
+<p:sld xmlns:a="http://schemas.openxmlformats.org/drawingml/2006/main" xmlns:r="http://schemas.openxmlformats.org/officeDocument/2006/relationships" xmlns:p="http://schemas.openxmlformats.org/presentationml/2006/main" xmlns:m="http://schemas.openxmlformats.org/officeDocument/2006/math" xmlns:a14="http://schemas.microsoft.com/office/drawing/2010/main" showMasterSp="1" showMasterPhAnim="1">
+  <p:cSld>
+    <p:spTree>
+      <p:nvGrpSpPr>
+        <p:cNvPr id="1" name=""/>
+        <p:cNvGrpSpPr/>
+        <p:nvPr/>
+      </p:nvGrpSpPr>
+      <p:grpSpPr>
+        <a:xfrm>
+          <a:off x="0" y="0"/>
+          <a:ext cx="0" cy="0"/>
+          <a:chOff x="0" y="0"/>
+          <a:chExt cx="0" cy="0"/>
+        </a:xfrm>
+      </p:grpSpPr>
+      <p:sp>
+        <p:nvSpPr>
+          <p:cNvPr id="545" name="Requêtage SQL"/>
+          <p:cNvSpPr txBox="1"/>
+          <p:nvPr/>
+        </p:nvSpPr>
+        <p:spPr>
+          <a:xfrm>
+            <a:off x="1270000" y="-12700"/>
+            <a:ext cx="10464800" cy="1282700"/>
+          </a:xfrm>
+          <a:prstGeom prst="rect">
+            <a:avLst/>
+          </a:prstGeom>
+          <a:ln w="12700">
+            <a:miter lim="400000"/>
+          </a:ln>
+          <a:extLst>
+            <a:ext uri="{C572A759-6A51-4108-AA02-DFA0A04FC94B}">
+              <ma14:wrappingTextBoxFlag xmlns:ma14="http://schemas.microsoft.com/office/mac/drawingml/2011/main" val="1"/>
+            </a:ext>
+          </a:extLst>
+        </p:spPr>
+        <p:txBody>
+          <a:bodyPr lIns="50800" tIns="50800" rIns="50800" bIns="50800" anchor="ctr">
+            <a:normAutofit fontScale="100000" lnSpcReduction="0"/>
+          </a:bodyPr>
+          <a:lstStyle>
+            <a:lvl1pPr>
+              <a:defRPr sz="2600"/>
+            </a:lvl1pPr>
+          </a:lstStyle>
+          <a:p>
+            <a:pPr/>
+            <a:r>
+              <a:t>Requêtage SQL</a:t>
+            </a:r>
+          </a:p>
+        </p:txBody>
+      </p:sp>
+      <p:sp>
+        <p:nvSpPr>
+          <p:cNvPr id="546" name="Les triggers"/>
+          <p:cNvSpPr txBox="1"/>
+          <p:nvPr/>
+        </p:nvSpPr>
+        <p:spPr>
+          <a:xfrm>
+            <a:off x="5419452" y="1528017"/>
+            <a:ext cx="2165896" cy="622301"/>
+          </a:xfrm>
+          <a:prstGeom prst="rect">
+            <a:avLst/>
+          </a:prstGeom>
+          <a:ln w="12700">
+            <a:miter lim="400000"/>
+          </a:ln>
+          <a:extLst>
+            <a:ext uri="{C572A759-6A51-4108-AA02-DFA0A04FC94B}">
+              <ma14:wrappingTextBoxFlag xmlns:ma14="http://schemas.microsoft.com/office/mac/drawingml/2011/main" val="1"/>
+            </a:ext>
+          </a:extLst>
+        </p:spPr>
+        <p:txBody>
+          <a:bodyPr wrap="none" lIns="50800" tIns="50800" rIns="50800" bIns="50800" anchor="ctr">
+            <a:spAutoFit/>
+          </a:bodyPr>
+          <a:lstStyle>
+            <a:lvl1pPr algn="l"/>
+          </a:lstStyle>
+          <a:p>
+            <a:pPr/>
+            <a:r>
+              <a:t>Les triggers</a:t>
+            </a:r>
+          </a:p>
+        </p:txBody>
+      </p:sp>
+      <p:sp>
+        <p:nvSpPr>
+          <p:cNvPr id="547" name="Etape 1 : déterminer un besoin à automatiser…"/>
+          <p:cNvSpPr txBox="1"/>
+          <p:nvPr/>
+        </p:nvSpPr>
+        <p:spPr>
+          <a:xfrm>
+            <a:off x="2330449" y="3524249"/>
+            <a:ext cx="8400382" cy="2705101"/>
+          </a:xfrm>
+          <a:prstGeom prst="rect">
+            <a:avLst/>
+          </a:prstGeom>
+          <a:ln w="12700">
+            <a:miter lim="400000"/>
+          </a:ln>
+          <a:extLst>
+            <a:ext uri="{C572A759-6A51-4108-AA02-DFA0A04FC94B}">
+              <ma14:wrappingTextBoxFlag xmlns:ma14="http://schemas.microsoft.com/office/mac/drawingml/2011/main" val="1"/>
+            </a:ext>
+          </a:extLst>
+        </p:spPr>
+        <p:txBody>
+          <a:bodyPr wrap="none" lIns="50800" tIns="50800" rIns="50800" bIns="50800" anchor="ctr">
+            <a:spAutoFit/>
+          </a:bodyPr>
+          <a:lstStyle/>
+          <a:p>
+            <a:pPr algn="l"/>
+            <a:r>
+              <a:rPr i="1">
+                <a:latin typeface="Gill Sans"/>
+                <a:ea typeface="Gill Sans"/>
+                <a:cs typeface="Gill Sans"/>
+                <a:sym typeface="Gill Sans"/>
+              </a:rPr>
+              <a:t>Etape 1 :</a:t>
+            </a:r>
+            <a:r>
+              <a:t> déterminer un besoin à automatiser</a:t>
+            </a:r>
+          </a:p>
+          <a:p>
+            <a:pPr algn="l"/>
+          </a:p>
+          <a:p>
+            <a:pPr algn="l"/>
+            <a:r>
+              <a:rPr i="1">
+                <a:latin typeface="Gill Sans"/>
+                <a:ea typeface="Gill Sans"/>
+                <a:cs typeface="Gill Sans"/>
+                <a:sym typeface="Gill Sans"/>
+              </a:rPr>
+              <a:t>Etape 2 :</a:t>
+            </a:r>
+            <a:r>
+              <a:t> créer une fonction</a:t>
+            </a:r>
+          </a:p>
+          <a:p>
+            <a:pPr algn="l"/>
+          </a:p>
+          <a:p>
+            <a:pPr algn="l"/>
+            <a:r>
+              <a:rPr i="1">
+                <a:latin typeface="Gill Sans"/>
+                <a:ea typeface="Gill Sans"/>
+                <a:cs typeface="Gill Sans"/>
+                <a:sym typeface="Gill Sans"/>
+              </a:rPr>
+              <a:t>Etape 3 :</a:t>
+            </a:r>
+            <a:r>
+              <a:t> définir la fonction comme un trier</a:t>
+            </a:r>
+          </a:p>
+        </p:txBody>
+      </p:sp>
+    </p:spTree>
+  </p:cSld>
+  <p:clrMapOvr>
+    <a:masterClrMapping/>
+  </p:clrMapOvr>
+  <p:transition xmlns:p14="http://schemas.microsoft.com/office/powerpoint/2010/main" spd="med" advClick="1"/>
+  <p:timing>
+    <p:tnLst>
+      <p:par>
+        <p:cTn id="1" nodeType="tmRoot" restart="never" dur="indefinite" fill="hold">
+          <p:childTnLst>
+            <p:seq concurrent="1" prevAc="none" nextAc="seek">
+              <p:cTn id="2" nodeType="mainSeq" dur="indefinite" fill="hold">
+                <p:childTnLst>
+                  <p:par>
+                    <p:cTn id="3" fill="hold">
+                      <p:stCondLst>
+                        <p:cond delay="indefinite"/>
+                      </p:stCondLst>
+                      <p:childTnLst>
+                        <p:par>
+                          <p:cTn id="4" fill="hold">
+                            <p:stCondLst>
+                              <p:cond delay="0"/>
+                            </p:stCondLst>
+                            <p:childTnLst>
+                              <p:par>
+                                <p:cTn id="5" presetClass="entr" nodeType="clickEffect" presetID="9" grpId="1" fill="hold">
+                                  <p:stCondLst>
+                                    <p:cond delay="0"/>
+                                  </p:stCondLst>
+                                  <p:iterate type="el" backwards="0">
+                                    <p:tmAbs val="0"/>
+                                  </p:iterate>
+                                  <p:childTnLst>
+                                    <p:set>
+                                      <p:cBhvr>
+                                        <p:cTn id="6" fill="hold"/>
+                                        <p:tgtEl>
+                                          <p:spTgt spid="547"/>
+                                        </p:tgtEl>
+                                        <p:attrNameLst>
+                                          <p:attrName>style.visibility</p:attrName>
+                                        </p:attrNameLst>
+                                      </p:cBhvr>
+                                      <p:to>
+                                        <p:strVal val="visible"/>
+                                      </p:to>
+                                    </p:set>
+                                    <p:animEffect filter="dissolve" transition="in">
+                                      <p:cBhvr>
+                                        <p:cTn id="7" dur="300"/>
+                                        <p:tgtEl>
+                                          <p:spTgt spid="547"/>
+                                        </p:tgtEl>
+                                      </p:cBhvr>
+                                    </p:animEffect>
+                                  </p:childTnLst>
+                                </p:cTn>
+                              </p:par>
+                            </p:childTnLst>
+                          </p:cTn>
+                        </p:par>
+                      </p:childTnLst>
+                    </p:cTn>
+                  </p:par>
+                </p:childTnLst>
+              </p:cTn>
+              <p:prevCondLst>
+                <p:cond evt="onPrev">
+                  <p:tgtEl>
+                    <p:sldTgt/>
+                  </p:tgtEl>
+                </p:cond>
+              </p:prevCondLst>
+              <p:nextCondLst>
+                <p:cond evt="onNext">
+                  <p:tgtEl>
+                    <p:sldTgt/>
+                  </p:tgtEl>
+                </p:cond>
+              </p:nextCondLst>
+            </p:seq>
+          </p:childTnLst>
+        </p:cTn>
+      </p:par>
+    </p:tnLst>
+    <p:bldLst>
+      <p:bldP build="whole" bldLvl="1" animBg="1" rev="0" advAuto="0" spid="547" grpId="1"/>
+    </p:bldLst>
+  </p:timing>
+</p:sld>
+</file>
+
 <file path=ppt/slides/slide6.xml><?xml version="1.0" encoding="utf-8"?>
 <p:sld xmlns:a="http://schemas.openxmlformats.org/drawingml/2006/main" xmlns:r="http://schemas.openxmlformats.org/officeDocument/2006/relationships" xmlns:p="http://schemas.openxmlformats.org/presentationml/2006/main" xmlns:m="http://schemas.openxmlformats.org/officeDocument/2006/math" xmlns:a14="http://schemas.microsoft.com/office/drawing/2010/main" showMasterSp="1" showMasterPhAnim="1">
   <p:cSld>
@@ -42222,6 +47127,2788 @@
             <a:pPr/>
             <a:r>
               <a:t>Postgresql</a:t>
+            </a:r>
+          </a:p>
+        </p:txBody>
+      </p:sp>
+    </p:spTree>
+  </p:cSld>
+  <p:clrMapOvr>
+    <a:masterClrMapping/>
+  </p:clrMapOvr>
+  <p:transition xmlns:p14="http://schemas.microsoft.com/office/powerpoint/2010/main" spd="med" advClick="1"/>
+</p:sld>
+</file>
+
+<file path=ppt/slides/slide60.xml><?xml version="1.0" encoding="utf-8"?>
+<p:sld xmlns:a="http://schemas.openxmlformats.org/drawingml/2006/main" xmlns:r="http://schemas.openxmlformats.org/officeDocument/2006/relationships" xmlns:p="http://schemas.openxmlformats.org/presentationml/2006/main" xmlns:m="http://schemas.openxmlformats.org/officeDocument/2006/math" xmlns:a14="http://schemas.microsoft.com/office/drawing/2010/main" showMasterSp="1" showMasterPhAnim="1">
+  <p:cSld>
+    <p:spTree>
+      <p:nvGrpSpPr>
+        <p:cNvPr id="1" name=""/>
+        <p:cNvGrpSpPr/>
+        <p:nvPr/>
+      </p:nvGrpSpPr>
+      <p:grpSpPr>
+        <a:xfrm>
+          <a:off x="0" y="0"/>
+          <a:ext cx="0" cy="0"/>
+          <a:chOff x="0" y="0"/>
+          <a:chExt cx="0" cy="0"/>
+        </a:xfrm>
+      </p:grpSpPr>
+      <p:sp>
+        <p:nvSpPr>
+          <p:cNvPr id="549" name="Requêtage SQL"/>
+          <p:cNvSpPr txBox="1"/>
+          <p:nvPr/>
+        </p:nvSpPr>
+        <p:spPr>
+          <a:xfrm>
+            <a:off x="1270000" y="-12700"/>
+            <a:ext cx="10464800" cy="1282700"/>
+          </a:xfrm>
+          <a:prstGeom prst="rect">
+            <a:avLst/>
+          </a:prstGeom>
+          <a:ln w="12700">
+            <a:miter lim="400000"/>
+          </a:ln>
+          <a:extLst>
+            <a:ext uri="{C572A759-6A51-4108-AA02-DFA0A04FC94B}">
+              <ma14:wrappingTextBoxFlag xmlns:ma14="http://schemas.microsoft.com/office/mac/drawingml/2011/main" val="1"/>
+            </a:ext>
+          </a:extLst>
+        </p:spPr>
+        <p:txBody>
+          <a:bodyPr lIns="50800" tIns="50800" rIns="50800" bIns="50800" anchor="ctr">
+            <a:normAutofit fontScale="100000" lnSpcReduction="0"/>
+          </a:bodyPr>
+          <a:lstStyle>
+            <a:lvl1pPr>
+              <a:defRPr sz="2600"/>
+            </a:lvl1pPr>
+          </a:lstStyle>
+          <a:p>
+            <a:pPr/>
+            <a:r>
+              <a:t>Requêtage SQL</a:t>
+            </a:r>
+          </a:p>
+        </p:txBody>
+      </p:sp>
+      <p:sp>
+        <p:nvSpPr>
+          <p:cNvPr id="550" name="Les instructions de la fonction"/>
+          <p:cNvSpPr txBox="1"/>
+          <p:nvPr/>
+        </p:nvSpPr>
+        <p:spPr>
+          <a:xfrm>
+            <a:off x="3768576" y="1468408"/>
+            <a:ext cx="5467648" cy="622301"/>
+          </a:xfrm>
+          <a:prstGeom prst="rect">
+            <a:avLst/>
+          </a:prstGeom>
+          <a:ln w="12700">
+            <a:miter lim="400000"/>
+          </a:ln>
+          <a:extLst>
+            <a:ext uri="{C572A759-6A51-4108-AA02-DFA0A04FC94B}">
+              <ma14:wrappingTextBoxFlag xmlns:ma14="http://schemas.microsoft.com/office/mac/drawingml/2011/main" val="1"/>
+            </a:ext>
+          </a:extLst>
+        </p:spPr>
+        <p:txBody>
+          <a:bodyPr wrap="none" lIns="50800" tIns="50800" rIns="50800" bIns="50800" anchor="ctr">
+            <a:spAutoFit/>
+          </a:bodyPr>
+          <a:lstStyle/>
+          <a:p>
+            <a:pPr/>
+            <a:r>
+              <a:t>Les instructions de la fonction</a:t>
+            </a:r>
+          </a:p>
+        </p:txBody>
+      </p:sp>
+      <p:graphicFrame>
+        <p:nvGraphicFramePr>
+          <p:cNvPr id="551" name="Tableau"/>
+          <p:cNvGraphicFramePr/>
+          <p:nvPr/>
+        </p:nvGraphicFramePr>
+        <p:xfrm>
+          <a:off x="588638" y="2317734"/>
+          <a:ext cx="11468101" cy="8216901"/>
+        </p:xfrm>
+        <a:graphic xmlns:a="http://schemas.openxmlformats.org/drawingml/2006/main">
+          <a:graphicData uri="http://schemas.openxmlformats.org/drawingml/2006/table">
+            <a:tbl>
+              <a:tblPr firstCol="0" firstRow="0" lastCol="0" lastRow="0" bandCol="0" bandRow="0" rtl="0">
+                <a:tableStyleId>{4C3C2611-4C71-4FC5-86AE-919BDF0F9419}</a:tableStyleId>
+              </a:tblPr>
+              <a:tblGrid>
+                <a:gridCol w="5369744"/>
+                <a:gridCol w="6457778"/>
+              </a:tblGrid>
+              <a:tr h="508000">
+                <a:tc>
+                  <a:txBody>
+                    <a:bodyPr/>
+                    <a:lstStyle/>
+                    <a:p>
+                      <a:pPr algn="l">
+                        <a:defRPr>
+                          <a:solidFill>
+                            <a:srgbClr val="000000"/>
+                          </a:solidFill>
+                        </a:defRPr>
+                      </a:pPr>
+                      <a:r>
+                        <a:rPr sz="2400">
+                          <a:solidFill>
+                            <a:srgbClr val="5A5F5E"/>
+                          </a:solidFill>
+                          <a:latin typeface="Monaco"/>
+                          <a:ea typeface="Monaco"/>
+                          <a:cs typeface="Monaco"/>
+                          <a:sym typeface="Monaco"/>
+                        </a:rPr>
+                        <a:t>CREATE [OR REPLACE] FUNCTION</a:t>
+                      </a:r>
+                    </a:p>
+                  </a:txBody>
+                  <a:tcPr marL="50800" marR="50800" marT="50800" marB="50800" anchor="t" anchorCtr="0" horzOverflow="overflow">
+                    <a:lnL w="0">
+                      <a:miter lim="400000"/>
+                    </a:lnL>
+                    <a:lnR w="0">
+                      <a:miter lim="400000"/>
+                    </a:lnR>
+                    <a:lnT w="12700">
+                      <a:solidFill>
+                        <a:srgbClr val="5A5F5E"/>
+                      </a:solidFill>
+                      <a:miter lim="400000"/>
+                    </a:lnT>
+                    <a:lnB w="12700">
+                      <a:solidFill>
+                        <a:srgbClr val="5A5F5E"/>
+                      </a:solidFill>
+                      <a:miter lim="400000"/>
+                    </a:lnB>
+                  </a:tcPr>
+                </a:tc>
+                <a:tc>
+                  <a:txBody>
+                    <a:bodyPr/>
+                    <a:lstStyle/>
+                    <a:p>
+                      <a:pPr algn="l">
+                        <a:defRPr sz="2900"/>
+                      </a:pPr>
+                      <a:r>
+                        <a:t>Création d’une fonction.</a:t>
+                      </a:r>
+                      <a:br/>
+                      <a:r>
+                        <a:t>L’instruction </a:t>
+                      </a:r>
+                      <a:r>
+                        <a:rPr i="1">
+                          <a:latin typeface="Gill Sans"/>
+                          <a:ea typeface="Gill Sans"/>
+                          <a:cs typeface="Gill Sans"/>
+                          <a:sym typeface="Gill Sans"/>
+                        </a:rPr>
+                        <a:t>OR REPLACE</a:t>
+                      </a:r>
+                      <a:r>
+                        <a:t> est facultative.</a:t>
+                      </a:r>
+                    </a:p>
+                  </a:txBody>
+                  <a:tcPr marL="50800" marR="50800" marT="50800" marB="50800" anchor="t" anchorCtr="0" horzOverflow="overflow">
+                    <a:lnL w="0">
+                      <a:miter lim="400000"/>
+                    </a:lnL>
+                    <a:lnR w="0">
+                      <a:miter lim="400000"/>
+                    </a:lnR>
+                    <a:lnT w="12700">
+                      <a:solidFill>
+                        <a:srgbClr val="5A5F5E"/>
+                      </a:solidFill>
+                      <a:miter lim="400000"/>
+                    </a:lnT>
+                    <a:lnB w="12700">
+                      <a:solidFill>
+                        <a:srgbClr val="5A5F5E"/>
+                      </a:solidFill>
+                      <a:miter lim="400000"/>
+                    </a:lnB>
+                  </a:tcPr>
+                </a:tc>
+              </a:tr>
+              <a:tr h="508000">
+                <a:tc>
+                  <a:txBody>
+                    <a:bodyPr/>
+                    <a:lstStyle/>
+                    <a:p>
+                      <a:pPr algn="l">
+                        <a:defRPr>
+                          <a:solidFill>
+                            <a:srgbClr val="000000"/>
+                          </a:solidFill>
+                        </a:defRPr>
+                      </a:pPr>
+                      <a:r>
+                        <a:rPr sz="2400">
+                          <a:solidFill>
+                            <a:srgbClr val="5A5F5E"/>
+                          </a:solidFill>
+                          <a:latin typeface="Monaco"/>
+                          <a:ea typeface="Monaco"/>
+                          <a:cs typeface="Monaco"/>
+                          <a:sym typeface="Monaco"/>
+                        </a:rPr>
+                        <a:t>RETURNS datatype AS var</a:t>
+                      </a:r>
+                    </a:p>
+                  </a:txBody>
+                  <a:tcPr marL="50800" marR="50800" marT="50800" marB="50800" anchor="t" anchorCtr="0" horzOverflow="overflow">
+                    <a:lnL w="0">
+                      <a:miter lim="400000"/>
+                    </a:lnL>
+                    <a:lnR w="0">
+                      <a:miter lim="400000"/>
+                    </a:lnR>
+                    <a:lnT w="12700">
+                      <a:solidFill>
+                        <a:srgbClr val="5A5F5E"/>
+                      </a:solidFill>
+                      <a:miter lim="400000"/>
+                    </a:lnT>
+                    <a:lnB w="12700">
+                      <a:solidFill>
+                        <a:srgbClr val="5A5F5E"/>
+                      </a:solidFill>
+                      <a:miter lim="400000"/>
+                    </a:lnB>
+                  </a:tcPr>
+                </a:tc>
+                <a:tc>
+                  <a:txBody>
+                    <a:bodyPr/>
+                    <a:lstStyle/>
+                    <a:p>
+                      <a:pPr algn="l">
+                        <a:defRPr>
+                          <a:solidFill>
+                            <a:srgbClr val="000000"/>
+                          </a:solidFill>
+                        </a:defRPr>
+                      </a:pPr>
+                      <a:r>
+                        <a:rPr sz="2900">
+                          <a:solidFill>
+                            <a:srgbClr val="5A5F5E"/>
+                          </a:solidFill>
+                        </a:rPr>
+                        <a:t>Spécifie le format de donnée que la fonction va retourner et dans quelle variable ce sera stocké.</a:t>
+                      </a:r>
+                    </a:p>
+                  </a:txBody>
+                  <a:tcPr marL="50800" marR="50800" marT="50800" marB="50800" anchor="t" anchorCtr="0" horzOverflow="overflow">
+                    <a:lnL w="0">
+                      <a:miter lim="400000"/>
+                    </a:lnL>
+                    <a:lnR w="0">
+                      <a:miter lim="400000"/>
+                    </a:lnR>
+                    <a:lnT w="12700">
+                      <a:solidFill>
+                        <a:srgbClr val="5A5F5E"/>
+                      </a:solidFill>
+                      <a:miter lim="400000"/>
+                    </a:lnT>
+                    <a:lnB w="12700">
+                      <a:solidFill>
+                        <a:srgbClr val="5A5F5E"/>
+                      </a:solidFill>
+                      <a:miter lim="400000"/>
+                    </a:lnB>
+                  </a:tcPr>
+                </a:tc>
+              </a:tr>
+              <a:tr h="508000">
+                <a:tc>
+                  <a:txBody>
+                    <a:bodyPr/>
+                    <a:lstStyle/>
+                    <a:p>
+                      <a:pPr algn="l">
+                        <a:defRPr>
+                          <a:solidFill>
+                            <a:srgbClr val="000000"/>
+                          </a:solidFill>
+                        </a:defRPr>
+                      </a:pPr>
+                      <a:r>
+                        <a:rPr sz="2400">
+                          <a:solidFill>
+                            <a:srgbClr val="5A5F5E"/>
+                          </a:solidFill>
+                          <a:latin typeface="Monaco"/>
+                          <a:ea typeface="Monaco"/>
+                          <a:cs typeface="Monaco"/>
+                          <a:sym typeface="Monaco"/>
+                        </a:rPr>
+                        <a:t>BEGIN</a:t>
+                      </a:r>
+                    </a:p>
+                  </a:txBody>
+                  <a:tcPr marL="50800" marR="50800" marT="50800" marB="50800" anchor="t" anchorCtr="0" horzOverflow="overflow">
+                    <a:lnL w="0">
+                      <a:miter lim="400000"/>
+                    </a:lnL>
+                    <a:lnR w="0">
+                      <a:miter lim="400000"/>
+                    </a:lnR>
+                    <a:lnT w="12700">
+                      <a:solidFill>
+                        <a:srgbClr val="5A5F5E"/>
+                      </a:solidFill>
+                      <a:miter lim="400000"/>
+                    </a:lnT>
+                    <a:lnB w="12700">
+                      <a:solidFill>
+                        <a:srgbClr val="5A5F5E"/>
+                      </a:solidFill>
+                      <a:miter lim="400000"/>
+                    </a:lnB>
+                  </a:tcPr>
+                </a:tc>
+                <a:tc>
+                  <a:txBody>
+                    <a:bodyPr/>
+                    <a:lstStyle/>
+                    <a:p>
+                      <a:pPr algn="l">
+                        <a:defRPr>
+                          <a:solidFill>
+                            <a:srgbClr val="000000"/>
+                          </a:solidFill>
+                        </a:defRPr>
+                      </a:pPr>
+                      <a:r>
+                        <a:rPr sz="2900">
+                          <a:solidFill>
+                            <a:srgbClr val="5A5F5E"/>
+                          </a:solidFill>
+                        </a:rPr>
+                        <a:t>Début des instructions de la fonction.</a:t>
+                      </a:r>
+                    </a:p>
+                  </a:txBody>
+                  <a:tcPr marL="50800" marR="50800" marT="50800" marB="50800" anchor="t" anchorCtr="0" horzOverflow="overflow">
+                    <a:lnL w="0">
+                      <a:miter lim="400000"/>
+                    </a:lnL>
+                    <a:lnR w="0">
+                      <a:miter lim="400000"/>
+                    </a:lnR>
+                    <a:lnT w="12700">
+                      <a:solidFill>
+                        <a:srgbClr val="5A5F5E"/>
+                      </a:solidFill>
+                      <a:miter lim="400000"/>
+                    </a:lnT>
+                    <a:lnB w="12700">
+                      <a:solidFill>
+                        <a:srgbClr val="5A5F5E"/>
+                      </a:solidFill>
+                      <a:miter lim="400000"/>
+                    </a:lnB>
+                  </a:tcPr>
+                </a:tc>
+              </a:tr>
+              <a:tr h="508000">
+                <a:tc>
+                  <a:txBody>
+                    <a:bodyPr/>
+                    <a:lstStyle/>
+                    <a:p>
+                      <a:pPr algn="l">
+                        <a:defRPr>
+                          <a:solidFill>
+                            <a:srgbClr val="000000"/>
+                          </a:solidFill>
+                        </a:defRPr>
+                      </a:pPr>
+                      <a:r>
+                        <a:rPr sz="2400">
+                          <a:solidFill>
+                            <a:srgbClr val="5A5F5E"/>
+                          </a:solidFill>
+                          <a:latin typeface="Monaco"/>
+                          <a:ea typeface="Monaco"/>
+                          <a:cs typeface="Monaco"/>
+                          <a:sym typeface="Monaco"/>
+                        </a:rPr>
+                        <a:t>END</a:t>
+                      </a:r>
+                    </a:p>
+                  </a:txBody>
+                  <a:tcPr marL="50800" marR="50800" marT="50800" marB="50800" anchor="t" anchorCtr="0" horzOverflow="overflow">
+                    <a:lnL w="0">
+                      <a:miter lim="400000"/>
+                    </a:lnL>
+                    <a:lnR w="0">
+                      <a:miter lim="400000"/>
+                    </a:lnR>
+                    <a:lnT w="12700">
+                      <a:solidFill>
+                        <a:srgbClr val="5A5F5E"/>
+                      </a:solidFill>
+                      <a:miter lim="400000"/>
+                    </a:lnT>
+                    <a:lnB w="12700">
+                      <a:solidFill>
+                        <a:srgbClr val="5A5F5E"/>
+                      </a:solidFill>
+                      <a:miter lim="400000"/>
+                    </a:lnB>
+                  </a:tcPr>
+                </a:tc>
+                <a:tc>
+                  <a:txBody>
+                    <a:bodyPr/>
+                    <a:lstStyle/>
+                    <a:p>
+                      <a:pPr algn="l">
+                        <a:defRPr>
+                          <a:solidFill>
+                            <a:srgbClr val="000000"/>
+                          </a:solidFill>
+                        </a:defRPr>
+                      </a:pPr>
+                      <a:r>
+                        <a:rPr sz="2900">
+                          <a:solidFill>
+                            <a:srgbClr val="5A5F5E"/>
+                          </a:solidFill>
+                        </a:rPr>
+                        <a:t>Fin des instructions de la fonction.</a:t>
+                      </a:r>
+                    </a:p>
+                  </a:txBody>
+                  <a:tcPr marL="50800" marR="50800" marT="50800" marB="50800" anchor="t" anchorCtr="0" horzOverflow="overflow">
+                    <a:lnL w="0">
+                      <a:miter lim="400000"/>
+                    </a:lnL>
+                    <a:lnR w="0">
+                      <a:miter lim="400000"/>
+                    </a:lnR>
+                    <a:lnT w="12700">
+                      <a:solidFill>
+                        <a:srgbClr val="5A5F5E"/>
+                      </a:solidFill>
+                      <a:miter lim="400000"/>
+                    </a:lnT>
+                    <a:lnB w="12700">
+                      <a:solidFill>
+                        <a:srgbClr val="5A5F5E"/>
+                      </a:solidFill>
+                      <a:miter lim="400000"/>
+                    </a:lnB>
+                  </a:tcPr>
+                </a:tc>
+              </a:tr>
+              <a:tr h="508000">
+                <a:tc>
+                  <a:txBody>
+                    <a:bodyPr/>
+                    <a:lstStyle/>
+                    <a:p>
+                      <a:pPr algn="l">
+                        <a:defRPr>
+                          <a:solidFill>
+                            <a:srgbClr val="000000"/>
+                          </a:solidFill>
+                        </a:defRPr>
+                      </a:pPr>
+                      <a:r>
+                        <a:rPr sz="2400">
+                          <a:solidFill>
+                            <a:srgbClr val="5A5F5E"/>
+                          </a:solidFill>
+                          <a:latin typeface="Monaco"/>
+                          <a:ea typeface="Monaco"/>
+                          <a:cs typeface="Monaco"/>
+                          <a:sym typeface="Monaco"/>
+                        </a:rPr>
+                        <a:t>RETURN</a:t>
+                      </a:r>
+                    </a:p>
+                  </a:txBody>
+                  <a:tcPr marL="50800" marR="50800" marT="50800" marB="50800" anchor="t" anchorCtr="0" horzOverflow="overflow">
+                    <a:lnL w="0">
+                      <a:miter lim="400000"/>
+                    </a:lnL>
+                    <a:lnR w="0">
+                      <a:miter lim="400000"/>
+                    </a:lnR>
+                    <a:lnT w="12700">
+                      <a:solidFill>
+                        <a:srgbClr val="5A5F5E"/>
+                      </a:solidFill>
+                      <a:miter lim="400000"/>
+                    </a:lnT>
+                    <a:lnB w="12700">
+                      <a:solidFill>
+                        <a:srgbClr val="5A5F5E"/>
+                      </a:solidFill>
+                      <a:miter lim="400000"/>
+                    </a:lnB>
+                  </a:tcPr>
+                </a:tc>
+                <a:tc>
+                  <a:txBody>
+                    <a:bodyPr/>
+                    <a:lstStyle/>
+                    <a:p>
+                      <a:pPr algn="l">
+                        <a:defRPr>
+                          <a:solidFill>
+                            <a:srgbClr val="000000"/>
+                          </a:solidFill>
+                        </a:defRPr>
+                      </a:pPr>
+                      <a:r>
+                        <a:rPr sz="2900">
+                          <a:solidFill>
+                            <a:srgbClr val="5A5F5E"/>
+                          </a:solidFill>
+                        </a:rPr>
+                        <a:t>Une fonction doit obligatoirement retourner quelque chose.</a:t>
+                      </a:r>
+                    </a:p>
+                  </a:txBody>
+                  <a:tcPr marL="50800" marR="50800" marT="50800" marB="50800" anchor="t" anchorCtr="0" horzOverflow="overflow">
+                    <a:lnL w="0">
+                      <a:miter lim="400000"/>
+                    </a:lnL>
+                    <a:lnR w="0">
+                      <a:miter lim="400000"/>
+                    </a:lnR>
+                    <a:lnT w="12700">
+                      <a:solidFill>
+                        <a:srgbClr val="5A5F5E"/>
+                      </a:solidFill>
+                      <a:miter lim="400000"/>
+                    </a:lnT>
+                    <a:lnB w="12700">
+                      <a:solidFill>
+                        <a:srgbClr val="5A5F5E"/>
+                      </a:solidFill>
+                      <a:miter lim="400000"/>
+                    </a:lnB>
+                  </a:tcPr>
+                </a:tc>
+              </a:tr>
+              <a:tr h="508000">
+                <a:tc>
+                  <a:txBody>
+                    <a:bodyPr/>
+                    <a:lstStyle/>
+                    <a:p>
+                      <a:pPr algn="l">
+                        <a:defRPr>
+                          <a:solidFill>
+                            <a:srgbClr val="000000"/>
+                          </a:solidFill>
+                        </a:defRPr>
+                      </a:pPr>
+                      <a:r>
+                        <a:rPr sz="2400">
+                          <a:solidFill>
+                            <a:srgbClr val="5A5F5E"/>
+                          </a:solidFill>
+                          <a:latin typeface="Monaco"/>
+                          <a:ea typeface="Monaco"/>
+                          <a:cs typeface="Monaco"/>
+                          <a:sym typeface="Monaco"/>
+                        </a:rPr>
+                        <a:t>LANGUAGE plpgsql</a:t>
+                      </a:r>
+                    </a:p>
+                  </a:txBody>
+                  <a:tcPr marL="50800" marR="50800" marT="50800" marB="50800" anchor="t" anchorCtr="0" horzOverflow="overflow">
+                    <a:lnL w="0">
+                      <a:miter lim="400000"/>
+                    </a:lnL>
+                    <a:lnR w="0">
+                      <a:miter lim="400000"/>
+                    </a:lnR>
+                    <a:lnT w="12700">
+                      <a:solidFill>
+                        <a:srgbClr val="5A5F5E"/>
+                      </a:solidFill>
+                      <a:miter lim="400000"/>
+                    </a:lnT>
+                    <a:lnB w="12700">
+                      <a:solidFill>
+                        <a:srgbClr val="5A5F5E"/>
+                      </a:solidFill>
+                      <a:miter lim="400000"/>
+                    </a:lnB>
+                  </a:tcPr>
+                </a:tc>
+                <a:tc>
+                  <a:txBody>
+                    <a:bodyPr/>
+                    <a:lstStyle/>
+                    <a:p>
+                      <a:pPr algn="l">
+                        <a:defRPr>
+                          <a:solidFill>
+                            <a:srgbClr val="000000"/>
+                          </a:solidFill>
+                        </a:defRPr>
+                      </a:pPr>
+                      <a:r>
+                        <a:rPr sz="2900">
+                          <a:solidFill>
+                            <a:srgbClr val="5A5F5E"/>
+                          </a:solidFill>
+                        </a:rPr>
+                        <a:t>En fin de fonction, il faut spécifier dans quel language la fonction est rédigé (plpgsql correspond à du Postgresql). Plusieurs langage sont disponibles comme C ou SQL.</a:t>
+                      </a:r>
+                    </a:p>
+                  </a:txBody>
+                  <a:tcPr marL="50800" marR="50800" marT="50800" marB="50800" anchor="t" anchorCtr="0" horzOverflow="overflow">
+                    <a:lnL w="0">
+                      <a:miter lim="400000"/>
+                    </a:lnL>
+                    <a:lnR w="0">
+                      <a:miter lim="400000"/>
+                    </a:lnR>
+                    <a:lnT w="12700">
+                      <a:solidFill>
+                        <a:srgbClr val="5A5F5E"/>
+                      </a:solidFill>
+                      <a:miter lim="400000"/>
+                    </a:lnT>
+                    <a:lnB w="12700">
+                      <a:solidFill>
+                        <a:srgbClr val="5A5F5E"/>
+                      </a:solidFill>
+                      <a:miter lim="400000"/>
+                    </a:lnB>
+                  </a:tcPr>
+                </a:tc>
+              </a:tr>
+            </a:tbl>
+          </a:graphicData>
+        </a:graphic>
+      </p:graphicFrame>
+    </p:spTree>
+  </p:cSld>
+  <p:clrMapOvr>
+    <a:masterClrMapping/>
+  </p:clrMapOvr>
+  <p:transition xmlns:p14="http://schemas.microsoft.com/office/powerpoint/2010/main" spd="med" advClick="1"/>
+  <p:timing>
+    <p:tnLst>
+      <p:par>
+        <p:cTn id="1" nodeType="tmRoot" restart="never" dur="indefinite" fill="hold">
+          <p:childTnLst>
+            <p:seq concurrent="1" prevAc="none" nextAc="seek">
+              <p:cTn id="2" nodeType="mainSeq" dur="indefinite" fill="hold">
+                <p:childTnLst>
+                  <p:par>
+                    <p:cTn id="3" fill="hold">
+                      <p:stCondLst>
+                        <p:cond delay="indefinite"/>
+                        <p:cond evt="onBegin">
+                          <p:tn val="2"/>
+                        </p:cond>
+                      </p:stCondLst>
+                      <p:childTnLst>
+                        <p:par>
+                          <p:cTn id="4" fill="hold">
+                            <p:stCondLst>
+                              <p:cond delay="0"/>
+                            </p:stCondLst>
+                            <p:childTnLst>
+                              <p:par>
+                                <p:cTn id="5" presetClass="entr" nodeType="afterEffect" presetID="9" grpId="1" fill="hold">
+                                  <p:stCondLst>
+                                    <p:cond delay="0"/>
+                                  </p:stCondLst>
+                                  <p:iterate type="el" backwards="0">
+                                    <p:tmAbs val="0"/>
+                                  </p:iterate>
+                                  <p:childTnLst>
+                                    <p:set>
+                                      <p:cBhvr>
+                                        <p:cTn id="6" fill="hold"/>
+                                        <p:tgtEl>
+                                          <p:spTgt spid="551"/>
+                                        </p:tgtEl>
+                                        <p:attrNameLst>
+                                          <p:attrName>style.visibility</p:attrName>
+                                        </p:attrNameLst>
+                                      </p:cBhvr>
+                                      <p:to>
+                                        <p:strVal val="visible"/>
+                                      </p:to>
+                                    </p:set>
+                                    <p:animEffect filter="dissolve" transition="in">
+                                      <p:cBhvr>
+                                        <p:cTn id="7" dur="300"/>
+                                        <p:tgtEl>
+                                          <p:spTgt spid="551"/>
+                                        </p:tgtEl>
+                                      </p:cBhvr>
+                                    </p:animEffect>
+                                  </p:childTnLst>
+                                </p:cTn>
+                              </p:par>
+                            </p:childTnLst>
+                          </p:cTn>
+                        </p:par>
+                      </p:childTnLst>
+                    </p:cTn>
+                  </p:par>
+                </p:childTnLst>
+              </p:cTn>
+              <p:prevCondLst>
+                <p:cond evt="onPrev">
+                  <p:tgtEl>
+                    <p:sldTgt/>
+                  </p:tgtEl>
+                </p:cond>
+              </p:prevCondLst>
+              <p:nextCondLst>
+                <p:cond evt="onNext">
+                  <p:tgtEl>
+                    <p:sldTgt/>
+                  </p:tgtEl>
+                </p:cond>
+              </p:nextCondLst>
+            </p:seq>
+          </p:childTnLst>
+        </p:cTn>
+      </p:par>
+    </p:tnLst>
+    <p:bldLst>
+      <p:bldP build="whole" bldLvl="1" animBg="1" rev="0" advAuto="0" spid="551" grpId="1"/>
+    </p:bldLst>
+  </p:timing>
+</p:sld>
+</file>
+
+<file path=ppt/slides/slide61.xml><?xml version="1.0" encoding="utf-8"?>
+<p:sld xmlns:a="http://schemas.openxmlformats.org/drawingml/2006/main" xmlns:r="http://schemas.openxmlformats.org/officeDocument/2006/relationships" xmlns:p="http://schemas.openxmlformats.org/presentationml/2006/main" xmlns:m="http://schemas.openxmlformats.org/officeDocument/2006/math" xmlns:a14="http://schemas.microsoft.com/office/drawing/2010/main" showMasterSp="1" showMasterPhAnim="1">
+  <p:cSld>
+    <p:spTree>
+      <p:nvGrpSpPr>
+        <p:cNvPr id="1" name=""/>
+        <p:cNvGrpSpPr/>
+        <p:nvPr/>
+      </p:nvGrpSpPr>
+      <p:grpSpPr>
+        <a:xfrm>
+          <a:off x="0" y="0"/>
+          <a:ext cx="0" cy="0"/>
+          <a:chOff x="0" y="0"/>
+          <a:chExt cx="0" cy="0"/>
+        </a:xfrm>
+      </p:grpSpPr>
+      <p:sp>
+        <p:nvSpPr>
+          <p:cNvPr id="553" name="Requêtage SQL"/>
+          <p:cNvSpPr txBox="1"/>
+          <p:nvPr/>
+        </p:nvSpPr>
+        <p:spPr>
+          <a:xfrm>
+            <a:off x="1270000" y="-12700"/>
+            <a:ext cx="10464800" cy="1282700"/>
+          </a:xfrm>
+          <a:prstGeom prst="rect">
+            <a:avLst/>
+          </a:prstGeom>
+          <a:ln w="12700">
+            <a:miter lim="400000"/>
+          </a:ln>
+          <a:extLst>
+            <a:ext uri="{C572A759-6A51-4108-AA02-DFA0A04FC94B}">
+              <ma14:wrappingTextBoxFlag xmlns:ma14="http://schemas.microsoft.com/office/mac/drawingml/2011/main" val="1"/>
+            </a:ext>
+          </a:extLst>
+        </p:spPr>
+        <p:txBody>
+          <a:bodyPr lIns="50800" tIns="50800" rIns="50800" bIns="50800" anchor="ctr">
+            <a:normAutofit fontScale="100000" lnSpcReduction="0"/>
+          </a:bodyPr>
+          <a:lstStyle>
+            <a:lvl1pPr>
+              <a:defRPr sz="2600"/>
+            </a:lvl1pPr>
+          </a:lstStyle>
+          <a:p>
+            <a:pPr/>
+            <a:r>
+              <a:t>Requêtage SQL</a:t>
+            </a:r>
+          </a:p>
+        </p:txBody>
+      </p:sp>
+      <p:sp>
+        <p:nvSpPr>
+          <p:cNvPr id="554" name="Création de la fonction"/>
+          <p:cNvSpPr txBox="1"/>
+          <p:nvPr/>
+        </p:nvSpPr>
+        <p:spPr>
+          <a:xfrm>
+            <a:off x="4370437" y="1499828"/>
+            <a:ext cx="4263926" cy="622301"/>
+          </a:xfrm>
+          <a:prstGeom prst="rect">
+            <a:avLst/>
+          </a:prstGeom>
+          <a:ln w="12700">
+            <a:miter lim="400000"/>
+          </a:ln>
+          <a:extLst>
+            <a:ext uri="{C572A759-6A51-4108-AA02-DFA0A04FC94B}">
+              <ma14:wrappingTextBoxFlag xmlns:ma14="http://schemas.microsoft.com/office/mac/drawingml/2011/main" val="1"/>
+            </a:ext>
+          </a:extLst>
+        </p:spPr>
+        <p:txBody>
+          <a:bodyPr wrap="none" lIns="50800" tIns="50800" rIns="50800" bIns="50800" anchor="ctr">
+            <a:spAutoFit/>
+          </a:bodyPr>
+          <a:lstStyle/>
+          <a:p>
+            <a:pPr/>
+            <a:r>
+              <a:t>Création de la fonction</a:t>
+            </a:r>
+          </a:p>
+        </p:txBody>
+      </p:sp>
+      <p:sp>
+        <p:nvSpPr>
+          <p:cNvPr id="555" name="CREATE OR REPLACE FUNCTION [nom_fonction]()…"/>
+          <p:cNvSpPr txBox="1"/>
+          <p:nvPr/>
+        </p:nvSpPr>
+        <p:spPr>
+          <a:xfrm>
+            <a:off x="427869" y="2698418"/>
+            <a:ext cx="12149062" cy="3361209"/>
+          </a:xfrm>
+          <a:prstGeom prst="rect">
+            <a:avLst/>
+          </a:prstGeom>
+          <a:ln w="12700">
+            <a:miter lim="400000"/>
+          </a:ln>
+          <a:extLst>
+            <a:ext uri="{C572A759-6A51-4108-AA02-DFA0A04FC94B}">
+              <ma14:wrappingTextBoxFlag xmlns:ma14="http://schemas.microsoft.com/office/mac/drawingml/2011/main" val="1"/>
+            </a:ext>
+          </a:extLst>
+        </p:spPr>
+        <p:txBody>
+          <a:bodyPr lIns="50800" tIns="50800" rIns="50800" bIns="50800">
+            <a:spAutoFit/>
+          </a:bodyPr>
+          <a:lstStyle/>
+          <a:p>
+            <a:pPr algn="l">
+              <a:defRPr sz="2800">
+                <a:solidFill>
+                  <a:srgbClr val="5A5F5E"/>
+                </a:solidFill>
+                <a:latin typeface="Monaco"/>
+                <a:ea typeface="Monaco"/>
+                <a:cs typeface="Monaco"/>
+                <a:sym typeface="Monaco"/>
+              </a:defRPr>
+            </a:pPr>
+            <a:r>
+              <a:t>CREATE OR REPLACE FUNCTION [nom_fonction]()</a:t>
+            </a:r>
+          </a:p>
+          <a:p>
+            <a:pPr algn="l">
+              <a:defRPr sz="2800">
+                <a:solidFill>
+                  <a:srgbClr val="5A5F5E"/>
+                </a:solidFill>
+                <a:latin typeface="Monaco"/>
+                <a:ea typeface="Monaco"/>
+                <a:cs typeface="Monaco"/>
+                <a:sym typeface="Monaco"/>
+              </a:defRPr>
+            </a:pPr>
+            <a:r>
+              <a:t>RETURNS [type_sortie] AS [variable]</a:t>
+            </a:r>
+          </a:p>
+          <a:p>
+            <a:pPr algn="l">
+              <a:defRPr sz="2800">
+                <a:solidFill>
+                  <a:srgbClr val="5A5F5E"/>
+                </a:solidFill>
+                <a:latin typeface="Monaco"/>
+                <a:ea typeface="Monaco"/>
+                <a:cs typeface="Monaco"/>
+                <a:sym typeface="Monaco"/>
+              </a:defRPr>
+            </a:pPr>
+            <a:r>
+              <a:t>BEGIN</a:t>
+            </a:r>
+          </a:p>
+          <a:p>
+            <a:pPr algn="l">
+              <a:defRPr sz="2800">
+                <a:solidFill>
+                  <a:srgbClr val="5A5F5E"/>
+                </a:solidFill>
+                <a:latin typeface="Monaco"/>
+                <a:ea typeface="Monaco"/>
+                <a:cs typeface="Monaco"/>
+                <a:sym typeface="Monaco"/>
+              </a:defRPr>
+            </a:pPr>
+            <a:r>
+              <a:t>    [instructions]</a:t>
+            </a:r>
+          </a:p>
+          <a:p>
+            <a:pPr algn="l">
+              <a:defRPr sz="2800">
+                <a:solidFill>
+                  <a:srgbClr val="5A5F5E"/>
+                </a:solidFill>
+                <a:latin typeface="Monaco"/>
+                <a:ea typeface="Monaco"/>
+                <a:cs typeface="Monaco"/>
+                <a:sym typeface="Monaco"/>
+              </a:defRPr>
+            </a:pPr>
+            <a:r>
+              <a:t>    RETURN [donnée];</a:t>
+            </a:r>
+          </a:p>
+          <a:p>
+            <a:pPr algn="l">
+              <a:defRPr sz="2800">
+                <a:solidFill>
+                  <a:srgbClr val="5A5F5E"/>
+                </a:solidFill>
+                <a:latin typeface="Monaco"/>
+                <a:ea typeface="Monaco"/>
+                <a:cs typeface="Monaco"/>
+                <a:sym typeface="Monaco"/>
+              </a:defRPr>
+            </a:pPr>
+            <a:r>
+              <a:t>END;</a:t>
+            </a:r>
+          </a:p>
+          <a:p>
+            <a:pPr algn="l">
+              <a:defRPr sz="2800">
+                <a:solidFill>
+                  <a:srgbClr val="5A5F5E"/>
+                </a:solidFill>
+                <a:latin typeface="Monaco"/>
+                <a:ea typeface="Monaco"/>
+                <a:cs typeface="Monaco"/>
+                <a:sym typeface="Monaco"/>
+              </a:defRPr>
+            </a:pPr>
+            <a:r>
+              <a:t>[variable] LANGUAGE [language];</a:t>
+            </a:r>
+          </a:p>
+        </p:txBody>
+      </p:sp>
+      <p:sp>
+        <p:nvSpPr>
+          <p:cNvPr id="556" name="CREATE OR REPLACE FUNCTION save_visits()…"/>
+          <p:cNvSpPr txBox="1"/>
+          <p:nvPr/>
+        </p:nvSpPr>
+        <p:spPr>
+          <a:xfrm>
+            <a:off x="427869" y="2698418"/>
+            <a:ext cx="12149062" cy="3831109"/>
+          </a:xfrm>
+          <a:prstGeom prst="rect">
+            <a:avLst/>
+          </a:prstGeom>
+          <a:ln w="12700">
+            <a:miter lim="400000"/>
+          </a:ln>
+          <a:extLst>
+            <a:ext uri="{C572A759-6A51-4108-AA02-DFA0A04FC94B}">
+              <ma14:wrappingTextBoxFlag xmlns:ma14="http://schemas.microsoft.com/office/mac/drawingml/2011/main" val="1"/>
+            </a:ext>
+          </a:extLst>
+        </p:spPr>
+        <p:txBody>
+          <a:bodyPr lIns="50800" tIns="50800" rIns="50800" bIns="50800">
+            <a:spAutoFit/>
+          </a:bodyPr>
+          <a:lstStyle/>
+          <a:p>
+            <a:pPr algn="l">
+              <a:defRPr sz="2800">
+                <a:solidFill>
+                  <a:srgbClr val="5A5F5E"/>
+                </a:solidFill>
+                <a:latin typeface="Monaco"/>
+                <a:ea typeface="Monaco"/>
+                <a:cs typeface="Monaco"/>
+                <a:sym typeface="Monaco"/>
+              </a:defRPr>
+            </a:pPr>
+            <a:r>
+              <a:t>CREATE OR REPLACE FUNCTION save_visits()</a:t>
+            </a:r>
+          </a:p>
+          <a:p>
+            <a:pPr algn="l">
+              <a:defRPr sz="2800">
+                <a:solidFill>
+                  <a:srgbClr val="5A5F5E"/>
+                </a:solidFill>
+                <a:latin typeface="Monaco"/>
+                <a:ea typeface="Monaco"/>
+                <a:cs typeface="Monaco"/>
+                <a:sym typeface="Monaco"/>
+              </a:defRPr>
+            </a:pPr>
+            <a:r>
+              <a:t>RETURNS TRIGGER AS $save_visits$</a:t>
+            </a:r>
+          </a:p>
+          <a:p>
+            <a:pPr algn="l">
+              <a:defRPr sz="2800">
+                <a:solidFill>
+                  <a:srgbClr val="5A5F5E"/>
+                </a:solidFill>
+                <a:latin typeface="Monaco"/>
+                <a:ea typeface="Monaco"/>
+                <a:cs typeface="Monaco"/>
+                <a:sym typeface="Monaco"/>
+              </a:defRPr>
+            </a:pPr>
+            <a:r>
+              <a:t>BEGIN</a:t>
+            </a:r>
+          </a:p>
+          <a:p>
+            <a:pPr algn="l">
+              <a:defRPr sz="2800">
+                <a:solidFill>
+                  <a:srgbClr val="5A5F5E"/>
+                </a:solidFill>
+                <a:latin typeface="Monaco"/>
+                <a:ea typeface="Monaco"/>
+                <a:cs typeface="Monaco"/>
+                <a:sym typeface="Monaco"/>
+              </a:defRPr>
+            </a:pPr>
+            <a:r>
+              <a:t>    INSERT INTO logs_connexion(id_user, visit_date)</a:t>
+            </a:r>
+          </a:p>
+          <a:p>
+            <a:pPr algn="l">
+              <a:defRPr sz="2800">
+                <a:solidFill>
+                  <a:srgbClr val="5A5F5E"/>
+                </a:solidFill>
+                <a:latin typeface="Monaco"/>
+                <a:ea typeface="Monaco"/>
+                <a:cs typeface="Monaco"/>
+                <a:sym typeface="Monaco"/>
+              </a:defRPr>
+            </a:pPr>
+            <a:r>
+              <a:t>    VALUES(NEW.id, current_date);</a:t>
+            </a:r>
+          </a:p>
+          <a:p>
+            <a:pPr algn="l">
+              <a:defRPr sz="2800">
+                <a:solidFill>
+                  <a:srgbClr val="5A5F5E"/>
+                </a:solidFill>
+                <a:latin typeface="Monaco"/>
+                <a:ea typeface="Monaco"/>
+                <a:cs typeface="Monaco"/>
+                <a:sym typeface="Monaco"/>
+              </a:defRPr>
+            </a:pPr>
+            <a:r>
+              <a:t>    RETURN NEW;</a:t>
+            </a:r>
+          </a:p>
+          <a:p>
+            <a:pPr algn="l">
+              <a:defRPr sz="2800">
+                <a:solidFill>
+                  <a:srgbClr val="5A5F5E"/>
+                </a:solidFill>
+                <a:latin typeface="Monaco"/>
+                <a:ea typeface="Monaco"/>
+                <a:cs typeface="Monaco"/>
+                <a:sym typeface="Monaco"/>
+              </a:defRPr>
+            </a:pPr>
+            <a:r>
+              <a:t>END;</a:t>
+            </a:r>
+          </a:p>
+          <a:p>
+            <a:pPr algn="l">
+              <a:defRPr sz="2800">
+                <a:solidFill>
+                  <a:srgbClr val="5A5F5E"/>
+                </a:solidFill>
+                <a:latin typeface="Monaco"/>
+                <a:ea typeface="Monaco"/>
+                <a:cs typeface="Monaco"/>
+                <a:sym typeface="Monaco"/>
+              </a:defRPr>
+            </a:pPr>
+            <a:r>
+              <a:t>$save_visits$ LANGUAGE plpgsql;</a:t>
+            </a:r>
+          </a:p>
+        </p:txBody>
+      </p:sp>
+    </p:spTree>
+  </p:cSld>
+  <p:clrMapOvr>
+    <a:masterClrMapping/>
+  </p:clrMapOvr>
+  <p:transition xmlns:p14="http://schemas.microsoft.com/office/powerpoint/2010/main" spd="med" advClick="1"/>
+  <p:timing>
+    <p:tnLst>
+      <p:par>
+        <p:cTn id="1" nodeType="tmRoot" restart="never" dur="indefinite" fill="hold">
+          <p:childTnLst>
+            <p:seq concurrent="1" prevAc="none" nextAc="seek">
+              <p:cTn id="2" nodeType="mainSeq" dur="indefinite" fill="hold">
+                <p:childTnLst>
+                  <p:par>
+                    <p:cTn id="3" fill="hold">
+                      <p:stCondLst>
+                        <p:cond delay="indefinite"/>
+                      </p:stCondLst>
+                      <p:childTnLst>
+                        <p:par>
+                          <p:cTn id="4" fill="hold">
+                            <p:stCondLst>
+                              <p:cond delay="0"/>
+                            </p:stCondLst>
+                            <p:childTnLst>
+                              <p:par>
+                                <p:cTn id="5" presetClass="emph" nodeType="clickEffect" presetID="9" grpId="1" fill="hold">
+                                  <p:stCondLst>
+                                    <p:cond delay="0"/>
+                                  </p:stCondLst>
+                                  <p:childTnLst>
+                                    <p:set>
+                                      <p:cBhvr>
+                                        <p:cTn id="6" dur="indefinite" fill="hold"/>
+                                        <p:tgtEl>
+                                          <p:spTgt spid="555"/>
+                                        </p:tgtEl>
+                                        <p:attrNameLst>
+                                          <p:attrName>style.opacity</p:attrName>
+                                        </p:attrNameLst>
+                                      </p:cBhvr>
+                                      <p:to>
+                                        <p:strVal val="0.00"/>
+                                      </p:to>
+                                    </p:set>
+                                    <p:animEffect filter="image" prLst="opacity: 0.00; ">
+                                      <p:cBhvr>
+                                        <p:cTn id="7" dur="indefinite" fill="hold"/>
+                                        <p:tgtEl>
+                                          <p:spTgt spid="555"/>
+                                        </p:tgtEl>
+                                      </p:cBhvr>
+                                    </p:animEffect>
+                                  </p:childTnLst>
+                                </p:cTn>
+                              </p:par>
+                            </p:childTnLst>
+                          </p:cTn>
+                        </p:par>
+                        <p:par>
+                          <p:cTn id="8" fill="hold">
+                            <p:stCondLst>
+                              <p:cond delay="300"/>
+                            </p:stCondLst>
+                            <p:childTnLst>
+                              <p:par>
+                                <p:cTn id="9" presetClass="entr" nodeType="afterEffect" presetID="9" grpId="2" fill="hold">
+                                  <p:stCondLst>
+                                    <p:cond delay="0"/>
+                                  </p:stCondLst>
+                                  <p:iterate type="el" backwards="0">
+                                    <p:tmAbs val="0"/>
+                                  </p:iterate>
+                                  <p:childTnLst>
+                                    <p:set>
+                                      <p:cBhvr>
+                                        <p:cTn id="10" fill="hold"/>
+                                        <p:tgtEl>
+                                          <p:spTgt spid="556"/>
+                                        </p:tgtEl>
+                                        <p:attrNameLst>
+                                          <p:attrName>style.visibility</p:attrName>
+                                        </p:attrNameLst>
+                                      </p:cBhvr>
+                                      <p:to>
+                                        <p:strVal val="visible"/>
+                                      </p:to>
+                                    </p:set>
+                                    <p:animEffect filter="dissolve" transition="in">
+                                      <p:cBhvr>
+                                        <p:cTn id="11" dur="300"/>
+                                        <p:tgtEl>
+                                          <p:spTgt spid="556"/>
+                                        </p:tgtEl>
+                                      </p:cBhvr>
+                                    </p:animEffect>
+                                  </p:childTnLst>
+                                </p:cTn>
+                              </p:par>
+                            </p:childTnLst>
+                          </p:cTn>
+                        </p:par>
+                      </p:childTnLst>
+                    </p:cTn>
+                  </p:par>
+                </p:childTnLst>
+              </p:cTn>
+              <p:prevCondLst>
+                <p:cond evt="onPrev">
+                  <p:tgtEl>
+                    <p:sldTgt/>
+                  </p:tgtEl>
+                </p:cond>
+              </p:prevCondLst>
+              <p:nextCondLst>
+                <p:cond evt="onNext">
+                  <p:tgtEl>
+                    <p:sldTgt/>
+                  </p:tgtEl>
+                </p:cond>
+              </p:nextCondLst>
+            </p:seq>
+          </p:childTnLst>
+        </p:cTn>
+      </p:par>
+    </p:tnLst>
+    <p:bldLst>
+      <p:bldP build="whole" bldLvl="1" animBg="1" rev="0" advAuto="0" spid="555" grpId="1"/>
+      <p:bldP build="whole" bldLvl="1" animBg="1" rev="0" advAuto="0" spid="556" grpId="2"/>
+    </p:bldLst>
+  </p:timing>
+</p:sld>
+</file>
+
+<file path=ppt/slides/slide62.xml><?xml version="1.0" encoding="utf-8"?>
+<p:sld xmlns:a="http://schemas.openxmlformats.org/drawingml/2006/main" xmlns:r="http://schemas.openxmlformats.org/officeDocument/2006/relationships" xmlns:p="http://schemas.openxmlformats.org/presentationml/2006/main" xmlns:m="http://schemas.openxmlformats.org/officeDocument/2006/math" xmlns:a14="http://schemas.microsoft.com/office/drawing/2010/main" showMasterSp="1" showMasterPhAnim="1">
+  <p:cSld>
+    <p:spTree>
+      <p:nvGrpSpPr>
+        <p:cNvPr id="1" name=""/>
+        <p:cNvGrpSpPr/>
+        <p:nvPr/>
+      </p:nvGrpSpPr>
+      <p:grpSpPr>
+        <a:xfrm>
+          <a:off x="0" y="0"/>
+          <a:ext cx="0" cy="0"/>
+          <a:chOff x="0" y="0"/>
+          <a:chExt cx="0" cy="0"/>
+        </a:xfrm>
+      </p:grpSpPr>
+      <p:sp>
+        <p:nvSpPr>
+          <p:cNvPr id="558" name="Requêtage SQL"/>
+          <p:cNvSpPr txBox="1"/>
+          <p:nvPr/>
+        </p:nvSpPr>
+        <p:spPr>
+          <a:xfrm>
+            <a:off x="1270000" y="-12700"/>
+            <a:ext cx="10464800" cy="1282700"/>
+          </a:xfrm>
+          <a:prstGeom prst="rect">
+            <a:avLst/>
+          </a:prstGeom>
+          <a:ln w="12700">
+            <a:miter lim="400000"/>
+          </a:ln>
+          <a:extLst>
+            <a:ext uri="{C572A759-6A51-4108-AA02-DFA0A04FC94B}">
+              <ma14:wrappingTextBoxFlag xmlns:ma14="http://schemas.microsoft.com/office/mac/drawingml/2011/main" val="1"/>
+            </a:ext>
+          </a:extLst>
+        </p:spPr>
+        <p:txBody>
+          <a:bodyPr lIns="50800" tIns="50800" rIns="50800" bIns="50800" anchor="ctr">
+            <a:normAutofit fontScale="100000" lnSpcReduction="0"/>
+          </a:bodyPr>
+          <a:lstStyle>
+            <a:lvl1pPr>
+              <a:defRPr sz="2600"/>
+            </a:lvl1pPr>
+          </a:lstStyle>
+          <a:p>
+            <a:pPr/>
+            <a:r>
+              <a:t>Requêtage SQL</a:t>
+            </a:r>
+          </a:p>
+        </p:txBody>
+      </p:sp>
+      <p:sp>
+        <p:nvSpPr>
+          <p:cNvPr id="559" name="Les instructions du trigger"/>
+          <p:cNvSpPr txBox="1"/>
+          <p:nvPr/>
+        </p:nvSpPr>
+        <p:spPr>
+          <a:xfrm>
+            <a:off x="4127437" y="1468408"/>
+            <a:ext cx="4749925" cy="622301"/>
+          </a:xfrm>
+          <a:prstGeom prst="rect">
+            <a:avLst/>
+          </a:prstGeom>
+          <a:ln w="12700">
+            <a:miter lim="400000"/>
+          </a:ln>
+          <a:extLst>
+            <a:ext uri="{C572A759-6A51-4108-AA02-DFA0A04FC94B}">
+              <ma14:wrappingTextBoxFlag xmlns:ma14="http://schemas.microsoft.com/office/mac/drawingml/2011/main" val="1"/>
+            </a:ext>
+          </a:extLst>
+        </p:spPr>
+        <p:txBody>
+          <a:bodyPr wrap="none" lIns="50800" tIns="50800" rIns="50800" bIns="50800" anchor="ctr">
+            <a:spAutoFit/>
+          </a:bodyPr>
+          <a:lstStyle/>
+          <a:p>
+            <a:pPr/>
+            <a:r>
+              <a:t>Les instructions du trigger</a:t>
+            </a:r>
+          </a:p>
+        </p:txBody>
+      </p:sp>
+      <p:graphicFrame>
+        <p:nvGraphicFramePr>
+          <p:cNvPr id="560" name="Tableau"/>
+          <p:cNvGraphicFramePr/>
+          <p:nvPr/>
+        </p:nvGraphicFramePr>
+        <p:xfrm>
+          <a:off x="588638" y="2317734"/>
+          <a:ext cx="11468101" cy="8216901"/>
+        </p:xfrm>
+        <a:graphic xmlns:a="http://schemas.openxmlformats.org/drawingml/2006/main">
+          <a:graphicData uri="http://schemas.openxmlformats.org/drawingml/2006/table">
+            <a:tbl>
+              <a:tblPr firstCol="0" firstRow="0" lastCol="0" lastRow="0" bandCol="0" bandRow="0" rtl="0">
+                <a:tableStyleId>{4C3C2611-4C71-4FC5-86AE-919BDF0F9419}</a:tableStyleId>
+              </a:tblPr>
+              <a:tblGrid>
+                <a:gridCol w="4739057"/>
+                <a:gridCol w="7088465"/>
+              </a:tblGrid>
+              <a:tr h="508000">
+                <a:tc>
+                  <a:txBody>
+                    <a:bodyPr/>
+                    <a:lstStyle/>
+                    <a:p>
+                      <a:pPr algn="l">
+                        <a:defRPr>
+                          <a:solidFill>
+                            <a:srgbClr val="000000"/>
+                          </a:solidFill>
+                        </a:defRPr>
+                      </a:pPr>
+                      <a:r>
+                        <a:rPr sz="2600">
+                          <a:solidFill>
+                            <a:srgbClr val="5A5F5E"/>
+                          </a:solidFill>
+                          <a:latin typeface="Monaco"/>
+                          <a:ea typeface="Monaco"/>
+                          <a:cs typeface="Monaco"/>
+                          <a:sym typeface="Monaco"/>
+                        </a:rPr>
+                        <a:t>OF</a:t>
+                      </a:r>
+                    </a:p>
+                  </a:txBody>
+                  <a:tcPr marL="50800" marR="50800" marT="50800" marB="50800" anchor="t" anchorCtr="0" horzOverflow="overflow">
+                    <a:lnL w="0">
+                      <a:miter lim="400000"/>
+                    </a:lnL>
+                    <a:lnR w="0">
+                      <a:miter lim="400000"/>
+                    </a:lnR>
+                    <a:lnT w="12700">
+                      <a:solidFill>
+                        <a:srgbClr val="5A5F5E"/>
+                      </a:solidFill>
+                      <a:miter lim="400000"/>
+                    </a:lnT>
+                    <a:lnB w="12700">
+                      <a:solidFill>
+                        <a:srgbClr val="5A5F5E"/>
+                      </a:solidFill>
+                      <a:miter lim="400000"/>
+                    </a:lnB>
+                  </a:tcPr>
+                </a:tc>
+                <a:tc>
+                  <a:txBody>
+                    <a:bodyPr/>
+                    <a:lstStyle/>
+                    <a:p>
+                      <a:pPr algn="l">
+                        <a:defRPr>
+                          <a:solidFill>
+                            <a:srgbClr val="000000"/>
+                          </a:solidFill>
+                        </a:defRPr>
+                      </a:pPr>
+                      <a:r>
+                        <a:rPr sz="3000">
+                          <a:solidFill>
+                            <a:srgbClr val="5A5F5E"/>
+                          </a:solidFill>
+                        </a:rPr>
+                        <a:t>Permet de spécifier sur quelle colonne le trigger doit écouter l’évènement. +Cet argument est faculatatif.</a:t>
+                      </a:r>
+                    </a:p>
+                  </a:txBody>
+                  <a:tcPr marL="50800" marR="50800" marT="50800" marB="50800" anchor="t" anchorCtr="0" horzOverflow="overflow">
+                    <a:lnL w="0">
+                      <a:miter lim="400000"/>
+                    </a:lnL>
+                    <a:lnR w="0">
+                      <a:miter lim="400000"/>
+                    </a:lnR>
+                    <a:lnT w="12700">
+                      <a:solidFill>
+                        <a:srgbClr val="5A5F5E"/>
+                      </a:solidFill>
+                      <a:miter lim="400000"/>
+                    </a:lnT>
+                    <a:lnB w="12700">
+                      <a:solidFill>
+                        <a:srgbClr val="5A5F5E"/>
+                      </a:solidFill>
+                      <a:miter lim="400000"/>
+                    </a:lnB>
+                  </a:tcPr>
+                </a:tc>
+              </a:tr>
+              <a:tr h="508000">
+                <a:tc>
+                  <a:txBody>
+                    <a:bodyPr/>
+                    <a:lstStyle/>
+                    <a:p>
+                      <a:pPr algn="l">
+                        <a:defRPr>
+                          <a:solidFill>
+                            <a:srgbClr val="000000"/>
+                          </a:solidFill>
+                        </a:defRPr>
+                      </a:pPr>
+                      <a:r>
+                        <a:rPr sz="2600">
+                          <a:solidFill>
+                            <a:srgbClr val="5A5F5E"/>
+                          </a:solidFill>
+                          <a:latin typeface="Monaco"/>
+                          <a:ea typeface="Monaco"/>
+                          <a:cs typeface="Monaco"/>
+                          <a:sym typeface="Monaco"/>
+                        </a:rPr>
+                        <a:t>ON</a:t>
+                      </a:r>
+                    </a:p>
+                  </a:txBody>
+                  <a:tcPr marL="50800" marR="50800" marT="50800" marB="50800" anchor="t" anchorCtr="0" horzOverflow="overflow">
+                    <a:lnL w="0">
+                      <a:miter lim="400000"/>
+                    </a:lnL>
+                    <a:lnR w="0">
+                      <a:miter lim="400000"/>
+                    </a:lnR>
+                    <a:lnT w="12700">
+                      <a:solidFill>
+                        <a:srgbClr val="5A5F5E"/>
+                      </a:solidFill>
+                      <a:miter lim="400000"/>
+                    </a:lnT>
+                    <a:lnB w="12700">
+                      <a:solidFill>
+                        <a:srgbClr val="5A5F5E"/>
+                      </a:solidFill>
+                      <a:miter lim="400000"/>
+                    </a:lnB>
+                  </a:tcPr>
+                </a:tc>
+                <a:tc>
+                  <a:txBody>
+                    <a:bodyPr/>
+                    <a:lstStyle/>
+                    <a:p>
+                      <a:pPr algn="l">
+                        <a:defRPr>
+                          <a:solidFill>
+                            <a:srgbClr val="000000"/>
+                          </a:solidFill>
+                        </a:defRPr>
+                      </a:pPr>
+                      <a:r>
+                        <a:rPr sz="3000">
+                          <a:solidFill>
+                            <a:srgbClr val="5A5F5E"/>
+                          </a:solidFill>
+                        </a:rPr>
+                        <a:t>Spécifie la table sur laquelle le trigger écoutera l’évènement.</a:t>
+                      </a:r>
+                    </a:p>
+                  </a:txBody>
+                  <a:tcPr marL="50800" marR="50800" marT="50800" marB="50800" anchor="t" anchorCtr="0" horzOverflow="overflow">
+                    <a:lnL w="0">
+                      <a:miter lim="400000"/>
+                    </a:lnL>
+                    <a:lnR w="0">
+                      <a:miter lim="400000"/>
+                    </a:lnR>
+                    <a:lnT w="12700">
+                      <a:solidFill>
+                        <a:srgbClr val="5A5F5E"/>
+                      </a:solidFill>
+                      <a:miter lim="400000"/>
+                    </a:lnT>
+                    <a:lnB w="12700">
+                      <a:solidFill>
+                        <a:srgbClr val="5A5F5E"/>
+                      </a:solidFill>
+                      <a:miter lim="400000"/>
+                    </a:lnB>
+                  </a:tcPr>
+                </a:tc>
+              </a:tr>
+              <a:tr h="508000">
+                <a:tc>
+                  <a:txBody>
+                    <a:bodyPr/>
+                    <a:lstStyle/>
+                    <a:p>
+                      <a:pPr algn="l">
+                        <a:defRPr>
+                          <a:solidFill>
+                            <a:srgbClr val="000000"/>
+                          </a:solidFill>
+                        </a:defRPr>
+                      </a:pPr>
+                      <a:r>
+                        <a:rPr sz="2600">
+                          <a:solidFill>
+                            <a:srgbClr val="5A5F5E"/>
+                          </a:solidFill>
+                          <a:latin typeface="Monaco"/>
+                          <a:ea typeface="Monaco"/>
+                          <a:cs typeface="Monaco"/>
+                          <a:sym typeface="Monaco"/>
+                        </a:rPr>
+                        <a:t>FOR EACH ROW</a:t>
+                      </a:r>
+                    </a:p>
+                  </a:txBody>
+                  <a:tcPr marL="50800" marR="50800" marT="50800" marB="50800" anchor="t" anchorCtr="0" horzOverflow="overflow">
+                    <a:lnL w="0">
+                      <a:miter lim="400000"/>
+                    </a:lnL>
+                    <a:lnR w="0">
+                      <a:miter lim="400000"/>
+                    </a:lnR>
+                    <a:lnT w="12700">
+                      <a:solidFill>
+                        <a:srgbClr val="5A5F5E"/>
+                      </a:solidFill>
+                      <a:miter lim="400000"/>
+                    </a:lnT>
+                    <a:lnB w="12700">
+                      <a:solidFill>
+                        <a:srgbClr val="5A5F5E"/>
+                      </a:solidFill>
+                      <a:miter lim="400000"/>
+                    </a:lnB>
+                  </a:tcPr>
+                </a:tc>
+                <a:tc>
+                  <a:txBody>
+                    <a:bodyPr/>
+                    <a:lstStyle/>
+                    <a:p>
+                      <a:pPr algn="l">
+                        <a:defRPr>
+                          <a:solidFill>
+                            <a:srgbClr val="000000"/>
+                          </a:solidFill>
+                        </a:defRPr>
+                      </a:pPr>
+                      <a:r>
+                        <a:rPr sz="3000">
+                          <a:solidFill>
+                            <a:srgbClr val="5A5F5E"/>
+                          </a:solidFill>
+                        </a:rPr>
+                        <a:t>Le trigger sera exécuté pour chaque ligne impactée par l’action (insert, update, delete)</a:t>
+                      </a:r>
+                    </a:p>
+                  </a:txBody>
+                  <a:tcPr marL="50800" marR="50800" marT="50800" marB="50800" anchor="t" anchorCtr="0" horzOverflow="overflow">
+                    <a:lnL w="0">
+                      <a:miter lim="400000"/>
+                    </a:lnL>
+                    <a:lnR w="0">
+                      <a:miter lim="400000"/>
+                    </a:lnR>
+                    <a:lnT w="12700">
+                      <a:solidFill>
+                        <a:srgbClr val="5A5F5E"/>
+                      </a:solidFill>
+                      <a:miter lim="400000"/>
+                    </a:lnT>
+                    <a:lnB w="12700">
+                      <a:solidFill>
+                        <a:srgbClr val="5A5F5E"/>
+                      </a:solidFill>
+                      <a:miter lim="400000"/>
+                    </a:lnB>
+                  </a:tcPr>
+                </a:tc>
+              </a:tr>
+              <a:tr h="508000">
+                <a:tc>
+                  <a:txBody>
+                    <a:bodyPr/>
+                    <a:lstStyle/>
+                    <a:p>
+                      <a:pPr algn="l">
+                        <a:defRPr>
+                          <a:solidFill>
+                            <a:srgbClr val="000000"/>
+                          </a:solidFill>
+                        </a:defRPr>
+                      </a:pPr>
+                      <a:r>
+                        <a:rPr sz="2600">
+                          <a:solidFill>
+                            <a:srgbClr val="5A5F5E"/>
+                          </a:solidFill>
+                          <a:latin typeface="Monaco"/>
+                          <a:ea typeface="Monaco"/>
+                          <a:cs typeface="Monaco"/>
+                          <a:sym typeface="Monaco"/>
+                        </a:rPr>
+                        <a:t>FOR EACH STATEMENT</a:t>
+                      </a:r>
+                    </a:p>
+                  </a:txBody>
+                  <a:tcPr marL="50800" marR="50800" marT="50800" marB="50800" anchor="t" anchorCtr="0" horzOverflow="overflow">
+                    <a:lnL w="0">
+                      <a:miter lim="400000"/>
+                    </a:lnL>
+                    <a:lnR w="0">
+                      <a:miter lim="400000"/>
+                    </a:lnR>
+                    <a:lnT w="12700">
+                      <a:solidFill>
+                        <a:srgbClr val="5A5F5E"/>
+                      </a:solidFill>
+                      <a:miter lim="400000"/>
+                    </a:lnT>
+                    <a:lnB w="12700">
+                      <a:solidFill>
+                        <a:srgbClr val="5A5F5E"/>
+                      </a:solidFill>
+                      <a:miter lim="400000"/>
+                    </a:lnB>
+                  </a:tcPr>
+                </a:tc>
+                <a:tc>
+                  <a:txBody>
+                    <a:bodyPr/>
+                    <a:lstStyle/>
+                    <a:p>
+                      <a:pPr algn="l">
+                        <a:defRPr>
+                          <a:solidFill>
+                            <a:srgbClr val="000000"/>
+                          </a:solidFill>
+                        </a:defRPr>
+                      </a:pPr>
+                      <a:r>
+                        <a:rPr sz="3000">
+                          <a:solidFill>
+                            <a:srgbClr val="5A5F5E"/>
+                          </a:solidFill>
+                        </a:rPr>
+                        <a:t>S’exécute une seule fois par opération, même si cette opération impacte plusieurs lignes.</a:t>
+                      </a:r>
+                    </a:p>
+                  </a:txBody>
+                  <a:tcPr marL="50800" marR="50800" marT="50800" marB="50800" anchor="t" anchorCtr="0" horzOverflow="overflow">
+                    <a:lnL w="0">
+                      <a:miter lim="400000"/>
+                    </a:lnL>
+                    <a:lnR w="0">
+                      <a:miter lim="400000"/>
+                    </a:lnR>
+                    <a:lnT w="12700">
+                      <a:solidFill>
+                        <a:srgbClr val="5A5F5E"/>
+                      </a:solidFill>
+                      <a:miter lim="400000"/>
+                    </a:lnT>
+                    <a:lnB w="12700">
+                      <a:solidFill>
+                        <a:srgbClr val="5A5F5E"/>
+                      </a:solidFill>
+                      <a:miter lim="400000"/>
+                    </a:lnB>
+                  </a:tcPr>
+                </a:tc>
+              </a:tr>
+              <a:tr h="508000">
+                <a:tc>
+                  <a:txBody>
+                    <a:bodyPr/>
+                    <a:lstStyle/>
+                    <a:p>
+                      <a:pPr algn="l">
+                        <a:defRPr>
+                          <a:solidFill>
+                            <a:srgbClr val="000000"/>
+                          </a:solidFill>
+                        </a:defRPr>
+                      </a:pPr>
+                      <a:r>
+                        <a:rPr sz="2600">
+                          <a:solidFill>
+                            <a:srgbClr val="5A5F5E"/>
+                          </a:solidFill>
+                          <a:latin typeface="Monaco"/>
+                          <a:ea typeface="Monaco"/>
+                          <a:cs typeface="Monaco"/>
+                          <a:sym typeface="Monaco"/>
+                        </a:rPr>
+                        <a:t>NEW</a:t>
+                      </a:r>
+                    </a:p>
+                  </a:txBody>
+                  <a:tcPr marL="50800" marR="50800" marT="50800" marB="50800" anchor="t" anchorCtr="0" horzOverflow="overflow">
+                    <a:lnL w="0">
+                      <a:miter lim="400000"/>
+                    </a:lnL>
+                    <a:lnR w="0">
+                      <a:miter lim="400000"/>
+                    </a:lnR>
+                    <a:lnT w="12700">
+                      <a:solidFill>
+                        <a:srgbClr val="5A5F5E"/>
+                      </a:solidFill>
+                      <a:miter lim="400000"/>
+                    </a:lnT>
+                    <a:lnB w="12700">
+                      <a:solidFill>
+                        <a:srgbClr val="5A5F5E"/>
+                      </a:solidFill>
+                      <a:miter lim="400000"/>
+                    </a:lnB>
+                  </a:tcPr>
+                </a:tc>
+                <a:tc>
+                  <a:txBody>
+                    <a:bodyPr/>
+                    <a:lstStyle/>
+                    <a:p>
+                      <a:pPr algn="l">
+                        <a:defRPr>
+                          <a:solidFill>
+                            <a:srgbClr val="000000"/>
+                          </a:solidFill>
+                        </a:defRPr>
+                      </a:pPr>
+                      <a:r>
+                        <a:rPr sz="3000">
+                          <a:solidFill>
+                            <a:srgbClr val="5A5F5E"/>
+                          </a:solidFill>
+                        </a:rPr>
+                        <a:t>Possède la ligne venant d’être ajoutée, modifiée ou supprimée</a:t>
+                      </a:r>
+                    </a:p>
+                  </a:txBody>
+                  <a:tcPr marL="50800" marR="50800" marT="50800" marB="50800" anchor="t" anchorCtr="0" horzOverflow="overflow">
+                    <a:lnL w="0">
+                      <a:miter lim="400000"/>
+                    </a:lnL>
+                    <a:lnR w="0">
+                      <a:miter lim="400000"/>
+                    </a:lnR>
+                    <a:lnT w="12700">
+                      <a:solidFill>
+                        <a:srgbClr val="5A5F5E"/>
+                      </a:solidFill>
+                      <a:miter lim="400000"/>
+                    </a:lnT>
+                    <a:lnB w="12700">
+                      <a:solidFill>
+                        <a:srgbClr val="5A5F5E"/>
+                      </a:solidFill>
+                      <a:miter lim="400000"/>
+                    </a:lnB>
+                  </a:tcPr>
+                </a:tc>
+              </a:tr>
+              <a:tr h="508000">
+                <a:tc>
+                  <a:txBody>
+                    <a:bodyPr/>
+                    <a:lstStyle/>
+                    <a:p>
+                      <a:pPr algn="l">
+                        <a:defRPr>
+                          <a:solidFill>
+                            <a:srgbClr val="000000"/>
+                          </a:solidFill>
+                        </a:defRPr>
+                      </a:pPr>
+                      <a:r>
+                        <a:rPr sz="2800">
+                          <a:solidFill>
+                            <a:srgbClr val="5A5F5E"/>
+                          </a:solidFill>
+                          <a:latin typeface="Monaco"/>
+                          <a:ea typeface="Monaco"/>
+                          <a:cs typeface="Monaco"/>
+                          <a:sym typeface="Monaco"/>
+                        </a:rPr>
+                        <a:t>EXECUTE PROCEDURE</a:t>
+                      </a:r>
+                    </a:p>
+                  </a:txBody>
+                  <a:tcPr marL="50800" marR="50800" marT="50800" marB="50800" anchor="t" anchorCtr="0" horzOverflow="overflow">
+                    <a:lnL w="0">
+                      <a:miter lim="400000"/>
+                    </a:lnL>
+                    <a:lnR w="0">
+                      <a:miter lim="400000"/>
+                    </a:lnR>
+                    <a:lnT w="12700">
+                      <a:solidFill>
+                        <a:srgbClr val="5A5F5E"/>
+                      </a:solidFill>
+                      <a:miter lim="400000"/>
+                    </a:lnT>
+                    <a:lnB w="12700">
+                      <a:solidFill>
+                        <a:srgbClr val="5A5F5E"/>
+                      </a:solidFill>
+                      <a:miter lim="400000"/>
+                    </a:lnB>
+                  </a:tcPr>
+                </a:tc>
+                <a:tc>
+                  <a:txBody>
+                    <a:bodyPr/>
+                    <a:lstStyle/>
+                    <a:p>
+                      <a:pPr algn="l">
+                        <a:defRPr>
+                          <a:solidFill>
+                            <a:srgbClr val="000000"/>
+                          </a:solidFill>
+                        </a:defRPr>
+                      </a:pPr>
+                      <a:r>
+                        <a:rPr sz="3000">
+                          <a:solidFill>
+                            <a:srgbClr val="5A5F5E"/>
+                          </a:solidFill>
+                        </a:rPr>
+                        <a:t>Permet de spécifier la fonction à exécuter par le trigger</a:t>
+                      </a:r>
+                    </a:p>
+                  </a:txBody>
+                  <a:tcPr marL="50800" marR="50800" marT="50800" marB="50800" anchor="t" anchorCtr="0" horzOverflow="overflow">
+                    <a:lnL w="0">
+                      <a:miter lim="400000"/>
+                    </a:lnL>
+                    <a:lnR w="0">
+                      <a:miter lim="400000"/>
+                    </a:lnR>
+                    <a:lnT w="12700">
+                      <a:solidFill>
+                        <a:srgbClr val="5A5F5E"/>
+                      </a:solidFill>
+                      <a:miter lim="400000"/>
+                    </a:lnT>
+                    <a:lnB w="12700">
+                      <a:solidFill>
+                        <a:srgbClr val="5A5F5E"/>
+                      </a:solidFill>
+                      <a:miter lim="400000"/>
+                    </a:lnB>
+                  </a:tcPr>
+                </a:tc>
+              </a:tr>
+            </a:tbl>
+          </a:graphicData>
+        </a:graphic>
+      </p:graphicFrame>
+    </p:spTree>
+  </p:cSld>
+  <p:clrMapOvr>
+    <a:masterClrMapping/>
+  </p:clrMapOvr>
+  <p:transition xmlns:p14="http://schemas.microsoft.com/office/powerpoint/2010/main" spd="med" advClick="1"/>
+  <p:timing>
+    <p:tnLst>
+      <p:par>
+        <p:cTn id="1" nodeType="tmRoot" restart="never" dur="indefinite" fill="hold">
+          <p:childTnLst>
+            <p:seq concurrent="1" prevAc="none" nextAc="seek">
+              <p:cTn id="2" nodeType="mainSeq" dur="indefinite" fill="hold">
+                <p:childTnLst>
+                  <p:par>
+                    <p:cTn id="3" fill="hold">
+                      <p:stCondLst>
+                        <p:cond delay="indefinite"/>
+                        <p:cond evt="onBegin">
+                          <p:tn val="2"/>
+                        </p:cond>
+                      </p:stCondLst>
+                      <p:childTnLst>
+                        <p:par>
+                          <p:cTn id="4" fill="hold">
+                            <p:stCondLst>
+                              <p:cond delay="0"/>
+                            </p:stCondLst>
+                            <p:childTnLst>
+                              <p:par>
+                                <p:cTn id="5" presetClass="entr" nodeType="afterEffect" presetID="9" grpId="1" fill="hold">
+                                  <p:stCondLst>
+                                    <p:cond delay="0"/>
+                                  </p:stCondLst>
+                                  <p:iterate type="el" backwards="0">
+                                    <p:tmAbs val="0"/>
+                                  </p:iterate>
+                                  <p:childTnLst>
+                                    <p:set>
+                                      <p:cBhvr>
+                                        <p:cTn id="6" fill="hold"/>
+                                        <p:tgtEl>
+                                          <p:spTgt spid="560"/>
+                                        </p:tgtEl>
+                                        <p:attrNameLst>
+                                          <p:attrName>style.visibility</p:attrName>
+                                        </p:attrNameLst>
+                                      </p:cBhvr>
+                                      <p:to>
+                                        <p:strVal val="visible"/>
+                                      </p:to>
+                                    </p:set>
+                                    <p:animEffect filter="dissolve" transition="in">
+                                      <p:cBhvr>
+                                        <p:cTn id="7" dur="300"/>
+                                        <p:tgtEl>
+                                          <p:spTgt spid="560"/>
+                                        </p:tgtEl>
+                                      </p:cBhvr>
+                                    </p:animEffect>
+                                  </p:childTnLst>
+                                </p:cTn>
+                              </p:par>
+                            </p:childTnLst>
+                          </p:cTn>
+                        </p:par>
+                      </p:childTnLst>
+                    </p:cTn>
+                  </p:par>
+                </p:childTnLst>
+              </p:cTn>
+              <p:prevCondLst>
+                <p:cond evt="onPrev">
+                  <p:tgtEl>
+                    <p:sldTgt/>
+                  </p:tgtEl>
+                </p:cond>
+              </p:prevCondLst>
+              <p:nextCondLst>
+                <p:cond evt="onNext">
+                  <p:tgtEl>
+                    <p:sldTgt/>
+                  </p:tgtEl>
+                </p:cond>
+              </p:nextCondLst>
+            </p:seq>
+          </p:childTnLst>
+        </p:cTn>
+      </p:par>
+    </p:tnLst>
+    <p:bldLst>
+      <p:bldP build="whole" bldLvl="1" animBg="1" rev="0" advAuto="0" spid="560" grpId="1"/>
+    </p:bldLst>
+  </p:timing>
+</p:sld>
+</file>
+
+<file path=ppt/slides/slide63.xml><?xml version="1.0" encoding="utf-8"?>
+<p:sld xmlns:a="http://schemas.openxmlformats.org/drawingml/2006/main" xmlns:r="http://schemas.openxmlformats.org/officeDocument/2006/relationships" xmlns:p="http://schemas.openxmlformats.org/presentationml/2006/main" xmlns:m="http://schemas.openxmlformats.org/officeDocument/2006/math" xmlns:a14="http://schemas.microsoft.com/office/drawing/2010/main" showMasterSp="1" showMasterPhAnim="1">
+  <p:cSld>
+    <p:spTree>
+      <p:nvGrpSpPr>
+        <p:cNvPr id="1" name=""/>
+        <p:cNvGrpSpPr/>
+        <p:nvPr/>
+      </p:nvGrpSpPr>
+      <p:grpSpPr>
+        <a:xfrm>
+          <a:off x="0" y="0"/>
+          <a:ext cx="0" cy="0"/>
+          <a:chOff x="0" y="0"/>
+          <a:chExt cx="0" cy="0"/>
+        </a:xfrm>
+      </p:grpSpPr>
+      <p:sp>
+        <p:nvSpPr>
+          <p:cNvPr id="562" name="Requêtage SQL"/>
+          <p:cNvSpPr txBox="1"/>
+          <p:nvPr/>
+        </p:nvSpPr>
+        <p:spPr>
+          <a:xfrm>
+            <a:off x="1270000" y="-12700"/>
+            <a:ext cx="10464800" cy="1282700"/>
+          </a:xfrm>
+          <a:prstGeom prst="rect">
+            <a:avLst/>
+          </a:prstGeom>
+          <a:ln w="12700">
+            <a:miter lim="400000"/>
+          </a:ln>
+          <a:extLst>
+            <a:ext uri="{C572A759-6A51-4108-AA02-DFA0A04FC94B}">
+              <ma14:wrappingTextBoxFlag xmlns:ma14="http://schemas.microsoft.com/office/mac/drawingml/2011/main" val="1"/>
+            </a:ext>
+          </a:extLst>
+        </p:spPr>
+        <p:txBody>
+          <a:bodyPr lIns="50800" tIns="50800" rIns="50800" bIns="50800" anchor="ctr">
+            <a:normAutofit fontScale="100000" lnSpcReduction="0"/>
+          </a:bodyPr>
+          <a:lstStyle>
+            <a:lvl1pPr>
+              <a:defRPr sz="2600"/>
+            </a:lvl1pPr>
+          </a:lstStyle>
+          <a:p>
+            <a:pPr/>
+            <a:r>
+              <a:t>Requêtage SQL</a:t>
+            </a:r>
+          </a:p>
+        </p:txBody>
+      </p:sp>
+      <p:sp>
+        <p:nvSpPr>
+          <p:cNvPr id="563" name="Création du trigger"/>
+          <p:cNvSpPr txBox="1"/>
+          <p:nvPr/>
+        </p:nvSpPr>
+        <p:spPr>
+          <a:xfrm>
+            <a:off x="4729298" y="1485733"/>
+            <a:ext cx="3546204" cy="622301"/>
+          </a:xfrm>
+          <a:prstGeom prst="rect">
+            <a:avLst/>
+          </a:prstGeom>
+          <a:ln w="12700">
+            <a:miter lim="400000"/>
+          </a:ln>
+          <a:extLst>
+            <a:ext uri="{C572A759-6A51-4108-AA02-DFA0A04FC94B}">
+              <ma14:wrappingTextBoxFlag xmlns:ma14="http://schemas.microsoft.com/office/mac/drawingml/2011/main" val="1"/>
+            </a:ext>
+          </a:extLst>
+        </p:spPr>
+        <p:txBody>
+          <a:bodyPr wrap="none" lIns="50800" tIns="50800" rIns="50800" bIns="50800" anchor="ctr">
+            <a:spAutoFit/>
+          </a:bodyPr>
+          <a:lstStyle/>
+          <a:p>
+            <a:pPr/>
+            <a:r>
+              <a:t>Création du trigger</a:t>
+            </a:r>
+          </a:p>
+        </p:txBody>
+      </p:sp>
+      <p:sp>
+        <p:nvSpPr>
+          <p:cNvPr id="564" name="CREATE TRIGGER [nom] [quand] [évènement] (OF [colonne])…"/>
+          <p:cNvSpPr txBox="1"/>
+          <p:nvPr/>
+        </p:nvSpPr>
+        <p:spPr>
+          <a:xfrm>
+            <a:off x="427869" y="2698418"/>
+            <a:ext cx="12149062" cy="1951509"/>
+          </a:xfrm>
+          <a:prstGeom prst="rect">
+            <a:avLst/>
+          </a:prstGeom>
+          <a:ln w="12700">
+            <a:miter lim="400000"/>
+          </a:ln>
+          <a:extLst>
+            <a:ext uri="{C572A759-6A51-4108-AA02-DFA0A04FC94B}">
+              <ma14:wrappingTextBoxFlag xmlns:ma14="http://schemas.microsoft.com/office/mac/drawingml/2011/main" val="1"/>
+            </a:ext>
+          </a:extLst>
+        </p:spPr>
+        <p:txBody>
+          <a:bodyPr lIns="50800" tIns="50800" rIns="50800" bIns="50800">
+            <a:spAutoFit/>
+          </a:bodyPr>
+          <a:lstStyle/>
+          <a:p>
+            <a:pPr algn="l">
+              <a:defRPr sz="2800">
+                <a:solidFill>
+                  <a:srgbClr val="5A5F5E"/>
+                </a:solidFill>
+                <a:latin typeface="Monaco"/>
+                <a:ea typeface="Monaco"/>
+                <a:cs typeface="Monaco"/>
+                <a:sym typeface="Monaco"/>
+              </a:defRPr>
+            </a:pPr>
+            <a:r>
+              <a:t>CREATE TRIGGER [nom] [quand] [évènement] (OF [colonne])</a:t>
+            </a:r>
+          </a:p>
+          <a:p>
+            <a:pPr algn="l">
+              <a:defRPr sz="2800">
+                <a:solidFill>
+                  <a:srgbClr val="5A5F5E"/>
+                </a:solidFill>
+                <a:latin typeface="Monaco"/>
+                <a:ea typeface="Monaco"/>
+                <a:cs typeface="Monaco"/>
+                <a:sym typeface="Monaco"/>
+              </a:defRPr>
+            </a:pPr>
+            <a:r>
+              <a:t>ON [table]</a:t>
+            </a:r>
+          </a:p>
+          <a:p>
+            <a:pPr algn="l">
+              <a:defRPr sz="2800">
+                <a:solidFill>
+                  <a:srgbClr val="5A5F5E"/>
+                </a:solidFill>
+                <a:latin typeface="Monaco"/>
+                <a:ea typeface="Monaco"/>
+                <a:cs typeface="Monaco"/>
+                <a:sym typeface="Monaco"/>
+              </a:defRPr>
+            </a:pPr>
+            <a:r>
+              <a:t>[FOR EACH ROW | FOR EACH STATEMENT]</a:t>
+            </a:r>
+          </a:p>
+          <a:p>
+            <a:pPr algn="l">
+              <a:defRPr sz="2800">
+                <a:solidFill>
+                  <a:srgbClr val="5A5F5E"/>
+                </a:solidFill>
+                <a:latin typeface="Monaco"/>
+                <a:ea typeface="Monaco"/>
+                <a:cs typeface="Monaco"/>
+                <a:sym typeface="Monaco"/>
+              </a:defRPr>
+            </a:pPr>
+            <a:r>
+              <a:t>EXECUTE PROCEDURE [nom_fonction]();</a:t>
+            </a:r>
+          </a:p>
+        </p:txBody>
+      </p:sp>
+      <p:sp>
+        <p:nvSpPr>
+          <p:cNvPr id="565" name="CREATE TRIGGER visits_history AFTER UPDATE OF last_login…"/>
+          <p:cNvSpPr txBox="1"/>
+          <p:nvPr/>
+        </p:nvSpPr>
+        <p:spPr>
+          <a:xfrm>
+            <a:off x="427869" y="2704070"/>
+            <a:ext cx="12149063" cy="1951510"/>
+          </a:xfrm>
+          <a:prstGeom prst="rect">
+            <a:avLst/>
+          </a:prstGeom>
+          <a:ln w="12700">
+            <a:miter lim="400000"/>
+          </a:ln>
+          <a:extLst>
+            <a:ext uri="{C572A759-6A51-4108-AA02-DFA0A04FC94B}">
+              <ma14:wrappingTextBoxFlag xmlns:ma14="http://schemas.microsoft.com/office/mac/drawingml/2011/main" val="1"/>
+            </a:ext>
+          </a:extLst>
+        </p:spPr>
+        <p:txBody>
+          <a:bodyPr lIns="50800" tIns="50800" rIns="50800" bIns="50800">
+            <a:spAutoFit/>
+          </a:bodyPr>
+          <a:lstStyle/>
+          <a:p>
+            <a:pPr algn="l">
+              <a:defRPr sz="2800">
+                <a:solidFill>
+                  <a:srgbClr val="5A5F5E"/>
+                </a:solidFill>
+                <a:latin typeface="Monaco"/>
+                <a:ea typeface="Monaco"/>
+                <a:cs typeface="Monaco"/>
+                <a:sym typeface="Monaco"/>
+              </a:defRPr>
+            </a:pPr>
+            <a:r>
+              <a:t>CREATE TRIGGER visits_history AFTER UPDATE OF last_login</a:t>
+            </a:r>
+          </a:p>
+          <a:p>
+            <a:pPr algn="l">
+              <a:defRPr sz="2800">
+                <a:solidFill>
+                  <a:srgbClr val="5A5F5E"/>
+                </a:solidFill>
+                <a:latin typeface="Monaco"/>
+                <a:ea typeface="Monaco"/>
+                <a:cs typeface="Monaco"/>
+                <a:sym typeface="Monaco"/>
+              </a:defRPr>
+            </a:pPr>
+            <a:r>
+              <a:t>ON user</a:t>
+            </a:r>
+          </a:p>
+          <a:p>
+            <a:pPr algn="l">
+              <a:defRPr sz="2800">
+                <a:solidFill>
+                  <a:srgbClr val="5A5F5E"/>
+                </a:solidFill>
+                <a:latin typeface="Monaco"/>
+                <a:ea typeface="Monaco"/>
+                <a:cs typeface="Monaco"/>
+                <a:sym typeface="Monaco"/>
+              </a:defRPr>
+            </a:pPr>
+            <a:r>
+              <a:t>FOR EACH ROW</a:t>
+            </a:r>
+          </a:p>
+          <a:p>
+            <a:pPr algn="l">
+              <a:defRPr sz="2800">
+                <a:solidFill>
+                  <a:srgbClr val="5A5F5E"/>
+                </a:solidFill>
+                <a:latin typeface="Monaco"/>
+                <a:ea typeface="Monaco"/>
+                <a:cs typeface="Monaco"/>
+                <a:sym typeface="Monaco"/>
+              </a:defRPr>
+            </a:pPr>
+            <a:r>
+              <a:t>EXECUTE PROCEDURE save_visits();</a:t>
+            </a:r>
+          </a:p>
+        </p:txBody>
+      </p:sp>
+      <p:sp>
+        <p:nvSpPr>
+          <p:cNvPr id="566" name="Ce trigger sera exécuté à chaque fois que user.last_login sera mise à jour.…"/>
+          <p:cNvSpPr txBox="1"/>
+          <p:nvPr/>
+        </p:nvSpPr>
+        <p:spPr>
+          <a:xfrm>
+            <a:off x="422257" y="5560872"/>
+            <a:ext cx="11108076" cy="2705101"/>
+          </a:xfrm>
+          <a:prstGeom prst="rect">
+            <a:avLst/>
+          </a:prstGeom>
+          <a:ln w="12700">
+            <a:miter lim="400000"/>
+          </a:ln>
+          <a:extLst>
+            <a:ext uri="{C572A759-6A51-4108-AA02-DFA0A04FC94B}">
+              <ma14:wrappingTextBoxFlag xmlns:ma14="http://schemas.microsoft.com/office/mac/drawingml/2011/main" val="1"/>
+            </a:ext>
+          </a:extLst>
+        </p:spPr>
+        <p:txBody>
+          <a:bodyPr lIns="50800" tIns="50800" rIns="50800" bIns="50800" anchor="ctr">
+            <a:spAutoFit/>
+          </a:bodyPr>
+          <a:lstStyle/>
+          <a:p>
+            <a:pPr algn="l"/>
+            <a:r>
+              <a:t>Ce trigger sera exécuté à chaque fois que </a:t>
+            </a:r>
+            <a:r>
+              <a:rPr i="1">
+                <a:latin typeface="Gill Sans"/>
+                <a:ea typeface="Gill Sans"/>
+                <a:cs typeface="Gill Sans"/>
+                <a:sym typeface="Gill Sans"/>
+              </a:rPr>
+              <a:t>user.last_login</a:t>
+            </a:r>
+            <a:r>
+              <a:t> sera mise à jour.</a:t>
+            </a:r>
+          </a:p>
+          <a:p>
+            <a:pPr algn="l"/>
+            <a:r>
+              <a:t>Il fera appel à la fonction </a:t>
+            </a:r>
+            <a:r>
+              <a:rPr i="1">
+                <a:latin typeface="Gill Sans"/>
+                <a:ea typeface="Gill Sans"/>
+                <a:cs typeface="Gill Sans"/>
+                <a:sym typeface="Gill Sans"/>
+              </a:rPr>
+              <a:t>save_visits()</a:t>
+            </a:r>
+            <a:r>
+              <a:t> qui, elle, ajoutera dans la table </a:t>
+            </a:r>
+            <a:r>
+              <a:rPr i="1">
+                <a:latin typeface="Gill Sans"/>
+                <a:ea typeface="Gill Sans"/>
+                <a:cs typeface="Gill Sans"/>
+                <a:sym typeface="Gill Sans"/>
+              </a:rPr>
+              <a:t>logs_connexion</a:t>
+            </a:r>
+            <a:r>
+              <a:t> une nouvelle donnée reprenant l’</a:t>
+            </a:r>
+            <a:r>
+              <a:rPr i="1">
+                <a:latin typeface="Gill Sans"/>
+                <a:ea typeface="Gill Sans"/>
+                <a:cs typeface="Gill Sans"/>
+                <a:sym typeface="Gill Sans"/>
+              </a:rPr>
+              <a:t>id</a:t>
+            </a:r>
+            <a:r>
+              <a:t> de l’utilisateur venant d’être mis à jour.</a:t>
+            </a:r>
+          </a:p>
+        </p:txBody>
+      </p:sp>
+    </p:spTree>
+  </p:cSld>
+  <p:clrMapOvr>
+    <a:masterClrMapping/>
+  </p:clrMapOvr>
+  <p:transition xmlns:p14="http://schemas.microsoft.com/office/powerpoint/2010/main" spd="med" advClick="1"/>
+  <p:timing>
+    <p:tnLst>
+      <p:par>
+        <p:cTn id="1" nodeType="tmRoot" restart="never" dur="indefinite" fill="hold">
+          <p:childTnLst>
+            <p:seq concurrent="1" prevAc="none" nextAc="seek">
+              <p:cTn id="2" nodeType="mainSeq" dur="indefinite" fill="hold">
+                <p:childTnLst>
+                  <p:par>
+                    <p:cTn id="3" fill="hold">
+                      <p:stCondLst>
+                        <p:cond delay="indefinite"/>
+                      </p:stCondLst>
+                      <p:childTnLst>
+                        <p:par>
+                          <p:cTn id="4" fill="hold">
+                            <p:stCondLst>
+                              <p:cond delay="0"/>
+                            </p:stCondLst>
+                            <p:childTnLst>
+                              <p:par>
+                                <p:cTn id="5" presetClass="emph" nodeType="clickEffect" presetID="9" grpId="1" fill="hold">
+                                  <p:stCondLst>
+                                    <p:cond delay="0"/>
+                                  </p:stCondLst>
+                                  <p:childTnLst>
+                                    <p:set>
+                                      <p:cBhvr>
+                                        <p:cTn id="6" dur="indefinite" fill="hold"/>
+                                        <p:tgtEl>
+                                          <p:spTgt spid="564"/>
+                                        </p:tgtEl>
+                                        <p:attrNameLst>
+                                          <p:attrName>style.opacity</p:attrName>
+                                        </p:attrNameLst>
+                                      </p:cBhvr>
+                                      <p:to>
+                                        <p:strVal val="0.00"/>
+                                      </p:to>
+                                    </p:set>
+                                    <p:animEffect filter="image" prLst="opacity: 0.00; ">
+                                      <p:cBhvr>
+                                        <p:cTn id="7" dur="indefinite" fill="hold"/>
+                                        <p:tgtEl>
+                                          <p:spTgt spid="564"/>
+                                        </p:tgtEl>
+                                      </p:cBhvr>
+                                    </p:animEffect>
+                                  </p:childTnLst>
+                                </p:cTn>
+                              </p:par>
+                            </p:childTnLst>
+                          </p:cTn>
+                        </p:par>
+                        <p:par>
+                          <p:cTn id="8" fill="hold">
+                            <p:stCondLst>
+                              <p:cond delay="300"/>
+                            </p:stCondLst>
+                            <p:childTnLst>
+                              <p:par>
+                                <p:cTn id="9" presetClass="entr" nodeType="afterEffect" presetID="9" grpId="2" fill="hold">
+                                  <p:stCondLst>
+                                    <p:cond delay="0"/>
+                                  </p:stCondLst>
+                                  <p:iterate type="el" backwards="0">
+                                    <p:tmAbs val="0"/>
+                                  </p:iterate>
+                                  <p:childTnLst>
+                                    <p:set>
+                                      <p:cBhvr>
+                                        <p:cTn id="10" fill="hold"/>
+                                        <p:tgtEl>
+                                          <p:spTgt spid="565"/>
+                                        </p:tgtEl>
+                                        <p:attrNameLst>
+                                          <p:attrName>style.visibility</p:attrName>
+                                        </p:attrNameLst>
+                                      </p:cBhvr>
+                                      <p:to>
+                                        <p:strVal val="visible"/>
+                                      </p:to>
+                                    </p:set>
+                                    <p:animEffect filter="dissolve" transition="in">
+                                      <p:cBhvr>
+                                        <p:cTn id="11" dur="300"/>
+                                        <p:tgtEl>
+                                          <p:spTgt spid="565"/>
+                                        </p:tgtEl>
+                                      </p:cBhvr>
+                                    </p:animEffect>
+                                  </p:childTnLst>
+                                </p:cTn>
+                              </p:par>
+                            </p:childTnLst>
+                          </p:cTn>
+                        </p:par>
+                      </p:childTnLst>
+                    </p:cTn>
+                  </p:par>
+                  <p:par>
+                    <p:cTn id="12" fill="hold">
+                      <p:stCondLst>
+                        <p:cond delay="indefinite"/>
+                      </p:stCondLst>
+                      <p:childTnLst>
+                        <p:par>
+                          <p:cTn id="13" fill="hold">
+                            <p:stCondLst>
+                              <p:cond delay="0"/>
+                            </p:stCondLst>
+                            <p:childTnLst>
+                              <p:par>
+                                <p:cTn id="14" presetClass="entr" nodeType="clickEffect" presetID="9" grpId="3" fill="hold">
+                                  <p:stCondLst>
+                                    <p:cond delay="0"/>
+                                  </p:stCondLst>
+                                  <p:iterate type="el" backwards="0">
+                                    <p:tmAbs val="0"/>
+                                  </p:iterate>
+                                  <p:childTnLst>
+                                    <p:set>
+                                      <p:cBhvr>
+                                        <p:cTn id="15" fill="hold"/>
+                                        <p:tgtEl>
+                                          <p:spTgt spid="566"/>
+                                        </p:tgtEl>
+                                        <p:attrNameLst>
+                                          <p:attrName>style.visibility</p:attrName>
+                                        </p:attrNameLst>
+                                      </p:cBhvr>
+                                      <p:to>
+                                        <p:strVal val="visible"/>
+                                      </p:to>
+                                    </p:set>
+                                    <p:animEffect filter="dissolve" transition="in">
+                                      <p:cBhvr>
+                                        <p:cTn id="16" dur="300"/>
+                                        <p:tgtEl>
+                                          <p:spTgt spid="566"/>
+                                        </p:tgtEl>
+                                      </p:cBhvr>
+                                    </p:animEffect>
+                                  </p:childTnLst>
+                                </p:cTn>
+                              </p:par>
+                            </p:childTnLst>
+                          </p:cTn>
+                        </p:par>
+                      </p:childTnLst>
+                    </p:cTn>
+                  </p:par>
+                </p:childTnLst>
+              </p:cTn>
+              <p:prevCondLst>
+                <p:cond evt="onPrev">
+                  <p:tgtEl>
+                    <p:sldTgt/>
+                  </p:tgtEl>
+                </p:cond>
+              </p:prevCondLst>
+              <p:nextCondLst>
+                <p:cond evt="onNext">
+                  <p:tgtEl>
+                    <p:sldTgt/>
+                  </p:tgtEl>
+                </p:cond>
+              </p:nextCondLst>
+            </p:seq>
+          </p:childTnLst>
+        </p:cTn>
+      </p:par>
+    </p:tnLst>
+    <p:bldLst>
+      <p:bldP build="whole" bldLvl="1" animBg="1" rev="0" advAuto="0" spid="564" grpId="1"/>
+      <p:bldP build="whole" bldLvl="1" animBg="1" rev="0" advAuto="0" spid="565" grpId="2"/>
+      <p:bldP build="whole" bldLvl="1" animBg="1" rev="0" advAuto="0" spid="566" grpId="3"/>
+    </p:bldLst>
+  </p:timing>
+</p:sld>
+</file>
+
+<file path=ppt/slides/slide64.xml><?xml version="1.0" encoding="utf-8"?>
+<p:sld xmlns:a="http://schemas.openxmlformats.org/drawingml/2006/main" xmlns:r="http://schemas.openxmlformats.org/officeDocument/2006/relationships" xmlns:p="http://schemas.openxmlformats.org/presentationml/2006/main" xmlns:m="http://schemas.openxmlformats.org/officeDocument/2006/math" xmlns:a14="http://schemas.microsoft.com/office/drawing/2010/main" showMasterSp="1" showMasterPhAnim="1">
+  <p:cSld>
+    <p:spTree>
+      <p:nvGrpSpPr>
+        <p:cNvPr id="1" name=""/>
+        <p:cNvGrpSpPr/>
+        <p:nvPr/>
+      </p:nvGrpSpPr>
+      <p:grpSpPr>
+        <a:xfrm>
+          <a:off x="0" y="0"/>
+          <a:ext cx="0" cy="0"/>
+          <a:chOff x="0" y="0"/>
+          <a:chExt cx="0" cy="0"/>
+        </a:xfrm>
+      </p:grpSpPr>
+      <p:sp>
+        <p:nvSpPr>
+          <p:cNvPr id="568" name="Requêtage SQL"/>
+          <p:cNvSpPr txBox="1"/>
+          <p:nvPr/>
+        </p:nvSpPr>
+        <p:spPr>
+          <a:xfrm>
+            <a:off x="1270000" y="-12700"/>
+            <a:ext cx="10464800" cy="1282700"/>
+          </a:xfrm>
+          <a:prstGeom prst="rect">
+            <a:avLst/>
+          </a:prstGeom>
+          <a:ln w="12700">
+            <a:miter lim="400000"/>
+          </a:ln>
+          <a:extLst>
+            <a:ext uri="{C572A759-6A51-4108-AA02-DFA0A04FC94B}">
+              <ma14:wrappingTextBoxFlag xmlns:ma14="http://schemas.microsoft.com/office/mac/drawingml/2011/main" val="1"/>
+            </a:ext>
+          </a:extLst>
+        </p:spPr>
+        <p:txBody>
+          <a:bodyPr lIns="50800" tIns="50800" rIns="50800" bIns="50800" anchor="ctr">
+            <a:normAutofit fontScale="100000" lnSpcReduction="0"/>
+          </a:bodyPr>
+          <a:lstStyle>
+            <a:lvl1pPr>
+              <a:defRPr sz="2600"/>
+            </a:lvl1pPr>
+          </a:lstStyle>
+          <a:p>
+            <a:pPr/>
+            <a:r>
+              <a:t>Requêtage SQL</a:t>
+            </a:r>
+          </a:p>
+        </p:txBody>
+      </p:sp>
+      <p:sp>
+        <p:nvSpPr>
+          <p:cNvPr id="569" name="Créer un trigger permettant de mettre à jour le stock dans la table produit à chaque fois qu’un produit est ajouté à une commande.…"/>
+          <p:cNvSpPr txBox="1"/>
+          <p:nvPr/>
+        </p:nvSpPr>
+        <p:spPr>
+          <a:xfrm>
+            <a:off x="397954" y="2859477"/>
+            <a:ext cx="12316719" cy="3746501"/>
+          </a:xfrm>
+          <a:prstGeom prst="rect">
+            <a:avLst/>
+          </a:prstGeom>
+          <a:ln w="12700">
+            <a:miter lim="400000"/>
+          </a:ln>
+          <a:extLst>
+            <a:ext uri="{C572A759-6A51-4108-AA02-DFA0A04FC94B}">
+              <ma14:wrappingTextBoxFlag xmlns:ma14="http://schemas.microsoft.com/office/mac/drawingml/2011/main" val="1"/>
+            </a:ext>
+          </a:extLst>
+        </p:spPr>
+        <p:txBody>
+          <a:bodyPr wrap="none" lIns="50800" tIns="50800" rIns="50800" bIns="50800" anchor="ctr">
+            <a:spAutoFit/>
+          </a:bodyPr>
+          <a:lstStyle/>
+          <a:p>
+            <a:pPr algn="l"/>
+            <a:r>
+              <a:t>Créer un trigger permettant de mettre à jour le stock dans la table produit à chaque fois qu’un produit est ajouté à une commande.</a:t>
+            </a:r>
+          </a:p>
+          <a:p>
+            <a:pPr algn="l"/>
+          </a:p>
+          <a:p>
+            <a:pPr algn="l"/>
+            <a:r>
+              <a:t>Exemple :</a:t>
+            </a:r>
+          </a:p>
+          <a:p>
+            <a:pPr algn="l"/>
+            <a:r>
+              <a:t>Si le produit 2 possède 10 produits en stock et qu’un internaute en achète 2, il faut que le stock dans la table produit passe automatiquement à 8.</a:t>
+            </a:r>
+          </a:p>
+        </p:txBody>
+      </p:sp>
+      <p:sp>
+        <p:nvSpPr>
+          <p:cNvPr id="570" name="Un peu de pratique"/>
+          <p:cNvSpPr txBox="1"/>
+          <p:nvPr/>
+        </p:nvSpPr>
+        <p:spPr>
+          <a:xfrm>
+            <a:off x="4672930" y="1510389"/>
+            <a:ext cx="3658940" cy="622301"/>
+          </a:xfrm>
+          <a:prstGeom prst="rect">
+            <a:avLst/>
+          </a:prstGeom>
+          <a:ln w="12700">
+            <a:miter lim="400000"/>
+          </a:ln>
+          <a:extLst>
+            <a:ext uri="{C572A759-6A51-4108-AA02-DFA0A04FC94B}">
+              <ma14:wrappingTextBoxFlag xmlns:ma14="http://schemas.microsoft.com/office/mac/drawingml/2011/main" val="1"/>
+            </a:ext>
+          </a:extLst>
+        </p:spPr>
+        <p:txBody>
+          <a:bodyPr wrap="none" lIns="50800" tIns="50800" rIns="50800" bIns="50800" anchor="ctr">
+            <a:spAutoFit/>
+          </a:bodyPr>
+          <a:lstStyle>
+            <a:lvl1pPr algn="l"/>
+          </a:lstStyle>
+          <a:p>
+            <a:pPr/>
+            <a:r>
+              <a:t>Un peu de pratique</a:t>
             </a:r>
           </a:p>
         </p:txBody>
@@ -43584,8 +51271,8 @@
       </p:par>
     </p:tnLst>
     <p:bldLst>
+      <p:bldP build="whole" bldLvl="1" animBg="1" rev="0" advAuto="0" spid="158" grpId="3"/>
       <p:bldP build="whole" bldLvl="1" animBg="1" rev="0" advAuto="0" spid="159" grpId="4"/>
-      <p:bldP build="whole" bldLvl="1" animBg="1" rev="0" advAuto="0" spid="158" grpId="3"/>
       <p:bldP build="whole" bldLvl="1" animBg="1" rev="0" advAuto="0" spid="156" grpId="1"/>
       <p:bldP build="whole" bldLvl="1" animBg="1" rev="0" advAuto="0" spid="156" grpId="2"/>
     </p:bldLst>
@@ -44341,12 +52028,12 @@
       </p:par>
     </p:tnLst>
     <p:bldLst>
+      <p:bldP build="whole" bldLvl="1" animBg="1" rev="0" advAuto="0" spid="170" grpId="7"/>
+      <p:bldP build="whole" bldLvl="1" animBg="1" rev="0" advAuto="0" spid="166" grpId="4"/>
       <p:bldP build="whole" bldLvl="1" animBg="1" rev="0" advAuto="0" spid="165" grpId="2"/>
-      <p:bldP build="whole" bldLvl="1" animBg="1" rev="0" advAuto="0" spid="170" grpId="7"/>
+      <p:bldP build="whole" bldLvl="1" animBg="1" rev="0" advAuto="0" spid="167" grpId="6"/>
       <p:bldP build="whole" bldLvl="1" animBg="1" rev="0" advAuto="0" spid="168" grpId="3"/>
-      <p:bldP build="whole" bldLvl="1" animBg="1" rev="0" advAuto="0" spid="167" grpId="6"/>
       <p:bldP build="whole" bldLvl="1" animBg="1" rev="0" advAuto="0" spid="169" grpId="5"/>
-      <p:bldP build="whole" bldLvl="1" animBg="1" rev="0" advAuto="0" spid="166" grpId="4"/>
     </p:bldLst>
   </p:timing>
 </p:sld>
